--- a/getting-started-with-github-actions.pptx
+++ b/getting-started-with-github-actions.pptx
@@ -6,7 +6,30 @@
   </p:sldMasterIdLst>
   <p:sldIdLst>
     <p:sldId id="256" r:id="rId2"/>
-    <p:sldId id="257" r:id="rId3"/>
+    <p:sldId id="259" r:id="rId3"/>
+    <p:sldId id="260" r:id="rId4"/>
+    <p:sldId id="261" r:id="rId5"/>
+    <p:sldId id="262" r:id="rId6"/>
+    <p:sldId id="263" r:id="rId7"/>
+    <p:sldId id="264" r:id="rId8"/>
+    <p:sldId id="265" r:id="rId9"/>
+    <p:sldId id="266" r:id="rId10"/>
+    <p:sldId id="267" r:id="rId11"/>
+    <p:sldId id="268" r:id="rId12"/>
+    <p:sldId id="269" r:id="rId13"/>
+    <p:sldId id="270" r:id="rId14"/>
+    <p:sldId id="273" r:id="rId15"/>
+    <p:sldId id="272" r:id="rId16"/>
+    <p:sldId id="271" r:id="rId17"/>
+    <p:sldId id="274" r:id="rId18"/>
+    <p:sldId id="275" r:id="rId19"/>
+    <p:sldId id="276" r:id="rId20"/>
+    <p:sldId id="277" r:id="rId21"/>
+    <p:sldId id="278" r:id="rId22"/>
+    <p:sldId id="279" r:id="rId23"/>
+    <p:sldId id="280" r:id="rId24"/>
+    <p:sldId id="281" r:id="rId25"/>
+    <p:sldId id="258" r:id="rId26"/>
   </p:sldIdLst>
   <p:sldSz cx="12192000" cy="6858000"/>
   <p:notesSz cx="6858000" cy="9144000"/>
@@ -105,6 +128,11 @@
       </a:defRPr>
     </a:lvl9pPr>
   </p:defaultTextStyle>
+  <p:extLst>
+    <p:ext uri="{EFAFB233-063F-42B5-8137-9DF3F51BA10A}">
+      <p15:sldGuideLst xmlns:p15="http://schemas.microsoft.com/office/powerpoint/2012/main"/>
+    </p:ext>
+  </p:extLst>
 </p:presentation>
 </file>
 
@@ -456,7 +484,7 @@
           <a:p>
             <a:fld id="{3CADBD16-5BFB-4D9F-9646-C75D1B53BBB6}" type="datetimeFigureOut">
               <a:rPr lang="en-US" smtClean="0"/>
-              <a:t>7/10/2022</a:t>
+              <a:t>5/6/2023</a:t>
             </a:fld>
             <a:endParaRPr lang="en-US"/>
           </a:p>
@@ -697,7 +725,7 @@
           <a:p>
             <a:fld id="{3CADBD16-5BFB-4D9F-9646-C75D1B53BBB6}" type="datetimeFigureOut">
               <a:rPr lang="en-US" smtClean="0"/>
-              <a:t>7/10/2022</a:t>
+              <a:t>5/6/2023</a:t>
             </a:fld>
             <a:endParaRPr lang="en-US"/>
           </a:p>
@@ -905,7 +933,7 @@
           <a:p>
             <a:fld id="{3CADBD16-5BFB-4D9F-9646-C75D1B53BBB6}" type="datetimeFigureOut">
               <a:rPr lang="en-US" smtClean="0"/>
-              <a:t>7/10/2022</a:t>
+              <a:t>5/6/2023</a:t>
             </a:fld>
             <a:endParaRPr lang="en-US"/>
           </a:p>
@@ -1103,7 +1131,7 @@
           <a:p>
             <a:fld id="{3CADBD16-5BFB-4D9F-9646-C75D1B53BBB6}" type="datetimeFigureOut">
               <a:rPr lang="en-US" smtClean="0"/>
-              <a:t>7/10/2022</a:t>
+              <a:t>5/6/2023</a:t>
             </a:fld>
             <a:endParaRPr lang="en-US"/>
           </a:p>
@@ -1380,7 +1408,7 @@
           <a:p>
             <a:fld id="{3CADBD16-5BFB-4D9F-9646-C75D1B53BBB6}" type="datetimeFigureOut">
               <a:rPr lang="en-US" smtClean="0"/>
-              <a:t>7/10/2022</a:t>
+              <a:t>5/6/2023</a:t>
             </a:fld>
             <a:endParaRPr lang="en-US"/>
           </a:p>
@@ -1645,7 +1673,7 @@
           <a:p>
             <a:fld id="{3CADBD16-5BFB-4D9F-9646-C75D1B53BBB6}" type="datetimeFigureOut">
               <a:rPr lang="en-US" smtClean="0"/>
-              <a:t>7/10/2022</a:t>
+              <a:t>5/6/2023</a:t>
             </a:fld>
             <a:endParaRPr lang="en-US"/>
           </a:p>
@@ -2061,7 +2089,7 @@
           <a:p>
             <a:fld id="{3CADBD16-5BFB-4D9F-9646-C75D1B53BBB6}" type="datetimeFigureOut">
               <a:rPr lang="en-US" smtClean="0"/>
-              <a:t>7/10/2022</a:t>
+              <a:t>5/6/2023</a:t>
             </a:fld>
             <a:endParaRPr lang="en-US"/>
           </a:p>
@@ -2211,7 +2239,7 @@
           <a:p>
             <a:fld id="{3CADBD16-5BFB-4D9F-9646-C75D1B53BBB6}" type="datetimeFigureOut">
               <a:rPr lang="en-US" smtClean="0"/>
-              <a:t>7/10/2022</a:t>
+              <a:t>5/6/2023</a:t>
             </a:fld>
             <a:endParaRPr lang="en-US"/>
           </a:p>
@@ -2324,7 +2352,7 @@
           <a:p>
             <a:fld id="{3CADBD16-5BFB-4D9F-9646-C75D1B53BBB6}" type="datetimeFigureOut">
               <a:rPr lang="en-US" smtClean="0"/>
-              <a:t>7/10/2022</a:t>
+              <a:t>5/6/2023</a:t>
             </a:fld>
             <a:endParaRPr lang="en-US"/>
           </a:p>
@@ -2640,7 +2668,7 @@
           <a:p>
             <a:fld id="{3CADBD16-5BFB-4D9F-9646-C75D1B53BBB6}" type="datetimeFigureOut">
               <a:rPr lang="en-US" smtClean="0"/>
-              <a:t>7/10/2022</a:t>
+              <a:t>5/6/2023</a:t>
             </a:fld>
             <a:endParaRPr lang="en-US"/>
           </a:p>
@@ -2891,7 +2919,7 @@
           <a:p>
             <a:fld id="{3CADBD16-5BFB-4D9F-9646-C75D1B53BBB6}" type="datetimeFigureOut">
               <a:rPr lang="en-US" smtClean="0"/>
-              <a:t>7/10/2022</a:t>
+              <a:t>5/6/2023</a:t>
             </a:fld>
             <a:endParaRPr lang="en-US"/>
           </a:p>
@@ -3400,7 +3428,7 @@
             <a:fld id="{3CADBD16-5BFB-4D9F-9646-C75D1B53BBB6}" type="datetimeFigureOut">
               <a:rPr lang="en-US" smtClean="0"/>
               <a:pPr/>
-              <a:t>7/10/2022</a:t>
+              <a:t>5/6/2023</a:t>
             </a:fld>
             <a:endParaRPr lang="en-US" dirty="0"/>
           </a:p>
@@ -3824,10 +3852,10 @@
       </p:grpSpPr>
       <p:sp useBgFill="1">
         <p:nvSpPr>
-          <p:cNvPr id="28" name="Rectangle 8">
-            <a:extLst>
-              <a:ext uri="{FF2B5EF4-FFF2-40B4-BE49-F238E27FC236}">
-                <a16:creationId xmlns:a16="http://schemas.microsoft.com/office/drawing/2014/main" id="{C3B0A228-9EA3-4009-A82E-9402BBC726A0}"/>
+          <p:cNvPr id="35" name="Rectangle 34">
+            <a:extLst>
+              <a:ext uri="{FF2B5EF4-FFF2-40B4-BE49-F238E27FC236}">
+                <a16:creationId xmlns:a16="http://schemas.microsoft.com/office/drawing/2014/main" id="{6D1F4DC3-EDAB-401A-BD21-33D25AB5FD4B}"/>
               </a:ext>
               <a:ext uri="{C183D7F6-B498-43B3-948B-1728B52AA6E4}">
                 <adec:decorative xmlns:adec="http://schemas.microsoft.com/office/drawing/2017/decorative" val="1"/>
@@ -3898,78 +3926,6 @@
           </a:p>
         </p:txBody>
       </p:sp>
-      <p:sp>
-        <p:nvSpPr>
-          <p:cNvPr id="2" name="Title 1">
-            <a:extLst>
-              <a:ext uri="{FF2B5EF4-FFF2-40B4-BE49-F238E27FC236}">
-                <a16:creationId xmlns:a16="http://schemas.microsoft.com/office/drawing/2014/main" id="{581860CC-17F0-0903-F4A8-DC8061CEC54D}"/>
-              </a:ext>
-            </a:extLst>
-          </p:cNvPr>
-          <p:cNvSpPr>
-            <a:spLocks noGrp="1"/>
-          </p:cNvSpPr>
-          <p:nvPr>
-            <p:ph type="ctrTitle"/>
-          </p:nvPr>
-        </p:nvSpPr>
-        <p:spPr>
-          <a:xfrm>
-            <a:off x="1143001" y="1181101"/>
-            <a:ext cx="4953000" cy="2481974"/>
-          </a:xfrm>
-        </p:spPr>
-        <p:txBody>
-          <a:bodyPr>
-            <a:normAutofit/>
-          </a:bodyPr>
-          <a:lstStyle/>
-          <a:p>
-            <a:pPr>
-              <a:lnSpc>
-                <a:spcPct val="90000"/>
-              </a:lnSpc>
-            </a:pPr>
-            <a:r>
-              <a:rPr lang="en-US" sz="4100"/>
-              <a:t>Getting Started with GitHub Actions</a:t>
-            </a:r>
-          </a:p>
-        </p:txBody>
-      </p:sp>
-      <p:sp>
-        <p:nvSpPr>
-          <p:cNvPr id="3" name="Subtitle 2">
-            <a:extLst>
-              <a:ext uri="{FF2B5EF4-FFF2-40B4-BE49-F238E27FC236}">
-                <a16:creationId xmlns:a16="http://schemas.microsoft.com/office/drawing/2014/main" id="{64E78011-366F-5481-85AC-329EED43DEB3}"/>
-              </a:ext>
-            </a:extLst>
-          </p:cNvPr>
-          <p:cNvSpPr>
-            <a:spLocks noGrp="1"/>
-          </p:cNvSpPr>
-          <p:nvPr>
-            <p:ph type="subTitle" idx="1"/>
-          </p:nvPr>
-        </p:nvSpPr>
-        <p:spPr>
-          <a:xfrm>
-            <a:off x="1143001" y="4360719"/>
-            <a:ext cx="2679356" cy="1465118"/>
-          </a:xfrm>
-        </p:spPr>
-        <p:txBody>
-          <a:bodyPr anchor="b">
-            <a:normAutofit/>
-          </a:bodyPr>
-          <a:lstStyle/>
-          <a:p>
-            <a:endParaRPr lang="en-US"/>
-          </a:p>
-        </p:txBody>
-      </p:sp>
       <p:pic>
         <p:nvPicPr>
           <p:cNvPr id="29" name="Picture 3" descr="Background pattern, scatter chart&#10;&#10;Description automatically generated">
@@ -3986,62 +3942,25 @@
         </p:nvPicPr>
         <p:blipFill rotWithShape="1">
           <a:blip r:embed="rId2"/>
-          <a:srcRect l="3670" r="7770" b="-1"/>
+          <a:srcRect t="5828" b="9903"/>
           <a:stretch/>
         </p:blipFill>
         <p:spPr>
           <a:xfrm>
-            <a:off x="3093268" y="10"/>
-            <a:ext cx="9098732" cy="6857990"/>
+            <a:off x="-1" y="10"/>
+            <a:ext cx="12192002" cy="6857989"/>
           </a:xfrm>
-          <a:custGeom>
+          <a:prstGeom prst="rect">
             <a:avLst/>
-            <a:gdLst/>
-            <a:ahLst/>
-            <a:cxnLst/>
-            <a:rect l="l" t="t" r="r" b="b"/>
-            <a:pathLst>
-              <a:path w="9098732" h="6858000">
-                <a:moveTo>
-                  <a:pt x="6010592" y="0"/>
-                </a:moveTo>
-                <a:lnTo>
-                  <a:pt x="8235629" y="4"/>
-                </a:lnTo>
-                <a:cubicBezTo>
-                  <a:pt x="8235629" y="3"/>
-                  <a:pt x="8235630" y="3"/>
-                  <a:pt x="8235630" y="2"/>
-                </a:cubicBezTo>
-                <a:lnTo>
-                  <a:pt x="9098732" y="0"/>
-                </a:lnTo>
-                <a:lnTo>
-                  <a:pt x="9098732" y="6858000"/>
-                </a:lnTo>
-                <a:lnTo>
-                  <a:pt x="0" y="6858000"/>
-                </a:lnTo>
-                <a:lnTo>
-                  <a:pt x="6010589" y="4"/>
-                </a:lnTo>
-                <a:cubicBezTo>
-                  <a:pt x="6010589" y="3"/>
-                  <a:pt x="6010590" y="3"/>
-                  <a:pt x="6010590" y="2"/>
-                </a:cubicBezTo>
-                <a:close/>
-              </a:path>
-            </a:pathLst>
-          </a:custGeom>
+          </a:prstGeom>
         </p:spPr>
       </p:pic>
       <p:sp>
         <p:nvSpPr>
-          <p:cNvPr id="30" name="Freeform: Shape 10">
-            <a:extLst>
-              <a:ext uri="{FF2B5EF4-FFF2-40B4-BE49-F238E27FC236}">
-                <a16:creationId xmlns:a16="http://schemas.microsoft.com/office/drawing/2014/main" id="{02E0C409-730D-455F-AA8F-0646ABDB1B42}"/>
+          <p:cNvPr id="37" name="Freeform: Shape 36">
+            <a:extLst>
+              <a:ext uri="{FF2B5EF4-FFF2-40B4-BE49-F238E27FC236}">
+                <a16:creationId xmlns:a16="http://schemas.microsoft.com/office/drawing/2014/main" id="{7059D4DD-D247-47C8-B574-B36CB222C1B3}"/>
               </a:ext>
               <a:ext uri="{C183D7F6-B498-43B3-948B-1728B52AA6E4}">
                 <adec:decorative xmlns:adec="http://schemas.microsoft.com/office/drawing/2017/decorative" val="1"/>
@@ -4060,21 +3979,45 @@
           </p:nvPr>
         </p:nvSpPr>
         <p:spPr>
-          <a:xfrm>
-            <a:off x="3088973" y="0"/>
-            <a:ext cx="8239927" cy="6858000"/>
+          <a:xfrm rot="16200000" flipH="1" flipV="1">
+            <a:off x="1127553" y="-1127553"/>
+            <a:ext cx="6858000" cy="9113106"/>
           </a:xfrm>
           <a:custGeom>
             <a:avLst/>
             <a:gdLst>
-              <a:gd name="connsiteX0" fmla="*/ 6010593 w 8239927"/>
-              <a:gd name="connsiteY0" fmla="*/ 0 h 6858000"/>
-              <a:gd name="connsiteX1" fmla="*/ 8239927 w 8239927"/>
-              <a:gd name="connsiteY1" fmla="*/ 0 h 6858000"/>
-              <a:gd name="connsiteX2" fmla="*/ 2229335 w 8239927"/>
-              <a:gd name="connsiteY2" fmla="*/ 6858000 h 6858000"/>
-              <a:gd name="connsiteX3" fmla="*/ 0 w 8239927"/>
-              <a:gd name="connsiteY3" fmla="*/ 6858000 h 6858000"/>
+              <a:gd name="connsiteX0" fmla="*/ 0 w 6858000"/>
+              <a:gd name="connsiteY0" fmla="*/ 7143270 h 9113106"/>
+              <a:gd name="connsiteX1" fmla="*/ 0 w 6858000"/>
+              <a:gd name="connsiteY1" fmla="*/ 6878623 h 9113106"/>
+              <a:gd name="connsiteX2" fmla="*/ 1 w 6858000"/>
+              <a:gd name="connsiteY2" fmla="*/ 6878623 h 9113106"/>
+              <a:gd name="connsiteX3" fmla="*/ 0 w 6858000"/>
+              <a:gd name="connsiteY3" fmla="*/ 4319945 h 9113106"/>
+              <a:gd name="connsiteX4" fmla="*/ 1 w 6858000"/>
+              <a:gd name="connsiteY4" fmla="*/ 4319945 h 9113106"/>
+              <a:gd name="connsiteX5" fmla="*/ 1 w 6858000"/>
+              <a:gd name="connsiteY5" fmla="*/ 13542 h 9113106"/>
+              <a:gd name="connsiteX6" fmla="*/ 0 w 6858000"/>
+              <a:gd name="connsiteY6" fmla="*/ 13540 h 9113106"/>
+              <a:gd name="connsiteX7" fmla="*/ 0 w 6858000"/>
+              <a:gd name="connsiteY7" fmla="*/ 0 h 9113106"/>
+              <a:gd name="connsiteX8" fmla="*/ 6858000 w 6858000"/>
+              <a:gd name="connsiteY8" fmla="*/ 6010591 h 9113106"/>
+              <a:gd name="connsiteX9" fmla="*/ 6858000 w 6858000"/>
+              <a:gd name="connsiteY9" fmla="*/ 3794798 h 9113106"/>
+              <a:gd name="connsiteX10" fmla="*/ 6858000 w 6858000"/>
+              <a:gd name="connsiteY10" fmla="*/ 3794798 h 9113106"/>
+              <a:gd name="connsiteX11" fmla="*/ 6858000 w 6858000"/>
+              <a:gd name="connsiteY11" fmla="*/ 3837120 h 9113106"/>
+              <a:gd name="connsiteX12" fmla="*/ 6858000 w 6858000"/>
+              <a:gd name="connsiteY12" fmla="*/ 6838049 h 9113106"/>
+              <a:gd name="connsiteX13" fmla="*/ 6858000 w 6858000"/>
+              <a:gd name="connsiteY13" fmla="*/ 9113106 h 9113106"/>
+              <a:gd name="connsiteX14" fmla="*/ 1 w 6858000"/>
+              <a:gd name="connsiteY14" fmla="*/ 9113106 h 9113106"/>
+              <a:gd name="connsiteX15" fmla="*/ 1 w 6858000"/>
+              <a:gd name="connsiteY15" fmla="*/ 7143270 h 9113106"/>
             </a:gdLst>
             <a:ahLst/>
             <a:cxnLst>
@@ -4090,30 +4033,1245 @@
               <a:cxn ang="0">
                 <a:pos x="connsiteX3" y="connsiteY3"/>
               </a:cxn>
+              <a:cxn ang="0">
+                <a:pos x="connsiteX4" y="connsiteY4"/>
+              </a:cxn>
+              <a:cxn ang="0">
+                <a:pos x="connsiteX5" y="connsiteY5"/>
+              </a:cxn>
+              <a:cxn ang="0">
+                <a:pos x="connsiteX6" y="connsiteY6"/>
+              </a:cxn>
+              <a:cxn ang="0">
+                <a:pos x="connsiteX7" y="connsiteY7"/>
+              </a:cxn>
+              <a:cxn ang="0">
+                <a:pos x="connsiteX8" y="connsiteY8"/>
+              </a:cxn>
+              <a:cxn ang="0">
+                <a:pos x="connsiteX9" y="connsiteY9"/>
+              </a:cxn>
+              <a:cxn ang="0">
+                <a:pos x="connsiteX10" y="connsiteY10"/>
+              </a:cxn>
+              <a:cxn ang="0">
+                <a:pos x="connsiteX11" y="connsiteY11"/>
+              </a:cxn>
+              <a:cxn ang="0">
+                <a:pos x="connsiteX12" y="connsiteY12"/>
+              </a:cxn>
+              <a:cxn ang="0">
+                <a:pos x="connsiteX13" y="connsiteY13"/>
+              </a:cxn>
+              <a:cxn ang="0">
+                <a:pos x="connsiteX14" y="connsiteY14"/>
+              </a:cxn>
+              <a:cxn ang="0">
+                <a:pos x="connsiteX15" y="connsiteY15"/>
+              </a:cxn>
             </a:cxnLst>
             <a:rect l="l" t="t" r="r" b="b"/>
             <a:pathLst>
-              <a:path w="8239927" h="6858000">
+              <a:path w="6858000" h="9113106">
                 <a:moveTo>
-                  <a:pt x="6010593" y="0"/>
+                  <a:pt x="0" y="7143270"/>
                 </a:moveTo>
                 <a:lnTo>
-                  <a:pt x="8239927" y="0"/>
+                  <a:pt x="0" y="6878623"/>
                 </a:lnTo>
                 <a:lnTo>
-                  <a:pt x="2229335" y="6858000"/>
+                  <a:pt x="1" y="6878623"/>
                 </a:lnTo>
                 <a:lnTo>
-                  <a:pt x="0" y="6858000"/>
+                  <a:pt x="0" y="4319945"/>
+                </a:lnTo>
+                <a:lnTo>
+                  <a:pt x="1" y="4319945"/>
+                </a:lnTo>
+                <a:lnTo>
+                  <a:pt x="1" y="13542"/>
+                </a:lnTo>
+                <a:lnTo>
+                  <a:pt x="0" y="13540"/>
+                </a:lnTo>
+                <a:lnTo>
+                  <a:pt x="0" y="0"/>
+                </a:lnTo>
+                <a:lnTo>
+                  <a:pt x="6858000" y="6010591"/>
+                </a:lnTo>
+                <a:lnTo>
+                  <a:pt x="6858000" y="3794798"/>
+                </a:lnTo>
+                <a:lnTo>
+                  <a:pt x="6858000" y="3794798"/>
+                </a:lnTo>
+                <a:lnTo>
+                  <a:pt x="6858000" y="3837120"/>
+                </a:lnTo>
+                <a:lnTo>
+                  <a:pt x="6858000" y="6838049"/>
+                </a:lnTo>
+                <a:lnTo>
+                  <a:pt x="6858000" y="9113106"/>
+                </a:lnTo>
+                <a:lnTo>
+                  <a:pt x="1" y="9113106"/>
+                </a:lnTo>
+                <a:lnTo>
+                  <a:pt x="1" y="7143270"/>
                 </a:lnTo>
                 <a:close/>
               </a:path>
             </a:pathLst>
           </a:custGeom>
           <a:solidFill>
-            <a:schemeClr val="bg2">
+            <a:srgbClr val="000000">
               <a:alpha val="60000"/>
+            </a:srgbClr>
+          </a:solidFill>
+          <a:ln>
+            <a:noFill/>
+          </a:ln>
+        </p:spPr>
+        <p:style>
+          <a:lnRef idx="2">
+            <a:schemeClr val="accent1">
+              <a:shade val="50000"/>
             </a:schemeClr>
+          </a:lnRef>
+          <a:fillRef idx="1">
+            <a:schemeClr val="accent1"/>
+          </a:fillRef>
+          <a:effectRef idx="0">
+            <a:schemeClr val="accent1"/>
+          </a:effectRef>
+          <a:fontRef idx="minor">
+            <a:schemeClr val="lt1"/>
+          </a:fontRef>
+        </p:style>
+        <p:txBody>
+          <a:bodyPr wrap="square" rtlCol="0" anchor="ctr">
+            <a:noAutofit/>
+          </a:bodyPr>
+          <a:lstStyle/>
+          <a:p>
+            <a:pPr algn="ctr"/>
+            <a:endParaRPr lang="en-US"/>
+          </a:p>
+        </p:txBody>
+      </p:sp>
+      <p:sp>
+        <p:nvSpPr>
+          <p:cNvPr id="2" name="Title 1">
+            <a:extLst>
+              <a:ext uri="{FF2B5EF4-FFF2-40B4-BE49-F238E27FC236}">
+                <a16:creationId xmlns:a16="http://schemas.microsoft.com/office/drawing/2014/main" id="{581860CC-17F0-0903-F4A8-DC8061CEC54D}"/>
+              </a:ext>
+            </a:extLst>
+          </p:cNvPr>
+          <p:cNvSpPr>
+            <a:spLocks noGrp="1"/>
+          </p:cNvSpPr>
+          <p:nvPr>
+            <p:ph type="ctrTitle"/>
+          </p:nvPr>
+        </p:nvSpPr>
+        <p:spPr>
+          <a:xfrm>
+            <a:off x="1143001" y="1181101"/>
+            <a:ext cx="4953000" cy="2832404"/>
+          </a:xfrm>
+        </p:spPr>
+        <p:txBody>
+          <a:bodyPr anchor="t">
+            <a:normAutofit/>
+          </a:bodyPr>
+          <a:lstStyle/>
+          <a:p>
+            <a:pPr>
+              <a:lnSpc>
+                <a:spcPct val="90000"/>
+              </a:lnSpc>
+            </a:pPr>
+            <a:r>
+              <a:rPr lang="en-US">
+                <a:solidFill>
+                  <a:srgbClr val="FFFFFF"/>
+                </a:solidFill>
+              </a:rPr>
+              <a:t>Getting Started with GitHub Actions</a:t>
+            </a:r>
+          </a:p>
+        </p:txBody>
+      </p:sp>
+      <p:sp>
+        <p:nvSpPr>
+          <p:cNvPr id="3" name="Subtitle 2">
+            <a:extLst>
+              <a:ext uri="{FF2B5EF4-FFF2-40B4-BE49-F238E27FC236}">
+                <a16:creationId xmlns:a16="http://schemas.microsoft.com/office/drawing/2014/main" id="{64E78011-366F-5481-85AC-329EED43DEB3}"/>
+              </a:ext>
+            </a:extLst>
+          </p:cNvPr>
+          <p:cNvSpPr>
+            <a:spLocks noGrp="1"/>
+          </p:cNvSpPr>
+          <p:nvPr>
+            <p:ph type="subTitle" idx="1"/>
+          </p:nvPr>
+        </p:nvSpPr>
+        <p:spPr>
+          <a:xfrm>
+            <a:off x="1143002" y="4535293"/>
+            <a:ext cx="2561794" cy="1291887"/>
+          </a:xfrm>
+        </p:spPr>
+        <p:txBody>
+          <a:bodyPr anchor="b">
+            <a:normAutofit/>
+          </a:bodyPr>
+          <a:lstStyle/>
+          <a:p>
+            <a:endParaRPr lang="en-US">
+              <a:solidFill>
+                <a:srgbClr val="FFFFFF"/>
+              </a:solidFill>
+            </a:endParaRPr>
+          </a:p>
+        </p:txBody>
+      </p:sp>
+    </p:spTree>
+    <p:extLst>
+      <p:ext uri="{BB962C8B-B14F-4D97-AF65-F5344CB8AC3E}">
+        <p14:creationId xmlns:p14="http://schemas.microsoft.com/office/powerpoint/2010/main" val="2757586524"/>
+      </p:ext>
+    </p:extLst>
+  </p:cSld>
+  <p:clrMapOvr>
+    <a:masterClrMapping/>
+  </p:clrMapOvr>
+</p:sld>
+</file>
+
+<file path=ppt/slides/slide10.xml><?xml version="1.0" encoding="utf-8"?>
+<p:sld xmlns:a="http://schemas.openxmlformats.org/drawingml/2006/main" xmlns:r="http://schemas.openxmlformats.org/officeDocument/2006/relationships" xmlns:p="http://schemas.openxmlformats.org/presentationml/2006/main">
+  <p:cSld>
+    <p:spTree>
+      <p:nvGrpSpPr>
+        <p:cNvPr id="1" name=""/>
+        <p:cNvGrpSpPr/>
+        <p:nvPr/>
+      </p:nvGrpSpPr>
+      <p:grpSpPr>
+        <a:xfrm>
+          <a:off x="0" y="0"/>
+          <a:ext cx="0" cy="0"/>
+          <a:chOff x="0" y="0"/>
+          <a:chExt cx="0" cy="0"/>
+        </a:xfrm>
+      </p:grpSpPr>
+      <p:sp>
+        <p:nvSpPr>
+          <p:cNvPr id="2" name="Title 1">
+            <a:extLst>
+              <a:ext uri="{FF2B5EF4-FFF2-40B4-BE49-F238E27FC236}">
+                <a16:creationId xmlns:a16="http://schemas.microsoft.com/office/drawing/2014/main" id="{96CD9417-4563-CF61-CBBA-320028757685}"/>
+              </a:ext>
+            </a:extLst>
+          </p:cNvPr>
+          <p:cNvSpPr>
+            <a:spLocks noGrp="1"/>
+          </p:cNvSpPr>
+          <p:nvPr>
+            <p:ph type="title"/>
+          </p:nvPr>
+        </p:nvSpPr>
+        <p:spPr/>
+        <p:txBody>
+          <a:bodyPr/>
+          <a:lstStyle/>
+          <a:p>
+            <a:r>
+              <a:rPr lang="en-US" b="0" i="0" dirty="0">
+                <a:solidFill>
+                  <a:srgbClr val="374151"/>
+                </a:solidFill>
+                <a:effectLst/>
+                <a:latin typeface="Söhne"/>
+              </a:rPr>
+              <a:t>F. Adding workflow steps</a:t>
+            </a:r>
+            <a:endParaRPr lang="en-US" dirty="0"/>
+          </a:p>
+        </p:txBody>
+      </p:sp>
+      <p:sp>
+        <p:nvSpPr>
+          <p:cNvPr id="3" name="Content Placeholder 2">
+            <a:extLst>
+              <a:ext uri="{FF2B5EF4-FFF2-40B4-BE49-F238E27FC236}">
+                <a16:creationId xmlns:a16="http://schemas.microsoft.com/office/drawing/2014/main" id="{77F04A91-7CFA-3EDC-0CB2-A037A73DF9C6}"/>
+              </a:ext>
+            </a:extLst>
+          </p:cNvPr>
+          <p:cNvSpPr>
+            <a:spLocks noGrp="1"/>
+          </p:cNvSpPr>
+          <p:nvPr>
+            <p:ph idx="1"/>
+          </p:nvPr>
+        </p:nvSpPr>
+        <p:spPr/>
+        <p:txBody>
+          <a:bodyPr/>
+          <a:lstStyle/>
+          <a:p>
+            <a:endParaRPr lang="en-US"/>
+          </a:p>
+        </p:txBody>
+      </p:sp>
+    </p:spTree>
+    <p:extLst>
+      <p:ext uri="{BB962C8B-B14F-4D97-AF65-F5344CB8AC3E}">
+        <p14:creationId xmlns:p14="http://schemas.microsoft.com/office/powerpoint/2010/main" val="4016695534"/>
+      </p:ext>
+    </p:extLst>
+  </p:cSld>
+  <p:clrMapOvr>
+    <a:masterClrMapping/>
+  </p:clrMapOvr>
+</p:sld>
+</file>
+
+<file path=ppt/slides/slide11.xml><?xml version="1.0" encoding="utf-8"?>
+<p:sld xmlns:a="http://schemas.openxmlformats.org/drawingml/2006/main" xmlns:r="http://schemas.openxmlformats.org/officeDocument/2006/relationships" xmlns:p="http://schemas.openxmlformats.org/presentationml/2006/main">
+  <p:cSld>
+    <p:spTree>
+      <p:nvGrpSpPr>
+        <p:cNvPr id="1" name=""/>
+        <p:cNvGrpSpPr/>
+        <p:nvPr/>
+      </p:nvGrpSpPr>
+      <p:grpSpPr>
+        <a:xfrm>
+          <a:off x="0" y="0"/>
+          <a:ext cx="0" cy="0"/>
+          <a:chOff x="0" y="0"/>
+          <a:chExt cx="0" cy="0"/>
+        </a:xfrm>
+      </p:grpSpPr>
+      <p:sp>
+        <p:nvSpPr>
+          <p:cNvPr id="2" name="Title 1">
+            <a:extLst>
+              <a:ext uri="{FF2B5EF4-FFF2-40B4-BE49-F238E27FC236}">
+                <a16:creationId xmlns:a16="http://schemas.microsoft.com/office/drawing/2014/main" id="{6878C9FA-30AE-4B4E-826C-FC63EAD1A36A}"/>
+              </a:ext>
+            </a:extLst>
+          </p:cNvPr>
+          <p:cNvSpPr>
+            <a:spLocks noGrp="1"/>
+          </p:cNvSpPr>
+          <p:nvPr>
+            <p:ph type="title"/>
+          </p:nvPr>
+        </p:nvSpPr>
+        <p:spPr/>
+        <p:txBody>
+          <a:bodyPr/>
+          <a:lstStyle/>
+          <a:p>
+            <a:r>
+              <a:rPr lang="en-US" b="0" i="0" dirty="0">
+                <a:solidFill>
+                  <a:srgbClr val="374151"/>
+                </a:solidFill>
+                <a:effectLst/>
+                <a:latin typeface="Söhne"/>
+              </a:rPr>
+              <a:t>G. Workflow syntax</a:t>
+            </a:r>
+            <a:endParaRPr lang="en-US" dirty="0"/>
+          </a:p>
+        </p:txBody>
+      </p:sp>
+      <p:sp>
+        <p:nvSpPr>
+          <p:cNvPr id="3" name="Content Placeholder 2">
+            <a:extLst>
+              <a:ext uri="{FF2B5EF4-FFF2-40B4-BE49-F238E27FC236}">
+                <a16:creationId xmlns:a16="http://schemas.microsoft.com/office/drawing/2014/main" id="{CDBDF93D-85D9-A569-1EB8-E82F7401B423}"/>
+              </a:ext>
+            </a:extLst>
+          </p:cNvPr>
+          <p:cNvSpPr>
+            <a:spLocks noGrp="1"/>
+          </p:cNvSpPr>
+          <p:nvPr>
+            <p:ph idx="1"/>
+          </p:nvPr>
+        </p:nvSpPr>
+        <p:spPr/>
+        <p:txBody>
+          <a:bodyPr/>
+          <a:lstStyle/>
+          <a:p>
+            <a:endParaRPr lang="en-US"/>
+          </a:p>
+        </p:txBody>
+      </p:sp>
+    </p:spTree>
+    <p:extLst>
+      <p:ext uri="{BB962C8B-B14F-4D97-AF65-F5344CB8AC3E}">
+        <p14:creationId xmlns:p14="http://schemas.microsoft.com/office/powerpoint/2010/main" val="1771306589"/>
+      </p:ext>
+    </p:extLst>
+  </p:cSld>
+  <p:clrMapOvr>
+    <a:masterClrMapping/>
+  </p:clrMapOvr>
+</p:sld>
+</file>
+
+<file path=ppt/slides/slide12.xml><?xml version="1.0" encoding="utf-8"?>
+<p:sld xmlns:a="http://schemas.openxmlformats.org/drawingml/2006/main" xmlns:r="http://schemas.openxmlformats.org/officeDocument/2006/relationships" xmlns:p="http://schemas.openxmlformats.org/presentationml/2006/main">
+  <p:cSld>
+    <p:spTree>
+      <p:nvGrpSpPr>
+        <p:cNvPr id="1" name=""/>
+        <p:cNvGrpSpPr/>
+        <p:nvPr/>
+      </p:nvGrpSpPr>
+      <p:grpSpPr>
+        <a:xfrm>
+          <a:off x="0" y="0"/>
+          <a:ext cx="0" cy="0"/>
+          <a:chOff x="0" y="0"/>
+          <a:chExt cx="0" cy="0"/>
+        </a:xfrm>
+      </p:grpSpPr>
+      <p:sp>
+        <p:nvSpPr>
+          <p:cNvPr id="2" name="Title 1">
+            <a:extLst>
+              <a:ext uri="{FF2B5EF4-FFF2-40B4-BE49-F238E27FC236}">
+                <a16:creationId xmlns:a16="http://schemas.microsoft.com/office/drawing/2014/main" id="{16D214DD-F7C7-C073-75D1-F1B388CDA60B}"/>
+              </a:ext>
+            </a:extLst>
+          </p:cNvPr>
+          <p:cNvSpPr>
+            <a:spLocks noGrp="1"/>
+          </p:cNvSpPr>
+          <p:nvPr>
+            <p:ph type="title"/>
+          </p:nvPr>
+        </p:nvSpPr>
+        <p:spPr/>
+        <p:txBody>
+          <a:bodyPr>
+            <a:normAutofit/>
+          </a:bodyPr>
+          <a:lstStyle/>
+          <a:p>
+            <a:r>
+              <a:rPr lang="en-US" b="0" i="0" dirty="0">
+                <a:solidFill>
+                  <a:srgbClr val="374151"/>
+                </a:solidFill>
+                <a:effectLst/>
+                <a:latin typeface="Söhne"/>
+              </a:rPr>
+              <a:t>III. Running GitHub Actions workflows A. Triggering workflows manually</a:t>
+            </a:r>
+            <a:endParaRPr lang="en-US" dirty="0"/>
+          </a:p>
+        </p:txBody>
+      </p:sp>
+      <p:sp>
+        <p:nvSpPr>
+          <p:cNvPr id="3" name="Content Placeholder 2">
+            <a:extLst>
+              <a:ext uri="{FF2B5EF4-FFF2-40B4-BE49-F238E27FC236}">
+                <a16:creationId xmlns:a16="http://schemas.microsoft.com/office/drawing/2014/main" id="{1412E492-0532-8A2B-E094-8A81DB0FBFC2}"/>
+              </a:ext>
+            </a:extLst>
+          </p:cNvPr>
+          <p:cNvSpPr>
+            <a:spLocks noGrp="1"/>
+          </p:cNvSpPr>
+          <p:nvPr>
+            <p:ph idx="1"/>
+          </p:nvPr>
+        </p:nvSpPr>
+        <p:spPr/>
+        <p:txBody>
+          <a:bodyPr/>
+          <a:lstStyle/>
+          <a:p>
+            <a:endParaRPr lang="en-US"/>
+          </a:p>
+        </p:txBody>
+      </p:sp>
+    </p:spTree>
+    <p:extLst>
+      <p:ext uri="{BB962C8B-B14F-4D97-AF65-F5344CB8AC3E}">
+        <p14:creationId xmlns:p14="http://schemas.microsoft.com/office/powerpoint/2010/main" val="2419761565"/>
+      </p:ext>
+    </p:extLst>
+  </p:cSld>
+  <p:clrMapOvr>
+    <a:masterClrMapping/>
+  </p:clrMapOvr>
+</p:sld>
+</file>
+
+<file path=ppt/slides/slide13.xml><?xml version="1.0" encoding="utf-8"?>
+<p:sld xmlns:a="http://schemas.openxmlformats.org/drawingml/2006/main" xmlns:r="http://schemas.openxmlformats.org/officeDocument/2006/relationships" xmlns:p="http://schemas.openxmlformats.org/presentationml/2006/main">
+  <p:cSld>
+    <p:spTree>
+      <p:nvGrpSpPr>
+        <p:cNvPr id="1" name=""/>
+        <p:cNvGrpSpPr/>
+        <p:nvPr/>
+      </p:nvGrpSpPr>
+      <p:grpSpPr>
+        <a:xfrm>
+          <a:off x="0" y="0"/>
+          <a:ext cx="0" cy="0"/>
+          <a:chOff x="0" y="0"/>
+          <a:chExt cx="0" cy="0"/>
+        </a:xfrm>
+      </p:grpSpPr>
+      <p:sp>
+        <p:nvSpPr>
+          <p:cNvPr id="2" name="Title 1">
+            <a:extLst>
+              <a:ext uri="{FF2B5EF4-FFF2-40B4-BE49-F238E27FC236}">
+                <a16:creationId xmlns:a16="http://schemas.microsoft.com/office/drawing/2014/main" id="{553E13A8-D00F-18B7-8130-5BBDE9CD098E}"/>
+              </a:ext>
+            </a:extLst>
+          </p:cNvPr>
+          <p:cNvSpPr>
+            <a:spLocks noGrp="1"/>
+          </p:cNvSpPr>
+          <p:nvPr>
+            <p:ph type="title"/>
+          </p:nvPr>
+        </p:nvSpPr>
+        <p:spPr/>
+        <p:txBody>
+          <a:bodyPr>
+            <a:normAutofit/>
+          </a:bodyPr>
+          <a:lstStyle/>
+          <a:p>
+            <a:r>
+              <a:rPr lang="en-US" b="0" i="0" dirty="0">
+                <a:solidFill>
+                  <a:srgbClr val="374151"/>
+                </a:solidFill>
+                <a:effectLst/>
+                <a:latin typeface="Söhne"/>
+              </a:rPr>
+              <a:t>B. Triggering workflows automatically</a:t>
+            </a:r>
+            <a:br>
+              <a:rPr lang="en-US" b="0" i="0" dirty="0">
+                <a:solidFill>
+                  <a:srgbClr val="374151"/>
+                </a:solidFill>
+                <a:effectLst/>
+                <a:latin typeface="Söhne"/>
+              </a:rPr>
+            </a:br>
+            <a:endParaRPr lang="en-US" dirty="0"/>
+          </a:p>
+        </p:txBody>
+      </p:sp>
+      <p:sp>
+        <p:nvSpPr>
+          <p:cNvPr id="3" name="Content Placeholder 2">
+            <a:extLst>
+              <a:ext uri="{FF2B5EF4-FFF2-40B4-BE49-F238E27FC236}">
+                <a16:creationId xmlns:a16="http://schemas.microsoft.com/office/drawing/2014/main" id="{A004B485-F917-4B4B-C8A8-E7C3D86F4C93}"/>
+              </a:ext>
+            </a:extLst>
+          </p:cNvPr>
+          <p:cNvSpPr>
+            <a:spLocks noGrp="1"/>
+          </p:cNvSpPr>
+          <p:nvPr>
+            <p:ph idx="1"/>
+          </p:nvPr>
+        </p:nvSpPr>
+        <p:spPr/>
+        <p:txBody>
+          <a:bodyPr/>
+          <a:lstStyle/>
+          <a:p>
+            <a:endParaRPr lang="en-US"/>
+          </a:p>
+        </p:txBody>
+      </p:sp>
+    </p:spTree>
+    <p:extLst>
+      <p:ext uri="{BB962C8B-B14F-4D97-AF65-F5344CB8AC3E}">
+        <p14:creationId xmlns:p14="http://schemas.microsoft.com/office/powerpoint/2010/main" val="4061049267"/>
+      </p:ext>
+    </p:extLst>
+  </p:cSld>
+  <p:clrMapOvr>
+    <a:masterClrMapping/>
+  </p:clrMapOvr>
+</p:sld>
+</file>
+
+<file path=ppt/slides/slide14.xml><?xml version="1.0" encoding="utf-8"?>
+<p:sld xmlns:a="http://schemas.openxmlformats.org/drawingml/2006/main" xmlns:r="http://schemas.openxmlformats.org/officeDocument/2006/relationships" xmlns:p="http://schemas.openxmlformats.org/presentationml/2006/main">
+  <p:cSld>
+    <p:spTree>
+      <p:nvGrpSpPr>
+        <p:cNvPr id="1" name=""/>
+        <p:cNvGrpSpPr/>
+        <p:nvPr/>
+      </p:nvGrpSpPr>
+      <p:grpSpPr>
+        <a:xfrm>
+          <a:off x="0" y="0"/>
+          <a:ext cx="0" cy="0"/>
+          <a:chOff x="0" y="0"/>
+          <a:chExt cx="0" cy="0"/>
+        </a:xfrm>
+      </p:grpSpPr>
+      <p:sp>
+        <p:nvSpPr>
+          <p:cNvPr id="2" name="Title 1">
+            <a:extLst>
+              <a:ext uri="{FF2B5EF4-FFF2-40B4-BE49-F238E27FC236}">
+                <a16:creationId xmlns:a16="http://schemas.microsoft.com/office/drawing/2014/main" id="{64723E9D-93C4-142C-5491-CA85C125C082}"/>
+              </a:ext>
+            </a:extLst>
+          </p:cNvPr>
+          <p:cNvSpPr>
+            <a:spLocks noGrp="1"/>
+          </p:cNvSpPr>
+          <p:nvPr>
+            <p:ph type="title"/>
+          </p:nvPr>
+        </p:nvSpPr>
+        <p:spPr/>
+        <p:txBody>
+          <a:bodyPr/>
+          <a:lstStyle/>
+          <a:p>
+            <a:r>
+              <a:rPr lang="en-US" b="0" i="0" dirty="0">
+                <a:solidFill>
+                  <a:srgbClr val="374151"/>
+                </a:solidFill>
+                <a:effectLst/>
+                <a:latin typeface="Söhne"/>
+              </a:rPr>
+              <a:t>C. Running workflows locally</a:t>
+            </a:r>
+            <a:endParaRPr lang="en-US" dirty="0"/>
+          </a:p>
+        </p:txBody>
+      </p:sp>
+      <p:sp>
+        <p:nvSpPr>
+          <p:cNvPr id="3" name="Content Placeholder 2">
+            <a:extLst>
+              <a:ext uri="{FF2B5EF4-FFF2-40B4-BE49-F238E27FC236}">
+                <a16:creationId xmlns:a16="http://schemas.microsoft.com/office/drawing/2014/main" id="{AE3A3F16-4D15-8482-9BAA-4F7F2CCAC98C}"/>
+              </a:ext>
+            </a:extLst>
+          </p:cNvPr>
+          <p:cNvSpPr>
+            <a:spLocks noGrp="1"/>
+          </p:cNvSpPr>
+          <p:nvPr>
+            <p:ph idx="1"/>
+          </p:nvPr>
+        </p:nvSpPr>
+        <p:spPr/>
+        <p:txBody>
+          <a:bodyPr/>
+          <a:lstStyle/>
+          <a:p>
+            <a:endParaRPr lang="en-US"/>
+          </a:p>
+        </p:txBody>
+      </p:sp>
+    </p:spTree>
+    <p:extLst>
+      <p:ext uri="{BB962C8B-B14F-4D97-AF65-F5344CB8AC3E}">
+        <p14:creationId xmlns:p14="http://schemas.microsoft.com/office/powerpoint/2010/main" val="1019749731"/>
+      </p:ext>
+    </p:extLst>
+  </p:cSld>
+  <p:clrMapOvr>
+    <a:masterClrMapping/>
+  </p:clrMapOvr>
+</p:sld>
+</file>
+
+<file path=ppt/slides/slide15.xml><?xml version="1.0" encoding="utf-8"?>
+<p:sld xmlns:a="http://schemas.openxmlformats.org/drawingml/2006/main" xmlns:r="http://schemas.openxmlformats.org/officeDocument/2006/relationships" xmlns:p="http://schemas.openxmlformats.org/presentationml/2006/main">
+  <p:cSld>
+    <p:spTree>
+      <p:nvGrpSpPr>
+        <p:cNvPr id="1" name=""/>
+        <p:cNvGrpSpPr/>
+        <p:nvPr/>
+      </p:nvGrpSpPr>
+      <p:grpSpPr>
+        <a:xfrm>
+          <a:off x="0" y="0"/>
+          <a:ext cx="0" cy="0"/>
+          <a:chOff x="0" y="0"/>
+          <a:chExt cx="0" cy="0"/>
+        </a:xfrm>
+      </p:grpSpPr>
+      <p:sp>
+        <p:nvSpPr>
+          <p:cNvPr id="2" name="Title 1">
+            <a:extLst>
+              <a:ext uri="{FF2B5EF4-FFF2-40B4-BE49-F238E27FC236}">
+                <a16:creationId xmlns:a16="http://schemas.microsoft.com/office/drawing/2014/main" id="{CF88086E-B515-7286-E9B9-C0D9363613D5}"/>
+              </a:ext>
+            </a:extLst>
+          </p:cNvPr>
+          <p:cNvSpPr>
+            <a:spLocks noGrp="1"/>
+          </p:cNvSpPr>
+          <p:nvPr>
+            <p:ph type="title"/>
+          </p:nvPr>
+        </p:nvSpPr>
+        <p:spPr/>
+        <p:txBody>
+          <a:bodyPr/>
+          <a:lstStyle/>
+          <a:p>
+            <a:r>
+              <a:rPr lang="en-US" b="0" i="0" dirty="0">
+                <a:solidFill>
+                  <a:srgbClr val="374151"/>
+                </a:solidFill>
+                <a:effectLst/>
+                <a:latin typeface="Söhne"/>
+              </a:rPr>
+              <a:t>D. Viewing workflow results</a:t>
+            </a:r>
+            <a:endParaRPr lang="en-US" dirty="0"/>
+          </a:p>
+        </p:txBody>
+      </p:sp>
+      <p:sp>
+        <p:nvSpPr>
+          <p:cNvPr id="3" name="Content Placeholder 2">
+            <a:extLst>
+              <a:ext uri="{FF2B5EF4-FFF2-40B4-BE49-F238E27FC236}">
+                <a16:creationId xmlns:a16="http://schemas.microsoft.com/office/drawing/2014/main" id="{B1B0658D-EE97-190B-14DC-A9FF74904B89}"/>
+              </a:ext>
+            </a:extLst>
+          </p:cNvPr>
+          <p:cNvSpPr>
+            <a:spLocks noGrp="1"/>
+          </p:cNvSpPr>
+          <p:nvPr>
+            <p:ph idx="1"/>
+          </p:nvPr>
+        </p:nvSpPr>
+        <p:spPr/>
+        <p:txBody>
+          <a:bodyPr/>
+          <a:lstStyle/>
+          <a:p>
+            <a:endParaRPr lang="en-US"/>
+          </a:p>
+        </p:txBody>
+      </p:sp>
+    </p:spTree>
+    <p:extLst>
+      <p:ext uri="{BB962C8B-B14F-4D97-AF65-F5344CB8AC3E}">
+        <p14:creationId xmlns:p14="http://schemas.microsoft.com/office/powerpoint/2010/main" val="4086119069"/>
+      </p:ext>
+    </p:extLst>
+  </p:cSld>
+  <p:clrMapOvr>
+    <a:masterClrMapping/>
+  </p:clrMapOvr>
+</p:sld>
+</file>
+
+<file path=ppt/slides/slide16.xml><?xml version="1.0" encoding="utf-8"?>
+<p:sld xmlns:a="http://schemas.openxmlformats.org/drawingml/2006/main" xmlns:r="http://schemas.openxmlformats.org/officeDocument/2006/relationships" xmlns:p="http://schemas.openxmlformats.org/presentationml/2006/main">
+  <p:cSld>
+    <p:spTree>
+      <p:nvGrpSpPr>
+        <p:cNvPr id="1" name=""/>
+        <p:cNvGrpSpPr/>
+        <p:nvPr/>
+      </p:nvGrpSpPr>
+      <p:grpSpPr>
+        <a:xfrm>
+          <a:off x="0" y="0"/>
+          <a:ext cx="0" cy="0"/>
+          <a:chOff x="0" y="0"/>
+          <a:chExt cx="0" cy="0"/>
+        </a:xfrm>
+      </p:grpSpPr>
+      <p:sp>
+        <p:nvSpPr>
+          <p:cNvPr id="2" name="Title 1">
+            <a:extLst>
+              <a:ext uri="{FF2B5EF4-FFF2-40B4-BE49-F238E27FC236}">
+                <a16:creationId xmlns:a16="http://schemas.microsoft.com/office/drawing/2014/main" id="{E271EF7E-2A2B-8376-54CB-AFB871DF12E3}"/>
+              </a:ext>
+            </a:extLst>
+          </p:cNvPr>
+          <p:cNvSpPr>
+            <a:spLocks noGrp="1"/>
+          </p:cNvSpPr>
+          <p:nvPr>
+            <p:ph type="title"/>
+          </p:nvPr>
+        </p:nvSpPr>
+        <p:spPr/>
+        <p:txBody>
+          <a:bodyPr>
+            <a:normAutofit/>
+          </a:bodyPr>
+          <a:lstStyle/>
+          <a:p>
+            <a:r>
+              <a:rPr lang="en-US" b="0" i="0" dirty="0">
+                <a:solidFill>
+                  <a:srgbClr val="374151"/>
+                </a:solidFill>
+                <a:effectLst/>
+                <a:latin typeface="Söhne"/>
+              </a:rPr>
+              <a:t>IV. Customizing GitHub Actions workflows A. Using actions from the GitHub Marketplace</a:t>
+            </a:r>
+            <a:endParaRPr lang="en-US" dirty="0"/>
+          </a:p>
+        </p:txBody>
+      </p:sp>
+      <p:sp>
+        <p:nvSpPr>
+          <p:cNvPr id="3" name="Content Placeholder 2">
+            <a:extLst>
+              <a:ext uri="{FF2B5EF4-FFF2-40B4-BE49-F238E27FC236}">
+                <a16:creationId xmlns:a16="http://schemas.microsoft.com/office/drawing/2014/main" id="{D3C9722D-8EBA-80DE-1818-9743C5819BAE}"/>
+              </a:ext>
+            </a:extLst>
+          </p:cNvPr>
+          <p:cNvSpPr>
+            <a:spLocks noGrp="1"/>
+          </p:cNvSpPr>
+          <p:nvPr>
+            <p:ph idx="1"/>
+          </p:nvPr>
+        </p:nvSpPr>
+        <p:spPr/>
+        <p:txBody>
+          <a:bodyPr/>
+          <a:lstStyle/>
+          <a:p>
+            <a:endParaRPr lang="en-US"/>
+          </a:p>
+        </p:txBody>
+      </p:sp>
+    </p:spTree>
+    <p:extLst>
+      <p:ext uri="{BB962C8B-B14F-4D97-AF65-F5344CB8AC3E}">
+        <p14:creationId xmlns:p14="http://schemas.microsoft.com/office/powerpoint/2010/main" val="89828297"/>
+      </p:ext>
+    </p:extLst>
+  </p:cSld>
+  <p:clrMapOvr>
+    <a:masterClrMapping/>
+  </p:clrMapOvr>
+</p:sld>
+</file>
+
+<file path=ppt/slides/slide17.xml><?xml version="1.0" encoding="utf-8"?>
+<p:sld xmlns:a="http://schemas.openxmlformats.org/drawingml/2006/main" xmlns:r="http://schemas.openxmlformats.org/officeDocument/2006/relationships" xmlns:p="http://schemas.openxmlformats.org/presentationml/2006/main">
+  <p:cSld>
+    <p:spTree>
+      <p:nvGrpSpPr>
+        <p:cNvPr id="1" name=""/>
+        <p:cNvGrpSpPr/>
+        <p:nvPr/>
+      </p:nvGrpSpPr>
+      <p:grpSpPr>
+        <a:xfrm>
+          <a:off x="0" y="0"/>
+          <a:ext cx="0" cy="0"/>
+          <a:chOff x="0" y="0"/>
+          <a:chExt cx="0" cy="0"/>
+        </a:xfrm>
+      </p:grpSpPr>
+      <p:sp>
+        <p:nvSpPr>
+          <p:cNvPr id="2" name="Title 1">
+            <a:extLst>
+              <a:ext uri="{FF2B5EF4-FFF2-40B4-BE49-F238E27FC236}">
+                <a16:creationId xmlns:a16="http://schemas.microsoft.com/office/drawing/2014/main" id="{2656425F-7864-31D1-3385-E0CED44370C7}"/>
+              </a:ext>
+            </a:extLst>
+          </p:cNvPr>
+          <p:cNvSpPr>
+            <a:spLocks noGrp="1"/>
+          </p:cNvSpPr>
+          <p:nvPr>
+            <p:ph type="title"/>
+          </p:nvPr>
+        </p:nvSpPr>
+        <p:spPr/>
+        <p:txBody>
+          <a:bodyPr>
+            <a:normAutofit/>
+          </a:bodyPr>
+          <a:lstStyle/>
+          <a:p>
+            <a:r>
+              <a:rPr lang="en-US" b="0" i="0" dirty="0">
+                <a:solidFill>
+                  <a:srgbClr val="374151"/>
+                </a:solidFill>
+                <a:effectLst/>
+                <a:latin typeface="Söhne"/>
+              </a:rPr>
+              <a:t>B. Creating custom actions</a:t>
+            </a:r>
+            <a:br>
+              <a:rPr lang="en-US" b="0" i="0" dirty="0">
+                <a:solidFill>
+                  <a:srgbClr val="374151"/>
+                </a:solidFill>
+                <a:effectLst/>
+                <a:latin typeface="Söhne"/>
+              </a:rPr>
+            </a:br>
+            <a:endParaRPr lang="en-US" dirty="0"/>
+          </a:p>
+        </p:txBody>
+      </p:sp>
+      <p:sp>
+        <p:nvSpPr>
+          <p:cNvPr id="3" name="Content Placeholder 2">
+            <a:extLst>
+              <a:ext uri="{FF2B5EF4-FFF2-40B4-BE49-F238E27FC236}">
+                <a16:creationId xmlns:a16="http://schemas.microsoft.com/office/drawing/2014/main" id="{EEEBA608-08BB-0703-7F15-399192A03B64}"/>
+              </a:ext>
+            </a:extLst>
+          </p:cNvPr>
+          <p:cNvSpPr>
+            <a:spLocks noGrp="1"/>
+          </p:cNvSpPr>
+          <p:nvPr>
+            <p:ph idx="1"/>
+          </p:nvPr>
+        </p:nvSpPr>
+        <p:spPr/>
+        <p:txBody>
+          <a:bodyPr/>
+          <a:lstStyle/>
+          <a:p>
+            <a:endParaRPr lang="en-US"/>
+          </a:p>
+        </p:txBody>
+      </p:sp>
+    </p:spTree>
+    <p:extLst>
+      <p:ext uri="{BB962C8B-B14F-4D97-AF65-F5344CB8AC3E}">
+        <p14:creationId xmlns:p14="http://schemas.microsoft.com/office/powerpoint/2010/main" val="4210812375"/>
+      </p:ext>
+    </p:extLst>
+  </p:cSld>
+  <p:clrMapOvr>
+    <a:masterClrMapping/>
+  </p:clrMapOvr>
+</p:sld>
+</file>
+
+<file path=ppt/slides/slide18.xml><?xml version="1.0" encoding="utf-8"?>
+<p:sld xmlns:a="http://schemas.openxmlformats.org/drawingml/2006/main" xmlns:r="http://schemas.openxmlformats.org/officeDocument/2006/relationships" xmlns:p="http://schemas.openxmlformats.org/presentationml/2006/main">
+  <p:cSld>
+    <p:spTree>
+      <p:nvGrpSpPr>
+        <p:cNvPr id="1" name=""/>
+        <p:cNvGrpSpPr/>
+        <p:nvPr/>
+      </p:nvGrpSpPr>
+      <p:grpSpPr>
+        <a:xfrm>
+          <a:off x="0" y="0"/>
+          <a:ext cx="0" cy="0"/>
+          <a:chOff x="0" y="0"/>
+          <a:chExt cx="0" cy="0"/>
+        </a:xfrm>
+      </p:grpSpPr>
+      <p:sp>
+        <p:nvSpPr>
+          <p:cNvPr id="2" name="Title 1">
+            <a:extLst>
+              <a:ext uri="{FF2B5EF4-FFF2-40B4-BE49-F238E27FC236}">
+                <a16:creationId xmlns:a16="http://schemas.microsoft.com/office/drawing/2014/main" id="{66478796-F367-10D9-DCFA-8A878789B5DA}"/>
+              </a:ext>
+            </a:extLst>
+          </p:cNvPr>
+          <p:cNvSpPr>
+            <a:spLocks noGrp="1"/>
+          </p:cNvSpPr>
+          <p:nvPr>
+            <p:ph type="title"/>
+          </p:nvPr>
+        </p:nvSpPr>
+        <p:spPr/>
+        <p:txBody>
+          <a:bodyPr/>
+          <a:lstStyle/>
+          <a:p>
+            <a:r>
+              <a:rPr lang="en-US" b="0" i="0" dirty="0">
+                <a:solidFill>
+                  <a:srgbClr val="374151"/>
+                </a:solidFill>
+                <a:effectLst/>
+                <a:latin typeface="Söhne"/>
+              </a:rPr>
+              <a:t>C. Sharing workflows with other repositories</a:t>
+            </a:r>
+            <a:endParaRPr lang="en-US" dirty="0"/>
+          </a:p>
+        </p:txBody>
+      </p:sp>
+      <p:sp>
+        <p:nvSpPr>
+          <p:cNvPr id="3" name="Content Placeholder 2">
+            <a:extLst>
+              <a:ext uri="{FF2B5EF4-FFF2-40B4-BE49-F238E27FC236}">
+                <a16:creationId xmlns:a16="http://schemas.microsoft.com/office/drawing/2014/main" id="{CD2BA280-4419-5963-65FF-B8C64678180C}"/>
+              </a:ext>
+            </a:extLst>
+          </p:cNvPr>
+          <p:cNvSpPr>
+            <a:spLocks noGrp="1"/>
+          </p:cNvSpPr>
+          <p:nvPr>
+            <p:ph idx="1"/>
+          </p:nvPr>
+        </p:nvSpPr>
+        <p:spPr/>
+        <p:txBody>
+          <a:bodyPr/>
+          <a:lstStyle/>
+          <a:p>
+            <a:endParaRPr lang="en-US"/>
+          </a:p>
+        </p:txBody>
+      </p:sp>
+    </p:spTree>
+    <p:extLst>
+      <p:ext uri="{BB962C8B-B14F-4D97-AF65-F5344CB8AC3E}">
+        <p14:creationId xmlns:p14="http://schemas.microsoft.com/office/powerpoint/2010/main" val="4133545569"/>
+      </p:ext>
+    </p:extLst>
+  </p:cSld>
+  <p:clrMapOvr>
+    <a:masterClrMapping/>
+  </p:clrMapOvr>
+</p:sld>
+</file>
+
+<file path=ppt/slides/slide19.xml><?xml version="1.0" encoding="utf-8"?>
+<p:sld xmlns:a="http://schemas.openxmlformats.org/drawingml/2006/main" xmlns:r="http://schemas.openxmlformats.org/officeDocument/2006/relationships" xmlns:p="http://schemas.openxmlformats.org/presentationml/2006/main">
+  <p:cSld>
+    <p:spTree>
+      <p:nvGrpSpPr>
+        <p:cNvPr id="1" name=""/>
+        <p:cNvGrpSpPr/>
+        <p:nvPr/>
+      </p:nvGrpSpPr>
+      <p:grpSpPr>
+        <a:xfrm>
+          <a:off x="0" y="0"/>
+          <a:ext cx="0" cy="0"/>
+          <a:chOff x="0" y="0"/>
+          <a:chExt cx="0" cy="0"/>
+        </a:xfrm>
+      </p:grpSpPr>
+      <p:sp>
+        <p:nvSpPr>
+          <p:cNvPr id="2" name="Title 1">
+            <a:extLst>
+              <a:ext uri="{FF2B5EF4-FFF2-40B4-BE49-F238E27FC236}">
+                <a16:creationId xmlns:a16="http://schemas.microsoft.com/office/drawing/2014/main" id="{A0429577-352F-4953-5101-04B0C941393E}"/>
+              </a:ext>
+            </a:extLst>
+          </p:cNvPr>
+          <p:cNvSpPr>
+            <a:spLocks noGrp="1"/>
+          </p:cNvSpPr>
+          <p:nvPr>
+            <p:ph type="title"/>
+          </p:nvPr>
+        </p:nvSpPr>
+        <p:spPr/>
+        <p:txBody>
+          <a:bodyPr>
+            <a:normAutofit/>
+          </a:bodyPr>
+          <a:lstStyle/>
+          <a:p>
+            <a:r>
+              <a:rPr lang="en-US" b="0" i="0" dirty="0">
+                <a:solidFill>
+                  <a:srgbClr val="374151"/>
+                </a:solidFill>
+                <a:effectLst/>
+                <a:latin typeface="Söhne"/>
+              </a:rPr>
+              <a:t>V. Best practices for using GitHub Actions A. Organizing workflows</a:t>
+            </a:r>
+            <a:endParaRPr lang="en-US" dirty="0"/>
+          </a:p>
+        </p:txBody>
+      </p:sp>
+      <p:sp>
+        <p:nvSpPr>
+          <p:cNvPr id="3" name="Content Placeholder 2">
+            <a:extLst>
+              <a:ext uri="{FF2B5EF4-FFF2-40B4-BE49-F238E27FC236}">
+                <a16:creationId xmlns:a16="http://schemas.microsoft.com/office/drawing/2014/main" id="{E23F5E76-9E7F-FEE1-112F-BE3075685B4B}"/>
+              </a:ext>
+            </a:extLst>
+          </p:cNvPr>
+          <p:cNvSpPr>
+            <a:spLocks noGrp="1"/>
+          </p:cNvSpPr>
+          <p:nvPr>
+            <p:ph idx="1"/>
+          </p:nvPr>
+        </p:nvSpPr>
+        <p:spPr/>
+        <p:txBody>
+          <a:bodyPr/>
+          <a:lstStyle/>
+          <a:p>
+            <a:endParaRPr lang="en-US"/>
+          </a:p>
+        </p:txBody>
+      </p:sp>
+    </p:spTree>
+    <p:extLst>
+      <p:ext uri="{BB962C8B-B14F-4D97-AF65-F5344CB8AC3E}">
+        <p14:creationId xmlns:p14="http://schemas.microsoft.com/office/powerpoint/2010/main" val="544893345"/>
+      </p:ext>
+    </p:extLst>
+  </p:cSld>
+  <p:clrMapOvr>
+    <a:masterClrMapping/>
+  </p:clrMapOvr>
+</p:sld>
+</file>
+
+<file path=ppt/slides/slide2.xml><?xml version="1.0" encoding="utf-8"?>
+<p:sld xmlns:a="http://schemas.openxmlformats.org/drawingml/2006/main" xmlns:r="http://schemas.openxmlformats.org/officeDocument/2006/relationships" xmlns:p="http://schemas.openxmlformats.org/presentationml/2006/main">
+  <p:cSld>
+    <p:bg>
+      <p:bgPr>
+        <a:solidFill>
+          <a:schemeClr val="bg1"/>
+        </a:solidFill>
+        <a:effectLst/>
+      </p:bgPr>
+    </p:bg>
+    <p:spTree>
+      <p:nvGrpSpPr>
+        <p:cNvPr id="1" name=""/>
+        <p:cNvGrpSpPr/>
+        <p:nvPr/>
+      </p:nvGrpSpPr>
+      <p:grpSpPr>
+        <a:xfrm>
+          <a:off x="0" y="0"/>
+          <a:ext cx="0" cy="0"/>
+          <a:chOff x="0" y="0"/>
+          <a:chExt cx="0" cy="0"/>
+        </a:xfrm>
+      </p:grpSpPr>
+      <p:sp>
+        <p:nvSpPr>
+          <p:cNvPr id="10" name="Freeform: Shape 9">
+            <a:extLst>
+              <a:ext uri="{FF2B5EF4-FFF2-40B4-BE49-F238E27FC236}">
+                <a16:creationId xmlns:a16="http://schemas.microsoft.com/office/drawing/2014/main" id="{5CD60141-EEBD-4EC1-8E34-0344C16A18A2}"/>
+              </a:ext>
+              <a:ext uri="{C183D7F6-B498-43B3-948B-1728B52AA6E4}">
+                <adec:decorative xmlns:adec="http://schemas.microsoft.com/office/drawing/2017/decorative" val="1"/>
+              </a:ext>
+            </a:extLst>
+          </p:cNvPr>
+          <p:cNvSpPr>
+            <a:spLocks noGrp="1" noRot="1" noChangeAspect="1" noMove="1" noResize="1" noEditPoints="1" noAdjustHandles="1" noChangeArrowheads="1" noChangeShapeType="1" noTextEdit="1"/>
+          </p:cNvSpPr>
+          <p:nvPr>
+            <p:extLst>
+              <p:ext uri="{386F3935-93C4-4BCD-93E2-E3B085C9AB24}">
+                <p16:designElem xmlns:p16="http://schemas.microsoft.com/office/powerpoint/2015/main" val="1"/>
+              </p:ext>
+            </p:extLst>
+          </p:nvPr>
+        </p:nvSpPr>
+        <p:spPr>
+          <a:xfrm>
+            <a:off x="5318308" y="0"/>
+            <a:ext cx="6873692" cy="6858000"/>
+          </a:xfrm>
+          <a:custGeom>
+            <a:avLst/>
+            <a:gdLst/>
+            <a:ahLst/>
+            <a:cxnLst/>
+            <a:rect l="l" t="t" r="r" b="b"/>
+            <a:pathLst>
+              <a:path w="6873692" h="6858000">
+                <a:moveTo>
+                  <a:pt x="6010592" y="0"/>
+                </a:moveTo>
+                <a:lnTo>
+                  <a:pt x="6873692" y="0"/>
+                </a:lnTo>
+                <a:lnTo>
+                  <a:pt x="6873692" y="6858000"/>
+                </a:lnTo>
+                <a:lnTo>
+                  <a:pt x="0" y="6858000"/>
+                </a:lnTo>
+                <a:lnTo>
+                  <a:pt x="6010589" y="4"/>
+                </a:lnTo>
+                <a:cubicBezTo>
+                  <a:pt x="6010589" y="3"/>
+                  <a:pt x="6010590" y="3"/>
+                  <a:pt x="6010590" y="2"/>
+                </a:cubicBezTo>
+                <a:lnTo>
+                  <a:pt x="6010592" y="0"/>
+                </a:lnTo>
+                <a:close/>
+              </a:path>
+            </a:pathLst>
+          </a:custGeom>
+          <a:solidFill>
+            <a:schemeClr val="bg2"/>
           </a:solidFill>
           <a:ln w="12700" cap="flat" cmpd="sng" algn="ctr">
             <a:noFill/>
@@ -4139,7 +5297,9 @@
           </a:fontRef>
         </p:style>
         <p:txBody>
-          <a:bodyPr rtlCol="0" anchor="ctr"/>
+          <a:bodyPr wrap="square" rtlCol="0" anchor="ctr">
+            <a:noAutofit/>
+          </a:bodyPr>
           <a:lstStyle/>
           <a:p>
             <a:pPr algn="ctr"/>
@@ -4147,10 +5307,573 @@
           </a:p>
         </p:txBody>
       </p:sp>
+      <p:cxnSp>
+        <p:nvCxnSpPr>
+          <p:cNvPr id="12" name="Straight Connector 11">
+            <a:extLst>
+              <a:ext uri="{FF2B5EF4-FFF2-40B4-BE49-F238E27FC236}">
+                <a16:creationId xmlns:a16="http://schemas.microsoft.com/office/drawing/2014/main" id="{4C75A547-BCD1-42BE-966E-53CA0AB93165}"/>
+              </a:ext>
+              <a:ext uri="{C183D7F6-B498-43B3-948B-1728B52AA6E4}">
+                <adec:decorative xmlns:adec="http://schemas.microsoft.com/office/drawing/2017/decorative" val="1"/>
+              </a:ext>
+            </a:extLst>
+          </p:cNvPr>
+          <p:cNvCxnSpPr>
+            <a:cxnSpLocks noGrp="1" noRot="1" noChangeAspect="1" noMove="1" noResize="1" noEditPoints="1" noAdjustHandles="1" noChangeArrowheads="1" noChangeShapeType="1"/>
+          </p:cNvCxnSpPr>
+          <p:nvPr>
+            <p:extLst>
+              <p:ext uri="{386F3935-93C4-4BCD-93E2-E3B085C9AB24}">
+                <p16:designElem xmlns:p16="http://schemas.microsoft.com/office/powerpoint/2015/main" val="1"/>
+              </p:ext>
+            </p:extLst>
+          </p:nvPr>
+        </p:nvCxnSpPr>
+        <p:spPr>
+          <a:xfrm>
+            <a:off x="1188357" y="5151666"/>
+            <a:ext cx="9822543" cy="0"/>
+          </a:xfrm>
+          <a:prstGeom prst="line">
+            <a:avLst/>
+          </a:prstGeom>
+          <a:ln w="12700">
+            <a:solidFill>
+              <a:schemeClr val="tx1"/>
+            </a:solidFill>
+          </a:ln>
+        </p:spPr>
+        <p:style>
+          <a:lnRef idx="1">
+            <a:schemeClr val="accent1"/>
+          </a:lnRef>
+          <a:fillRef idx="0">
+            <a:schemeClr val="accent1"/>
+          </a:fillRef>
+          <a:effectRef idx="0">
+            <a:schemeClr val="accent1"/>
+          </a:effectRef>
+          <a:fontRef idx="minor">
+            <a:schemeClr val="tx1"/>
+          </a:fontRef>
+        </p:style>
+      </p:cxnSp>
+      <p:sp useBgFill="1">
+        <p:nvSpPr>
+          <p:cNvPr id="14" name="Rectangle 13">
+            <a:extLst>
+              <a:ext uri="{FF2B5EF4-FFF2-40B4-BE49-F238E27FC236}">
+                <a16:creationId xmlns:a16="http://schemas.microsoft.com/office/drawing/2014/main" id="{C3B0A228-9EA3-4009-A82E-9402BBC726A0}"/>
+              </a:ext>
+              <a:ext uri="{C183D7F6-B498-43B3-948B-1728B52AA6E4}">
+                <adec:decorative xmlns:adec="http://schemas.microsoft.com/office/drawing/2017/decorative" val="1"/>
+              </a:ext>
+            </a:extLst>
+          </p:cNvPr>
+          <p:cNvSpPr>
+            <a:spLocks noGrp="1" noRot="1" noChangeAspect="1" noMove="1" noResize="1" noEditPoints="1" noAdjustHandles="1" noChangeArrowheads="1" noChangeShapeType="1" noTextEdit="1"/>
+          </p:cNvSpPr>
+          <p:nvPr>
+            <p:extLst>
+              <p:ext uri="{386F3935-93C4-4BCD-93E2-E3B085C9AB24}">
+                <p16:designElem xmlns:p16="http://schemas.microsoft.com/office/powerpoint/2015/main" val="1"/>
+              </p:ext>
+            </p:extLst>
+          </p:nvPr>
+        </p:nvSpPr>
+        <p:spPr>
+          <a:xfrm>
+            <a:off x="0" y="0"/>
+            <a:ext cx="12192000" cy="6858000"/>
+          </a:xfrm>
+          <a:prstGeom prst="rect">
+            <a:avLst/>
+          </a:prstGeom>
+          <a:ln w="12700" cap="flat" cmpd="sng" algn="ctr">
+            <a:noFill/>
+            <a:prstDash val="solid"/>
+            <a:miter lim="800000"/>
+          </a:ln>
+          <a:effectLst/>
+          <a:extLst>
+            <a:ext uri="{91240B29-F687-4F45-9708-019B960494DF}">
+              <a14:hiddenLine xmlns:a14="http://schemas.microsoft.com/office/drawing/2010/main" w="12700" cap="flat" cmpd="sng" algn="ctr">
+                <a:solidFill>
+                  <a:schemeClr val="accent1">
+                    <a:shade val="50000"/>
+                  </a:schemeClr>
+                </a:solidFill>
+                <a:prstDash val="solid"/>
+                <a:miter lim="800000"/>
+              </a14:hiddenLine>
+            </a:ext>
+          </a:extLst>
+        </p:spPr>
+        <p:style>
+          <a:lnRef idx="2">
+            <a:schemeClr val="accent1">
+              <a:shade val="50000"/>
+            </a:schemeClr>
+          </a:lnRef>
+          <a:fillRef idx="1">
+            <a:schemeClr val="accent1"/>
+          </a:fillRef>
+          <a:effectRef idx="0">
+            <a:schemeClr val="accent1"/>
+          </a:effectRef>
+          <a:fontRef idx="minor">
+            <a:schemeClr val="lt1"/>
+          </a:fontRef>
+        </p:style>
+        <p:txBody>
+          <a:bodyPr rtlCol="0" anchor="ctr"/>
+          <a:lstStyle/>
+          <a:p>
+            <a:pPr algn="ctr"/>
+            <a:endParaRPr lang="en-US"/>
+          </a:p>
+        </p:txBody>
+      </p:sp>
+      <p:sp>
+        <p:nvSpPr>
+          <p:cNvPr id="16" name="Freeform: Shape 15">
+            <a:extLst>
+              <a:ext uri="{FF2B5EF4-FFF2-40B4-BE49-F238E27FC236}">
+                <a16:creationId xmlns:a16="http://schemas.microsoft.com/office/drawing/2014/main" id="{3376605B-B311-4691-9B2A-1684D1F5FEEF}"/>
+              </a:ext>
+              <a:ext uri="{C183D7F6-B498-43B3-948B-1728B52AA6E4}">
+                <adec:decorative xmlns:adec="http://schemas.microsoft.com/office/drawing/2017/decorative" val="1"/>
+              </a:ext>
+            </a:extLst>
+          </p:cNvPr>
+          <p:cNvSpPr>
+            <a:spLocks noGrp="1" noRot="1" noChangeAspect="1" noMove="1" noResize="1" noEditPoints="1" noAdjustHandles="1" noChangeArrowheads="1" noChangeShapeType="1" noTextEdit="1"/>
+          </p:cNvSpPr>
+          <p:nvPr>
+            <p:extLst>
+              <p:ext uri="{386F3935-93C4-4BCD-93E2-E3B085C9AB24}">
+                <p16:designElem xmlns:p16="http://schemas.microsoft.com/office/powerpoint/2015/main" val="1"/>
+              </p:ext>
+            </p:extLst>
+          </p:nvPr>
+        </p:nvSpPr>
+        <p:spPr>
+          <a:xfrm rot="16200000" flipH="1" flipV="1">
+            <a:off x="1127553" y="-1127553"/>
+            <a:ext cx="6858000" cy="9113106"/>
+          </a:xfrm>
+          <a:custGeom>
+            <a:avLst/>
+            <a:gdLst>
+              <a:gd name="connsiteX0" fmla="*/ 0 w 6858000"/>
+              <a:gd name="connsiteY0" fmla="*/ 7143270 h 9113106"/>
+              <a:gd name="connsiteX1" fmla="*/ 0 w 6858000"/>
+              <a:gd name="connsiteY1" fmla="*/ 6878623 h 9113106"/>
+              <a:gd name="connsiteX2" fmla="*/ 1 w 6858000"/>
+              <a:gd name="connsiteY2" fmla="*/ 6878623 h 9113106"/>
+              <a:gd name="connsiteX3" fmla="*/ 0 w 6858000"/>
+              <a:gd name="connsiteY3" fmla="*/ 4319945 h 9113106"/>
+              <a:gd name="connsiteX4" fmla="*/ 1 w 6858000"/>
+              <a:gd name="connsiteY4" fmla="*/ 4319945 h 9113106"/>
+              <a:gd name="connsiteX5" fmla="*/ 1 w 6858000"/>
+              <a:gd name="connsiteY5" fmla="*/ 13542 h 9113106"/>
+              <a:gd name="connsiteX6" fmla="*/ 0 w 6858000"/>
+              <a:gd name="connsiteY6" fmla="*/ 13540 h 9113106"/>
+              <a:gd name="connsiteX7" fmla="*/ 0 w 6858000"/>
+              <a:gd name="connsiteY7" fmla="*/ 0 h 9113106"/>
+              <a:gd name="connsiteX8" fmla="*/ 6858000 w 6858000"/>
+              <a:gd name="connsiteY8" fmla="*/ 6010591 h 9113106"/>
+              <a:gd name="connsiteX9" fmla="*/ 6858000 w 6858000"/>
+              <a:gd name="connsiteY9" fmla="*/ 3794798 h 9113106"/>
+              <a:gd name="connsiteX10" fmla="*/ 6858000 w 6858000"/>
+              <a:gd name="connsiteY10" fmla="*/ 3794798 h 9113106"/>
+              <a:gd name="connsiteX11" fmla="*/ 6858000 w 6858000"/>
+              <a:gd name="connsiteY11" fmla="*/ 3837120 h 9113106"/>
+              <a:gd name="connsiteX12" fmla="*/ 6858000 w 6858000"/>
+              <a:gd name="connsiteY12" fmla="*/ 6838049 h 9113106"/>
+              <a:gd name="connsiteX13" fmla="*/ 6858000 w 6858000"/>
+              <a:gd name="connsiteY13" fmla="*/ 9113106 h 9113106"/>
+              <a:gd name="connsiteX14" fmla="*/ 1 w 6858000"/>
+              <a:gd name="connsiteY14" fmla="*/ 9113106 h 9113106"/>
+              <a:gd name="connsiteX15" fmla="*/ 1 w 6858000"/>
+              <a:gd name="connsiteY15" fmla="*/ 7143270 h 9113106"/>
+            </a:gdLst>
+            <a:ahLst/>
+            <a:cxnLst>
+              <a:cxn ang="0">
+                <a:pos x="connsiteX0" y="connsiteY0"/>
+              </a:cxn>
+              <a:cxn ang="0">
+                <a:pos x="connsiteX1" y="connsiteY1"/>
+              </a:cxn>
+              <a:cxn ang="0">
+                <a:pos x="connsiteX2" y="connsiteY2"/>
+              </a:cxn>
+              <a:cxn ang="0">
+                <a:pos x="connsiteX3" y="connsiteY3"/>
+              </a:cxn>
+              <a:cxn ang="0">
+                <a:pos x="connsiteX4" y="connsiteY4"/>
+              </a:cxn>
+              <a:cxn ang="0">
+                <a:pos x="connsiteX5" y="connsiteY5"/>
+              </a:cxn>
+              <a:cxn ang="0">
+                <a:pos x="connsiteX6" y="connsiteY6"/>
+              </a:cxn>
+              <a:cxn ang="0">
+                <a:pos x="connsiteX7" y="connsiteY7"/>
+              </a:cxn>
+              <a:cxn ang="0">
+                <a:pos x="connsiteX8" y="connsiteY8"/>
+              </a:cxn>
+              <a:cxn ang="0">
+                <a:pos x="connsiteX9" y="connsiteY9"/>
+              </a:cxn>
+              <a:cxn ang="0">
+                <a:pos x="connsiteX10" y="connsiteY10"/>
+              </a:cxn>
+              <a:cxn ang="0">
+                <a:pos x="connsiteX11" y="connsiteY11"/>
+              </a:cxn>
+              <a:cxn ang="0">
+                <a:pos x="connsiteX12" y="connsiteY12"/>
+              </a:cxn>
+              <a:cxn ang="0">
+                <a:pos x="connsiteX13" y="connsiteY13"/>
+              </a:cxn>
+              <a:cxn ang="0">
+                <a:pos x="connsiteX14" y="connsiteY14"/>
+              </a:cxn>
+              <a:cxn ang="0">
+                <a:pos x="connsiteX15" y="connsiteY15"/>
+              </a:cxn>
+            </a:cxnLst>
+            <a:rect l="l" t="t" r="r" b="b"/>
+            <a:pathLst>
+              <a:path w="6858000" h="9113106">
+                <a:moveTo>
+                  <a:pt x="0" y="7143270"/>
+                </a:moveTo>
+                <a:lnTo>
+                  <a:pt x="0" y="6878623"/>
+                </a:lnTo>
+                <a:lnTo>
+                  <a:pt x="1" y="6878623"/>
+                </a:lnTo>
+                <a:lnTo>
+                  <a:pt x="0" y="4319945"/>
+                </a:lnTo>
+                <a:lnTo>
+                  <a:pt x="1" y="4319945"/>
+                </a:lnTo>
+                <a:lnTo>
+                  <a:pt x="1" y="13542"/>
+                </a:lnTo>
+                <a:lnTo>
+                  <a:pt x="0" y="13540"/>
+                </a:lnTo>
+                <a:lnTo>
+                  <a:pt x="0" y="0"/>
+                </a:lnTo>
+                <a:lnTo>
+                  <a:pt x="6858000" y="6010591"/>
+                </a:lnTo>
+                <a:lnTo>
+                  <a:pt x="6858000" y="3794798"/>
+                </a:lnTo>
+                <a:lnTo>
+                  <a:pt x="6858000" y="3794798"/>
+                </a:lnTo>
+                <a:lnTo>
+                  <a:pt x="6858000" y="3837120"/>
+                </a:lnTo>
+                <a:lnTo>
+                  <a:pt x="6858000" y="6838049"/>
+                </a:lnTo>
+                <a:lnTo>
+                  <a:pt x="6858000" y="9113106"/>
+                </a:lnTo>
+                <a:lnTo>
+                  <a:pt x="1" y="9113106"/>
+                </a:lnTo>
+                <a:lnTo>
+                  <a:pt x="1" y="7143270"/>
+                </a:lnTo>
+                <a:close/>
+              </a:path>
+            </a:pathLst>
+          </a:custGeom>
+          <a:solidFill>
+            <a:schemeClr val="bg2"/>
+          </a:solidFill>
+          <a:ln>
+            <a:noFill/>
+          </a:ln>
+        </p:spPr>
+        <p:style>
+          <a:lnRef idx="2">
+            <a:schemeClr val="accent1">
+              <a:shade val="50000"/>
+            </a:schemeClr>
+          </a:lnRef>
+          <a:fillRef idx="1">
+            <a:schemeClr val="accent1"/>
+          </a:fillRef>
+          <a:effectRef idx="0">
+            <a:schemeClr val="accent1"/>
+          </a:effectRef>
+          <a:fontRef idx="minor">
+            <a:schemeClr val="lt1"/>
+          </a:fontRef>
+        </p:style>
+        <p:txBody>
+          <a:bodyPr wrap="square" rtlCol="0" anchor="ctr">
+            <a:noAutofit/>
+          </a:bodyPr>
+          <a:lstStyle/>
+          <a:p>
+            <a:pPr algn="ctr"/>
+            <a:endParaRPr lang="en-US"/>
+          </a:p>
+        </p:txBody>
+      </p:sp>
+      <p:sp>
+        <p:nvSpPr>
+          <p:cNvPr id="18" name="Freeform: Shape 17">
+            <a:extLst>
+              <a:ext uri="{FF2B5EF4-FFF2-40B4-BE49-F238E27FC236}">
+                <a16:creationId xmlns:a16="http://schemas.microsoft.com/office/drawing/2014/main" id="{50C40FC6-F06C-437F-A877-019DFC43FCFC}"/>
+              </a:ext>
+              <a:ext uri="{C183D7F6-B498-43B3-948B-1728B52AA6E4}">
+                <adec:decorative xmlns:adec="http://schemas.microsoft.com/office/drawing/2017/decorative" val="1"/>
+              </a:ext>
+            </a:extLst>
+          </p:cNvPr>
+          <p:cNvSpPr>
+            <a:spLocks noGrp="1" noRot="1" noChangeAspect="1" noMove="1" noResize="1" noEditPoints="1" noAdjustHandles="1" noChangeArrowheads="1" noChangeShapeType="1" noTextEdit="1"/>
+          </p:cNvSpPr>
+          <p:nvPr>
+            <p:extLst>
+              <p:ext uri="{386F3935-93C4-4BCD-93E2-E3B085C9AB24}">
+                <p16:designElem xmlns:p16="http://schemas.microsoft.com/office/powerpoint/2015/main" val="1"/>
+              </p:ext>
+            </p:extLst>
+          </p:nvPr>
+        </p:nvSpPr>
+        <p:spPr>
+          <a:xfrm>
+            <a:off x="2234482" y="0"/>
+            <a:ext cx="9957519" cy="6858000"/>
+          </a:xfrm>
+          <a:custGeom>
+            <a:avLst/>
+            <a:gdLst>
+              <a:gd name="connsiteX0" fmla="*/ 6878624 w 9957519"/>
+              <a:gd name="connsiteY0" fmla="*/ 0 h 6858000"/>
+              <a:gd name="connsiteX1" fmla="*/ 9957519 w 9957519"/>
+              <a:gd name="connsiteY1" fmla="*/ 0 h 6858000"/>
+              <a:gd name="connsiteX2" fmla="*/ 9957519 w 9957519"/>
+              <a:gd name="connsiteY2" fmla="*/ 1557082 h 6858000"/>
+              <a:gd name="connsiteX3" fmla="*/ 5311608 w 9957519"/>
+              <a:gd name="connsiteY3" fmla="*/ 6858000 h 6858000"/>
+              <a:gd name="connsiteX4" fmla="*/ 868032 w 9957519"/>
+              <a:gd name="connsiteY4" fmla="*/ 6858000 h 6858000"/>
+              <a:gd name="connsiteX5" fmla="*/ 0 w 9957519"/>
+              <a:gd name="connsiteY5" fmla="*/ 0 h 6858000"/>
+              <a:gd name="connsiteX6" fmla="*/ 6878624 w 9957519"/>
+              <a:gd name="connsiteY6" fmla="*/ 0 h 6858000"/>
+              <a:gd name="connsiteX7" fmla="*/ 0 w 9957519"/>
+              <a:gd name="connsiteY7" fmla="*/ 1 h 6858000"/>
+            </a:gdLst>
+            <a:ahLst/>
+            <a:cxnLst>
+              <a:cxn ang="0">
+                <a:pos x="connsiteX0" y="connsiteY0"/>
+              </a:cxn>
+              <a:cxn ang="0">
+                <a:pos x="connsiteX1" y="connsiteY1"/>
+              </a:cxn>
+              <a:cxn ang="0">
+                <a:pos x="connsiteX2" y="connsiteY2"/>
+              </a:cxn>
+              <a:cxn ang="0">
+                <a:pos x="connsiteX3" y="connsiteY3"/>
+              </a:cxn>
+              <a:cxn ang="0">
+                <a:pos x="connsiteX4" y="connsiteY4"/>
+              </a:cxn>
+              <a:cxn ang="0">
+                <a:pos x="connsiteX5" y="connsiteY5"/>
+              </a:cxn>
+              <a:cxn ang="0">
+                <a:pos x="connsiteX6" y="connsiteY6"/>
+              </a:cxn>
+              <a:cxn ang="0">
+                <a:pos x="connsiteX7" y="connsiteY7"/>
+              </a:cxn>
+            </a:cxnLst>
+            <a:rect l="l" t="t" r="r" b="b"/>
+            <a:pathLst>
+              <a:path w="9957519" h="6858000">
+                <a:moveTo>
+                  <a:pt x="6878624" y="0"/>
+                </a:moveTo>
+                <a:lnTo>
+                  <a:pt x="9957519" y="0"/>
+                </a:lnTo>
+                <a:lnTo>
+                  <a:pt x="9957519" y="1557082"/>
+                </a:lnTo>
+                <a:lnTo>
+                  <a:pt x="5311608" y="6858000"/>
+                </a:lnTo>
+                <a:lnTo>
+                  <a:pt x="868032" y="6858000"/>
+                </a:lnTo>
+                <a:close/>
+                <a:moveTo>
+                  <a:pt x="0" y="0"/>
+                </a:moveTo>
+                <a:lnTo>
+                  <a:pt x="6878624" y="0"/>
+                </a:lnTo>
+                <a:lnTo>
+                  <a:pt x="0" y="1"/>
+                </a:lnTo>
+                <a:close/>
+              </a:path>
+            </a:pathLst>
+          </a:custGeom>
+          <a:solidFill>
+            <a:srgbClr val="FFFFFF"/>
+          </a:solidFill>
+          <a:ln w="12700" cap="flat" cmpd="sng" algn="ctr">
+            <a:noFill/>
+            <a:prstDash val="solid"/>
+            <a:miter lim="800000"/>
+          </a:ln>
+          <a:effectLst/>
+        </p:spPr>
+        <p:style>
+          <a:lnRef idx="2">
+            <a:schemeClr val="accent1">
+              <a:shade val="50000"/>
+            </a:schemeClr>
+          </a:lnRef>
+          <a:fillRef idx="1">
+            <a:schemeClr val="accent1"/>
+          </a:fillRef>
+          <a:effectRef idx="0">
+            <a:schemeClr val="accent1"/>
+          </a:effectRef>
+          <a:fontRef idx="minor">
+            <a:schemeClr val="lt1"/>
+          </a:fontRef>
+        </p:style>
+        <p:txBody>
+          <a:bodyPr wrap="square" rtlCol="0" anchor="ctr">
+            <a:noAutofit/>
+          </a:bodyPr>
+          <a:lstStyle/>
+          <a:p>
+            <a:pPr algn="ctr"/>
+            <a:endParaRPr lang="en-US"/>
+          </a:p>
+        </p:txBody>
+      </p:sp>
+      <p:sp>
+        <p:nvSpPr>
+          <p:cNvPr id="2" name="Title 1">
+            <a:extLst>
+              <a:ext uri="{FF2B5EF4-FFF2-40B4-BE49-F238E27FC236}">
+                <a16:creationId xmlns:a16="http://schemas.microsoft.com/office/drawing/2014/main" id="{8FD82175-DAFD-125F-6EA1-18D831F4293C}"/>
+              </a:ext>
+            </a:extLst>
+          </p:cNvPr>
+          <p:cNvSpPr>
+            <a:spLocks noGrp="1"/>
+          </p:cNvSpPr>
+          <p:nvPr>
+            <p:ph type="title"/>
+          </p:nvPr>
+        </p:nvSpPr>
+        <p:spPr>
+          <a:xfrm>
+            <a:off x="1143000" y="1181101"/>
+            <a:ext cx="5202381" cy="1998517"/>
+          </a:xfrm>
+        </p:spPr>
+        <p:txBody>
+          <a:bodyPr vert="horz" lIns="91440" tIns="45720" rIns="91440" bIns="45720" rtlCol="0" anchor="t">
+            <a:normAutofit/>
+          </a:bodyPr>
+          <a:lstStyle/>
+          <a:p>
+            <a:pPr>
+              <a:lnSpc>
+                <a:spcPct val="90000"/>
+              </a:lnSpc>
+            </a:pPr>
+            <a:r>
+              <a:rPr lang="en-US" sz="3400" b="0" i="0" cap="all" spc="300" dirty="0">
+                <a:effectLst/>
+              </a:rPr>
+              <a:t>Definition of GitHub Actions</a:t>
+            </a:r>
+            <a:br>
+              <a:rPr lang="en-US" sz="3400" b="0" i="0" cap="all" spc="300" dirty="0">
+                <a:effectLst/>
+              </a:rPr>
+            </a:br>
+            <a:endParaRPr lang="en-US" sz="3400" cap="all" spc="300" dirty="0"/>
+          </a:p>
+        </p:txBody>
+      </p:sp>
+      <p:pic>
+        <p:nvPicPr>
+          <p:cNvPr id="7" name="Graphic 6" descr="Checkmark">
+            <a:extLst>
+              <a:ext uri="{FF2B5EF4-FFF2-40B4-BE49-F238E27FC236}">
+                <a16:creationId xmlns:a16="http://schemas.microsoft.com/office/drawing/2014/main" id="{0E02D414-E3CF-5BB0-7886-678DFEE3C653}"/>
+              </a:ext>
+            </a:extLst>
+          </p:cNvPr>
+          <p:cNvPicPr>
+            <a:picLocks noChangeAspect="1"/>
+          </p:cNvPicPr>
+          <p:nvPr/>
+        </p:nvPicPr>
+        <p:blipFill>
+          <a:blip r:embed="rId2">
+            <a:extLst>
+              <a:ext uri="{28A0092B-C50C-407E-A947-70E740481C1C}">
+                <a14:useLocalDpi xmlns:a14="http://schemas.microsoft.com/office/drawing/2010/main" val="0"/>
+              </a:ext>
+              <a:ext uri="{96DAC541-7B7A-43D3-8B79-37D633B846F1}">
+                <asvg:svgBlip xmlns:asvg="http://schemas.microsoft.com/office/drawing/2016/SVG/main" r:embed="rId3"/>
+              </a:ext>
+            </a:extLst>
+          </a:blip>
+          <a:stretch>
+            <a:fillRect/>
+          </a:stretch>
+        </p:blipFill>
+        <p:spPr>
+          <a:xfrm>
+            <a:off x="7408054" y="2754999"/>
+            <a:ext cx="1640019" cy="1640019"/>
+          </a:xfrm>
+          <a:prstGeom prst="rect">
+            <a:avLst/>
+          </a:prstGeom>
+        </p:spPr>
+      </p:pic>
     </p:spTree>
     <p:extLst>
       <p:ext uri="{BB962C8B-B14F-4D97-AF65-F5344CB8AC3E}">
-        <p14:creationId xmlns:p14="http://schemas.microsoft.com/office/powerpoint/2010/main" val="2757586524"/>
+        <p14:creationId xmlns:p14="http://schemas.microsoft.com/office/powerpoint/2010/main" val="2235108412"/>
       </p:ext>
     </p:extLst>
   </p:cSld>
@@ -4160,7 +5883,7 @@
 </p:sld>
 </file>
 
-<file path=ppt/slides/slide2.xml><?xml version="1.0" encoding="utf-8"?>
+<file path=ppt/slides/slide20.xml><?xml version="1.0" encoding="utf-8"?>
 <p:sld xmlns:a="http://schemas.openxmlformats.org/drawingml/2006/main" xmlns:r="http://schemas.openxmlformats.org/officeDocument/2006/relationships" xmlns:p="http://schemas.openxmlformats.org/presentationml/2006/main">
   <p:cSld>
     <p:spTree>
@@ -4182,7 +5905,7 @@
           <p:cNvPr id="2" name="Title 1">
             <a:extLst>
               <a:ext uri="{FF2B5EF4-FFF2-40B4-BE49-F238E27FC236}">
-                <a16:creationId xmlns:a16="http://schemas.microsoft.com/office/drawing/2014/main" id="{990EC855-C78F-BA6F-F63E-BD4191781BAC}"/>
+                <a16:creationId xmlns:a16="http://schemas.microsoft.com/office/drawing/2014/main" id="{B8DA0793-FC22-F1D7-D985-90296CE04750}"/>
               </a:ext>
             </a:extLst>
           </p:cNvPr>
@@ -4195,13 +5918,31 @@
         </p:nvSpPr>
         <p:spPr/>
         <p:txBody>
-          <a:bodyPr/>
-          <a:lstStyle/>
-          <a:p>
-            <a:r>
-              <a:rPr lang="en-US" dirty="0"/>
-              <a:t>Ideation</a:t>
-            </a:r>
+          <a:bodyPr>
+            <a:normAutofit/>
+          </a:bodyPr>
+          <a:lstStyle/>
+          <a:p>
+            <a:r>
+              <a:rPr lang="en-US" b="0" i="0" dirty="0">
+                <a:solidFill>
+                  <a:srgbClr val="374151"/>
+                </a:solidFill>
+                <a:effectLst/>
+                <a:latin typeface="Söhne"/>
+              </a:rPr>
+              <a:t>B. Securing workflows</a:t>
+            </a:r>
+            <a:br>
+              <a:rPr lang="en-US" b="0" i="0" dirty="0">
+                <a:solidFill>
+                  <a:srgbClr val="374151"/>
+                </a:solidFill>
+                <a:effectLst/>
+                <a:latin typeface="Söhne"/>
+              </a:rPr>
+            </a:br>
+            <a:endParaRPr lang="en-US" dirty="0"/>
           </a:p>
         </p:txBody>
       </p:sp>
@@ -4210,7 +5951,7 @@
           <p:cNvPr id="3" name="Content Placeholder 2">
             <a:extLst>
               <a:ext uri="{FF2B5EF4-FFF2-40B4-BE49-F238E27FC236}">
-                <a16:creationId xmlns:a16="http://schemas.microsoft.com/office/drawing/2014/main" id="{92F3A777-3A5D-E95A-1E82-48B68742BA8A}"/>
+                <a16:creationId xmlns:a16="http://schemas.microsoft.com/office/drawing/2014/main" id="{C376AEA1-442B-8E8D-C5CE-2AFFAE5437D3}"/>
               </a:ext>
             </a:extLst>
           </p:cNvPr>
@@ -4233,7 +5974,1199 @@
     </p:spTree>
     <p:extLst>
       <p:ext uri="{BB962C8B-B14F-4D97-AF65-F5344CB8AC3E}">
-        <p14:creationId xmlns:p14="http://schemas.microsoft.com/office/powerpoint/2010/main" val="3837540262"/>
+        <p14:creationId xmlns:p14="http://schemas.microsoft.com/office/powerpoint/2010/main" val="3832965227"/>
+      </p:ext>
+    </p:extLst>
+  </p:cSld>
+  <p:clrMapOvr>
+    <a:masterClrMapping/>
+  </p:clrMapOvr>
+</p:sld>
+</file>
+
+<file path=ppt/slides/slide21.xml><?xml version="1.0" encoding="utf-8"?>
+<p:sld xmlns:a="http://schemas.openxmlformats.org/drawingml/2006/main" xmlns:r="http://schemas.openxmlformats.org/officeDocument/2006/relationships" xmlns:p="http://schemas.openxmlformats.org/presentationml/2006/main">
+  <p:cSld>
+    <p:spTree>
+      <p:nvGrpSpPr>
+        <p:cNvPr id="1" name=""/>
+        <p:cNvGrpSpPr/>
+        <p:nvPr/>
+      </p:nvGrpSpPr>
+      <p:grpSpPr>
+        <a:xfrm>
+          <a:off x="0" y="0"/>
+          <a:ext cx="0" cy="0"/>
+          <a:chOff x="0" y="0"/>
+          <a:chExt cx="0" cy="0"/>
+        </a:xfrm>
+      </p:grpSpPr>
+      <p:sp>
+        <p:nvSpPr>
+          <p:cNvPr id="2" name="Title 1">
+            <a:extLst>
+              <a:ext uri="{FF2B5EF4-FFF2-40B4-BE49-F238E27FC236}">
+                <a16:creationId xmlns:a16="http://schemas.microsoft.com/office/drawing/2014/main" id="{C20B8F48-D522-B0B2-881E-A75931E3FC1A}"/>
+              </a:ext>
+            </a:extLst>
+          </p:cNvPr>
+          <p:cNvSpPr>
+            <a:spLocks noGrp="1"/>
+          </p:cNvSpPr>
+          <p:nvPr>
+            <p:ph type="title"/>
+          </p:nvPr>
+        </p:nvSpPr>
+        <p:spPr/>
+        <p:txBody>
+          <a:bodyPr/>
+          <a:lstStyle/>
+          <a:p>
+            <a:r>
+              <a:rPr lang="en-US" b="0" i="0" dirty="0">
+                <a:solidFill>
+                  <a:srgbClr val="374151"/>
+                </a:solidFill>
+                <a:effectLst/>
+                <a:latin typeface="Söhne"/>
+              </a:rPr>
+              <a:t>C. Testing workflows</a:t>
+            </a:r>
+            <a:endParaRPr lang="en-US" dirty="0"/>
+          </a:p>
+        </p:txBody>
+      </p:sp>
+      <p:sp>
+        <p:nvSpPr>
+          <p:cNvPr id="3" name="Content Placeholder 2">
+            <a:extLst>
+              <a:ext uri="{FF2B5EF4-FFF2-40B4-BE49-F238E27FC236}">
+                <a16:creationId xmlns:a16="http://schemas.microsoft.com/office/drawing/2014/main" id="{E5387224-FE70-8434-A8C9-0378A4AB19CA}"/>
+              </a:ext>
+            </a:extLst>
+          </p:cNvPr>
+          <p:cNvSpPr>
+            <a:spLocks noGrp="1"/>
+          </p:cNvSpPr>
+          <p:nvPr>
+            <p:ph idx="1"/>
+          </p:nvPr>
+        </p:nvSpPr>
+        <p:spPr/>
+        <p:txBody>
+          <a:bodyPr/>
+          <a:lstStyle/>
+          <a:p>
+            <a:endParaRPr lang="en-US"/>
+          </a:p>
+        </p:txBody>
+      </p:sp>
+    </p:spTree>
+    <p:extLst>
+      <p:ext uri="{BB962C8B-B14F-4D97-AF65-F5344CB8AC3E}">
+        <p14:creationId xmlns:p14="http://schemas.microsoft.com/office/powerpoint/2010/main" val="374111286"/>
+      </p:ext>
+    </p:extLst>
+  </p:cSld>
+  <p:clrMapOvr>
+    <a:masterClrMapping/>
+  </p:clrMapOvr>
+</p:sld>
+</file>
+
+<file path=ppt/slides/slide22.xml><?xml version="1.0" encoding="utf-8"?>
+<p:sld xmlns:a="http://schemas.openxmlformats.org/drawingml/2006/main" xmlns:r="http://schemas.openxmlformats.org/officeDocument/2006/relationships" xmlns:p="http://schemas.openxmlformats.org/presentationml/2006/main">
+  <p:cSld>
+    <p:spTree>
+      <p:nvGrpSpPr>
+        <p:cNvPr id="1" name=""/>
+        <p:cNvGrpSpPr/>
+        <p:nvPr/>
+      </p:nvGrpSpPr>
+      <p:grpSpPr>
+        <a:xfrm>
+          <a:off x="0" y="0"/>
+          <a:ext cx="0" cy="0"/>
+          <a:chOff x="0" y="0"/>
+          <a:chExt cx="0" cy="0"/>
+        </a:xfrm>
+      </p:grpSpPr>
+      <p:sp>
+        <p:nvSpPr>
+          <p:cNvPr id="2" name="Title 1">
+            <a:extLst>
+              <a:ext uri="{FF2B5EF4-FFF2-40B4-BE49-F238E27FC236}">
+                <a16:creationId xmlns:a16="http://schemas.microsoft.com/office/drawing/2014/main" id="{8A33D24D-87EA-A7BB-82F3-B14B287B8CCD}"/>
+              </a:ext>
+            </a:extLst>
+          </p:cNvPr>
+          <p:cNvSpPr>
+            <a:spLocks noGrp="1"/>
+          </p:cNvSpPr>
+          <p:nvPr>
+            <p:ph type="title"/>
+          </p:nvPr>
+        </p:nvSpPr>
+        <p:spPr/>
+        <p:txBody>
+          <a:bodyPr/>
+          <a:lstStyle/>
+          <a:p>
+            <a:r>
+              <a:rPr lang="en-US" b="0" i="0" dirty="0">
+                <a:solidFill>
+                  <a:srgbClr val="374151"/>
+                </a:solidFill>
+                <a:effectLst/>
+                <a:latin typeface="Söhne"/>
+              </a:rPr>
+              <a:t>D. Reviewing workflow changes</a:t>
+            </a:r>
+            <a:endParaRPr lang="en-US" dirty="0"/>
+          </a:p>
+        </p:txBody>
+      </p:sp>
+      <p:sp>
+        <p:nvSpPr>
+          <p:cNvPr id="3" name="Content Placeholder 2">
+            <a:extLst>
+              <a:ext uri="{FF2B5EF4-FFF2-40B4-BE49-F238E27FC236}">
+                <a16:creationId xmlns:a16="http://schemas.microsoft.com/office/drawing/2014/main" id="{172B9BE4-1D4C-6C08-4563-FE3955F7B00B}"/>
+              </a:ext>
+            </a:extLst>
+          </p:cNvPr>
+          <p:cNvSpPr>
+            <a:spLocks noGrp="1"/>
+          </p:cNvSpPr>
+          <p:nvPr>
+            <p:ph idx="1"/>
+          </p:nvPr>
+        </p:nvSpPr>
+        <p:spPr/>
+        <p:txBody>
+          <a:bodyPr/>
+          <a:lstStyle/>
+          <a:p>
+            <a:endParaRPr lang="en-US"/>
+          </a:p>
+        </p:txBody>
+      </p:sp>
+      <p:sp>
+        <p:nvSpPr>
+          <p:cNvPr id="5" name="TextBox 4">
+            <a:extLst>
+              <a:ext uri="{FF2B5EF4-FFF2-40B4-BE49-F238E27FC236}">
+                <a16:creationId xmlns:a16="http://schemas.microsoft.com/office/drawing/2014/main" id="{0D09AA70-14E5-22AD-8925-3EE3E57A797D}"/>
+              </a:ext>
+            </a:extLst>
+          </p:cNvPr>
+          <p:cNvSpPr txBox="1"/>
+          <p:nvPr/>
+        </p:nvSpPr>
+        <p:spPr>
+          <a:xfrm>
+            <a:off x="3048856" y="3246902"/>
+            <a:ext cx="6097712" cy="369332"/>
+          </a:xfrm>
+          <a:prstGeom prst="rect">
+            <a:avLst/>
+          </a:prstGeom>
+          <a:noFill/>
+        </p:spPr>
+        <p:txBody>
+          <a:bodyPr wrap="square">
+            <a:spAutoFit/>
+          </a:bodyPr>
+          <a:lstStyle/>
+          <a:p>
+            <a:r>
+              <a:rPr lang="en-US" b="0" i="0" dirty="0">
+                <a:solidFill>
+                  <a:srgbClr val="374151"/>
+                </a:solidFill>
+                <a:effectLst/>
+                <a:latin typeface="Söhne"/>
+              </a:rPr>
+              <a:t>D. Reviewing workflow changes</a:t>
+            </a:r>
+            <a:endParaRPr lang="en-US" dirty="0"/>
+          </a:p>
+        </p:txBody>
+      </p:sp>
+    </p:spTree>
+    <p:extLst>
+      <p:ext uri="{BB962C8B-B14F-4D97-AF65-F5344CB8AC3E}">
+        <p14:creationId xmlns:p14="http://schemas.microsoft.com/office/powerpoint/2010/main" val="658796248"/>
+      </p:ext>
+    </p:extLst>
+  </p:cSld>
+  <p:clrMapOvr>
+    <a:masterClrMapping/>
+  </p:clrMapOvr>
+</p:sld>
+</file>
+
+<file path=ppt/slides/slide23.xml><?xml version="1.0" encoding="utf-8"?>
+<p:sld xmlns:a="http://schemas.openxmlformats.org/drawingml/2006/main" xmlns:r="http://schemas.openxmlformats.org/officeDocument/2006/relationships" xmlns:p="http://schemas.openxmlformats.org/presentationml/2006/main">
+  <p:cSld>
+    <p:spTree>
+      <p:nvGrpSpPr>
+        <p:cNvPr id="1" name=""/>
+        <p:cNvGrpSpPr/>
+        <p:nvPr/>
+      </p:nvGrpSpPr>
+      <p:grpSpPr>
+        <a:xfrm>
+          <a:off x="0" y="0"/>
+          <a:ext cx="0" cy="0"/>
+          <a:chOff x="0" y="0"/>
+          <a:chExt cx="0" cy="0"/>
+        </a:xfrm>
+      </p:grpSpPr>
+      <p:sp>
+        <p:nvSpPr>
+          <p:cNvPr id="2" name="Title 1">
+            <a:extLst>
+              <a:ext uri="{FF2B5EF4-FFF2-40B4-BE49-F238E27FC236}">
+                <a16:creationId xmlns:a16="http://schemas.microsoft.com/office/drawing/2014/main" id="{FA0F677B-A874-0C8D-5E90-31795C7D4579}"/>
+              </a:ext>
+            </a:extLst>
+          </p:cNvPr>
+          <p:cNvSpPr>
+            <a:spLocks noGrp="1"/>
+          </p:cNvSpPr>
+          <p:nvPr>
+            <p:ph type="title"/>
+          </p:nvPr>
+        </p:nvSpPr>
+        <p:spPr/>
+        <p:txBody>
+          <a:bodyPr>
+            <a:normAutofit/>
+          </a:bodyPr>
+          <a:lstStyle/>
+          <a:p>
+            <a:r>
+              <a:rPr lang="en-US" b="0" i="0" dirty="0">
+                <a:solidFill>
+                  <a:srgbClr val="374151"/>
+                </a:solidFill>
+                <a:effectLst/>
+                <a:latin typeface="Söhne"/>
+              </a:rPr>
+              <a:t>VI. Conclusion A. Recap of key takeaways</a:t>
+            </a:r>
+            <a:br>
+              <a:rPr lang="en-US" b="0" i="0" dirty="0">
+                <a:solidFill>
+                  <a:srgbClr val="374151"/>
+                </a:solidFill>
+                <a:effectLst/>
+                <a:latin typeface="Söhne"/>
+              </a:rPr>
+            </a:br>
+            <a:endParaRPr lang="en-US" dirty="0"/>
+          </a:p>
+        </p:txBody>
+      </p:sp>
+      <p:sp>
+        <p:nvSpPr>
+          <p:cNvPr id="3" name="Content Placeholder 2">
+            <a:extLst>
+              <a:ext uri="{FF2B5EF4-FFF2-40B4-BE49-F238E27FC236}">
+                <a16:creationId xmlns:a16="http://schemas.microsoft.com/office/drawing/2014/main" id="{1E5BE794-45D7-6D92-3888-2904A7A86220}"/>
+              </a:ext>
+            </a:extLst>
+          </p:cNvPr>
+          <p:cNvSpPr>
+            <a:spLocks noGrp="1"/>
+          </p:cNvSpPr>
+          <p:nvPr>
+            <p:ph idx="1"/>
+          </p:nvPr>
+        </p:nvSpPr>
+        <p:spPr/>
+        <p:txBody>
+          <a:bodyPr/>
+          <a:lstStyle/>
+          <a:p>
+            <a:endParaRPr lang="en-US"/>
+          </a:p>
+        </p:txBody>
+      </p:sp>
+      <p:sp>
+        <p:nvSpPr>
+          <p:cNvPr id="5" name="TextBox 4">
+            <a:extLst>
+              <a:ext uri="{FF2B5EF4-FFF2-40B4-BE49-F238E27FC236}">
+                <a16:creationId xmlns:a16="http://schemas.microsoft.com/office/drawing/2014/main" id="{26274D53-1A07-67A9-24EA-A3C2CC361275}"/>
+              </a:ext>
+            </a:extLst>
+          </p:cNvPr>
+          <p:cNvSpPr txBox="1"/>
+          <p:nvPr/>
+        </p:nvSpPr>
+        <p:spPr>
+          <a:xfrm>
+            <a:off x="3048856" y="3108403"/>
+            <a:ext cx="6097712" cy="646331"/>
+          </a:xfrm>
+          <a:prstGeom prst="rect">
+            <a:avLst/>
+          </a:prstGeom>
+          <a:noFill/>
+        </p:spPr>
+        <p:txBody>
+          <a:bodyPr wrap="square">
+            <a:spAutoFit/>
+          </a:bodyPr>
+          <a:lstStyle/>
+          <a:p>
+            <a:r>
+              <a:rPr lang="en-US" b="0" i="0" dirty="0">
+                <a:solidFill>
+                  <a:srgbClr val="374151"/>
+                </a:solidFill>
+                <a:effectLst/>
+                <a:latin typeface="Söhne"/>
+              </a:rPr>
+              <a:t>B. Future improvements to GitHub Actions C. Additional resources and references</a:t>
+            </a:r>
+            <a:endParaRPr lang="en-US" dirty="0"/>
+          </a:p>
+        </p:txBody>
+      </p:sp>
+    </p:spTree>
+    <p:extLst>
+      <p:ext uri="{BB962C8B-B14F-4D97-AF65-F5344CB8AC3E}">
+        <p14:creationId xmlns:p14="http://schemas.microsoft.com/office/powerpoint/2010/main" val="2024606021"/>
+      </p:ext>
+    </p:extLst>
+  </p:cSld>
+  <p:clrMapOvr>
+    <a:masterClrMapping/>
+  </p:clrMapOvr>
+</p:sld>
+</file>
+
+<file path=ppt/slides/slide24.xml><?xml version="1.0" encoding="utf-8"?>
+<p:sld xmlns:a="http://schemas.openxmlformats.org/drawingml/2006/main" xmlns:r="http://schemas.openxmlformats.org/officeDocument/2006/relationships" xmlns:p="http://schemas.openxmlformats.org/presentationml/2006/main">
+  <p:cSld>
+    <p:spTree>
+      <p:nvGrpSpPr>
+        <p:cNvPr id="1" name=""/>
+        <p:cNvGrpSpPr/>
+        <p:nvPr/>
+      </p:nvGrpSpPr>
+      <p:grpSpPr>
+        <a:xfrm>
+          <a:off x="0" y="0"/>
+          <a:ext cx="0" cy="0"/>
+          <a:chOff x="0" y="0"/>
+          <a:chExt cx="0" cy="0"/>
+        </a:xfrm>
+      </p:grpSpPr>
+      <p:sp>
+        <p:nvSpPr>
+          <p:cNvPr id="2" name="Title 1">
+            <a:extLst>
+              <a:ext uri="{FF2B5EF4-FFF2-40B4-BE49-F238E27FC236}">
+                <a16:creationId xmlns:a16="http://schemas.microsoft.com/office/drawing/2014/main" id="{9B67E82B-4090-096A-B90C-69EE98146A07}"/>
+              </a:ext>
+            </a:extLst>
+          </p:cNvPr>
+          <p:cNvSpPr>
+            <a:spLocks noGrp="1"/>
+          </p:cNvSpPr>
+          <p:nvPr>
+            <p:ph type="title"/>
+          </p:nvPr>
+        </p:nvSpPr>
+        <p:spPr/>
+        <p:txBody>
+          <a:bodyPr/>
+          <a:lstStyle/>
+          <a:p>
+            <a:r>
+              <a:rPr lang="en-US" b="0" i="0" dirty="0">
+                <a:solidFill>
+                  <a:srgbClr val="374151"/>
+                </a:solidFill>
+                <a:effectLst/>
+                <a:latin typeface="Söhne"/>
+              </a:rPr>
+              <a:t>B. Future improvements to GitHub Actions</a:t>
+            </a:r>
+            <a:endParaRPr lang="en-US" dirty="0"/>
+          </a:p>
+        </p:txBody>
+      </p:sp>
+      <p:sp>
+        <p:nvSpPr>
+          <p:cNvPr id="3" name="Content Placeholder 2">
+            <a:extLst>
+              <a:ext uri="{FF2B5EF4-FFF2-40B4-BE49-F238E27FC236}">
+                <a16:creationId xmlns:a16="http://schemas.microsoft.com/office/drawing/2014/main" id="{8BB6B1F0-F837-214F-44CE-2839D4384B85}"/>
+              </a:ext>
+            </a:extLst>
+          </p:cNvPr>
+          <p:cNvSpPr>
+            <a:spLocks noGrp="1"/>
+          </p:cNvSpPr>
+          <p:nvPr>
+            <p:ph idx="1"/>
+          </p:nvPr>
+        </p:nvSpPr>
+        <p:spPr/>
+        <p:txBody>
+          <a:bodyPr/>
+          <a:lstStyle/>
+          <a:p>
+            <a:endParaRPr lang="en-US"/>
+          </a:p>
+        </p:txBody>
+      </p:sp>
+    </p:spTree>
+    <p:extLst>
+      <p:ext uri="{BB962C8B-B14F-4D97-AF65-F5344CB8AC3E}">
+        <p14:creationId xmlns:p14="http://schemas.microsoft.com/office/powerpoint/2010/main" val="1243268020"/>
+      </p:ext>
+    </p:extLst>
+  </p:cSld>
+  <p:clrMapOvr>
+    <a:masterClrMapping/>
+  </p:clrMapOvr>
+</p:sld>
+</file>
+
+<file path=ppt/slides/slide25.xml><?xml version="1.0" encoding="utf-8"?>
+<p:sld xmlns:a="http://schemas.openxmlformats.org/drawingml/2006/main" xmlns:r="http://schemas.openxmlformats.org/officeDocument/2006/relationships" xmlns:p="http://schemas.openxmlformats.org/presentationml/2006/main">
+  <p:cSld>
+    <p:spTree>
+      <p:nvGrpSpPr>
+        <p:cNvPr id="1" name=""/>
+        <p:cNvGrpSpPr/>
+        <p:nvPr/>
+      </p:nvGrpSpPr>
+      <p:grpSpPr>
+        <a:xfrm>
+          <a:off x="0" y="0"/>
+          <a:ext cx="0" cy="0"/>
+          <a:chOff x="0" y="0"/>
+          <a:chExt cx="0" cy="0"/>
+        </a:xfrm>
+      </p:grpSpPr>
+      <p:sp>
+        <p:nvSpPr>
+          <p:cNvPr id="2" name="Title 1">
+            <a:extLst>
+              <a:ext uri="{FF2B5EF4-FFF2-40B4-BE49-F238E27FC236}">
+                <a16:creationId xmlns:a16="http://schemas.microsoft.com/office/drawing/2014/main" id="{7EDA817F-EE0E-6D37-BB43-37F415C8C170}"/>
+              </a:ext>
+            </a:extLst>
+          </p:cNvPr>
+          <p:cNvSpPr>
+            <a:spLocks noGrp="1"/>
+          </p:cNvSpPr>
+          <p:nvPr>
+            <p:ph type="title"/>
+          </p:nvPr>
+        </p:nvSpPr>
+        <p:spPr/>
+        <p:txBody>
+          <a:bodyPr/>
+          <a:lstStyle/>
+          <a:p>
+            <a:r>
+              <a:rPr lang="en-US" b="0" i="0" dirty="0">
+                <a:solidFill>
+                  <a:srgbClr val="374151"/>
+                </a:solidFill>
+                <a:effectLst/>
+                <a:latin typeface="Söhne"/>
+              </a:rPr>
+              <a:t>C. Additional resources and references</a:t>
+            </a:r>
+            <a:endParaRPr lang="en-US" dirty="0"/>
+          </a:p>
+        </p:txBody>
+      </p:sp>
+      <p:sp>
+        <p:nvSpPr>
+          <p:cNvPr id="3" name="Content Placeholder 2">
+            <a:extLst>
+              <a:ext uri="{FF2B5EF4-FFF2-40B4-BE49-F238E27FC236}">
+                <a16:creationId xmlns:a16="http://schemas.microsoft.com/office/drawing/2014/main" id="{126C2C7C-56DA-3D11-1F21-4980036DA941}"/>
+              </a:ext>
+            </a:extLst>
+          </p:cNvPr>
+          <p:cNvSpPr>
+            <a:spLocks noGrp="1"/>
+          </p:cNvSpPr>
+          <p:nvPr>
+            <p:ph idx="1"/>
+          </p:nvPr>
+        </p:nvSpPr>
+        <p:spPr/>
+        <p:txBody>
+          <a:bodyPr/>
+          <a:lstStyle/>
+          <a:p>
+            <a:endParaRPr lang="en-US" dirty="0"/>
+          </a:p>
+        </p:txBody>
+      </p:sp>
+    </p:spTree>
+    <p:extLst>
+      <p:ext uri="{BB962C8B-B14F-4D97-AF65-F5344CB8AC3E}">
+        <p14:creationId xmlns:p14="http://schemas.microsoft.com/office/powerpoint/2010/main" val="1974983092"/>
+      </p:ext>
+    </p:extLst>
+  </p:cSld>
+  <p:clrMapOvr>
+    <a:masterClrMapping/>
+  </p:clrMapOvr>
+</p:sld>
+</file>
+
+<file path=ppt/slides/slide3.xml><?xml version="1.0" encoding="utf-8"?>
+<p:sld xmlns:a="http://schemas.openxmlformats.org/drawingml/2006/main" xmlns:r="http://schemas.openxmlformats.org/officeDocument/2006/relationships" xmlns:p="http://schemas.openxmlformats.org/presentationml/2006/main">
+  <p:cSld>
+    <p:spTree>
+      <p:nvGrpSpPr>
+        <p:cNvPr id="1" name=""/>
+        <p:cNvGrpSpPr/>
+        <p:nvPr/>
+      </p:nvGrpSpPr>
+      <p:grpSpPr>
+        <a:xfrm>
+          <a:off x="0" y="0"/>
+          <a:ext cx="0" cy="0"/>
+          <a:chOff x="0" y="0"/>
+          <a:chExt cx="0" cy="0"/>
+        </a:xfrm>
+      </p:grpSpPr>
+      <p:sp>
+        <p:nvSpPr>
+          <p:cNvPr id="2" name="Title 1">
+            <a:extLst>
+              <a:ext uri="{FF2B5EF4-FFF2-40B4-BE49-F238E27FC236}">
+                <a16:creationId xmlns:a16="http://schemas.microsoft.com/office/drawing/2014/main" id="{31A8945E-D433-2726-0149-4802FF786025}"/>
+              </a:ext>
+            </a:extLst>
+          </p:cNvPr>
+          <p:cNvSpPr>
+            <a:spLocks noGrp="1"/>
+          </p:cNvSpPr>
+          <p:nvPr>
+            <p:ph type="title"/>
+          </p:nvPr>
+        </p:nvSpPr>
+        <p:spPr/>
+        <p:txBody>
+          <a:bodyPr/>
+          <a:lstStyle/>
+          <a:p>
+            <a:r>
+              <a:rPr lang="en-US" b="0" i="0" dirty="0">
+                <a:solidFill>
+                  <a:srgbClr val="374151"/>
+                </a:solidFill>
+                <a:effectLst/>
+                <a:latin typeface="Söhne"/>
+              </a:rPr>
+              <a:t>B. Advantages of using GitHub Actions</a:t>
+            </a:r>
+            <a:endParaRPr lang="en-US" dirty="0"/>
+          </a:p>
+        </p:txBody>
+      </p:sp>
+      <p:sp>
+        <p:nvSpPr>
+          <p:cNvPr id="3" name="Content Placeholder 2">
+            <a:extLst>
+              <a:ext uri="{FF2B5EF4-FFF2-40B4-BE49-F238E27FC236}">
+                <a16:creationId xmlns:a16="http://schemas.microsoft.com/office/drawing/2014/main" id="{BCF72ACC-47FA-1B0A-0F89-8EE8BE4D4172}"/>
+              </a:ext>
+            </a:extLst>
+          </p:cNvPr>
+          <p:cNvSpPr>
+            <a:spLocks noGrp="1"/>
+          </p:cNvSpPr>
+          <p:nvPr>
+            <p:ph idx="1"/>
+          </p:nvPr>
+        </p:nvSpPr>
+        <p:spPr/>
+        <p:txBody>
+          <a:bodyPr/>
+          <a:lstStyle/>
+          <a:p>
+            <a:endParaRPr lang="en-US"/>
+          </a:p>
+        </p:txBody>
+      </p:sp>
+    </p:spTree>
+    <p:extLst>
+      <p:ext uri="{BB962C8B-B14F-4D97-AF65-F5344CB8AC3E}">
+        <p14:creationId xmlns:p14="http://schemas.microsoft.com/office/powerpoint/2010/main" val="2397704679"/>
+      </p:ext>
+    </p:extLst>
+  </p:cSld>
+  <p:clrMapOvr>
+    <a:masterClrMapping/>
+  </p:clrMapOvr>
+</p:sld>
+</file>
+
+<file path=ppt/slides/slide4.xml><?xml version="1.0" encoding="utf-8"?>
+<p:sld xmlns:a="http://schemas.openxmlformats.org/drawingml/2006/main" xmlns:r="http://schemas.openxmlformats.org/officeDocument/2006/relationships" xmlns:p="http://schemas.openxmlformats.org/presentationml/2006/main">
+  <p:cSld>
+    <p:spTree>
+      <p:nvGrpSpPr>
+        <p:cNvPr id="1" name=""/>
+        <p:cNvGrpSpPr/>
+        <p:nvPr/>
+      </p:nvGrpSpPr>
+      <p:grpSpPr>
+        <a:xfrm>
+          <a:off x="0" y="0"/>
+          <a:ext cx="0" cy="0"/>
+          <a:chOff x="0" y="0"/>
+          <a:chExt cx="0" cy="0"/>
+        </a:xfrm>
+      </p:grpSpPr>
+      <p:sp>
+        <p:nvSpPr>
+          <p:cNvPr id="2" name="Title 1">
+            <a:extLst>
+              <a:ext uri="{FF2B5EF4-FFF2-40B4-BE49-F238E27FC236}">
+                <a16:creationId xmlns:a16="http://schemas.microsoft.com/office/drawing/2014/main" id="{EAED473A-E8F1-2259-6C60-4F6F0F72C630}"/>
+              </a:ext>
+            </a:extLst>
+          </p:cNvPr>
+          <p:cNvSpPr>
+            <a:spLocks noGrp="1"/>
+          </p:cNvSpPr>
+          <p:nvPr>
+            <p:ph type="title"/>
+          </p:nvPr>
+        </p:nvSpPr>
+        <p:spPr/>
+        <p:txBody>
+          <a:bodyPr/>
+          <a:lstStyle/>
+          <a:p>
+            <a:r>
+              <a:rPr lang="en-US" b="0" i="0" dirty="0">
+                <a:solidFill>
+                  <a:srgbClr val="374151"/>
+                </a:solidFill>
+                <a:effectLst/>
+                <a:latin typeface="Söhne"/>
+              </a:rPr>
+              <a:t>C. Purpose of the presentation</a:t>
+            </a:r>
+            <a:endParaRPr lang="en-US" dirty="0"/>
+          </a:p>
+        </p:txBody>
+      </p:sp>
+      <p:sp>
+        <p:nvSpPr>
+          <p:cNvPr id="3" name="Content Placeholder 2">
+            <a:extLst>
+              <a:ext uri="{FF2B5EF4-FFF2-40B4-BE49-F238E27FC236}">
+                <a16:creationId xmlns:a16="http://schemas.microsoft.com/office/drawing/2014/main" id="{44DF6968-90D6-3D64-09C2-A782EFE754B9}"/>
+              </a:ext>
+            </a:extLst>
+          </p:cNvPr>
+          <p:cNvSpPr>
+            <a:spLocks noGrp="1"/>
+          </p:cNvSpPr>
+          <p:nvPr>
+            <p:ph idx="1"/>
+          </p:nvPr>
+        </p:nvSpPr>
+        <p:spPr/>
+        <p:txBody>
+          <a:bodyPr/>
+          <a:lstStyle/>
+          <a:p>
+            <a:endParaRPr lang="en-US" dirty="0"/>
+          </a:p>
+        </p:txBody>
+      </p:sp>
+    </p:spTree>
+    <p:extLst>
+      <p:ext uri="{BB962C8B-B14F-4D97-AF65-F5344CB8AC3E}">
+        <p14:creationId xmlns:p14="http://schemas.microsoft.com/office/powerpoint/2010/main" val="1289422698"/>
+      </p:ext>
+    </p:extLst>
+  </p:cSld>
+  <p:clrMapOvr>
+    <a:masterClrMapping/>
+  </p:clrMapOvr>
+</p:sld>
+</file>
+
+<file path=ppt/slides/slide5.xml><?xml version="1.0" encoding="utf-8"?>
+<p:sld xmlns:a="http://schemas.openxmlformats.org/drawingml/2006/main" xmlns:r="http://schemas.openxmlformats.org/officeDocument/2006/relationships" xmlns:p="http://schemas.openxmlformats.org/presentationml/2006/main">
+  <p:cSld>
+    <p:spTree>
+      <p:nvGrpSpPr>
+        <p:cNvPr id="1" name=""/>
+        <p:cNvGrpSpPr/>
+        <p:nvPr/>
+      </p:nvGrpSpPr>
+      <p:grpSpPr>
+        <a:xfrm>
+          <a:off x="0" y="0"/>
+          <a:ext cx="0" cy="0"/>
+          <a:chOff x="0" y="0"/>
+          <a:chExt cx="0" cy="0"/>
+        </a:xfrm>
+      </p:grpSpPr>
+      <p:sp>
+        <p:nvSpPr>
+          <p:cNvPr id="2" name="Title 1">
+            <a:extLst>
+              <a:ext uri="{FF2B5EF4-FFF2-40B4-BE49-F238E27FC236}">
+                <a16:creationId xmlns:a16="http://schemas.microsoft.com/office/drawing/2014/main" id="{43F198E8-F711-CF3D-0D42-F11D76B7D880}"/>
+              </a:ext>
+            </a:extLst>
+          </p:cNvPr>
+          <p:cNvSpPr>
+            <a:spLocks noGrp="1"/>
+          </p:cNvSpPr>
+          <p:nvPr>
+            <p:ph type="title"/>
+          </p:nvPr>
+        </p:nvSpPr>
+        <p:spPr/>
+        <p:txBody>
+          <a:bodyPr>
+            <a:normAutofit/>
+          </a:bodyPr>
+          <a:lstStyle/>
+          <a:p>
+            <a:r>
+              <a:rPr lang="en-US" b="0" i="0" dirty="0">
+                <a:solidFill>
+                  <a:srgbClr val="374151"/>
+                </a:solidFill>
+                <a:effectLst/>
+                <a:latin typeface="Söhne"/>
+              </a:rPr>
+              <a:t>II. Setting up a GitHub Actions workflow A. Creating a repository</a:t>
+            </a:r>
+            <a:endParaRPr lang="en-US" dirty="0"/>
+          </a:p>
+        </p:txBody>
+      </p:sp>
+      <p:sp>
+        <p:nvSpPr>
+          <p:cNvPr id="3" name="Content Placeholder 2">
+            <a:extLst>
+              <a:ext uri="{FF2B5EF4-FFF2-40B4-BE49-F238E27FC236}">
+                <a16:creationId xmlns:a16="http://schemas.microsoft.com/office/drawing/2014/main" id="{D97B1D3E-0716-A4C0-88C1-07116090979A}"/>
+              </a:ext>
+            </a:extLst>
+          </p:cNvPr>
+          <p:cNvSpPr>
+            <a:spLocks noGrp="1"/>
+          </p:cNvSpPr>
+          <p:nvPr>
+            <p:ph idx="1"/>
+          </p:nvPr>
+        </p:nvSpPr>
+        <p:spPr/>
+        <p:txBody>
+          <a:bodyPr/>
+          <a:lstStyle/>
+          <a:p>
+            <a:endParaRPr lang="en-US"/>
+          </a:p>
+        </p:txBody>
+      </p:sp>
+    </p:spTree>
+    <p:extLst>
+      <p:ext uri="{BB962C8B-B14F-4D97-AF65-F5344CB8AC3E}">
+        <p14:creationId xmlns:p14="http://schemas.microsoft.com/office/powerpoint/2010/main" val="3355493529"/>
+      </p:ext>
+    </p:extLst>
+  </p:cSld>
+  <p:clrMapOvr>
+    <a:masterClrMapping/>
+  </p:clrMapOvr>
+</p:sld>
+</file>
+
+<file path=ppt/slides/slide6.xml><?xml version="1.0" encoding="utf-8"?>
+<p:sld xmlns:a="http://schemas.openxmlformats.org/drawingml/2006/main" xmlns:r="http://schemas.openxmlformats.org/officeDocument/2006/relationships" xmlns:p="http://schemas.openxmlformats.org/presentationml/2006/main">
+  <p:cSld>
+    <p:spTree>
+      <p:nvGrpSpPr>
+        <p:cNvPr id="1" name=""/>
+        <p:cNvGrpSpPr/>
+        <p:nvPr/>
+      </p:nvGrpSpPr>
+      <p:grpSpPr>
+        <a:xfrm>
+          <a:off x="0" y="0"/>
+          <a:ext cx="0" cy="0"/>
+          <a:chOff x="0" y="0"/>
+          <a:chExt cx="0" cy="0"/>
+        </a:xfrm>
+      </p:grpSpPr>
+      <p:sp>
+        <p:nvSpPr>
+          <p:cNvPr id="2" name="Title 1">
+            <a:extLst>
+              <a:ext uri="{FF2B5EF4-FFF2-40B4-BE49-F238E27FC236}">
+                <a16:creationId xmlns:a16="http://schemas.microsoft.com/office/drawing/2014/main" id="{B183B803-3256-5674-C51A-090B1BD817F9}"/>
+              </a:ext>
+            </a:extLst>
+          </p:cNvPr>
+          <p:cNvSpPr>
+            <a:spLocks noGrp="1"/>
+          </p:cNvSpPr>
+          <p:nvPr>
+            <p:ph type="title"/>
+          </p:nvPr>
+        </p:nvSpPr>
+        <p:spPr/>
+        <p:txBody>
+          <a:bodyPr>
+            <a:normAutofit/>
+          </a:bodyPr>
+          <a:lstStyle/>
+          <a:p>
+            <a:r>
+              <a:rPr lang="en-US" b="0" i="0" dirty="0">
+                <a:solidFill>
+                  <a:srgbClr val="374151"/>
+                </a:solidFill>
+                <a:effectLst/>
+                <a:latin typeface="Söhne"/>
+              </a:rPr>
+              <a:t>B. Enabling Actions</a:t>
+            </a:r>
+            <a:endParaRPr lang="en-US" dirty="0"/>
+          </a:p>
+        </p:txBody>
+      </p:sp>
+      <p:sp>
+        <p:nvSpPr>
+          <p:cNvPr id="3" name="Content Placeholder 2">
+            <a:extLst>
+              <a:ext uri="{FF2B5EF4-FFF2-40B4-BE49-F238E27FC236}">
+                <a16:creationId xmlns:a16="http://schemas.microsoft.com/office/drawing/2014/main" id="{5A9844C7-3731-FF21-44EB-0D632E5DD5A7}"/>
+              </a:ext>
+            </a:extLst>
+          </p:cNvPr>
+          <p:cNvSpPr>
+            <a:spLocks noGrp="1"/>
+          </p:cNvSpPr>
+          <p:nvPr>
+            <p:ph idx="1"/>
+          </p:nvPr>
+        </p:nvSpPr>
+        <p:spPr/>
+        <p:txBody>
+          <a:bodyPr/>
+          <a:lstStyle/>
+          <a:p>
+            <a:endParaRPr lang="en-US"/>
+          </a:p>
+        </p:txBody>
+      </p:sp>
+    </p:spTree>
+    <p:extLst>
+      <p:ext uri="{BB962C8B-B14F-4D97-AF65-F5344CB8AC3E}">
+        <p14:creationId xmlns:p14="http://schemas.microsoft.com/office/powerpoint/2010/main" val="1155617248"/>
+      </p:ext>
+    </p:extLst>
+  </p:cSld>
+  <p:clrMapOvr>
+    <a:masterClrMapping/>
+  </p:clrMapOvr>
+</p:sld>
+</file>
+
+<file path=ppt/slides/slide7.xml><?xml version="1.0" encoding="utf-8"?>
+<p:sld xmlns:a="http://schemas.openxmlformats.org/drawingml/2006/main" xmlns:r="http://schemas.openxmlformats.org/officeDocument/2006/relationships" xmlns:p="http://schemas.openxmlformats.org/presentationml/2006/main">
+  <p:cSld>
+    <p:spTree>
+      <p:nvGrpSpPr>
+        <p:cNvPr id="1" name=""/>
+        <p:cNvGrpSpPr/>
+        <p:nvPr/>
+      </p:nvGrpSpPr>
+      <p:grpSpPr>
+        <a:xfrm>
+          <a:off x="0" y="0"/>
+          <a:ext cx="0" cy="0"/>
+          <a:chOff x="0" y="0"/>
+          <a:chExt cx="0" cy="0"/>
+        </a:xfrm>
+      </p:grpSpPr>
+      <p:sp>
+        <p:nvSpPr>
+          <p:cNvPr id="2" name="Title 1">
+            <a:extLst>
+              <a:ext uri="{FF2B5EF4-FFF2-40B4-BE49-F238E27FC236}">
+                <a16:creationId xmlns:a16="http://schemas.microsoft.com/office/drawing/2014/main" id="{F1536FB9-5338-0C35-9A45-4FF7717FCD7A}"/>
+              </a:ext>
+            </a:extLst>
+          </p:cNvPr>
+          <p:cNvSpPr>
+            <a:spLocks noGrp="1"/>
+          </p:cNvSpPr>
+          <p:nvPr>
+            <p:ph type="title"/>
+          </p:nvPr>
+        </p:nvSpPr>
+        <p:spPr/>
+        <p:txBody>
+          <a:bodyPr>
+            <a:normAutofit/>
+          </a:bodyPr>
+          <a:lstStyle/>
+          <a:p>
+            <a:r>
+              <a:rPr lang="en-US" b="0" i="0" dirty="0">
+                <a:solidFill>
+                  <a:srgbClr val="374151"/>
+                </a:solidFill>
+                <a:effectLst/>
+                <a:latin typeface="Söhne"/>
+              </a:rPr>
+              <a:t>C. Creating a new workflow file</a:t>
+            </a:r>
+            <a:endParaRPr lang="en-US" dirty="0"/>
+          </a:p>
+        </p:txBody>
+      </p:sp>
+      <p:sp>
+        <p:nvSpPr>
+          <p:cNvPr id="3" name="Content Placeholder 2">
+            <a:extLst>
+              <a:ext uri="{FF2B5EF4-FFF2-40B4-BE49-F238E27FC236}">
+                <a16:creationId xmlns:a16="http://schemas.microsoft.com/office/drawing/2014/main" id="{EE331773-DA89-6E8C-8130-B9C9A7BFE1CD}"/>
+              </a:ext>
+            </a:extLst>
+          </p:cNvPr>
+          <p:cNvSpPr>
+            <a:spLocks noGrp="1"/>
+          </p:cNvSpPr>
+          <p:nvPr>
+            <p:ph idx="1"/>
+          </p:nvPr>
+        </p:nvSpPr>
+        <p:spPr/>
+        <p:txBody>
+          <a:bodyPr/>
+          <a:lstStyle/>
+          <a:p>
+            <a:endParaRPr lang="en-US"/>
+          </a:p>
+        </p:txBody>
+      </p:sp>
+    </p:spTree>
+    <p:extLst>
+      <p:ext uri="{BB962C8B-B14F-4D97-AF65-F5344CB8AC3E}">
+        <p14:creationId xmlns:p14="http://schemas.microsoft.com/office/powerpoint/2010/main" val="3910798870"/>
+      </p:ext>
+    </p:extLst>
+  </p:cSld>
+  <p:clrMapOvr>
+    <a:masterClrMapping/>
+  </p:clrMapOvr>
+</p:sld>
+</file>
+
+<file path=ppt/slides/slide8.xml><?xml version="1.0" encoding="utf-8"?>
+<p:sld xmlns:a="http://schemas.openxmlformats.org/drawingml/2006/main" xmlns:r="http://schemas.openxmlformats.org/officeDocument/2006/relationships" xmlns:p="http://schemas.openxmlformats.org/presentationml/2006/main">
+  <p:cSld>
+    <p:spTree>
+      <p:nvGrpSpPr>
+        <p:cNvPr id="1" name=""/>
+        <p:cNvGrpSpPr/>
+        <p:nvPr/>
+      </p:nvGrpSpPr>
+      <p:grpSpPr>
+        <a:xfrm>
+          <a:off x="0" y="0"/>
+          <a:ext cx="0" cy="0"/>
+          <a:chOff x="0" y="0"/>
+          <a:chExt cx="0" cy="0"/>
+        </a:xfrm>
+      </p:grpSpPr>
+      <p:sp>
+        <p:nvSpPr>
+          <p:cNvPr id="2" name="Title 1">
+            <a:extLst>
+              <a:ext uri="{FF2B5EF4-FFF2-40B4-BE49-F238E27FC236}">
+                <a16:creationId xmlns:a16="http://schemas.microsoft.com/office/drawing/2014/main" id="{C94FC33C-9A2A-DAA5-DC31-029FA4FCF83E}"/>
+              </a:ext>
+            </a:extLst>
+          </p:cNvPr>
+          <p:cNvSpPr>
+            <a:spLocks noGrp="1"/>
+          </p:cNvSpPr>
+          <p:nvPr>
+            <p:ph type="title"/>
+          </p:nvPr>
+        </p:nvSpPr>
+        <p:spPr/>
+        <p:txBody>
+          <a:bodyPr>
+            <a:normAutofit/>
+          </a:bodyPr>
+          <a:lstStyle/>
+          <a:p>
+            <a:r>
+              <a:rPr lang="en-US" b="0" i="0" dirty="0">
+                <a:solidFill>
+                  <a:srgbClr val="374151"/>
+                </a:solidFill>
+                <a:effectLst/>
+                <a:latin typeface="Söhne"/>
+              </a:rPr>
+              <a:t>D. Adding workflow events</a:t>
+            </a:r>
+            <a:br>
+              <a:rPr lang="en-US" b="0" i="0" dirty="0">
+                <a:solidFill>
+                  <a:srgbClr val="374151"/>
+                </a:solidFill>
+                <a:effectLst/>
+                <a:latin typeface="Söhne"/>
+              </a:rPr>
+            </a:br>
+            <a:endParaRPr lang="en-US" dirty="0"/>
+          </a:p>
+        </p:txBody>
+      </p:sp>
+      <p:sp>
+        <p:nvSpPr>
+          <p:cNvPr id="3" name="Content Placeholder 2">
+            <a:extLst>
+              <a:ext uri="{FF2B5EF4-FFF2-40B4-BE49-F238E27FC236}">
+                <a16:creationId xmlns:a16="http://schemas.microsoft.com/office/drawing/2014/main" id="{ADD5DC12-DC2C-D76A-55F7-8B144974624D}"/>
+              </a:ext>
+            </a:extLst>
+          </p:cNvPr>
+          <p:cNvSpPr>
+            <a:spLocks noGrp="1"/>
+          </p:cNvSpPr>
+          <p:nvPr>
+            <p:ph idx="1"/>
+          </p:nvPr>
+        </p:nvSpPr>
+        <p:spPr/>
+        <p:txBody>
+          <a:bodyPr/>
+          <a:lstStyle/>
+          <a:p>
+            <a:endParaRPr lang="en-US"/>
+          </a:p>
+        </p:txBody>
+      </p:sp>
+    </p:spTree>
+    <p:extLst>
+      <p:ext uri="{BB962C8B-B14F-4D97-AF65-F5344CB8AC3E}">
+        <p14:creationId xmlns:p14="http://schemas.microsoft.com/office/powerpoint/2010/main" val="1602303146"/>
+      </p:ext>
+    </p:extLst>
+  </p:cSld>
+  <p:clrMapOvr>
+    <a:masterClrMapping/>
+  </p:clrMapOvr>
+</p:sld>
+</file>
+
+<file path=ppt/slides/slide9.xml><?xml version="1.0" encoding="utf-8"?>
+<p:sld xmlns:a="http://schemas.openxmlformats.org/drawingml/2006/main" xmlns:r="http://schemas.openxmlformats.org/officeDocument/2006/relationships" xmlns:p="http://schemas.openxmlformats.org/presentationml/2006/main">
+  <p:cSld>
+    <p:spTree>
+      <p:nvGrpSpPr>
+        <p:cNvPr id="1" name=""/>
+        <p:cNvGrpSpPr/>
+        <p:nvPr/>
+      </p:nvGrpSpPr>
+      <p:grpSpPr>
+        <a:xfrm>
+          <a:off x="0" y="0"/>
+          <a:ext cx="0" cy="0"/>
+          <a:chOff x="0" y="0"/>
+          <a:chExt cx="0" cy="0"/>
+        </a:xfrm>
+      </p:grpSpPr>
+      <p:sp>
+        <p:nvSpPr>
+          <p:cNvPr id="2" name="Title 1">
+            <a:extLst>
+              <a:ext uri="{FF2B5EF4-FFF2-40B4-BE49-F238E27FC236}">
+                <a16:creationId xmlns:a16="http://schemas.microsoft.com/office/drawing/2014/main" id="{4221A4BA-EFBA-542A-413E-CAB2781259FE}"/>
+              </a:ext>
+            </a:extLst>
+          </p:cNvPr>
+          <p:cNvSpPr>
+            <a:spLocks noGrp="1"/>
+          </p:cNvSpPr>
+          <p:nvPr>
+            <p:ph type="title"/>
+          </p:nvPr>
+        </p:nvSpPr>
+        <p:spPr/>
+        <p:txBody>
+          <a:bodyPr/>
+          <a:lstStyle/>
+          <a:p>
+            <a:r>
+              <a:rPr lang="en-US" b="0" i="0" dirty="0">
+                <a:solidFill>
+                  <a:srgbClr val="374151"/>
+                </a:solidFill>
+                <a:effectLst/>
+                <a:latin typeface="Söhne"/>
+              </a:rPr>
+              <a:t>E. Adding workflow jobs</a:t>
+            </a:r>
+            <a:endParaRPr lang="en-US" dirty="0"/>
+          </a:p>
+        </p:txBody>
+      </p:sp>
+      <p:sp>
+        <p:nvSpPr>
+          <p:cNvPr id="3" name="Content Placeholder 2">
+            <a:extLst>
+              <a:ext uri="{FF2B5EF4-FFF2-40B4-BE49-F238E27FC236}">
+                <a16:creationId xmlns:a16="http://schemas.microsoft.com/office/drawing/2014/main" id="{8AD68730-40BE-BB6E-F662-353325191254}"/>
+              </a:ext>
+            </a:extLst>
+          </p:cNvPr>
+          <p:cNvSpPr>
+            <a:spLocks noGrp="1"/>
+          </p:cNvSpPr>
+          <p:nvPr>
+            <p:ph idx="1"/>
+          </p:nvPr>
+        </p:nvSpPr>
+        <p:spPr/>
+        <p:txBody>
+          <a:bodyPr/>
+          <a:lstStyle/>
+          <a:p>
+            <a:endParaRPr lang="en-US"/>
+          </a:p>
+        </p:txBody>
+      </p:sp>
+    </p:spTree>
+    <p:extLst>
+      <p:ext uri="{BB962C8B-B14F-4D97-AF65-F5344CB8AC3E}">
+        <p14:creationId xmlns:p14="http://schemas.microsoft.com/office/powerpoint/2010/main" val="16051024"/>
       </p:ext>
     </p:extLst>
   </p:cSld>

--- a/getting-started-with-github-actions.pptx
+++ b/getting-started-with-github-actions.pptx
@@ -4,32 +4,32 @@
   <p:sldMasterIdLst>
     <p:sldMasterId id="2147483699" r:id="rId1"/>
   </p:sldMasterIdLst>
+  <p:notesMasterIdLst>
+    <p:notesMasterId r:id="rId24"/>
+  </p:notesMasterIdLst>
   <p:sldIdLst>
     <p:sldId id="256" r:id="rId2"/>
     <p:sldId id="259" r:id="rId3"/>
     <p:sldId id="260" r:id="rId4"/>
-    <p:sldId id="261" r:id="rId5"/>
-    <p:sldId id="262" r:id="rId6"/>
-    <p:sldId id="263" r:id="rId7"/>
-    <p:sldId id="264" r:id="rId8"/>
-    <p:sldId id="265" r:id="rId9"/>
-    <p:sldId id="266" r:id="rId10"/>
-    <p:sldId id="267" r:id="rId11"/>
-    <p:sldId id="268" r:id="rId12"/>
-    <p:sldId id="269" r:id="rId13"/>
-    <p:sldId id="270" r:id="rId14"/>
-    <p:sldId id="273" r:id="rId15"/>
-    <p:sldId id="272" r:id="rId16"/>
-    <p:sldId id="271" r:id="rId17"/>
-    <p:sldId id="274" r:id="rId18"/>
-    <p:sldId id="275" r:id="rId19"/>
-    <p:sldId id="276" r:id="rId20"/>
-    <p:sldId id="277" r:id="rId21"/>
-    <p:sldId id="278" r:id="rId22"/>
-    <p:sldId id="279" r:id="rId23"/>
-    <p:sldId id="280" r:id="rId24"/>
-    <p:sldId id="281" r:id="rId25"/>
-    <p:sldId id="258" r:id="rId26"/>
+    <p:sldId id="262" r:id="rId5"/>
+    <p:sldId id="265" r:id="rId6"/>
+    <p:sldId id="266" r:id="rId7"/>
+    <p:sldId id="267" r:id="rId8"/>
+    <p:sldId id="268" r:id="rId9"/>
+    <p:sldId id="269" r:id="rId10"/>
+    <p:sldId id="270" r:id="rId11"/>
+    <p:sldId id="273" r:id="rId12"/>
+    <p:sldId id="272" r:id="rId13"/>
+    <p:sldId id="271" r:id="rId14"/>
+    <p:sldId id="274" r:id="rId15"/>
+    <p:sldId id="275" r:id="rId16"/>
+    <p:sldId id="276" r:id="rId17"/>
+    <p:sldId id="277" r:id="rId18"/>
+    <p:sldId id="278" r:id="rId19"/>
+    <p:sldId id="279" r:id="rId20"/>
+    <p:sldId id="280" r:id="rId21"/>
+    <p:sldId id="281" r:id="rId22"/>
+    <p:sldId id="258" r:id="rId23"/>
   </p:sldIdLst>
   <p:sldSz cx="12192000" cy="6858000"/>
   <p:notesSz cx="6858000" cy="9144000"/>
@@ -134,6 +134,3571 @@
     </p:ext>
   </p:extLst>
 </p:presentation>
+</file>
+
+<file path=ppt/diagrams/colors1.xml><?xml version="1.0" encoding="utf-8"?>
+<dgm:colorsDef xmlns:dgm="http://schemas.openxmlformats.org/drawingml/2006/diagram" xmlns:a="http://schemas.openxmlformats.org/drawingml/2006/main" uniqueId="urn:microsoft.com/office/officeart/2005/8/colors/colorful2">
+  <dgm:title val=""/>
+  <dgm:desc val=""/>
+  <dgm:catLst>
+    <dgm:cat type="colorful" pri="10200"/>
+  </dgm:catLst>
+  <dgm:styleLbl name="node0">
+    <dgm:fillClrLst meth="repeat">
+      <a:schemeClr val="accent1"/>
+    </dgm:fillClrLst>
+    <dgm:linClrLst meth="repeat">
+      <a:schemeClr val="lt1"/>
+    </dgm:linClrLst>
+    <dgm:effectClrLst/>
+    <dgm:txLinClrLst/>
+    <dgm:txFillClrLst/>
+    <dgm:txEffectClrLst/>
+  </dgm:styleLbl>
+  <dgm:styleLbl name="node1">
+    <dgm:fillClrLst>
+      <a:schemeClr val="accent2"/>
+      <a:schemeClr val="accent3"/>
+    </dgm:fillClrLst>
+    <dgm:linClrLst meth="repeat">
+      <a:schemeClr val="lt1"/>
+    </dgm:linClrLst>
+    <dgm:effectClrLst/>
+    <dgm:txLinClrLst/>
+    <dgm:txFillClrLst/>
+    <dgm:txEffectClrLst/>
+  </dgm:styleLbl>
+  <dgm:styleLbl name="alignNode1">
+    <dgm:fillClrLst>
+      <a:schemeClr val="accent2"/>
+      <a:schemeClr val="accent3"/>
+    </dgm:fillClrLst>
+    <dgm:linClrLst>
+      <a:schemeClr val="accent2"/>
+      <a:schemeClr val="accent3"/>
+    </dgm:linClrLst>
+    <dgm:effectClrLst/>
+    <dgm:txLinClrLst/>
+    <dgm:txFillClrLst/>
+    <dgm:txEffectClrLst/>
+  </dgm:styleLbl>
+  <dgm:styleLbl name="lnNode1">
+    <dgm:fillClrLst>
+      <a:schemeClr val="accent2"/>
+      <a:schemeClr val="accent3"/>
+    </dgm:fillClrLst>
+    <dgm:linClrLst meth="repeat">
+      <a:schemeClr val="lt1"/>
+    </dgm:linClrLst>
+    <dgm:effectClrLst/>
+    <dgm:txLinClrLst/>
+    <dgm:txFillClrLst/>
+    <dgm:txEffectClrLst/>
+  </dgm:styleLbl>
+  <dgm:styleLbl name="vennNode1">
+    <dgm:fillClrLst>
+      <a:schemeClr val="accent2">
+        <a:alpha val="50000"/>
+      </a:schemeClr>
+      <a:schemeClr val="accent3">
+        <a:alpha val="50000"/>
+      </a:schemeClr>
+    </dgm:fillClrLst>
+    <dgm:linClrLst meth="repeat">
+      <a:schemeClr val="lt1"/>
+    </dgm:linClrLst>
+    <dgm:effectClrLst/>
+    <dgm:txLinClrLst/>
+    <dgm:txFillClrLst/>
+    <dgm:txEffectClrLst/>
+  </dgm:styleLbl>
+  <dgm:styleLbl name="node2">
+    <dgm:fillClrLst>
+      <a:schemeClr val="accent3"/>
+    </dgm:fillClrLst>
+    <dgm:linClrLst meth="repeat">
+      <a:schemeClr val="lt1"/>
+    </dgm:linClrLst>
+    <dgm:effectClrLst/>
+    <dgm:txLinClrLst/>
+    <dgm:txFillClrLst/>
+    <dgm:txEffectClrLst/>
+  </dgm:styleLbl>
+  <dgm:styleLbl name="node3">
+    <dgm:fillClrLst>
+      <a:schemeClr val="accent4"/>
+    </dgm:fillClrLst>
+    <dgm:linClrLst meth="repeat">
+      <a:schemeClr val="lt1"/>
+    </dgm:linClrLst>
+    <dgm:effectClrLst/>
+    <dgm:txLinClrLst/>
+    <dgm:txFillClrLst/>
+    <dgm:txEffectClrLst/>
+  </dgm:styleLbl>
+  <dgm:styleLbl name="node4">
+    <dgm:fillClrLst>
+      <a:schemeClr val="accent5"/>
+    </dgm:fillClrLst>
+    <dgm:linClrLst meth="repeat">
+      <a:schemeClr val="lt1"/>
+    </dgm:linClrLst>
+    <dgm:effectClrLst/>
+    <dgm:txLinClrLst/>
+    <dgm:txFillClrLst/>
+    <dgm:txEffectClrLst/>
+  </dgm:styleLbl>
+  <dgm:styleLbl name="fgImgPlace1">
+    <dgm:fillClrLst>
+      <a:schemeClr val="accent2">
+        <a:tint val="50000"/>
+      </a:schemeClr>
+      <a:schemeClr val="accent3">
+        <a:tint val="50000"/>
+      </a:schemeClr>
+    </dgm:fillClrLst>
+    <dgm:linClrLst meth="repeat">
+      <a:schemeClr val="lt1"/>
+    </dgm:linClrLst>
+    <dgm:effectClrLst/>
+    <dgm:txLinClrLst/>
+    <dgm:txFillClrLst meth="repeat">
+      <a:schemeClr val="lt1"/>
+    </dgm:txFillClrLst>
+    <dgm:txEffectClrLst/>
+  </dgm:styleLbl>
+  <dgm:styleLbl name="alignImgPlace1">
+    <dgm:fillClrLst>
+      <a:schemeClr val="accent2">
+        <a:tint val="50000"/>
+      </a:schemeClr>
+      <a:schemeClr val="accent3">
+        <a:tint val="20000"/>
+      </a:schemeClr>
+    </dgm:fillClrLst>
+    <dgm:linClrLst meth="repeat">
+      <a:schemeClr val="lt1"/>
+    </dgm:linClrLst>
+    <dgm:effectClrLst/>
+    <dgm:txLinClrLst/>
+    <dgm:txFillClrLst meth="repeat">
+      <a:schemeClr val="lt1"/>
+    </dgm:txFillClrLst>
+    <dgm:txEffectClrLst/>
+  </dgm:styleLbl>
+  <dgm:styleLbl name="bgImgPlace1">
+    <dgm:fillClrLst>
+      <a:schemeClr val="accent2">
+        <a:tint val="50000"/>
+      </a:schemeClr>
+      <a:schemeClr val="accent3">
+        <a:tint val="20000"/>
+      </a:schemeClr>
+    </dgm:fillClrLst>
+    <dgm:linClrLst meth="repeat">
+      <a:schemeClr val="lt1"/>
+    </dgm:linClrLst>
+    <dgm:effectClrLst/>
+    <dgm:txLinClrLst/>
+    <dgm:txFillClrLst meth="repeat">
+      <a:schemeClr val="lt1"/>
+    </dgm:txFillClrLst>
+    <dgm:txEffectClrLst/>
+  </dgm:styleLbl>
+  <dgm:styleLbl name="sibTrans2D1">
+    <dgm:fillClrLst>
+      <a:schemeClr val="accent2"/>
+      <a:schemeClr val="accent3"/>
+    </dgm:fillClrLst>
+    <dgm:linClrLst meth="repeat">
+      <a:schemeClr val="lt1"/>
+    </dgm:linClrLst>
+    <dgm:effectClrLst/>
+    <dgm:txLinClrLst/>
+    <dgm:txFillClrLst/>
+    <dgm:txEffectClrLst/>
+  </dgm:styleLbl>
+  <dgm:styleLbl name="fgSibTrans2D1">
+    <dgm:fillClrLst>
+      <a:schemeClr val="accent2"/>
+      <a:schemeClr val="accent3"/>
+    </dgm:fillClrLst>
+    <dgm:linClrLst meth="repeat">
+      <a:schemeClr val="lt1"/>
+    </dgm:linClrLst>
+    <dgm:effectClrLst/>
+    <dgm:txLinClrLst/>
+    <dgm:txFillClrLst meth="repeat">
+      <a:schemeClr val="lt1"/>
+    </dgm:txFillClrLst>
+    <dgm:txEffectClrLst/>
+  </dgm:styleLbl>
+  <dgm:styleLbl name="bgSibTrans2D1">
+    <dgm:fillClrLst>
+      <a:schemeClr val="accent2"/>
+      <a:schemeClr val="accent3"/>
+    </dgm:fillClrLst>
+    <dgm:linClrLst meth="repeat">
+      <a:schemeClr val="lt1"/>
+    </dgm:linClrLst>
+    <dgm:effectClrLst/>
+    <dgm:txLinClrLst/>
+    <dgm:txFillClrLst meth="repeat">
+      <a:schemeClr val="lt1"/>
+    </dgm:txFillClrLst>
+    <dgm:txEffectClrLst/>
+  </dgm:styleLbl>
+  <dgm:styleLbl name="sibTrans1D1">
+    <dgm:fillClrLst/>
+    <dgm:linClrLst>
+      <a:schemeClr val="accent2"/>
+      <a:schemeClr val="accent3"/>
+    </dgm:linClrLst>
+    <dgm:effectClrLst/>
+    <dgm:txLinClrLst/>
+    <dgm:txFillClrLst meth="repeat">
+      <a:schemeClr val="tx1"/>
+    </dgm:txFillClrLst>
+    <dgm:txEffectClrLst/>
+  </dgm:styleLbl>
+  <dgm:styleLbl name="callout">
+    <dgm:fillClrLst meth="repeat">
+      <a:schemeClr val="accent2"/>
+    </dgm:fillClrLst>
+    <dgm:linClrLst meth="repeat">
+      <a:schemeClr val="accent2">
+        <a:tint val="50000"/>
+      </a:schemeClr>
+    </dgm:linClrLst>
+    <dgm:effectClrLst/>
+    <dgm:txLinClrLst/>
+    <dgm:txFillClrLst meth="repeat">
+      <a:schemeClr val="tx1"/>
+    </dgm:txFillClrLst>
+    <dgm:txEffectClrLst/>
+  </dgm:styleLbl>
+  <dgm:styleLbl name="asst0">
+    <dgm:fillClrLst meth="repeat">
+      <a:schemeClr val="accent2"/>
+    </dgm:fillClrLst>
+    <dgm:linClrLst meth="repeat">
+      <a:schemeClr val="lt1">
+        <a:shade val="80000"/>
+      </a:schemeClr>
+    </dgm:linClrLst>
+    <dgm:effectClrLst/>
+    <dgm:txLinClrLst/>
+    <dgm:txFillClrLst/>
+    <dgm:txEffectClrLst/>
+  </dgm:styleLbl>
+  <dgm:styleLbl name="asst1">
+    <dgm:fillClrLst meth="repeat">
+      <a:schemeClr val="accent3"/>
+    </dgm:fillClrLst>
+    <dgm:linClrLst meth="repeat">
+      <a:schemeClr val="lt1">
+        <a:shade val="80000"/>
+      </a:schemeClr>
+    </dgm:linClrLst>
+    <dgm:effectClrLst/>
+    <dgm:txLinClrLst/>
+    <dgm:txFillClrLst/>
+    <dgm:txEffectClrLst/>
+  </dgm:styleLbl>
+  <dgm:styleLbl name="asst2">
+    <dgm:fillClrLst>
+      <a:schemeClr val="accent4"/>
+    </dgm:fillClrLst>
+    <dgm:linClrLst meth="repeat">
+      <a:schemeClr val="lt1"/>
+    </dgm:linClrLst>
+    <dgm:effectClrLst/>
+    <dgm:txLinClrLst/>
+    <dgm:txFillClrLst/>
+    <dgm:txEffectClrLst/>
+  </dgm:styleLbl>
+  <dgm:styleLbl name="asst3">
+    <dgm:fillClrLst>
+      <a:schemeClr val="accent5"/>
+    </dgm:fillClrLst>
+    <dgm:linClrLst meth="repeat">
+      <a:schemeClr val="lt1"/>
+    </dgm:linClrLst>
+    <dgm:effectClrLst/>
+    <dgm:txLinClrLst/>
+    <dgm:txFillClrLst/>
+    <dgm:txEffectClrLst/>
+  </dgm:styleLbl>
+  <dgm:styleLbl name="asst4">
+    <dgm:fillClrLst>
+      <a:schemeClr val="accent6"/>
+    </dgm:fillClrLst>
+    <dgm:linClrLst meth="repeat">
+      <a:schemeClr val="lt1"/>
+    </dgm:linClrLst>
+    <dgm:effectClrLst/>
+    <dgm:txLinClrLst/>
+    <dgm:txFillClrLst/>
+    <dgm:txEffectClrLst/>
+  </dgm:styleLbl>
+  <dgm:styleLbl name="parChTrans2D1">
+    <dgm:fillClrLst meth="repeat">
+      <a:schemeClr val="accent2"/>
+    </dgm:fillClrLst>
+    <dgm:linClrLst meth="repeat">
+      <a:schemeClr val="lt1"/>
+    </dgm:linClrLst>
+    <dgm:effectClrLst/>
+    <dgm:txLinClrLst/>
+    <dgm:txFillClrLst meth="repeat">
+      <a:schemeClr val="lt1"/>
+    </dgm:txFillClrLst>
+    <dgm:txEffectClrLst/>
+  </dgm:styleLbl>
+  <dgm:styleLbl name="parChTrans2D2">
+    <dgm:fillClrLst meth="repeat">
+      <a:schemeClr val="accent3"/>
+    </dgm:fillClrLst>
+    <dgm:linClrLst meth="repeat">
+      <a:schemeClr val="lt1"/>
+    </dgm:linClrLst>
+    <dgm:effectClrLst/>
+    <dgm:txLinClrLst/>
+    <dgm:txFillClrLst/>
+    <dgm:txEffectClrLst/>
+  </dgm:styleLbl>
+  <dgm:styleLbl name="parChTrans2D3">
+    <dgm:fillClrLst meth="repeat">
+      <a:schemeClr val="accent4"/>
+    </dgm:fillClrLst>
+    <dgm:linClrLst meth="repeat">
+      <a:schemeClr val="lt1"/>
+    </dgm:linClrLst>
+    <dgm:effectClrLst/>
+    <dgm:txLinClrLst/>
+    <dgm:txFillClrLst/>
+    <dgm:txEffectClrLst/>
+  </dgm:styleLbl>
+  <dgm:styleLbl name="parChTrans2D4">
+    <dgm:fillClrLst meth="repeat">
+      <a:schemeClr val="accent5"/>
+    </dgm:fillClrLst>
+    <dgm:linClrLst meth="repeat">
+      <a:schemeClr val="lt1"/>
+    </dgm:linClrLst>
+    <dgm:effectClrLst/>
+    <dgm:txLinClrLst/>
+    <dgm:txFillClrLst meth="repeat">
+      <a:schemeClr val="lt1"/>
+    </dgm:txFillClrLst>
+    <dgm:txEffectClrLst/>
+  </dgm:styleLbl>
+  <dgm:styleLbl name="parChTrans1D1">
+    <dgm:fillClrLst meth="repeat">
+      <a:schemeClr val="accent2"/>
+    </dgm:fillClrLst>
+    <dgm:linClrLst meth="repeat">
+      <a:schemeClr val="accent2"/>
+    </dgm:linClrLst>
+    <dgm:effectClrLst/>
+    <dgm:txLinClrLst/>
+    <dgm:txFillClrLst meth="repeat">
+      <a:schemeClr val="tx1"/>
+    </dgm:txFillClrLst>
+    <dgm:txEffectClrLst/>
+  </dgm:styleLbl>
+  <dgm:styleLbl name="parChTrans1D2">
+    <dgm:fillClrLst meth="repeat">
+      <a:schemeClr val="accent2">
+        <a:tint val="90000"/>
+      </a:schemeClr>
+    </dgm:fillClrLst>
+    <dgm:linClrLst meth="repeat">
+      <a:schemeClr val="accent3"/>
+    </dgm:linClrLst>
+    <dgm:effectClrLst/>
+    <dgm:txLinClrLst/>
+    <dgm:txFillClrLst meth="repeat">
+      <a:schemeClr val="tx1"/>
+    </dgm:txFillClrLst>
+    <dgm:txEffectClrLst/>
+  </dgm:styleLbl>
+  <dgm:styleLbl name="parChTrans1D3">
+    <dgm:fillClrLst meth="repeat">
+      <a:schemeClr val="accent2">
+        <a:tint val="70000"/>
+      </a:schemeClr>
+    </dgm:fillClrLst>
+    <dgm:linClrLst meth="repeat">
+      <a:schemeClr val="accent4"/>
+    </dgm:linClrLst>
+    <dgm:effectClrLst/>
+    <dgm:txLinClrLst/>
+    <dgm:txFillClrLst meth="repeat">
+      <a:schemeClr val="tx1"/>
+    </dgm:txFillClrLst>
+    <dgm:txEffectClrLst/>
+  </dgm:styleLbl>
+  <dgm:styleLbl name="parChTrans1D4">
+    <dgm:fillClrLst meth="repeat">
+      <a:schemeClr val="accent2">
+        <a:tint val="50000"/>
+      </a:schemeClr>
+    </dgm:fillClrLst>
+    <dgm:linClrLst meth="repeat">
+      <a:schemeClr val="accent5"/>
+    </dgm:linClrLst>
+    <dgm:effectClrLst/>
+    <dgm:txLinClrLst/>
+    <dgm:txFillClrLst meth="repeat">
+      <a:schemeClr val="tx1"/>
+    </dgm:txFillClrLst>
+    <dgm:txEffectClrLst/>
+  </dgm:styleLbl>
+  <dgm:styleLbl name="fgAcc1">
+    <dgm:fillClrLst meth="repeat">
+      <a:schemeClr val="lt1">
+        <a:alpha val="90000"/>
+      </a:schemeClr>
+    </dgm:fillClrLst>
+    <dgm:linClrLst>
+      <a:schemeClr val="accent2"/>
+      <a:schemeClr val="accent3"/>
+    </dgm:linClrLst>
+    <dgm:effectClrLst/>
+    <dgm:txLinClrLst/>
+    <dgm:txFillClrLst meth="repeat">
+      <a:schemeClr val="dk1"/>
+    </dgm:txFillClrLst>
+    <dgm:txEffectClrLst/>
+  </dgm:styleLbl>
+  <dgm:styleLbl name="conFgAcc1">
+    <dgm:fillClrLst meth="repeat">
+      <a:schemeClr val="lt1">
+        <a:alpha val="90000"/>
+      </a:schemeClr>
+    </dgm:fillClrLst>
+    <dgm:linClrLst>
+      <a:schemeClr val="accent2"/>
+      <a:schemeClr val="accent3"/>
+    </dgm:linClrLst>
+    <dgm:effectClrLst/>
+    <dgm:txLinClrLst/>
+    <dgm:txFillClrLst meth="repeat">
+      <a:schemeClr val="dk1"/>
+    </dgm:txFillClrLst>
+    <dgm:txEffectClrLst/>
+  </dgm:styleLbl>
+  <dgm:styleLbl name="alignAcc1">
+    <dgm:fillClrLst meth="repeat">
+      <a:schemeClr val="lt1">
+        <a:alpha val="90000"/>
+      </a:schemeClr>
+    </dgm:fillClrLst>
+    <dgm:linClrLst>
+      <a:schemeClr val="accent2"/>
+      <a:schemeClr val="accent3"/>
+    </dgm:linClrLst>
+    <dgm:effectClrLst/>
+    <dgm:txLinClrLst/>
+    <dgm:txFillClrLst meth="repeat">
+      <a:schemeClr val="dk1"/>
+    </dgm:txFillClrLst>
+    <dgm:txEffectClrLst/>
+  </dgm:styleLbl>
+  <dgm:styleLbl name="trAlignAcc1">
+    <dgm:fillClrLst meth="repeat">
+      <a:schemeClr val="lt1">
+        <a:alpha val="40000"/>
+      </a:schemeClr>
+    </dgm:fillClrLst>
+    <dgm:linClrLst meth="repeat">
+      <a:schemeClr val="accent2"/>
+    </dgm:linClrLst>
+    <dgm:effectClrLst/>
+    <dgm:txLinClrLst/>
+    <dgm:txFillClrLst meth="repeat">
+      <a:schemeClr val="dk1"/>
+    </dgm:txFillClrLst>
+    <dgm:txEffectClrLst/>
+  </dgm:styleLbl>
+  <dgm:styleLbl name="bgAcc1">
+    <dgm:fillClrLst meth="repeat">
+      <a:schemeClr val="lt1">
+        <a:alpha val="90000"/>
+      </a:schemeClr>
+    </dgm:fillClrLst>
+    <dgm:linClrLst>
+      <a:schemeClr val="accent2"/>
+      <a:schemeClr val="accent3"/>
+    </dgm:linClrLst>
+    <dgm:effectClrLst/>
+    <dgm:txLinClrLst/>
+    <dgm:txFillClrLst meth="repeat">
+      <a:schemeClr val="dk1"/>
+    </dgm:txFillClrLst>
+    <dgm:txEffectClrLst/>
+  </dgm:styleLbl>
+  <dgm:styleLbl name="solidFgAcc1">
+    <dgm:fillClrLst meth="repeat">
+      <a:schemeClr val="lt1"/>
+    </dgm:fillClrLst>
+    <dgm:linClrLst>
+      <a:schemeClr val="accent2"/>
+      <a:schemeClr val="accent3"/>
+    </dgm:linClrLst>
+    <dgm:effectClrLst/>
+    <dgm:txLinClrLst/>
+    <dgm:txFillClrLst meth="repeat">
+      <a:schemeClr val="dk1"/>
+    </dgm:txFillClrLst>
+    <dgm:txEffectClrLst/>
+  </dgm:styleLbl>
+  <dgm:styleLbl name="solidAlignAcc1">
+    <dgm:fillClrLst meth="repeat">
+      <a:schemeClr val="lt1"/>
+    </dgm:fillClrLst>
+    <dgm:linClrLst>
+      <a:schemeClr val="accent2"/>
+      <a:schemeClr val="accent3"/>
+    </dgm:linClrLst>
+    <dgm:effectClrLst/>
+    <dgm:txLinClrLst/>
+    <dgm:txFillClrLst meth="repeat">
+      <a:schemeClr val="dk1"/>
+    </dgm:txFillClrLst>
+    <dgm:txEffectClrLst/>
+  </dgm:styleLbl>
+  <dgm:styleLbl name="solidBgAcc1">
+    <dgm:fillClrLst meth="repeat">
+      <a:schemeClr val="lt1"/>
+    </dgm:fillClrLst>
+    <dgm:linClrLst>
+      <a:schemeClr val="accent2"/>
+      <a:schemeClr val="accent3"/>
+    </dgm:linClrLst>
+    <dgm:effectClrLst/>
+    <dgm:txLinClrLst/>
+    <dgm:txFillClrLst meth="repeat">
+      <a:schemeClr val="dk1"/>
+    </dgm:txFillClrLst>
+    <dgm:txEffectClrLst/>
+  </dgm:styleLbl>
+  <dgm:styleLbl name="fgAccFollowNode1">
+    <dgm:fillClrLst>
+      <a:schemeClr val="accent2">
+        <a:tint val="40000"/>
+        <a:alpha val="90000"/>
+      </a:schemeClr>
+      <a:schemeClr val="accent3">
+        <a:tint val="40000"/>
+        <a:alpha val="90000"/>
+      </a:schemeClr>
+    </dgm:fillClrLst>
+    <dgm:linClrLst>
+      <a:schemeClr val="accent2">
+        <a:tint val="40000"/>
+        <a:alpha val="90000"/>
+      </a:schemeClr>
+      <a:schemeClr val="accent3">
+        <a:tint val="40000"/>
+        <a:alpha val="90000"/>
+      </a:schemeClr>
+    </dgm:linClrLst>
+    <dgm:effectClrLst/>
+    <dgm:txLinClrLst/>
+    <dgm:txFillClrLst meth="repeat">
+      <a:schemeClr val="dk1"/>
+    </dgm:txFillClrLst>
+    <dgm:txEffectClrLst/>
+  </dgm:styleLbl>
+  <dgm:styleLbl name="alignAccFollowNode1">
+    <dgm:fillClrLst>
+      <a:schemeClr val="accent2">
+        <a:tint val="40000"/>
+        <a:alpha val="90000"/>
+      </a:schemeClr>
+      <a:schemeClr val="accent3">
+        <a:tint val="40000"/>
+        <a:alpha val="90000"/>
+      </a:schemeClr>
+    </dgm:fillClrLst>
+    <dgm:linClrLst>
+      <a:schemeClr val="accent2">
+        <a:tint val="40000"/>
+        <a:alpha val="90000"/>
+      </a:schemeClr>
+      <a:schemeClr val="accent3">
+        <a:tint val="40000"/>
+        <a:alpha val="90000"/>
+      </a:schemeClr>
+    </dgm:linClrLst>
+    <dgm:effectClrLst/>
+    <dgm:txLinClrLst/>
+    <dgm:txFillClrLst meth="repeat">
+      <a:schemeClr val="dk1"/>
+    </dgm:txFillClrLst>
+    <dgm:txEffectClrLst/>
+  </dgm:styleLbl>
+  <dgm:styleLbl name="bgAccFollowNode1">
+    <dgm:fillClrLst>
+      <a:schemeClr val="accent2">
+        <a:tint val="40000"/>
+        <a:alpha val="90000"/>
+      </a:schemeClr>
+      <a:schemeClr val="accent3">
+        <a:tint val="40000"/>
+        <a:alpha val="90000"/>
+      </a:schemeClr>
+    </dgm:fillClrLst>
+    <dgm:linClrLst>
+      <a:schemeClr val="accent2">
+        <a:tint val="40000"/>
+        <a:alpha val="90000"/>
+      </a:schemeClr>
+      <a:schemeClr val="accent3">
+        <a:tint val="40000"/>
+        <a:alpha val="90000"/>
+      </a:schemeClr>
+    </dgm:linClrLst>
+    <dgm:effectClrLst/>
+    <dgm:txLinClrLst/>
+    <dgm:txFillClrLst meth="repeat">
+      <a:schemeClr val="dk1"/>
+    </dgm:txFillClrLst>
+    <dgm:txEffectClrLst/>
+  </dgm:styleLbl>
+  <dgm:styleLbl name="fgAcc0">
+    <dgm:fillClrLst meth="repeat">
+      <a:schemeClr val="lt1">
+        <a:alpha val="90000"/>
+      </a:schemeClr>
+    </dgm:fillClrLst>
+    <dgm:linClrLst>
+      <a:schemeClr val="accent1"/>
+    </dgm:linClrLst>
+    <dgm:effectClrLst/>
+    <dgm:txLinClrLst/>
+    <dgm:txFillClrLst meth="repeat">
+      <a:schemeClr val="dk1"/>
+    </dgm:txFillClrLst>
+    <dgm:txEffectClrLst/>
+  </dgm:styleLbl>
+  <dgm:styleLbl name="fgAcc2">
+    <dgm:fillClrLst meth="repeat">
+      <a:schemeClr val="lt1">
+        <a:alpha val="90000"/>
+      </a:schemeClr>
+    </dgm:fillClrLst>
+    <dgm:linClrLst>
+      <a:schemeClr val="accent3"/>
+    </dgm:linClrLst>
+    <dgm:effectClrLst/>
+    <dgm:txLinClrLst/>
+    <dgm:txFillClrLst meth="repeat">
+      <a:schemeClr val="dk1"/>
+    </dgm:txFillClrLst>
+    <dgm:txEffectClrLst/>
+  </dgm:styleLbl>
+  <dgm:styleLbl name="fgAcc3">
+    <dgm:fillClrLst meth="repeat">
+      <a:schemeClr val="lt1">
+        <a:alpha val="90000"/>
+      </a:schemeClr>
+    </dgm:fillClrLst>
+    <dgm:linClrLst>
+      <a:schemeClr val="accent4"/>
+    </dgm:linClrLst>
+    <dgm:effectClrLst/>
+    <dgm:txLinClrLst/>
+    <dgm:txFillClrLst meth="repeat">
+      <a:schemeClr val="dk1"/>
+    </dgm:txFillClrLst>
+    <dgm:txEffectClrLst/>
+  </dgm:styleLbl>
+  <dgm:styleLbl name="fgAcc4">
+    <dgm:fillClrLst meth="repeat">
+      <a:schemeClr val="lt1">
+        <a:alpha val="90000"/>
+      </a:schemeClr>
+    </dgm:fillClrLst>
+    <dgm:linClrLst>
+      <a:schemeClr val="accent5"/>
+    </dgm:linClrLst>
+    <dgm:effectClrLst/>
+    <dgm:txLinClrLst/>
+    <dgm:txFillClrLst meth="repeat">
+      <a:schemeClr val="dk1"/>
+    </dgm:txFillClrLst>
+    <dgm:txEffectClrLst/>
+  </dgm:styleLbl>
+  <dgm:styleLbl name="bgShp">
+    <dgm:fillClrLst meth="repeat">
+      <a:schemeClr val="accent2">
+        <a:tint val="40000"/>
+      </a:schemeClr>
+    </dgm:fillClrLst>
+    <dgm:linClrLst meth="repeat">
+      <a:schemeClr val="dk1"/>
+    </dgm:linClrLst>
+    <dgm:effectClrLst/>
+    <dgm:txLinClrLst/>
+    <dgm:txFillClrLst meth="repeat">
+      <a:schemeClr val="dk1"/>
+    </dgm:txFillClrLst>
+    <dgm:txEffectClrLst/>
+  </dgm:styleLbl>
+  <dgm:styleLbl name="dkBgShp">
+    <dgm:fillClrLst meth="repeat">
+      <a:schemeClr val="accent2">
+        <a:shade val="90000"/>
+      </a:schemeClr>
+    </dgm:fillClrLst>
+    <dgm:linClrLst meth="repeat">
+      <a:schemeClr val="dk1"/>
+    </dgm:linClrLst>
+    <dgm:effectClrLst/>
+    <dgm:txLinClrLst/>
+    <dgm:txFillClrLst meth="repeat">
+      <a:schemeClr val="lt1"/>
+    </dgm:txFillClrLst>
+    <dgm:txEffectClrLst/>
+  </dgm:styleLbl>
+  <dgm:styleLbl name="trBgShp">
+    <dgm:fillClrLst meth="repeat">
+      <a:schemeClr val="accent2">
+        <a:tint val="50000"/>
+        <a:alpha val="40000"/>
+      </a:schemeClr>
+    </dgm:fillClrLst>
+    <dgm:linClrLst meth="repeat">
+      <a:schemeClr val="accent2"/>
+    </dgm:linClrLst>
+    <dgm:effectClrLst/>
+    <dgm:txLinClrLst/>
+    <dgm:txFillClrLst meth="repeat">
+      <a:schemeClr val="lt1"/>
+    </dgm:txFillClrLst>
+    <dgm:txEffectClrLst/>
+  </dgm:styleLbl>
+  <dgm:styleLbl name="fgShp">
+    <dgm:fillClrLst meth="repeat">
+      <a:schemeClr val="accent2">
+        <a:tint val="40000"/>
+      </a:schemeClr>
+    </dgm:fillClrLst>
+    <dgm:linClrLst meth="repeat">
+      <a:schemeClr val="lt1"/>
+    </dgm:linClrLst>
+    <dgm:effectClrLst/>
+    <dgm:txLinClrLst/>
+    <dgm:txFillClrLst meth="repeat">
+      <a:schemeClr val="dk1"/>
+    </dgm:txFillClrLst>
+    <dgm:txEffectClrLst/>
+  </dgm:styleLbl>
+  <dgm:styleLbl name="revTx">
+    <dgm:fillClrLst meth="repeat">
+      <a:schemeClr val="lt1">
+        <a:alpha val="0"/>
+      </a:schemeClr>
+    </dgm:fillClrLst>
+    <dgm:linClrLst meth="repeat">
+      <a:schemeClr val="dk1">
+        <a:alpha val="0"/>
+      </a:schemeClr>
+    </dgm:linClrLst>
+    <dgm:effectClrLst/>
+    <dgm:txLinClrLst/>
+    <dgm:txFillClrLst meth="repeat">
+      <a:schemeClr val="tx1"/>
+    </dgm:txFillClrLst>
+    <dgm:txEffectClrLst/>
+  </dgm:styleLbl>
+</dgm:colorsDef>
+</file>
+
+<file path=ppt/diagrams/data1.xml><?xml version="1.0" encoding="utf-8"?>
+<dgm:dataModel xmlns:dgm="http://schemas.openxmlformats.org/drawingml/2006/diagram" xmlns:a="http://schemas.openxmlformats.org/drawingml/2006/main">
+  <dgm:ptLst>
+    <dgm:pt modelId="{9F0A64E9-6891-4BAF-B7FB-4052EDAB90EE}" type="doc">
+      <dgm:prSet loTypeId="urn:microsoft.com/office/officeart/2005/8/layout/default" loCatId="list" qsTypeId="urn:microsoft.com/office/officeart/2005/8/quickstyle/simple1" qsCatId="simple" csTypeId="urn:microsoft.com/office/officeart/2005/8/colors/colorful2" csCatId="colorful"/>
+      <dgm:spPr/>
+      <dgm:t>
+        <a:bodyPr/>
+        <a:lstStyle/>
+        <a:p>
+          <a:endParaRPr lang="en-US"/>
+        </a:p>
+      </dgm:t>
+    </dgm:pt>
+    <dgm:pt modelId="{C2560256-5FE4-434E-8636-492F97FDD73E}">
+      <dgm:prSet/>
+      <dgm:spPr/>
+      <dgm:t>
+        <a:bodyPr/>
+        <a:lstStyle/>
+        <a:p>
+          <a:r>
+            <a:rPr lang="en-US"/>
+            <a:t>Best GitHub integration!</a:t>
+          </a:r>
+        </a:p>
+      </dgm:t>
+    </dgm:pt>
+    <dgm:pt modelId="{2B07EFE3-25C3-4499-8BE1-325328DA8B3B}" type="parTrans" cxnId="{7E3B94EB-890D-46BD-96F4-B7625359AD51}">
+      <dgm:prSet/>
+      <dgm:spPr/>
+      <dgm:t>
+        <a:bodyPr/>
+        <a:lstStyle/>
+        <a:p>
+          <a:endParaRPr lang="en-US"/>
+        </a:p>
+      </dgm:t>
+    </dgm:pt>
+    <dgm:pt modelId="{B6EC2A06-EDDA-4EFD-9A61-55EA70339CDC}" type="sibTrans" cxnId="{7E3B94EB-890D-46BD-96F4-B7625359AD51}">
+      <dgm:prSet/>
+      <dgm:spPr/>
+      <dgm:t>
+        <a:bodyPr/>
+        <a:lstStyle/>
+        <a:p>
+          <a:endParaRPr lang="en-US"/>
+        </a:p>
+      </dgm:t>
+    </dgm:pt>
+    <dgm:pt modelId="{0F40636C-B229-48EE-AA28-DE8E654B963C}">
+      <dgm:prSet/>
+      <dgm:spPr/>
+      <dgm:t>
+        <a:bodyPr/>
+        <a:lstStyle/>
+        <a:p>
+          <a:r>
+            <a:rPr lang="en-US"/>
+            <a:t>It’s Free…. With limits…</a:t>
+          </a:r>
+        </a:p>
+      </dgm:t>
+    </dgm:pt>
+    <dgm:pt modelId="{7DD12555-5B07-4A17-8727-2C9942A3304A}" type="parTrans" cxnId="{E23B43A0-DE76-48F6-8424-DA6A9CE50410}">
+      <dgm:prSet/>
+      <dgm:spPr/>
+      <dgm:t>
+        <a:bodyPr/>
+        <a:lstStyle/>
+        <a:p>
+          <a:endParaRPr lang="en-US"/>
+        </a:p>
+      </dgm:t>
+    </dgm:pt>
+    <dgm:pt modelId="{D04D7689-7A0A-4517-8822-113DE91A0ED0}" type="sibTrans" cxnId="{E23B43A0-DE76-48F6-8424-DA6A9CE50410}">
+      <dgm:prSet/>
+      <dgm:spPr/>
+      <dgm:t>
+        <a:bodyPr/>
+        <a:lstStyle/>
+        <a:p>
+          <a:endParaRPr lang="en-US"/>
+        </a:p>
+      </dgm:t>
+    </dgm:pt>
+    <dgm:pt modelId="{D8538BE0-1393-442D-ACB9-8736118F667D}">
+      <dgm:prSet/>
+      <dgm:spPr/>
+      <dgm:t>
+        <a:bodyPr/>
+        <a:lstStyle/>
+        <a:p>
+          <a:r>
+            <a:rPr lang="en-US"/>
+            <a:t>All actions in a workflow are isolated.</a:t>
+          </a:r>
+        </a:p>
+      </dgm:t>
+    </dgm:pt>
+    <dgm:pt modelId="{87737698-05DF-4E7E-A380-81BBED57C238}" type="parTrans" cxnId="{F91A444D-2CE0-4749-9178-262B5CF11C66}">
+      <dgm:prSet/>
+      <dgm:spPr/>
+      <dgm:t>
+        <a:bodyPr/>
+        <a:lstStyle/>
+        <a:p>
+          <a:endParaRPr lang="en-US"/>
+        </a:p>
+      </dgm:t>
+    </dgm:pt>
+    <dgm:pt modelId="{CC639129-77CB-45AD-83CD-FF503B76EBD0}" type="sibTrans" cxnId="{F91A444D-2CE0-4749-9178-262B5CF11C66}">
+      <dgm:prSet/>
+      <dgm:spPr/>
+      <dgm:t>
+        <a:bodyPr/>
+        <a:lstStyle/>
+        <a:p>
+          <a:endParaRPr lang="en-US"/>
+        </a:p>
+      </dgm:t>
+    </dgm:pt>
+    <dgm:pt modelId="{81640FC5-C5A8-4629-B207-D9F5A43D3932}">
+      <dgm:prSet/>
+      <dgm:spPr/>
+      <dgm:t>
+        <a:bodyPr/>
+        <a:lstStyle/>
+        <a:p>
+          <a:r>
+            <a:rPr lang="en-US"/>
+            <a:t>Access to the GitHub API</a:t>
+          </a:r>
+        </a:p>
+      </dgm:t>
+    </dgm:pt>
+    <dgm:pt modelId="{81058B33-767E-46B9-A602-29339C81868C}" type="parTrans" cxnId="{F09A5497-928A-4CAC-90FF-2D413B039872}">
+      <dgm:prSet/>
+      <dgm:spPr/>
+      <dgm:t>
+        <a:bodyPr/>
+        <a:lstStyle/>
+        <a:p>
+          <a:endParaRPr lang="en-US"/>
+        </a:p>
+      </dgm:t>
+    </dgm:pt>
+    <dgm:pt modelId="{BF58A0B0-8924-403E-9F38-AB7D7BA15955}" type="sibTrans" cxnId="{F09A5497-928A-4CAC-90FF-2D413B039872}">
+      <dgm:prSet/>
+      <dgm:spPr/>
+      <dgm:t>
+        <a:bodyPr/>
+        <a:lstStyle/>
+        <a:p>
+          <a:endParaRPr lang="en-US"/>
+        </a:p>
+      </dgm:t>
+    </dgm:pt>
+    <dgm:pt modelId="{41486C03-0946-4F3C-8006-560C96384ED2}">
+      <dgm:prSet/>
+      <dgm:spPr/>
+      <dgm:t>
+        <a:bodyPr/>
+        <a:lstStyle/>
+        <a:p>
+          <a:r>
+            <a:rPr lang="en-US"/>
+            <a:t>Multiplatform: Linux, macOS, Windows,  and containers</a:t>
+          </a:r>
+        </a:p>
+      </dgm:t>
+    </dgm:pt>
+    <dgm:pt modelId="{F6E25C4A-A9F1-4B81-B7D0-7D9EA86F0C80}" type="parTrans" cxnId="{FC9946AA-A342-4953-9FED-93656BAD9BA8}">
+      <dgm:prSet/>
+      <dgm:spPr/>
+      <dgm:t>
+        <a:bodyPr/>
+        <a:lstStyle/>
+        <a:p>
+          <a:endParaRPr lang="en-US"/>
+        </a:p>
+      </dgm:t>
+    </dgm:pt>
+    <dgm:pt modelId="{332A9FD3-2DBA-464C-BB7F-8C1685D7C139}" type="sibTrans" cxnId="{FC9946AA-A342-4953-9FED-93656BAD9BA8}">
+      <dgm:prSet/>
+      <dgm:spPr/>
+      <dgm:t>
+        <a:bodyPr/>
+        <a:lstStyle/>
+        <a:p>
+          <a:endParaRPr lang="en-US"/>
+        </a:p>
+      </dgm:t>
+    </dgm:pt>
+    <dgm:pt modelId="{1B5A5788-D465-414A-84C6-DE5B2D221064}">
+      <dgm:prSet/>
+      <dgm:spPr/>
+      <dgm:t>
+        <a:bodyPr/>
+        <a:lstStyle/>
+        <a:p>
+          <a:r>
+            <a:rPr lang="en-US"/>
+            <a:t>Concurrent Jobs </a:t>
+          </a:r>
+        </a:p>
+      </dgm:t>
+    </dgm:pt>
+    <dgm:pt modelId="{8BFD9D4E-906A-42E9-A01B-4A876D9C59C2}" type="parTrans" cxnId="{B69ADFDD-A6EC-42A7-B403-3AA6B5A7F471}">
+      <dgm:prSet/>
+      <dgm:spPr/>
+      <dgm:t>
+        <a:bodyPr/>
+        <a:lstStyle/>
+        <a:p>
+          <a:endParaRPr lang="en-US"/>
+        </a:p>
+      </dgm:t>
+    </dgm:pt>
+    <dgm:pt modelId="{829E8B3D-DB44-49A2-8D70-4B98CEFB7F38}" type="sibTrans" cxnId="{B69ADFDD-A6EC-42A7-B403-3AA6B5A7F471}">
+      <dgm:prSet/>
+      <dgm:spPr/>
+      <dgm:t>
+        <a:bodyPr/>
+        <a:lstStyle/>
+        <a:p>
+          <a:endParaRPr lang="en-US"/>
+        </a:p>
+      </dgm:t>
+    </dgm:pt>
+    <dgm:pt modelId="{9476511A-BB05-45CD-AEF5-74A35AD42A51}" type="pres">
+      <dgm:prSet presAssocID="{9F0A64E9-6891-4BAF-B7FB-4052EDAB90EE}" presName="diagram" presStyleCnt="0">
+        <dgm:presLayoutVars>
+          <dgm:dir/>
+          <dgm:resizeHandles val="exact"/>
+        </dgm:presLayoutVars>
+      </dgm:prSet>
+      <dgm:spPr/>
+    </dgm:pt>
+    <dgm:pt modelId="{0D494A51-D4C1-4885-8E1D-883DAE107FA1}" type="pres">
+      <dgm:prSet presAssocID="{C2560256-5FE4-434E-8636-492F97FDD73E}" presName="node" presStyleLbl="node1" presStyleIdx="0" presStyleCnt="6">
+        <dgm:presLayoutVars>
+          <dgm:bulletEnabled val="1"/>
+        </dgm:presLayoutVars>
+      </dgm:prSet>
+      <dgm:spPr/>
+    </dgm:pt>
+    <dgm:pt modelId="{B01458A4-7174-4DAE-8D12-8FFC9A8AA263}" type="pres">
+      <dgm:prSet presAssocID="{B6EC2A06-EDDA-4EFD-9A61-55EA70339CDC}" presName="sibTrans" presStyleCnt="0"/>
+      <dgm:spPr/>
+    </dgm:pt>
+    <dgm:pt modelId="{BDD3849F-4847-40D2-8CE3-1B50F3AC4142}" type="pres">
+      <dgm:prSet presAssocID="{0F40636C-B229-48EE-AA28-DE8E654B963C}" presName="node" presStyleLbl="node1" presStyleIdx="1" presStyleCnt="6">
+        <dgm:presLayoutVars>
+          <dgm:bulletEnabled val="1"/>
+        </dgm:presLayoutVars>
+      </dgm:prSet>
+      <dgm:spPr/>
+    </dgm:pt>
+    <dgm:pt modelId="{49959E98-EDB5-4701-B9A2-292D25BC0ED0}" type="pres">
+      <dgm:prSet presAssocID="{D04D7689-7A0A-4517-8822-113DE91A0ED0}" presName="sibTrans" presStyleCnt="0"/>
+      <dgm:spPr/>
+    </dgm:pt>
+    <dgm:pt modelId="{6F86F972-3E24-4AC7-92D1-212A44D04631}" type="pres">
+      <dgm:prSet presAssocID="{D8538BE0-1393-442D-ACB9-8736118F667D}" presName="node" presStyleLbl="node1" presStyleIdx="2" presStyleCnt="6">
+        <dgm:presLayoutVars>
+          <dgm:bulletEnabled val="1"/>
+        </dgm:presLayoutVars>
+      </dgm:prSet>
+      <dgm:spPr/>
+    </dgm:pt>
+    <dgm:pt modelId="{1ED8394F-F301-4DDE-8AC2-6E06CC4E5FCA}" type="pres">
+      <dgm:prSet presAssocID="{CC639129-77CB-45AD-83CD-FF503B76EBD0}" presName="sibTrans" presStyleCnt="0"/>
+      <dgm:spPr/>
+    </dgm:pt>
+    <dgm:pt modelId="{90AEE741-391A-4711-9553-2FEC7E7ED10B}" type="pres">
+      <dgm:prSet presAssocID="{81640FC5-C5A8-4629-B207-D9F5A43D3932}" presName="node" presStyleLbl="node1" presStyleIdx="3" presStyleCnt="6">
+        <dgm:presLayoutVars>
+          <dgm:bulletEnabled val="1"/>
+        </dgm:presLayoutVars>
+      </dgm:prSet>
+      <dgm:spPr/>
+    </dgm:pt>
+    <dgm:pt modelId="{023674C2-3FA2-426D-B602-3336A33157EF}" type="pres">
+      <dgm:prSet presAssocID="{BF58A0B0-8924-403E-9F38-AB7D7BA15955}" presName="sibTrans" presStyleCnt="0"/>
+      <dgm:spPr/>
+    </dgm:pt>
+    <dgm:pt modelId="{221556B6-AA0F-4FA7-80DF-8F347C283661}" type="pres">
+      <dgm:prSet presAssocID="{41486C03-0946-4F3C-8006-560C96384ED2}" presName="node" presStyleLbl="node1" presStyleIdx="4" presStyleCnt="6">
+        <dgm:presLayoutVars>
+          <dgm:bulletEnabled val="1"/>
+        </dgm:presLayoutVars>
+      </dgm:prSet>
+      <dgm:spPr/>
+    </dgm:pt>
+    <dgm:pt modelId="{4F746AD3-0D31-4007-88F3-862AD9307B7A}" type="pres">
+      <dgm:prSet presAssocID="{332A9FD3-2DBA-464C-BB7F-8C1685D7C139}" presName="sibTrans" presStyleCnt="0"/>
+      <dgm:spPr/>
+    </dgm:pt>
+    <dgm:pt modelId="{15F0AC6B-C4A4-4C21-8CCA-537D539786F5}" type="pres">
+      <dgm:prSet presAssocID="{1B5A5788-D465-414A-84C6-DE5B2D221064}" presName="node" presStyleLbl="node1" presStyleIdx="5" presStyleCnt="6">
+        <dgm:presLayoutVars>
+          <dgm:bulletEnabled val="1"/>
+        </dgm:presLayoutVars>
+      </dgm:prSet>
+      <dgm:spPr/>
+    </dgm:pt>
+  </dgm:ptLst>
+  <dgm:cxnLst>
+    <dgm:cxn modelId="{38760422-2303-40D2-AE25-CA3DE219A70C}" type="presOf" srcId="{9F0A64E9-6891-4BAF-B7FB-4052EDAB90EE}" destId="{9476511A-BB05-45CD-AEF5-74A35AD42A51}" srcOrd="0" destOrd="0" presId="urn:microsoft.com/office/officeart/2005/8/layout/default"/>
+    <dgm:cxn modelId="{13C9BA28-394E-4B63-B3CE-0FEE5332FBFD}" type="presOf" srcId="{81640FC5-C5A8-4629-B207-D9F5A43D3932}" destId="{90AEE741-391A-4711-9553-2FEC7E7ED10B}" srcOrd="0" destOrd="0" presId="urn:microsoft.com/office/officeart/2005/8/layout/default"/>
+    <dgm:cxn modelId="{60FB033E-502E-4946-AC48-D56963A3F46D}" type="presOf" srcId="{41486C03-0946-4F3C-8006-560C96384ED2}" destId="{221556B6-AA0F-4FA7-80DF-8F347C283661}" srcOrd="0" destOrd="0" presId="urn:microsoft.com/office/officeart/2005/8/layout/default"/>
+    <dgm:cxn modelId="{EDF38A65-ECFA-4C94-B0B8-55489FA0022F}" type="presOf" srcId="{C2560256-5FE4-434E-8636-492F97FDD73E}" destId="{0D494A51-D4C1-4885-8E1D-883DAE107FA1}" srcOrd="0" destOrd="0" presId="urn:microsoft.com/office/officeart/2005/8/layout/default"/>
+    <dgm:cxn modelId="{F91A444D-2CE0-4749-9178-262B5CF11C66}" srcId="{9F0A64E9-6891-4BAF-B7FB-4052EDAB90EE}" destId="{D8538BE0-1393-442D-ACB9-8736118F667D}" srcOrd="2" destOrd="0" parTransId="{87737698-05DF-4E7E-A380-81BBED57C238}" sibTransId="{CC639129-77CB-45AD-83CD-FF503B76EBD0}"/>
+    <dgm:cxn modelId="{67BA2D4F-A5D3-46B5-ACA9-9E24D24C5DF3}" type="presOf" srcId="{0F40636C-B229-48EE-AA28-DE8E654B963C}" destId="{BDD3849F-4847-40D2-8CE3-1B50F3AC4142}" srcOrd="0" destOrd="0" presId="urn:microsoft.com/office/officeart/2005/8/layout/default"/>
+    <dgm:cxn modelId="{F09A5497-928A-4CAC-90FF-2D413B039872}" srcId="{9F0A64E9-6891-4BAF-B7FB-4052EDAB90EE}" destId="{81640FC5-C5A8-4629-B207-D9F5A43D3932}" srcOrd="3" destOrd="0" parTransId="{81058B33-767E-46B9-A602-29339C81868C}" sibTransId="{BF58A0B0-8924-403E-9F38-AB7D7BA15955}"/>
+    <dgm:cxn modelId="{E23B43A0-DE76-48F6-8424-DA6A9CE50410}" srcId="{9F0A64E9-6891-4BAF-B7FB-4052EDAB90EE}" destId="{0F40636C-B229-48EE-AA28-DE8E654B963C}" srcOrd="1" destOrd="0" parTransId="{7DD12555-5B07-4A17-8727-2C9942A3304A}" sibTransId="{D04D7689-7A0A-4517-8822-113DE91A0ED0}"/>
+    <dgm:cxn modelId="{FC9946AA-A342-4953-9FED-93656BAD9BA8}" srcId="{9F0A64E9-6891-4BAF-B7FB-4052EDAB90EE}" destId="{41486C03-0946-4F3C-8006-560C96384ED2}" srcOrd="4" destOrd="0" parTransId="{F6E25C4A-A9F1-4B81-B7D0-7D9EA86F0C80}" sibTransId="{332A9FD3-2DBA-464C-BB7F-8C1685D7C139}"/>
+    <dgm:cxn modelId="{A1668BB3-9BC1-482B-9290-EF8232BDC109}" type="presOf" srcId="{1B5A5788-D465-414A-84C6-DE5B2D221064}" destId="{15F0AC6B-C4A4-4C21-8CCA-537D539786F5}" srcOrd="0" destOrd="0" presId="urn:microsoft.com/office/officeart/2005/8/layout/default"/>
+    <dgm:cxn modelId="{B69ADFDD-A6EC-42A7-B403-3AA6B5A7F471}" srcId="{9F0A64E9-6891-4BAF-B7FB-4052EDAB90EE}" destId="{1B5A5788-D465-414A-84C6-DE5B2D221064}" srcOrd="5" destOrd="0" parTransId="{8BFD9D4E-906A-42E9-A01B-4A876D9C59C2}" sibTransId="{829E8B3D-DB44-49A2-8D70-4B98CEFB7F38}"/>
+    <dgm:cxn modelId="{7E3B94EB-890D-46BD-96F4-B7625359AD51}" srcId="{9F0A64E9-6891-4BAF-B7FB-4052EDAB90EE}" destId="{C2560256-5FE4-434E-8636-492F97FDD73E}" srcOrd="0" destOrd="0" parTransId="{2B07EFE3-25C3-4499-8BE1-325328DA8B3B}" sibTransId="{B6EC2A06-EDDA-4EFD-9A61-55EA70339CDC}"/>
+    <dgm:cxn modelId="{6D2CB6F1-B78A-403B-8FB3-000BE8B509AC}" type="presOf" srcId="{D8538BE0-1393-442D-ACB9-8736118F667D}" destId="{6F86F972-3E24-4AC7-92D1-212A44D04631}" srcOrd="0" destOrd="0" presId="urn:microsoft.com/office/officeart/2005/8/layout/default"/>
+    <dgm:cxn modelId="{ABDB7222-3E4A-4C39-83AE-05B426FEDA32}" type="presParOf" srcId="{9476511A-BB05-45CD-AEF5-74A35AD42A51}" destId="{0D494A51-D4C1-4885-8E1D-883DAE107FA1}" srcOrd="0" destOrd="0" presId="urn:microsoft.com/office/officeart/2005/8/layout/default"/>
+    <dgm:cxn modelId="{B654C1A1-630C-4BB7-925E-382F56D03A4D}" type="presParOf" srcId="{9476511A-BB05-45CD-AEF5-74A35AD42A51}" destId="{B01458A4-7174-4DAE-8D12-8FFC9A8AA263}" srcOrd="1" destOrd="0" presId="urn:microsoft.com/office/officeart/2005/8/layout/default"/>
+    <dgm:cxn modelId="{02D5A7B4-FCF3-4F9E-8CF8-6370B3CAF31E}" type="presParOf" srcId="{9476511A-BB05-45CD-AEF5-74A35AD42A51}" destId="{BDD3849F-4847-40D2-8CE3-1B50F3AC4142}" srcOrd="2" destOrd="0" presId="urn:microsoft.com/office/officeart/2005/8/layout/default"/>
+    <dgm:cxn modelId="{FEF9012B-775E-4699-AC20-D3D6B69D9F22}" type="presParOf" srcId="{9476511A-BB05-45CD-AEF5-74A35AD42A51}" destId="{49959E98-EDB5-4701-B9A2-292D25BC0ED0}" srcOrd="3" destOrd="0" presId="urn:microsoft.com/office/officeart/2005/8/layout/default"/>
+    <dgm:cxn modelId="{5FC40C44-3C3E-47BA-B627-104884B72404}" type="presParOf" srcId="{9476511A-BB05-45CD-AEF5-74A35AD42A51}" destId="{6F86F972-3E24-4AC7-92D1-212A44D04631}" srcOrd="4" destOrd="0" presId="urn:microsoft.com/office/officeart/2005/8/layout/default"/>
+    <dgm:cxn modelId="{260B89E6-81E2-4748-B777-4D9C34506952}" type="presParOf" srcId="{9476511A-BB05-45CD-AEF5-74A35AD42A51}" destId="{1ED8394F-F301-4DDE-8AC2-6E06CC4E5FCA}" srcOrd="5" destOrd="0" presId="urn:microsoft.com/office/officeart/2005/8/layout/default"/>
+    <dgm:cxn modelId="{7678E0CB-E460-4DA0-9182-BB57EE92DBB6}" type="presParOf" srcId="{9476511A-BB05-45CD-AEF5-74A35AD42A51}" destId="{90AEE741-391A-4711-9553-2FEC7E7ED10B}" srcOrd="6" destOrd="0" presId="urn:microsoft.com/office/officeart/2005/8/layout/default"/>
+    <dgm:cxn modelId="{58CBAF38-85B3-4141-A849-474D3B64DF28}" type="presParOf" srcId="{9476511A-BB05-45CD-AEF5-74A35AD42A51}" destId="{023674C2-3FA2-426D-B602-3336A33157EF}" srcOrd="7" destOrd="0" presId="urn:microsoft.com/office/officeart/2005/8/layout/default"/>
+    <dgm:cxn modelId="{ACA33E7C-F521-4B0C-88BE-FA2CA18C701D}" type="presParOf" srcId="{9476511A-BB05-45CD-AEF5-74A35AD42A51}" destId="{221556B6-AA0F-4FA7-80DF-8F347C283661}" srcOrd="8" destOrd="0" presId="urn:microsoft.com/office/officeart/2005/8/layout/default"/>
+    <dgm:cxn modelId="{B1A24935-B1EE-495A-B5A0-9031AA81AEBD}" type="presParOf" srcId="{9476511A-BB05-45CD-AEF5-74A35AD42A51}" destId="{4F746AD3-0D31-4007-88F3-862AD9307B7A}" srcOrd="9" destOrd="0" presId="urn:microsoft.com/office/officeart/2005/8/layout/default"/>
+    <dgm:cxn modelId="{0D6C31BE-99DE-453F-8068-273EE43B7716}" type="presParOf" srcId="{9476511A-BB05-45CD-AEF5-74A35AD42A51}" destId="{15F0AC6B-C4A4-4C21-8CCA-537D539786F5}" srcOrd="10" destOrd="0" presId="urn:microsoft.com/office/officeart/2005/8/layout/default"/>
+  </dgm:cxnLst>
+  <dgm:bg/>
+  <dgm:whole/>
+  <dgm:extLst>
+    <a:ext uri="http://schemas.microsoft.com/office/drawing/2008/diagram">
+      <dsp:dataModelExt xmlns:dsp="http://schemas.microsoft.com/office/drawing/2008/diagram" relId="rId7" minVer="http://schemas.openxmlformats.org/drawingml/2006/diagram"/>
+    </a:ext>
+  </dgm:extLst>
+</dgm:dataModel>
+</file>
+
+<file path=ppt/diagrams/drawing1.xml><?xml version="1.0" encoding="utf-8"?>
+<dsp:drawing xmlns:dgm="http://schemas.openxmlformats.org/drawingml/2006/diagram" xmlns:dsp="http://schemas.microsoft.com/office/drawing/2008/diagram" xmlns:a="http://schemas.openxmlformats.org/drawingml/2006/main">
+  <dsp:spTree>
+    <dsp:nvGrpSpPr>
+      <dsp:cNvPr id="0" name=""/>
+      <dsp:cNvGrpSpPr/>
+    </dsp:nvGrpSpPr>
+    <dsp:grpSpPr/>
+    <dsp:sp modelId="{0D494A51-D4C1-4885-8E1D-883DAE107FA1}">
+      <dsp:nvSpPr>
+        <dsp:cNvPr id="0" name=""/>
+        <dsp:cNvSpPr/>
+      </dsp:nvSpPr>
+      <dsp:spPr>
+        <a:xfrm>
+          <a:off x="163953" y="181"/>
+          <a:ext cx="2414490" cy="1448694"/>
+        </a:xfrm>
+        <a:prstGeom prst="rect">
+          <a:avLst/>
+        </a:prstGeom>
+        <a:solidFill>
+          <a:schemeClr val="accent2">
+            <a:hueOff val="0"/>
+            <a:satOff val="0"/>
+            <a:lumOff val="0"/>
+            <a:alphaOff val="0"/>
+          </a:schemeClr>
+        </a:solidFill>
+        <a:ln w="12700" cap="flat" cmpd="sng" algn="ctr">
+          <a:solidFill>
+            <a:schemeClr val="lt1">
+              <a:hueOff val="0"/>
+              <a:satOff val="0"/>
+              <a:lumOff val="0"/>
+              <a:alphaOff val="0"/>
+            </a:schemeClr>
+          </a:solidFill>
+          <a:prstDash val="solid"/>
+          <a:miter lim="800000"/>
+        </a:ln>
+        <a:effectLst/>
+      </dsp:spPr>
+      <dsp:style>
+        <a:lnRef idx="2">
+          <a:scrgbClr r="0" g="0" b="0"/>
+        </a:lnRef>
+        <a:fillRef idx="1">
+          <a:scrgbClr r="0" g="0" b="0"/>
+        </a:fillRef>
+        <a:effectRef idx="0">
+          <a:scrgbClr r="0" g="0" b="0"/>
+        </a:effectRef>
+        <a:fontRef idx="minor">
+          <a:schemeClr val="lt1"/>
+        </a:fontRef>
+      </dsp:style>
+      <dsp:txBody>
+        <a:bodyPr spcFirstLastPara="0" vert="horz" wrap="square" lIns="80010" tIns="80010" rIns="80010" bIns="80010" numCol="1" spcCol="1270" anchor="ctr" anchorCtr="0">
+          <a:noAutofit/>
+        </a:bodyPr>
+        <a:lstStyle/>
+        <a:p>
+          <a:pPr marL="0" lvl="0" indent="0" algn="ctr" defTabSz="933450">
+            <a:lnSpc>
+              <a:spcPct val="90000"/>
+            </a:lnSpc>
+            <a:spcBef>
+              <a:spcPct val="0"/>
+            </a:spcBef>
+            <a:spcAft>
+              <a:spcPct val="35000"/>
+            </a:spcAft>
+            <a:buNone/>
+          </a:pPr>
+          <a:r>
+            <a:rPr lang="en-US" sz="2100" kern="1200"/>
+            <a:t>Best GitHub integration!</a:t>
+          </a:r>
+        </a:p>
+      </dsp:txBody>
+      <dsp:txXfrm>
+        <a:off x="163953" y="181"/>
+        <a:ext cx="2414490" cy="1448694"/>
+      </dsp:txXfrm>
+    </dsp:sp>
+    <dsp:sp modelId="{BDD3849F-4847-40D2-8CE3-1B50F3AC4142}">
+      <dsp:nvSpPr>
+        <dsp:cNvPr id="0" name=""/>
+        <dsp:cNvSpPr/>
+      </dsp:nvSpPr>
+      <dsp:spPr>
+        <a:xfrm>
+          <a:off x="2819893" y="181"/>
+          <a:ext cx="2414490" cy="1448694"/>
+        </a:xfrm>
+        <a:prstGeom prst="rect">
+          <a:avLst/>
+        </a:prstGeom>
+        <a:solidFill>
+          <a:schemeClr val="accent2">
+            <a:hueOff val="306561"/>
+            <a:satOff val="-908"/>
+            <a:lumOff val="1019"/>
+            <a:alphaOff val="0"/>
+          </a:schemeClr>
+        </a:solidFill>
+        <a:ln w="12700" cap="flat" cmpd="sng" algn="ctr">
+          <a:solidFill>
+            <a:schemeClr val="lt1">
+              <a:hueOff val="0"/>
+              <a:satOff val="0"/>
+              <a:lumOff val="0"/>
+              <a:alphaOff val="0"/>
+            </a:schemeClr>
+          </a:solidFill>
+          <a:prstDash val="solid"/>
+          <a:miter lim="800000"/>
+        </a:ln>
+        <a:effectLst/>
+      </dsp:spPr>
+      <dsp:style>
+        <a:lnRef idx="2">
+          <a:scrgbClr r="0" g="0" b="0"/>
+        </a:lnRef>
+        <a:fillRef idx="1">
+          <a:scrgbClr r="0" g="0" b="0"/>
+        </a:fillRef>
+        <a:effectRef idx="0">
+          <a:scrgbClr r="0" g="0" b="0"/>
+        </a:effectRef>
+        <a:fontRef idx="minor">
+          <a:schemeClr val="lt1"/>
+        </a:fontRef>
+      </dsp:style>
+      <dsp:txBody>
+        <a:bodyPr spcFirstLastPara="0" vert="horz" wrap="square" lIns="80010" tIns="80010" rIns="80010" bIns="80010" numCol="1" spcCol="1270" anchor="ctr" anchorCtr="0">
+          <a:noAutofit/>
+        </a:bodyPr>
+        <a:lstStyle/>
+        <a:p>
+          <a:pPr marL="0" lvl="0" indent="0" algn="ctr" defTabSz="933450">
+            <a:lnSpc>
+              <a:spcPct val="90000"/>
+            </a:lnSpc>
+            <a:spcBef>
+              <a:spcPct val="0"/>
+            </a:spcBef>
+            <a:spcAft>
+              <a:spcPct val="35000"/>
+            </a:spcAft>
+            <a:buNone/>
+          </a:pPr>
+          <a:r>
+            <a:rPr lang="en-US" sz="2100" kern="1200"/>
+            <a:t>It’s Free…. With limits…</a:t>
+          </a:r>
+        </a:p>
+      </dsp:txBody>
+      <dsp:txXfrm>
+        <a:off x="2819893" y="181"/>
+        <a:ext cx="2414490" cy="1448694"/>
+      </dsp:txXfrm>
+    </dsp:sp>
+    <dsp:sp modelId="{6F86F972-3E24-4AC7-92D1-212A44D04631}">
+      <dsp:nvSpPr>
+        <dsp:cNvPr id="0" name=""/>
+        <dsp:cNvSpPr/>
+      </dsp:nvSpPr>
+      <dsp:spPr>
+        <a:xfrm>
+          <a:off x="163953" y="1690325"/>
+          <a:ext cx="2414490" cy="1448694"/>
+        </a:xfrm>
+        <a:prstGeom prst="rect">
+          <a:avLst/>
+        </a:prstGeom>
+        <a:solidFill>
+          <a:schemeClr val="accent2">
+            <a:hueOff val="613123"/>
+            <a:satOff val="-1816"/>
+            <a:lumOff val="2039"/>
+            <a:alphaOff val="0"/>
+          </a:schemeClr>
+        </a:solidFill>
+        <a:ln w="12700" cap="flat" cmpd="sng" algn="ctr">
+          <a:solidFill>
+            <a:schemeClr val="lt1">
+              <a:hueOff val="0"/>
+              <a:satOff val="0"/>
+              <a:lumOff val="0"/>
+              <a:alphaOff val="0"/>
+            </a:schemeClr>
+          </a:solidFill>
+          <a:prstDash val="solid"/>
+          <a:miter lim="800000"/>
+        </a:ln>
+        <a:effectLst/>
+      </dsp:spPr>
+      <dsp:style>
+        <a:lnRef idx="2">
+          <a:scrgbClr r="0" g="0" b="0"/>
+        </a:lnRef>
+        <a:fillRef idx="1">
+          <a:scrgbClr r="0" g="0" b="0"/>
+        </a:fillRef>
+        <a:effectRef idx="0">
+          <a:scrgbClr r="0" g="0" b="0"/>
+        </a:effectRef>
+        <a:fontRef idx="minor">
+          <a:schemeClr val="lt1"/>
+        </a:fontRef>
+      </dsp:style>
+      <dsp:txBody>
+        <a:bodyPr spcFirstLastPara="0" vert="horz" wrap="square" lIns="80010" tIns="80010" rIns="80010" bIns="80010" numCol="1" spcCol="1270" anchor="ctr" anchorCtr="0">
+          <a:noAutofit/>
+        </a:bodyPr>
+        <a:lstStyle/>
+        <a:p>
+          <a:pPr marL="0" lvl="0" indent="0" algn="ctr" defTabSz="933450">
+            <a:lnSpc>
+              <a:spcPct val="90000"/>
+            </a:lnSpc>
+            <a:spcBef>
+              <a:spcPct val="0"/>
+            </a:spcBef>
+            <a:spcAft>
+              <a:spcPct val="35000"/>
+            </a:spcAft>
+            <a:buNone/>
+          </a:pPr>
+          <a:r>
+            <a:rPr lang="en-US" sz="2100" kern="1200"/>
+            <a:t>All actions in a workflow are isolated.</a:t>
+          </a:r>
+        </a:p>
+      </dsp:txBody>
+      <dsp:txXfrm>
+        <a:off x="163953" y="1690325"/>
+        <a:ext cx="2414490" cy="1448694"/>
+      </dsp:txXfrm>
+    </dsp:sp>
+    <dsp:sp modelId="{90AEE741-391A-4711-9553-2FEC7E7ED10B}">
+      <dsp:nvSpPr>
+        <dsp:cNvPr id="0" name=""/>
+        <dsp:cNvSpPr/>
+      </dsp:nvSpPr>
+      <dsp:spPr>
+        <a:xfrm>
+          <a:off x="2819893" y="1690325"/>
+          <a:ext cx="2414490" cy="1448694"/>
+        </a:xfrm>
+        <a:prstGeom prst="rect">
+          <a:avLst/>
+        </a:prstGeom>
+        <a:solidFill>
+          <a:schemeClr val="accent2">
+            <a:hueOff val="919684"/>
+            <a:satOff val="-2724"/>
+            <a:lumOff val="3058"/>
+            <a:alphaOff val="0"/>
+          </a:schemeClr>
+        </a:solidFill>
+        <a:ln w="12700" cap="flat" cmpd="sng" algn="ctr">
+          <a:solidFill>
+            <a:schemeClr val="lt1">
+              <a:hueOff val="0"/>
+              <a:satOff val="0"/>
+              <a:lumOff val="0"/>
+              <a:alphaOff val="0"/>
+            </a:schemeClr>
+          </a:solidFill>
+          <a:prstDash val="solid"/>
+          <a:miter lim="800000"/>
+        </a:ln>
+        <a:effectLst/>
+      </dsp:spPr>
+      <dsp:style>
+        <a:lnRef idx="2">
+          <a:scrgbClr r="0" g="0" b="0"/>
+        </a:lnRef>
+        <a:fillRef idx="1">
+          <a:scrgbClr r="0" g="0" b="0"/>
+        </a:fillRef>
+        <a:effectRef idx="0">
+          <a:scrgbClr r="0" g="0" b="0"/>
+        </a:effectRef>
+        <a:fontRef idx="minor">
+          <a:schemeClr val="lt1"/>
+        </a:fontRef>
+      </dsp:style>
+      <dsp:txBody>
+        <a:bodyPr spcFirstLastPara="0" vert="horz" wrap="square" lIns="80010" tIns="80010" rIns="80010" bIns="80010" numCol="1" spcCol="1270" anchor="ctr" anchorCtr="0">
+          <a:noAutofit/>
+        </a:bodyPr>
+        <a:lstStyle/>
+        <a:p>
+          <a:pPr marL="0" lvl="0" indent="0" algn="ctr" defTabSz="933450">
+            <a:lnSpc>
+              <a:spcPct val="90000"/>
+            </a:lnSpc>
+            <a:spcBef>
+              <a:spcPct val="0"/>
+            </a:spcBef>
+            <a:spcAft>
+              <a:spcPct val="35000"/>
+            </a:spcAft>
+            <a:buNone/>
+          </a:pPr>
+          <a:r>
+            <a:rPr lang="en-US" sz="2100" kern="1200"/>
+            <a:t>Access to the GitHub API</a:t>
+          </a:r>
+        </a:p>
+      </dsp:txBody>
+      <dsp:txXfrm>
+        <a:off x="2819893" y="1690325"/>
+        <a:ext cx="2414490" cy="1448694"/>
+      </dsp:txXfrm>
+    </dsp:sp>
+    <dsp:sp modelId="{221556B6-AA0F-4FA7-80DF-8F347C283661}">
+      <dsp:nvSpPr>
+        <dsp:cNvPr id="0" name=""/>
+        <dsp:cNvSpPr/>
+      </dsp:nvSpPr>
+      <dsp:spPr>
+        <a:xfrm>
+          <a:off x="163953" y="3380468"/>
+          <a:ext cx="2414490" cy="1448694"/>
+        </a:xfrm>
+        <a:prstGeom prst="rect">
+          <a:avLst/>
+        </a:prstGeom>
+        <a:solidFill>
+          <a:schemeClr val="accent2">
+            <a:hueOff val="1226245"/>
+            <a:satOff val="-3632"/>
+            <a:lumOff val="4078"/>
+            <a:alphaOff val="0"/>
+          </a:schemeClr>
+        </a:solidFill>
+        <a:ln w="12700" cap="flat" cmpd="sng" algn="ctr">
+          <a:solidFill>
+            <a:schemeClr val="lt1">
+              <a:hueOff val="0"/>
+              <a:satOff val="0"/>
+              <a:lumOff val="0"/>
+              <a:alphaOff val="0"/>
+            </a:schemeClr>
+          </a:solidFill>
+          <a:prstDash val="solid"/>
+          <a:miter lim="800000"/>
+        </a:ln>
+        <a:effectLst/>
+      </dsp:spPr>
+      <dsp:style>
+        <a:lnRef idx="2">
+          <a:scrgbClr r="0" g="0" b="0"/>
+        </a:lnRef>
+        <a:fillRef idx="1">
+          <a:scrgbClr r="0" g="0" b="0"/>
+        </a:fillRef>
+        <a:effectRef idx="0">
+          <a:scrgbClr r="0" g="0" b="0"/>
+        </a:effectRef>
+        <a:fontRef idx="minor">
+          <a:schemeClr val="lt1"/>
+        </a:fontRef>
+      </dsp:style>
+      <dsp:txBody>
+        <a:bodyPr spcFirstLastPara="0" vert="horz" wrap="square" lIns="80010" tIns="80010" rIns="80010" bIns="80010" numCol="1" spcCol="1270" anchor="ctr" anchorCtr="0">
+          <a:noAutofit/>
+        </a:bodyPr>
+        <a:lstStyle/>
+        <a:p>
+          <a:pPr marL="0" lvl="0" indent="0" algn="ctr" defTabSz="933450">
+            <a:lnSpc>
+              <a:spcPct val="90000"/>
+            </a:lnSpc>
+            <a:spcBef>
+              <a:spcPct val="0"/>
+            </a:spcBef>
+            <a:spcAft>
+              <a:spcPct val="35000"/>
+            </a:spcAft>
+            <a:buNone/>
+          </a:pPr>
+          <a:r>
+            <a:rPr lang="en-US" sz="2100" kern="1200"/>
+            <a:t>Multiplatform: Linux, macOS, Windows,  and containers</a:t>
+          </a:r>
+        </a:p>
+      </dsp:txBody>
+      <dsp:txXfrm>
+        <a:off x="163953" y="3380468"/>
+        <a:ext cx="2414490" cy="1448694"/>
+      </dsp:txXfrm>
+    </dsp:sp>
+    <dsp:sp modelId="{15F0AC6B-C4A4-4C21-8CCA-537D539786F5}">
+      <dsp:nvSpPr>
+        <dsp:cNvPr id="0" name=""/>
+        <dsp:cNvSpPr/>
+      </dsp:nvSpPr>
+      <dsp:spPr>
+        <a:xfrm>
+          <a:off x="2819893" y="3380468"/>
+          <a:ext cx="2414490" cy="1448694"/>
+        </a:xfrm>
+        <a:prstGeom prst="rect">
+          <a:avLst/>
+        </a:prstGeom>
+        <a:solidFill>
+          <a:schemeClr val="accent2">
+            <a:hueOff val="1532807"/>
+            <a:satOff val="-4540"/>
+            <a:lumOff val="5097"/>
+            <a:alphaOff val="0"/>
+          </a:schemeClr>
+        </a:solidFill>
+        <a:ln w="12700" cap="flat" cmpd="sng" algn="ctr">
+          <a:solidFill>
+            <a:schemeClr val="lt1">
+              <a:hueOff val="0"/>
+              <a:satOff val="0"/>
+              <a:lumOff val="0"/>
+              <a:alphaOff val="0"/>
+            </a:schemeClr>
+          </a:solidFill>
+          <a:prstDash val="solid"/>
+          <a:miter lim="800000"/>
+        </a:ln>
+        <a:effectLst/>
+      </dsp:spPr>
+      <dsp:style>
+        <a:lnRef idx="2">
+          <a:scrgbClr r="0" g="0" b="0"/>
+        </a:lnRef>
+        <a:fillRef idx="1">
+          <a:scrgbClr r="0" g="0" b="0"/>
+        </a:fillRef>
+        <a:effectRef idx="0">
+          <a:scrgbClr r="0" g="0" b="0"/>
+        </a:effectRef>
+        <a:fontRef idx="minor">
+          <a:schemeClr val="lt1"/>
+        </a:fontRef>
+      </dsp:style>
+      <dsp:txBody>
+        <a:bodyPr spcFirstLastPara="0" vert="horz" wrap="square" lIns="80010" tIns="80010" rIns="80010" bIns="80010" numCol="1" spcCol="1270" anchor="ctr" anchorCtr="0">
+          <a:noAutofit/>
+        </a:bodyPr>
+        <a:lstStyle/>
+        <a:p>
+          <a:pPr marL="0" lvl="0" indent="0" algn="ctr" defTabSz="933450">
+            <a:lnSpc>
+              <a:spcPct val="90000"/>
+            </a:lnSpc>
+            <a:spcBef>
+              <a:spcPct val="0"/>
+            </a:spcBef>
+            <a:spcAft>
+              <a:spcPct val="35000"/>
+            </a:spcAft>
+            <a:buNone/>
+          </a:pPr>
+          <a:r>
+            <a:rPr lang="en-US" sz="2100" kern="1200"/>
+            <a:t>Concurrent Jobs </a:t>
+          </a:r>
+        </a:p>
+      </dsp:txBody>
+      <dsp:txXfrm>
+        <a:off x="2819893" y="3380468"/>
+        <a:ext cx="2414490" cy="1448694"/>
+      </dsp:txXfrm>
+    </dsp:sp>
+  </dsp:spTree>
+</dsp:drawing>
+</file>
+
+<file path=ppt/diagrams/layout1.xml><?xml version="1.0" encoding="utf-8"?>
+<dgm:layoutDef xmlns:dgm="http://schemas.openxmlformats.org/drawingml/2006/diagram" xmlns:a="http://schemas.openxmlformats.org/drawingml/2006/main" uniqueId="urn:microsoft.com/office/officeart/2005/8/layout/default">
+  <dgm:title val=""/>
+  <dgm:desc val=""/>
+  <dgm:catLst>
+    <dgm:cat type="list" pri="400"/>
+  </dgm:catLst>
+  <dgm:sampData>
+    <dgm:dataModel>
+      <dgm:ptLst>
+        <dgm:pt modelId="0" type="doc"/>
+        <dgm:pt modelId="1">
+          <dgm:prSet phldr="1"/>
+        </dgm:pt>
+        <dgm:pt modelId="2">
+          <dgm:prSet phldr="1"/>
+        </dgm:pt>
+        <dgm:pt modelId="3">
+          <dgm:prSet phldr="1"/>
+        </dgm:pt>
+        <dgm:pt modelId="4">
+          <dgm:prSet phldr="1"/>
+        </dgm:pt>
+        <dgm:pt modelId="5">
+          <dgm:prSet phldr="1"/>
+        </dgm:pt>
+      </dgm:ptLst>
+      <dgm:cxnLst>
+        <dgm:cxn modelId="6" srcId="0" destId="1" srcOrd="0" destOrd="0"/>
+        <dgm:cxn modelId="7" srcId="0" destId="2" srcOrd="1" destOrd="0"/>
+        <dgm:cxn modelId="8" srcId="0" destId="3" srcOrd="2" destOrd="0"/>
+        <dgm:cxn modelId="9" srcId="0" destId="4" srcOrd="3" destOrd="0"/>
+        <dgm:cxn modelId="10" srcId="0" destId="5" srcOrd="4" destOrd="0"/>
+      </dgm:cxnLst>
+      <dgm:bg/>
+      <dgm:whole/>
+    </dgm:dataModel>
+  </dgm:sampData>
+  <dgm:styleData>
+    <dgm:dataModel>
+      <dgm:ptLst>
+        <dgm:pt modelId="0" type="doc"/>
+        <dgm:pt modelId="1"/>
+        <dgm:pt modelId="2"/>
+      </dgm:ptLst>
+      <dgm:cxnLst>
+        <dgm:cxn modelId="3" srcId="0" destId="1" srcOrd="0" destOrd="0"/>
+        <dgm:cxn modelId="4" srcId="0" destId="2" srcOrd="1" destOrd="0"/>
+      </dgm:cxnLst>
+      <dgm:bg/>
+      <dgm:whole/>
+    </dgm:dataModel>
+  </dgm:styleData>
+  <dgm:clrData>
+    <dgm:dataModel>
+      <dgm:ptLst>
+        <dgm:pt modelId="0" type="doc"/>
+        <dgm:pt modelId="1"/>
+        <dgm:pt modelId="2"/>
+        <dgm:pt modelId="3"/>
+        <dgm:pt modelId="4"/>
+        <dgm:pt modelId="5"/>
+        <dgm:pt modelId="6"/>
+      </dgm:ptLst>
+      <dgm:cxnLst>
+        <dgm:cxn modelId="7" srcId="0" destId="1" srcOrd="0" destOrd="0"/>
+        <dgm:cxn modelId="8" srcId="0" destId="2" srcOrd="1" destOrd="0"/>
+        <dgm:cxn modelId="9" srcId="0" destId="3" srcOrd="2" destOrd="0"/>
+        <dgm:cxn modelId="10" srcId="0" destId="4" srcOrd="3" destOrd="0"/>
+        <dgm:cxn modelId="11" srcId="0" destId="5" srcOrd="4" destOrd="0"/>
+        <dgm:cxn modelId="12" srcId="0" destId="6" srcOrd="5" destOrd="0"/>
+      </dgm:cxnLst>
+      <dgm:bg/>
+      <dgm:whole/>
+    </dgm:dataModel>
+  </dgm:clrData>
+  <dgm:layoutNode name="diagram">
+    <dgm:varLst>
+      <dgm:dir/>
+      <dgm:resizeHandles val="exact"/>
+    </dgm:varLst>
+    <dgm:choose name="Name0">
+      <dgm:if name="Name1" func="var" arg="dir" op="equ" val="norm">
+        <dgm:alg type="snake">
+          <dgm:param type="grDir" val="tL"/>
+          <dgm:param type="flowDir" val="row"/>
+          <dgm:param type="contDir" val="sameDir"/>
+          <dgm:param type="off" val="ctr"/>
+        </dgm:alg>
+      </dgm:if>
+      <dgm:else name="Name2">
+        <dgm:alg type="snake">
+          <dgm:param type="grDir" val="tR"/>
+          <dgm:param type="flowDir" val="row"/>
+          <dgm:param type="contDir" val="sameDir"/>
+          <dgm:param type="off" val="ctr"/>
+        </dgm:alg>
+      </dgm:else>
+    </dgm:choose>
+    <dgm:shape xmlns:r="http://schemas.openxmlformats.org/officeDocument/2006/relationships" r:blip="">
+      <dgm:adjLst/>
+    </dgm:shape>
+    <dgm:presOf/>
+    <dgm:constrLst>
+      <dgm:constr type="w" for="ch" forName="node" refType="w"/>
+      <dgm:constr type="h" for="ch" forName="node" refType="w" refFor="ch" refForName="node" fact="0.6"/>
+      <dgm:constr type="w" for="ch" forName="sibTrans" refType="w" refFor="ch" refForName="node" fact="0.1"/>
+      <dgm:constr type="sp" refType="w" refFor="ch" refForName="sibTrans"/>
+      <dgm:constr type="primFontSz" for="ch" forName="node" op="equ" val="65"/>
+    </dgm:constrLst>
+    <dgm:ruleLst/>
+    <dgm:forEach name="Name3" axis="ch" ptType="node">
+      <dgm:layoutNode name="node">
+        <dgm:varLst>
+          <dgm:bulletEnabled val="1"/>
+        </dgm:varLst>
+        <dgm:alg type="tx"/>
+        <dgm:shape xmlns:r="http://schemas.openxmlformats.org/officeDocument/2006/relationships" type="rect" r:blip="">
+          <dgm:adjLst/>
+        </dgm:shape>
+        <dgm:presOf axis="desOrSelf" ptType="node"/>
+        <dgm:constrLst>
+          <dgm:constr type="lMarg" refType="primFontSz" fact="0.3"/>
+          <dgm:constr type="rMarg" refType="primFontSz" fact="0.3"/>
+          <dgm:constr type="tMarg" refType="primFontSz" fact="0.3"/>
+          <dgm:constr type="bMarg" refType="primFontSz" fact="0.3"/>
+        </dgm:constrLst>
+        <dgm:ruleLst>
+          <dgm:rule type="primFontSz" val="5" fact="NaN" max="NaN"/>
+        </dgm:ruleLst>
+      </dgm:layoutNode>
+      <dgm:forEach name="Name4" axis="followSib" ptType="sibTrans" cnt="1">
+        <dgm:layoutNode name="sibTrans">
+          <dgm:alg type="sp"/>
+          <dgm:shape xmlns:r="http://schemas.openxmlformats.org/officeDocument/2006/relationships" r:blip="">
+            <dgm:adjLst/>
+          </dgm:shape>
+          <dgm:presOf/>
+          <dgm:constrLst/>
+          <dgm:ruleLst/>
+        </dgm:layoutNode>
+      </dgm:forEach>
+    </dgm:forEach>
+  </dgm:layoutNode>
+</dgm:layoutDef>
+</file>
+
+<file path=ppt/diagrams/quickStyle1.xml><?xml version="1.0" encoding="utf-8"?>
+<dgm:styleDef xmlns:dgm="http://schemas.openxmlformats.org/drawingml/2006/diagram" xmlns:a="http://schemas.openxmlformats.org/drawingml/2006/main" uniqueId="urn:microsoft.com/office/officeart/2005/8/quickstyle/simple1">
+  <dgm:title val=""/>
+  <dgm:desc val=""/>
+  <dgm:catLst>
+    <dgm:cat type="simple" pri="10100"/>
+  </dgm:catLst>
+  <dgm:scene3d>
+    <a:camera prst="orthographicFront"/>
+    <a:lightRig rig="threePt" dir="t"/>
+  </dgm:scene3d>
+  <dgm:styleLbl name="node0">
+    <dgm:scene3d>
+      <a:camera prst="orthographicFront"/>
+      <a:lightRig rig="threePt" dir="t"/>
+    </dgm:scene3d>
+    <dgm:sp3d/>
+    <dgm:txPr/>
+    <dgm:style>
+      <a:lnRef idx="2">
+        <a:scrgbClr r="0" g="0" b="0"/>
+      </a:lnRef>
+      <a:fillRef idx="1">
+        <a:scrgbClr r="0" g="0" b="0"/>
+      </a:fillRef>
+      <a:effectRef idx="0">
+        <a:scrgbClr r="0" g="0" b="0"/>
+      </a:effectRef>
+      <a:fontRef idx="minor">
+        <a:schemeClr val="lt1"/>
+      </a:fontRef>
+    </dgm:style>
+  </dgm:styleLbl>
+  <dgm:styleLbl name="lnNode1">
+    <dgm:scene3d>
+      <a:camera prst="orthographicFront"/>
+      <a:lightRig rig="threePt" dir="t"/>
+    </dgm:scene3d>
+    <dgm:sp3d/>
+    <dgm:txPr/>
+    <dgm:style>
+      <a:lnRef idx="2">
+        <a:scrgbClr r="0" g="0" b="0"/>
+      </a:lnRef>
+      <a:fillRef idx="1">
+        <a:scrgbClr r="0" g="0" b="0"/>
+      </a:fillRef>
+      <a:effectRef idx="0">
+        <a:scrgbClr r="0" g="0" b="0"/>
+      </a:effectRef>
+      <a:fontRef idx="minor">
+        <a:schemeClr val="lt1"/>
+      </a:fontRef>
+    </dgm:style>
+  </dgm:styleLbl>
+  <dgm:styleLbl name="vennNode1">
+    <dgm:scene3d>
+      <a:camera prst="orthographicFront"/>
+      <a:lightRig rig="threePt" dir="t"/>
+    </dgm:scene3d>
+    <dgm:sp3d/>
+    <dgm:txPr/>
+    <dgm:style>
+      <a:lnRef idx="2">
+        <a:scrgbClr r="0" g="0" b="0"/>
+      </a:lnRef>
+      <a:fillRef idx="1">
+        <a:scrgbClr r="0" g="0" b="0"/>
+      </a:fillRef>
+      <a:effectRef idx="0">
+        <a:scrgbClr r="0" g="0" b="0"/>
+      </a:effectRef>
+      <a:fontRef idx="minor">
+        <a:schemeClr val="tx1"/>
+      </a:fontRef>
+    </dgm:style>
+  </dgm:styleLbl>
+  <dgm:styleLbl name="alignNode1">
+    <dgm:scene3d>
+      <a:camera prst="orthographicFront"/>
+      <a:lightRig rig="threePt" dir="t"/>
+    </dgm:scene3d>
+    <dgm:sp3d/>
+    <dgm:txPr/>
+    <dgm:style>
+      <a:lnRef idx="2">
+        <a:scrgbClr r="0" g="0" b="0"/>
+      </a:lnRef>
+      <a:fillRef idx="1">
+        <a:scrgbClr r="0" g="0" b="0"/>
+      </a:fillRef>
+      <a:effectRef idx="0">
+        <a:scrgbClr r="0" g="0" b="0"/>
+      </a:effectRef>
+      <a:fontRef idx="minor">
+        <a:schemeClr val="lt1"/>
+      </a:fontRef>
+    </dgm:style>
+  </dgm:styleLbl>
+  <dgm:styleLbl name="node1">
+    <dgm:scene3d>
+      <a:camera prst="orthographicFront"/>
+      <a:lightRig rig="threePt" dir="t"/>
+    </dgm:scene3d>
+    <dgm:sp3d/>
+    <dgm:txPr/>
+    <dgm:style>
+      <a:lnRef idx="2">
+        <a:scrgbClr r="0" g="0" b="0"/>
+      </a:lnRef>
+      <a:fillRef idx="1">
+        <a:scrgbClr r="0" g="0" b="0"/>
+      </a:fillRef>
+      <a:effectRef idx="0">
+        <a:scrgbClr r="0" g="0" b="0"/>
+      </a:effectRef>
+      <a:fontRef idx="minor">
+        <a:schemeClr val="lt1"/>
+      </a:fontRef>
+    </dgm:style>
+  </dgm:styleLbl>
+  <dgm:styleLbl name="node2">
+    <dgm:scene3d>
+      <a:camera prst="orthographicFront"/>
+      <a:lightRig rig="threePt" dir="t"/>
+    </dgm:scene3d>
+    <dgm:sp3d/>
+    <dgm:txPr/>
+    <dgm:style>
+      <a:lnRef idx="2">
+        <a:scrgbClr r="0" g="0" b="0"/>
+      </a:lnRef>
+      <a:fillRef idx="1">
+        <a:scrgbClr r="0" g="0" b="0"/>
+      </a:fillRef>
+      <a:effectRef idx="0">
+        <a:scrgbClr r="0" g="0" b="0"/>
+      </a:effectRef>
+      <a:fontRef idx="minor">
+        <a:schemeClr val="lt1"/>
+      </a:fontRef>
+    </dgm:style>
+  </dgm:styleLbl>
+  <dgm:styleLbl name="node3">
+    <dgm:scene3d>
+      <a:camera prst="orthographicFront"/>
+      <a:lightRig rig="threePt" dir="t"/>
+    </dgm:scene3d>
+    <dgm:sp3d/>
+    <dgm:txPr/>
+    <dgm:style>
+      <a:lnRef idx="2">
+        <a:scrgbClr r="0" g="0" b="0"/>
+      </a:lnRef>
+      <a:fillRef idx="1">
+        <a:scrgbClr r="0" g="0" b="0"/>
+      </a:fillRef>
+      <a:effectRef idx="0">
+        <a:scrgbClr r="0" g="0" b="0"/>
+      </a:effectRef>
+      <a:fontRef idx="minor">
+        <a:schemeClr val="lt1"/>
+      </a:fontRef>
+    </dgm:style>
+  </dgm:styleLbl>
+  <dgm:styleLbl name="node4">
+    <dgm:scene3d>
+      <a:camera prst="orthographicFront"/>
+      <a:lightRig rig="threePt" dir="t"/>
+    </dgm:scene3d>
+    <dgm:sp3d/>
+    <dgm:txPr/>
+    <dgm:style>
+      <a:lnRef idx="2">
+        <a:scrgbClr r="0" g="0" b="0"/>
+      </a:lnRef>
+      <a:fillRef idx="1">
+        <a:scrgbClr r="0" g="0" b="0"/>
+      </a:fillRef>
+      <a:effectRef idx="0">
+        <a:scrgbClr r="0" g="0" b="0"/>
+      </a:effectRef>
+      <a:fontRef idx="minor">
+        <a:schemeClr val="lt1"/>
+      </a:fontRef>
+    </dgm:style>
+  </dgm:styleLbl>
+  <dgm:styleLbl name="fgImgPlace1">
+    <dgm:scene3d>
+      <a:camera prst="orthographicFront"/>
+      <a:lightRig rig="threePt" dir="t"/>
+    </dgm:scene3d>
+    <dgm:sp3d/>
+    <dgm:txPr/>
+    <dgm:style>
+      <a:lnRef idx="2">
+        <a:scrgbClr r="0" g="0" b="0"/>
+      </a:lnRef>
+      <a:fillRef idx="1">
+        <a:scrgbClr r="0" g="0" b="0"/>
+      </a:fillRef>
+      <a:effectRef idx="0">
+        <a:scrgbClr r="0" g="0" b="0"/>
+      </a:effectRef>
+      <a:fontRef idx="minor"/>
+    </dgm:style>
+  </dgm:styleLbl>
+  <dgm:styleLbl name="alignImgPlace1">
+    <dgm:scene3d>
+      <a:camera prst="orthographicFront"/>
+      <a:lightRig rig="threePt" dir="t"/>
+    </dgm:scene3d>
+    <dgm:sp3d/>
+    <dgm:txPr/>
+    <dgm:style>
+      <a:lnRef idx="2">
+        <a:scrgbClr r="0" g="0" b="0"/>
+      </a:lnRef>
+      <a:fillRef idx="1">
+        <a:scrgbClr r="0" g="0" b="0"/>
+      </a:fillRef>
+      <a:effectRef idx="0">
+        <a:scrgbClr r="0" g="0" b="0"/>
+      </a:effectRef>
+      <a:fontRef idx="minor"/>
+    </dgm:style>
+  </dgm:styleLbl>
+  <dgm:styleLbl name="bgImgPlace1">
+    <dgm:scene3d>
+      <a:camera prst="orthographicFront"/>
+      <a:lightRig rig="threePt" dir="t"/>
+    </dgm:scene3d>
+    <dgm:sp3d/>
+    <dgm:txPr/>
+    <dgm:style>
+      <a:lnRef idx="2">
+        <a:scrgbClr r="0" g="0" b="0"/>
+      </a:lnRef>
+      <a:fillRef idx="1">
+        <a:scrgbClr r="0" g="0" b="0"/>
+      </a:fillRef>
+      <a:effectRef idx="0">
+        <a:scrgbClr r="0" g="0" b="0"/>
+      </a:effectRef>
+      <a:fontRef idx="minor"/>
+    </dgm:style>
+  </dgm:styleLbl>
+  <dgm:styleLbl name="sibTrans2D1">
+    <dgm:scene3d>
+      <a:camera prst="orthographicFront"/>
+      <a:lightRig rig="threePt" dir="t"/>
+    </dgm:scene3d>
+    <dgm:sp3d/>
+    <dgm:txPr/>
+    <dgm:style>
+      <a:lnRef idx="0">
+        <a:scrgbClr r="0" g="0" b="0"/>
+      </a:lnRef>
+      <a:fillRef idx="1">
+        <a:scrgbClr r="0" g="0" b="0"/>
+      </a:fillRef>
+      <a:effectRef idx="0">
+        <a:scrgbClr r="0" g="0" b="0"/>
+      </a:effectRef>
+      <a:fontRef idx="minor">
+        <a:schemeClr val="lt1"/>
+      </a:fontRef>
+    </dgm:style>
+  </dgm:styleLbl>
+  <dgm:styleLbl name="fgSibTrans2D1">
+    <dgm:scene3d>
+      <a:camera prst="orthographicFront"/>
+      <a:lightRig rig="threePt" dir="t"/>
+    </dgm:scene3d>
+    <dgm:sp3d/>
+    <dgm:txPr/>
+    <dgm:style>
+      <a:lnRef idx="0">
+        <a:scrgbClr r="0" g="0" b="0"/>
+      </a:lnRef>
+      <a:fillRef idx="1">
+        <a:scrgbClr r="0" g="0" b="0"/>
+      </a:fillRef>
+      <a:effectRef idx="0">
+        <a:scrgbClr r="0" g="0" b="0"/>
+      </a:effectRef>
+      <a:fontRef idx="minor">
+        <a:schemeClr val="lt1"/>
+      </a:fontRef>
+    </dgm:style>
+  </dgm:styleLbl>
+  <dgm:styleLbl name="bgSibTrans2D1">
+    <dgm:scene3d>
+      <a:camera prst="orthographicFront"/>
+      <a:lightRig rig="threePt" dir="t"/>
+    </dgm:scene3d>
+    <dgm:sp3d/>
+    <dgm:txPr/>
+    <dgm:style>
+      <a:lnRef idx="0">
+        <a:scrgbClr r="0" g="0" b="0"/>
+      </a:lnRef>
+      <a:fillRef idx="1">
+        <a:scrgbClr r="0" g="0" b="0"/>
+      </a:fillRef>
+      <a:effectRef idx="0">
+        <a:scrgbClr r="0" g="0" b="0"/>
+      </a:effectRef>
+      <a:fontRef idx="minor">
+        <a:schemeClr val="lt1"/>
+      </a:fontRef>
+    </dgm:style>
+  </dgm:styleLbl>
+  <dgm:styleLbl name="sibTrans1D1">
+    <dgm:scene3d>
+      <a:camera prst="orthographicFront"/>
+      <a:lightRig rig="threePt" dir="t"/>
+    </dgm:scene3d>
+    <dgm:sp3d/>
+    <dgm:txPr/>
+    <dgm:style>
+      <a:lnRef idx="1">
+        <a:scrgbClr r="0" g="0" b="0"/>
+      </a:lnRef>
+      <a:fillRef idx="0">
+        <a:scrgbClr r="0" g="0" b="0"/>
+      </a:fillRef>
+      <a:effectRef idx="0">
+        <a:scrgbClr r="0" g="0" b="0"/>
+      </a:effectRef>
+      <a:fontRef idx="minor"/>
+    </dgm:style>
+  </dgm:styleLbl>
+  <dgm:styleLbl name="callout">
+    <dgm:scene3d>
+      <a:camera prst="orthographicFront"/>
+      <a:lightRig rig="threePt" dir="t"/>
+    </dgm:scene3d>
+    <dgm:sp3d/>
+    <dgm:txPr/>
+    <dgm:style>
+      <a:lnRef idx="2">
+        <a:scrgbClr r="0" g="0" b="0"/>
+      </a:lnRef>
+      <a:fillRef idx="1">
+        <a:scrgbClr r="0" g="0" b="0"/>
+      </a:fillRef>
+      <a:effectRef idx="0">
+        <a:scrgbClr r="0" g="0" b="0"/>
+      </a:effectRef>
+      <a:fontRef idx="minor"/>
+    </dgm:style>
+  </dgm:styleLbl>
+  <dgm:styleLbl name="asst0">
+    <dgm:scene3d>
+      <a:camera prst="orthographicFront"/>
+      <a:lightRig rig="threePt" dir="t"/>
+    </dgm:scene3d>
+    <dgm:sp3d/>
+    <dgm:txPr/>
+    <dgm:style>
+      <a:lnRef idx="2">
+        <a:scrgbClr r="0" g="0" b="0"/>
+      </a:lnRef>
+      <a:fillRef idx="1">
+        <a:scrgbClr r="0" g="0" b="0"/>
+      </a:fillRef>
+      <a:effectRef idx="0">
+        <a:scrgbClr r="0" g="0" b="0"/>
+      </a:effectRef>
+      <a:fontRef idx="minor">
+        <a:schemeClr val="lt1"/>
+      </a:fontRef>
+    </dgm:style>
+  </dgm:styleLbl>
+  <dgm:styleLbl name="asst1">
+    <dgm:scene3d>
+      <a:camera prst="orthographicFront"/>
+      <a:lightRig rig="threePt" dir="t"/>
+    </dgm:scene3d>
+    <dgm:sp3d/>
+    <dgm:txPr/>
+    <dgm:style>
+      <a:lnRef idx="2">
+        <a:scrgbClr r="0" g="0" b="0"/>
+      </a:lnRef>
+      <a:fillRef idx="1">
+        <a:scrgbClr r="0" g="0" b="0"/>
+      </a:fillRef>
+      <a:effectRef idx="0">
+        <a:scrgbClr r="0" g="0" b="0"/>
+      </a:effectRef>
+      <a:fontRef idx="minor">
+        <a:schemeClr val="lt1"/>
+      </a:fontRef>
+    </dgm:style>
+  </dgm:styleLbl>
+  <dgm:styleLbl name="asst2">
+    <dgm:scene3d>
+      <a:camera prst="orthographicFront"/>
+      <a:lightRig rig="threePt" dir="t"/>
+    </dgm:scene3d>
+    <dgm:sp3d/>
+    <dgm:txPr/>
+    <dgm:style>
+      <a:lnRef idx="2">
+        <a:scrgbClr r="0" g="0" b="0"/>
+      </a:lnRef>
+      <a:fillRef idx="1">
+        <a:scrgbClr r="0" g="0" b="0"/>
+      </a:fillRef>
+      <a:effectRef idx="0">
+        <a:scrgbClr r="0" g="0" b="0"/>
+      </a:effectRef>
+      <a:fontRef idx="minor">
+        <a:schemeClr val="lt1"/>
+      </a:fontRef>
+    </dgm:style>
+  </dgm:styleLbl>
+  <dgm:styleLbl name="asst3">
+    <dgm:scene3d>
+      <a:camera prst="orthographicFront"/>
+      <a:lightRig rig="threePt" dir="t"/>
+    </dgm:scene3d>
+    <dgm:sp3d/>
+    <dgm:txPr/>
+    <dgm:style>
+      <a:lnRef idx="2">
+        <a:scrgbClr r="0" g="0" b="0"/>
+      </a:lnRef>
+      <a:fillRef idx="1">
+        <a:scrgbClr r="0" g="0" b="0"/>
+      </a:fillRef>
+      <a:effectRef idx="0">
+        <a:scrgbClr r="0" g="0" b="0"/>
+      </a:effectRef>
+      <a:fontRef idx="minor">
+        <a:schemeClr val="lt1"/>
+      </a:fontRef>
+    </dgm:style>
+  </dgm:styleLbl>
+  <dgm:styleLbl name="asst4">
+    <dgm:scene3d>
+      <a:camera prst="orthographicFront"/>
+      <a:lightRig rig="threePt" dir="t"/>
+    </dgm:scene3d>
+    <dgm:sp3d/>
+    <dgm:txPr/>
+    <dgm:style>
+      <a:lnRef idx="2">
+        <a:scrgbClr r="0" g="0" b="0"/>
+      </a:lnRef>
+      <a:fillRef idx="1">
+        <a:scrgbClr r="0" g="0" b="0"/>
+      </a:fillRef>
+      <a:effectRef idx="0">
+        <a:scrgbClr r="0" g="0" b="0"/>
+      </a:effectRef>
+      <a:fontRef idx="minor">
+        <a:schemeClr val="lt1"/>
+      </a:fontRef>
+    </dgm:style>
+  </dgm:styleLbl>
+  <dgm:styleLbl name="parChTrans2D1">
+    <dgm:scene3d>
+      <a:camera prst="orthographicFront"/>
+      <a:lightRig rig="threePt" dir="t"/>
+    </dgm:scene3d>
+    <dgm:sp3d/>
+    <dgm:txPr/>
+    <dgm:style>
+      <a:lnRef idx="2">
+        <a:scrgbClr r="0" g="0" b="0"/>
+      </a:lnRef>
+      <a:fillRef idx="1">
+        <a:scrgbClr r="0" g="0" b="0"/>
+      </a:fillRef>
+      <a:effectRef idx="0">
+        <a:scrgbClr r="0" g="0" b="0"/>
+      </a:effectRef>
+      <a:fontRef idx="minor">
+        <a:schemeClr val="lt1"/>
+      </a:fontRef>
+    </dgm:style>
+  </dgm:styleLbl>
+  <dgm:styleLbl name="parChTrans2D2">
+    <dgm:scene3d>
+      <a:camera prst="orthographicFront"/>
+      <a:lightRig rig="threePt" dir="t"/>
+    </dgm:scene3d>
+    <dgm:sp3d/>
+    <dgm:txPr/>
+    <dgm:style>
+      <a:lnRef idx="2">
+        <a:scrgbClr r="0" g="0" b="0"/>
+      </a:lnRef>
+      <a:fillRef idx="1">
+        <a:scrgbClr r="0" g="0" b="0"/>
+      </a:fillRef>
+      <a:effectRef idx="0">
+        <a:scrgbClr r="0" g="0" b="0"/>
+      </a:effectRef>
+      <a:fontRef idx="minor">
+        <a:schemeClr val="lt1"/>
+      </a:fontRef>
+    </dgm:style>
+  </dgm:styleLbl>
+  <dgm:styleLbl name="parChTrans2D3">
+    <dgm:scene3d>
+      <a:camera prst="orthographicFront"/>
+      <a:lightRig rig="threePt" dir="t"/>
+    </dgm:scene3d>
+    <dgm:sp3d/>
+    <dgm:txPr/>
+    <dgm:style>
+      <a:lnRef idx="2">
+        <a:scrgbClr r="0" g="0" b="0"/>
+      </a:lnRef>
+      <a:fillRef idx="1">
+        <a:scrgbClr r="0" g="0" b="0"/>
+      </a:fillRef>
+      <a:effectRef idx="0">
+        <a:scrgbClr r="0" g="0" b="0"/>
+      </a:effectRef>
+      <a:fontRef idx="minor">
+        <a:schemeClr val="lt1"/>
+      </a:fontRef>
+    </dgm:style>
+  </dgm:styleLbl>
+  <dgm:styleLbl name="parChTrans2D4">
+    <dgm:scene3d>
+      <a:camera prst="orthographicFront"/>
+      <a:lightRig rig="threePt" dir="t"/>
+    </dgm:scene3d>
+    <dgm:sp3d/>
+    <dgm:txPr/>
+    <dgm:style>
+      <a:lnRef idx="2">
+        <a:scrgbClr r="0" g="0" b="0"/>
+      </a:lnRef>
+      <a:fillRef idx="1">
+        <a:scrgbClr r="0" g="0" b="0"/>
+      </a:fillRef>
+      <a:effectRef idx="0">
+        <a:scrgbClr r="0" g="0" b="0"/>
+      </a:effectRef>
+      <a:fontRef idx="minor">
+        <a:schemeClr val="lt1"/>
+      </a:fontRef>
+    </dgm:style>
+  </dgm:styleLbl>
+  <dgm:styleLbl name="parChTrans1D1">
+    <dgm:scene3d>
+      <a:camera prst="orthographicFront"/>
+      <a:lightRig rig="threePt" dir="t"/>
+    </dgm:scene3d>
+    <dgm:sp3d/>
+    <dgm:txPr/>
+    <dgm:style>
+      <a:lnRef idx="2">
+        <a:scrgbClr r="0" g="0" b="0"/>
+      </a:lnRef>
+      <a:fillRef idx="0">
+        <a:scrgbClr r="0" g="0" b="0"/>
+      </a:fillRef>
+      <a:effectRef idx="0">
+        <a:scrgbClr r="0" g="0" b="0"/>
+      </a:effectRef>
+      <a:fontRef idx="minor"/>
+    </dgm:style>
+  </dgm:styleLbl>
+  <dgm:styleLbl name="parChTrans1D2">
+    <dgm:scene3d>
+      <a:camera prst="orthographicFront"/>
+      <a:lightRig rig="threePt" dir="t"/>
+    </dgm:scene3d>
+    <dgm:sp3d/>
+    <dgm:txPr/>
+    <dgm:style>
+      <a:lnRef idx="2">
+        <a:scrgbClr r="0" g="0" b="0"/>
+      </a:lnRef>
+      <a:fillRef idx="0">
+        <a:scrgbClr r="0" g="0" b="0"/>
+      </a:fillRef>
+      <a:effectRef idx="0">
+        <a:scrgbClr r="0" g="0" b="0"/>
+      </a:effectRef>
+      <a:fontRef idx="minor"/>
+    </dgm:style>
+  </dgm:styleLbl>
+  <dgm:styleLbl name="parChTrans1D3">
+    <dgm:scene3d>
+      <a:camera prst="orthographicFront"/>
+      <a:lightRig rig="threePt" dir="t"/>
+    </dgm:scene3d>
+    <dgm:sp3d/>
+    <dgm:txPr/>
+    <dgm:style>
+      <a:lnRef idx="2">
+        <a:scrgbClr r="0" g="0" b="0"/>
+      </a:lnRef>
+      <a:fillRef idx="0">
+        <a:scrgbClr r="0" g="0" b="0"/>
+      </a:fillRef>
+      <a:effectRef idx="0">
+        <a:scrgbClr r="0" g="0" b="0"/>
+      </a:effectRef>
+      <a:fontRef idx="minor"/>
+    </dgm:style>
+  </dgm:styleLbl>
+  <dgm:styleLbl name="parChTrans1D4">
+    <dgm:scene3d>
+      <a:camera prst="orthographicFront"/>
+      <a:lightRig rig="threePt" dir="t"/>
+    </dgm:scene3d>
+    <dgm:sp3d/>
+    <dgm:txPr/>
+    <dgm:style>
+      <a:lnRef idx="2">
+        <a:scrgbClr r="0" g="0" b="0"/>
+      </a:lnRef>
+      <a:fillRef idx="0">
+        <a:scrgbClr r="0" g="0" b="0"/>
+      </a:fillRef>
+      <a:effectRef idx="0">
+        <a:scrgbClr r="0" g="0" b="0"/>
+      </a:effectRef>
+      <a:fontRef idx="minor"/>
+    </dgm:style>
+  </dgm:styleLbl>
+  <dgm:styleLbl name="fgAcc1">
+    <dgm:scene3d>
+      <a:camera prst="orthographicFront"/>
+      <a:lightRig rig="threePt" dir="t"/>
+    </dgm:scene3d>
+    <dgm:sp3d/>
+    <dgm:txPr/>
+    <dgm:style>
+      <a:lnRef idx="2">
+        <a:scrgbClr r="0" g="0" b="0"/>
+      </a:lnRef>
+      <a:fillRef idx="1">
+        <a:scrgbClr r="0" g="0" b="0"/>
+      </a:fillRef>
+      <a:effectRef idx="0">
+        <a:scrgbClr r="0" g="0" b="0"/>
+      </a:effectRef>
+      <a:fontRef idx="minor"/>
+    </dgm:style>
+  </dgm:styleLbl>
+  <dgm:styleLbl name="conFgAcc1">
+    <dgm:scene3d>
+      <a:camera prst="orthographicFront"/>
+      <a:lightRig rig="threePt" dir="t"/>
+    </dgm:scene3d>
+    <dgm:sp3d/>
+    <dgm:txPr/>
+    <dgm:style>
+      <a:lnRef idx="2">
+        <a:scrgbClr r="0" g="0" b="0"/>
+      </a:lnRef>
+      <a:fillRef idx="1">
+        <a:scrgbClr r="0" g="0" b="0"/>
+      </a:fillRef>
+      <a:effectRef idx="0">
+        <a:scrgbClr r="0" g="0" b="0"/>
+      </a:effectRef>
+      <a:fontRef idx="minor"/>
+    </dgm:style>
+  </dgm:styleLbl>
+  <dgm:styleLbl name="alignAcc1">
+    <dgm:scene3d>
+      <a:camera prst="orthographicFront"/>
+      <a:lightRig rig="threePt" dir="t"/>
+    </dgm:scene3d>
+    <dgm:sp3d/>
+    <dgm:txPr/>
+    <dgm:style>
+      <a:lnRef idx="2">
+        <a:scrgbClr r="0" g="0" b="0"/>
+      </a:lnRef>
+      <a:fillRef idx="1">
+        <a:scrgbClr r="0" g="0" b="0"/>
+      </a:fillRef>
+      <a:effectRef idx="0">
+        <a:scrgbClr r="0" g="0" b="0"/>
+      </a:effectRef>
+      <a:fontRef idx="minor"/>
+    </dgm:style>
+  </dgm:styleLbl>
+  <dgm:styleLbl name="trAlignAcc1">
+    <dgm:scene3d>
+      <a:camera prst="orthographicFront"/>
+      <a:lightRig rig="threePt" dir="t"/>
+    </dgm:scene3d>
+    <dgm:sp3d/>
+    <dgm:txPr/>
+    <dgm:style>
+      <a:lnRef idx="1">
+        <a:scrgbClr r="0" g="0" b="0"/>
+      </a:lnRef>
+      <a:fillRef idx="1">
+        <a:scrgbClr r="0" g="0" b="0"/>
+      </a:fillRef>
+      <a:effectRef idx="0">
+        <a:scrgbClr r="0" g="0" b="0"/>
+      </a:effectRef>
+      <a:fontRef idx="minor"/>
+    </dgm:style>
+  </dgm:styleLbl>
+  <dgm:styleLbl name="bgAcc1">
+    <dgm:scene3d>
+      <a:camera prst="orthographicFront"/>
+      <a:lightRig rig="threePt" dir="t"/>
+    </dgm:scene3d>
+    <dgm:sp3d/>
+    <dgm:txPr/>
+    <dgm:style>
+      <a:lnRef idx="2">
+        <a:scrgbClr r="0" g="0" b="0"/>
+      </a:lnRef>
+      <a:fillRef idx="1">
+        <a:scrgbClr r="0" g="0" b="0"/>
+      </a:fillRef>
+      <a:effectRef idx="0">
+        <a:scrgbClr r="0" g="0" b="0"/>
+      </a:effectRef>
+      <a:fontRef idx="minor"/>
+    </dgm:style>
+  </dgm:styleLbl>
+  <dgm:styleLbl name="solidFgAcc1">
+    <dgm:scene3d>
+      <a:camera prst="orthographicFront"/>
+      <a:lightRig rig="threePt" dir="t"/>
+    </dgm:scene3d>
+    <dgm:sp3d/>
+    <dgm:txPr/>
+    <dgm:style>
+      <a:lnRef idx="2">
+        <a:scrgbClr r="0" g="0" b="0"/>
+      </a:lnRef>
+      <a:fillRef idx="1">
+        <a:scrgbClr r="0" g="0" b="0"/>
+      </a:fillRef>
+      <a:effectRef idx="0">
+        <a:scrgbClr r="0" g="0" b="0"/>
+      </a:effectRef>
+      <a:fontRef idx="minor"/>
+    </dgm:style>
+  </dgm:styleLbl>
+  <dgm:styleLbl name="solidAlignAcc1">
+    <dgm:scene3d>
+      <a:camera prst="orthographicFront"/>
+      <a:lightRig rig="threePt" dir="t"/>
+    </dgm:scene3d>
+    <dgm:sp3d/>
+    <dgm:txPr/>
+    <dgm:style>
+      <a:lnRef idx="2">
+        <a:scrgbClr r="0" g="0" b="0"/>
+      </a:lnRef>
+      <a:fillRef idx="1">
+        <a:scrgbClr r="0" g="0" b="0"/>
+      </a:fillRef>
+      <a:effectRef idx="0">
+        <a:scrgbClr r="0" g="0" b="0"/>
+      </a:effectRef>
+      <a:fontRef idx="minor"/>
+    </dgm:style>
+  </dgm:styleLbl>
+  <dgm:styleLbl name="solidBgAcc1">
+    <dgm:scene3d>
+      <a:camera prst="orthographicFront"/>
+      <a:lightRig rig="threePt" dir="t"/>
+    </dgm:scene3d>
+    <dgm:sp3d/>
+    <dgm:txPr/>
+    <dgm:style>
+      <a:lnRef idx="2">
+        <a:scrgbClr r="0" g="0" b="0"/>
+      </a:lnRef>
+      <a:fillRef idx="1">
+        <a:scrgbClr r="0" g="0" b="0"/>
+      </a:fillRef>
+      <a:effectRef idx="0">
+        <a:scrgbClr r="0" g="0" b="0"/>
+      </a:effectRef>
+      <a:fontRef idx="minor"/>
+    </dgm:style>
+  </dgm:styleLbl>
+  <dgm:styleLbl name="fgAccFollowNode1">
+    <dgm:scene3d>
+      <a:camera prst="orthographicFront"/>
+      <a:lightRig rig="threePt" dir="t"/>
+    </dgm:scene3d>
+    <dgm:sp3d/>
+    <dgm:txPr/>
+    <dgm:style>
+      <a:lnRef idx="2">
+        <a:scrgbClr r="0" g="0" b="0"/>
+      </a:lnRef>
+      <a:fillRef idx="1">
+        <a:scrgbClr r="0" g="0" b="0"/>
+      </a:fillRef>
+      <a:effectRef idx="0">
+        <a:scrgbClr r="0" g="0" b="0"/>
+      </a:effectRef>
+      <a:fontRef idx="minor"/>
+    </dgm:style>
+  </dgm:styleLbl>
+  <dgm:styleLbl name="alignAccFollowNode1">
+    <dgm:scene3d>
+      <a:camera prst="orthographicFront"/>
+      <a:lightRig rig="threePt" dir="t"/>
+    </dgm:scene3d>
+    <dgm:sp3d/>
+    <dgm:txPr/>
+    <dgm:style>
+      <a:lnRef idx="2">
+        <a:scrgbClr r="0" g="0" b="0"/>
+      </a:lnRef>
+      <a:fillRef idx="1">
+        <a:scrgbClr r="0" g="0" b="0"/>
+      </a:fillRef>
+      <a:effectRef idx="0">
+        <a:scrgbClr r="0" g="0" b="0"/>
+      </a:effectRef>
+      <a:fontRef idx="minor"/>
+    </dgm:style>
+  </dgm:styleLbl>
+  <dgm:styleLbl name="bgAccFollowNode1">
+    <dgm:scene3d>
+      <a:camera prst="orthographicFront"/>
+      <a:lightRig rig="threePt" dir="t"/>
+    </dgm:scene3d>
+    <dgm:sp3d/>
+    <dgm:txPr/>
+    <dgm:style>
+      <a:lnRef idx="2">
+        <a:scrgbClr r="0" g="0" b="0"/>
+      </a:lnRef>
+      <a:fillRef idx="1">
+        <a:scrgbClr r="0" g="0" b="0"/>
+      </a:fillRef>
+      <a:effectRef idx="0">
+        <a:scrgbClr r="0" g="0" b="0"/>
+      </a:effectRef>
+      <a:fontRef idx="minor"/>
+    </dgm:style>
+  </dgm:styleLbl>
+  <dgm:styleLbl name="fgAcc0">
+    <dgm:scene3d>
+      <a:camera prst="orthographicFront"/>
+      <a:lightRig rig="threePt" dir="t"/>
+    </dgm:scene3d>
+    <dgm:sp3d/>
+    <dgm:txPr/>
+    <dgm:style>
+      <a:lnRef idx="2">
+        <a:scrgbClr r="0" g="0" b="0"/>
+      </a:lnRef>
+      <a:fillRef idx="1">
+        <a:scrgbClr r="0" g="0" b="0"/>
+      </a:fillRef>
+      <a:effectRef idx="0">
+        <a:scrgbClr r="0" g="0" b="0"/>
+      </a:effectRef>
+      <a:fontRef idx="minor"/>
+    </dgm:style>
+  </dgm:styleLbl>
+  <dgm:styleLbl name="fgAcc2">
+    <dgm:scene3d>
+      <a:camera prst="orthographicFront"/>
+      <a:lightRig rig="threePt" dir="t"/>
+    </dgm:scene3d>
+    <dgm:sp3d/>
+    <dgm:txPr/>
+    <dgm:style>
+      <a:lnRef idx="2">
+        <a:scrgbClr r="0" g="0" b="0"/>
+      </a:lnRef>
+      <a:fillRef idx="1">
+        <a:scrgbClr r="0" g="0" b="0"/>
+      </a:fillRef>
+      <a:effectRef idx="0">
+        <a:scrgbClr r="0" g="0" b="0"/>
+      </a:effectRef>
+      <a:fontRef idx="minor"/>
+    </dgm:style>
+  </dgm:styleLbl>
+  <dgm:styleLbl name="fgAcc3">
+    <dgm:scene3d>
+      <a:camera prst="orthographicFront"/>
+      <a:lightRig rig="threePt" dir="t"/>
+    </dgm:scene3d>
+    <dgm:sp3d/>
+    <dgm:txPr/>
+    <dgm:style>
+      <a:lnRef idx="2">
+        <a:scrgbClr r="0" g="0" b="0"/>
+      </a:lnRef>
+      <a:fillRef idx="1">
+        <a:scrgbClr r="0" g="0" b="0"/>
+      </a:fillRef>
+      <a:effectRef idx="0">
+        <a:scrgbClr r="0" g="0" b="0"/>
+      </a:effectRef>
+      <a:fontRef idx="minor"/>
+    </dgm:style>
+  </dgm:styleLbl>
+  <dgm:styleLbl name="fgAcc4">
+    <dgm:scene3d>
+      <a:camera prst="orthographicFront"/>
+      <a:lightRig rig="threePt" dir="t"/>
+    </dgm:scene3d>
+    <dgm:sp3d/>
+    <dgm:txPr/>
+    <dgm:style>
+      <a:lnRef idx="2">
+        <a:scrgbClr r="0" g="0" b="0"/>
+      </a:lnRef>
+      <a:fillRef idx="1">
+        <a:scrgbClr r="0" g="0" b="0"/>
+      </a:fillRef>
+      <a:effectRef idx="0">
+        <a:scrgbClr r="0" g="0" b="0"/>
+      </a:effectRef>
+      <a:fontRef idx="minor"/>
+    </dgm:style>
+  </dgm:styleLbl>
+  <dgm:styleLbl name="bgShp">
+    <dgm:scene3d>
+      <a:camera prst="orthographicFront"/>
+      <a:lightRig rig="threePt" dir="t"/>
+    </dgm:scene3d>
+    <dgm:sp3d/>
+    <dgm:txPr/>
+    <dgm:style>
+      <a:lnRef idx="0">
+        <a:scrgbClr r="0" g="0" b="0"/>
+      </a:lnRef>
+      <a:fillRef idx="1">
+        <a:scrgbClr r="0" g="0" b="0"/>
+      </a:fillRef>
+      <a:effectRef idx="0">
+        <a:scrgbClr r="0" g="0" b="0"/>
+      </a:effectRef>
+      <a:fontRef idx="minor"/>
+    </dgm:style>
+  </dgm:styleLbl>
+  <dgm:styleLbl name="dkBgShp">
+    <dgm:scene3d>
+      <a:camera prst="orthographicFront"/>
+      <a:lightRig rig="threePt" dir="t"/>
+    </dgm:scene3d>
+    <dgm:sp3d/>
+    <dgm:txPr/>
+    <dgm:style>
+      <a:lnRef idx="0">
+        <a:scrgbClr r="0" g="0" b="0"/>
+      </a:lnRef>
+      <a:fillRef idx="1">
+        <a:scrgbClr r="0" g="0" b="0"/>
+      </a:fillRef>
+      <a:effectRef idx="0">
+        <a:scrgbClr r="0" g="0" b="0"/>
+      </a:effectRef>
+      <a:fontRef idx="minor"/>
+    </dgm:style>
+  </dgm:styleLbl>
+  <dgm:styleLbl name="trBgShp">
+    <dgm:scene3d>
+      <a:camera prst="orthographicFront"/>
+      <a:lightRig rig="threePt" dir="t"/>
+    </dgm:scene3d>
+    <dgm:sp3d/>
+    <dgm:txPr/>
+    <dgm:style>
+      <a:lnRef idx="0">
+        <a:scrgbClr r="0" g="0" b="0"/>
+      </a:lnRef>
+      <a:fillRef idx="1">
+        <a:scrgbClr r="0" g="0" b="0"/>
+      </a:fillRef>
+      <a:effectRef idx="0">
+        <a:scrgbClr r="0" g="0" b="0"/>
+      </a:effectRef>
+      <a:fontRef idx="minor"/>
+    </dgm:style>
+  </dgm:styleLbl>
+  <dgm:styleLbl name="fgShp">
+    <dgm:scene3d>
+      <a:camera prst="orthographicFront"/>
+      <a:lightRig rig="threePt" dir="t"/>
+    </dgm:scene3d>
+    <dgm:sp3d/>
+    <dgm:txPr/>
+    <dgm:style>
+      <a:lnRef idx="2">
+        <a:scrgbClr r="0" g="0" b="0"/>
+      </a:lnRef>
+      <a:fillRef idx="1">
+        <a:scrgbClr r="0" g="0" b="0"/>
+      </a:fillRef>
+      <a:effectRef idx="0">
+        <a:scrgbClr r="0" g="0" b="0"/>
+      </a:effectRef>
+      <a:fontRef idx="minor"/>
+    </dgm:style>
+  </dgm:styleLbl>
+  <dgm:styleLbl name="revTx">
+    <dgm:scene3d>
+      <a:camera prst="orthographicFront"/>
+      <a:lightRig rig="threePt" dir="t"/>
+    </dgm:scene3d>
+    <dgm:sp3d/>
+    <dgm:txPr/>
+    <dgm:style>
+      <a:lnRef idx="0">
+        <a:scrgbClr r="0" g="0" b="0"/>
+      </a:lnRef>
+      <a:fillRef idx="0">
+        <a:scrgbClr r="0" g="0" b="0"/>
+      </a:fillRef>
+      <a:effectRef idx="0">
+        <a:scrgbClr r="0" g="0" b="0"/>
+      </a:effectRef>
+      <a:fontRef idx="minor"/>
+    </dgm:style>
+  </dgm:styleLbl>
+</dgm:styleDef>
+</file>
+
+<file path=ppt/notesMasters/notesMaster1.xml><?xml version="1.0" encoding="utf-8"?>
+<p:notesMaster xmlns:a="http://schemas.openxmlformats.org/drawingml/2006/main" xmlns:r="http://schemas.openxmlformats.org/officeDocument/2006/relationships" xmlns:p="http://schemas.openxmlformats.org/presentationml/2006/main">
+  <p:cSld>
+    <p:bg>
+      <p:bgRef idx="1001">
+        <a:schemeClr val="bg1"/>
+      </p:bgRef>
+    </p:bg>
+    <p:spTree>
+      <p:nvGrpSpPr>
+        <p:cNvPr id="1" name=""/>
+        <p:cNvGrpSpPr/>
+        <p:nvPr/>
+      </p:nvGrpSpPr>
+      <p:grpSpPr>
+        <a:xfrm>
+          <a:off x="0" y="0"/>
+          <a:ext cx="0" cy="0"/>
+          <a:chOff x="0" y="0"/>
+          <a:chExt cx="0" cy="0"/>
+        </a:xfrm>
+      </p:grpSpPr>
+      <p:sp>
+        <p:nvSpPr>
+          <p:cNvPr id="2" name="Header Placeholder 1"/>
+          <p:cNvSpPr>
+            <a:spLocks noGrp="1"/>
+          </p:cNvSpPr>
+          <p:nvPr>
+            <p:ph type="hdr" sz="quarter"/>
+          </p:nvPr>
+        </p:nvSpPr>
+        <p:spPr>
+          <a:xfrm>
+            <a:off x="0" y="0"/>
+            <a:ext cx="2971800" cy="458788"/>
+          </a:xfrm>
+          <a:prstGeom prst="rect">
+            <a:avLst/>
+          </a:prstGeom>
+        </p:spPr>
+        <p:txBody>
+          <a:bodyPr vert="horz" lIns="91440" tIns="45720" rIns="91440" bIns="45720" rtlCol="0"/>
+          <a:lstStyle>
+            <a:lvl1pPr algn="l">
+              <a:defRPr sz="1200"/>
+            </a:lvl1pPr>
+          </a:lstStyle>
+          <a:p>
+            <a:endParaRPr lang="en-US"/>
+          </a:p>
+        </p:txBody>
+      </p:sp>
+      <p:sp>
+        <p:nvSpPr>
+          <p:cNvPr id="3" name="Date Placeholder 2"/>
+          <p:cNvSpPr>
+            <a:spLocks noGrp="1"/>
+          </p:cNvSpPr>
+          <p:nvPr>
+            <p:ph type="dt" idx="1"/>
+          </p:nvPr>
+        </p:nvSpPr>
+        <p:spPr>
+          <a:xfrm>
+            <a:off x="3884613" y="0"/>
+            <a:ext cx="2971800" cy="458788"/>
+          </a:xfrm>
+          <a:prstGeom prst="rect">
+            <a:avLst/>
+          </a:prstGeom>
+        </p:spPr>
+        <p:txBody>
+          <a:bodyPr vert="horz" lIns="91440" tIns="45720" rIns="91440" bIns="45720" rtlCol="0"/>
+          <a:lstStyle>
+            <a:lvl1pPr algn="r">
+              <a:defRPr sz="1200"/>
+            </a:lvl1pPr>
+          </a:lstStyle>
+          <a:p>
+            <a:fld id="{483CF091-EDBF-4084-AB7D-074BB5D46B80}" type="datetimeFigureOut">
+              <a:rPr lang="en-US" smtClean="0"/>
+              <a:t>5/9/2023</a:t>
+            </a:fld>
+            <a:endParaRPr lang="en-US"/>
+          </a:p>
+        </p:txBody>
+      </p:sp>
+      <p:sp>
+        <p:nvSpPr>
+          <p:cNvPr id="4" name="Slide Image Placeholder 3"/>
+          <p:cNvSpPr>
+            <a:spLocks noGrp="1" noRot="1" noChangeAspect="1"/>
+          </p:cNvSpPr>
+          <p:nvPr>
+            <p:ph type="sldImg" idx="2"/>
+          </p:nvPr>
+        </p:nvSpPr>
+        <p:spPr>
+          <a:xfrm>
+            <a:off x="685800" y="1143000"/>
+            <a:ext cx="5486400" cy="3086100"/>
+          </a:xfrm>
+          <a:prstGeom prst="rect">
+            <a:avLst/>
+          </a:prstGeom>
+          <a:noFill/>
+          <a:ln w="12700">
+            <a:solidFill>
+              <a:prstClr val="black"/>
+            </a:solidFill>
+          </a:ln>
+        </p:spPr>
+        <p:txBody>
+          <a:bodyPr vert="horz" lIns="91440" tIns="45720" rIns="91440" bIns="45720" rtlCol="0" anchor="ctr"/>
+          <a:lstStyle/>
+          <a:p>
+            <a:endParaRPr lang="en-US"/>
+          </a:p>
+        </p:txBody>
+      </p:sp>
+      <p:sp>
+        <p:nvSpPr>
+          <p:cNvPr id="5" name="Notes Placeholder 4"/>
+          <p:cNvSpPr>
+            <a:spLocks noGrp="1"/>
+          </p:cNvSpPr>
+          <p:nvPr>
+            <p:ph type="body" sz="quarter" idx="3"/>
+          </p:nvPr>
+        </p:nvSpPr>
+        <p:spPr>
+          <a:xfrm>
+            <a:off x="685800" y="4400550"/>
+            <a:ext cx="5486400" cy="3600450"/>
+          </a:xfrm>
+          <a:prstGeom prst="rect">
+            <a:avLst/>
+          </a:prstGeom>
+        </p:spPr>
+        <p:txBody>
+          <a:bodyPr vert="horz" lIns="91440" tIns="45720" rIns="91440" bIns="45720" rtlCol="0"/>
+          <a:lstStyle/>
+          <a:p>
+            <a:pPr lvl="0"/>
+            <a:r>
+              <a:rPr lang="en-US"/>
+              <a:t>Click to edit Master text styles</a:t>
+            </a:r>
+          </a:p>
+          <a:p>
+            <a:pPr lvl="1"/>
+            <a:r>
+              <a:rPr lang="en-US"/>
+              <a:t>Second level</a:t>
+            </a:r>
+          </a:p>
+          <a:p>
+            <a:pPr lvl="2"/>
+            <a:r>
+              <a:rPr lang="en-US"/>
+              <a:t>Third level</a:t>
+            </a:r>
+          </a:p>
+          <a:p>
+            <a:pPr lvl="3"/>
+            <a:r>
+              <a:rPr lang="en-US"/>
+              <a:t>Fourth level</a:t>
+            </a:r>
+          </a:p>
+          <a:p>
+            <a:pPr lvl="4"/>
+            <a:r>
+              <a:rPr lang="en-US"/>
+              <a:t>Fifth level</a:t>
+            </a:r>
+          </a:p>
+        </p:txBody>
+      </p:sp>
+      <p:sp>
+        <p:nvSpPr>
+          <p:cNvPr id="6" name="Footer Placeholder 5"/>
+          <p:cNvSpPr>
+            <a:spLocks noGrp="1"/>
+          </p:cNvSpPr>
+          <p:nvPr>
+            <p:ph type="ftr" sz="quarter" idx="4"/>
+          </p:nvPr>
+        </p:nvSpPr>
+        <p:spPr>
+          <a:xfrm>
+            <a:off x="0" y="8685213"/>
+            <a:ext cx="2971800" cy="458787"/>
+          </a:xfrm>
+          <a:prstGeom prst="rect">
+            <a:avLst/>
+          </a:prstGeom>
+        </p:spPr>
+        <p:txBody>
+          <a:bodyPr vert="horz" lIns="91440" tIns="45720" rIns="91440" bIns="45720" rtlCol="0" anchor="b"/>
+          <a:lstStyle>
+            <a:lvl1pPr algn="l">
+              <a:defRPr sz="1200"/>
+            </a:lvl1pPr>
+          </a:lstStyle>
+          <a:p>
+            <a:endParaRPr lang="en-US"/>
+          </a:p>
+        </p:txBody>
+      </p:sp>
+      <p:sp>
+        <p:nvSpPr>
+          <p:cNvPr id="7" name="Slide Number Placeholder 6"/>
+          <p:cNvSpPr>
+            <a:spLocks noGrp="1"/>
+          </p:cNvSpPr>
+          <p:nvPr>
+            <p:ph type="sldNum" sz="quarter" idx="5"/>
+          </p:nvPr>
+        </p:nvSpPr>
+        <p:spPr>
+          <a:xfrm>
+            <a:off x="3884613" y="8685213"/>
+            <a:ext cx="2971800" cy="458787"/>
+          </a:xfrm>
+          <a:prstGeom prst="rect">
+            <a:avLst/>
+          </a:prstGeom>
+        </p:spPr>
+        <p:txBody>
+          <a:bodyPr vert="horz" lIns="91440" tIns="45720" rIns="91440" bIns="45720" rtlCol="0" anchor="b"/>
+          <a:lstStyle>
+            <a:lvl1pPr algn="r">
+              <a:defRPr sz="1200"/>
+            </a:lvl1pPr>
+          </a:lstStyle>
+          <a:p>
+            <a:fld id="{B8415318-9559-4C74-BDAD-E20CD3078992}" type="slidenum">
+              <a:rPr lang="en-US" smtClean="0"/>
+              <a:t>‹#›</a:t>
+            </a:fld>
+            <a:endParaRPr lang="en-US"/>
+          </a:p>
+        </p:txBody>
+      </p:sp>
+    </p:spTree>
+    <p:extLst>
+      <p:ext uri="{BB962C8B-B14F-4D97-AF65-F5344CB8AC3E}">
+        <p14:creationId xmlns:p14="http://schemas.microsoft.com/office/powerpoint/2010/main" val="727714977"/>
+      </p:ext>
+    </p:extLst>
+  </p:cSld>
+  <p:clrMap bg1="lt1" tx1="dk1" bg2="lt2" tx2="dk2" accent1="accent1" accent2="accent2" accent3="accent3" accent4="accent4" accent5="accent5" accent6="accent6" hlink="hlink" folHlink="folHlink"/>
+  <p:notesStyle>
+    <a:lvl1pPr marL="0" algn="l" defTabSz="914400" rtl="0" eaLnBrk="1" latinLnBrk="0" hangingPunct="1">
+      <a:defRPr sz="1200" kern="1200">
+        <a:solidFill>
+          <a:schemeClr val="tx1"/>
+        </a:solidFill>
+        <a:latin typeface="+mn-lt"/>
+        <a:ea typeface="+mn-ea"/>
+        <a:cs typeface="+mn-cs"/>
+      </a:defRPr>
+    </a:lvl1pPr>
+    <a:lvl2pPr marL="457200" algn="l" defTabSz="914400" rtl="0" eaLnBrk="1" latinLnBrk="0" hangingPunct="1">
+      <a:defRPr sz="1200" kern="1200">
+        <a:solidFill>
+          <a:schemeClr val="tx1"/>
+        </a:solidFill>
+        <a:latin typeface="+mn-lt"/>
+        <a:ea typeface="+mn-ea"/>
+        <a:cs typeface="+mn-cs"/>
+      </a:defRPr>
+    </a:lvl2pPr>
+    <a:lvl3pPr marL="914400" algn="l" defTabSz="914400" rtl="0" eaLnBrk="1" latinLnBrk="0" hangingPunct="1">
+      <a:defRPr sz="1200" kern="1200">
+        <a:solidFill>
+          <a:schemeClr val="tx1"/>
+        </a:solidFill>
+        <a:latin typeface="+mn-lt"/>
+        <a:ea typeface="+mn-ea"/>
+        <a:cs typeface="+mn-cs"/>
+      </a:defRPr>
+    </a:lvl3pPr>
+    <a:lvl4pPr marL="1371600" algn="l" defTabSz="914400" rtl="0" eaLnBrk="1" latinLnBrk="0" hangingPunct="1">
+      <a:defRPr sz="1200" kern="1200">
+        <a:solidFill>
+          <a:schemeClr val="tx1"/>
+        </a:solidFill>
+        <a:latin typeface="+mn-lt"/>
+        <a:ea typeface="+mn-ea"/>
+        <a:cs typeface="+mn-cs"/>
+      </a:defRPr>
+    </a:lvl4pPr>
+    <a:lvl5pPr marL="1828800" algn="l" defTabSz="914400" rtl="0" eaLnBrk="1" latinLnBrk="0" hangingPunct="1">
+      <a:defRPr sz="1200" kern="1200">
+        <a:solidFill>
+          <a:schemeClr val="tx1"/>
+        </a:solidFill>
+        <a:latin typeface="+mn-lt"/>
+        <a:ea typeface="+mn-ea"/>
+        <a:cs typeface="+mn-cs"/>
+      </a:defRPr>
+    </a:lvl5pPr>
+    <a:lvl6pPr marL="2286000" algn="l" defTabSz="914400" rtl="0" eaLnBrk="1" latinLnBrk="0" hangingPunct="1">
+      <a:defRPr sz="1200" kern="1200">
+        <a:solidFill>
+          <a:schemeClr val="tx1"/>
+        </a:solidFill>
+        <a:latin typeface="+mn-lt"/>
+        <a:ea typeface="+mn-ea"/>
+        <a:cs typeface="+mn-cs"/>
+      </a:defRPr>
+    </a:lvl6pPr>
+    <a:lvl7pPr marL="2743200" algn="l" defTabSz="914400" rtl="0" eaLnBrk="1" latinLnBrk="0" hangingPunct="1">
+      <a:defRPr sz="1200" kern="1200">
+        <a:solidFill>
+          <a:schemeClr val="tx1"/>
+        </a:solidFill>
+        <a:latin typeface="+mn-lt"/>
+        <a:ea typeface="+mn-ea"/>
+        <a:cs typeface="+mn-cs"/>
+      </a:defRPr>
+    </a:lvl7pPr>
+    <a:lvl8pPr marL="3200400" algn="l" defTabSz="914400" rtl="0" eaLnBrk="1" latinLnBrk="0" hangingPunct="1">
+      <a:defRPr sz="1200" kern="1200">
+        <a:solidFill>
+          <a:schemeClr val="tx1"/>
+        </a:solidFill>
+        <a:latin typeface="+mn-lt"/>
+        <a:ea typeface="+mn-ea"/>
+        <a:cs typeface="+mn-cs"/>
+      </a:defRPr>
+    </a:lvl8pPr>
+    <a:lvl9pPr marL="3657600" algn="l" defTabSz="914400" rtl="0" eaLnBrk="1" latinLnBrk="0" hangingPunct="1">
+      <a:defRPr sz="1200" kern="1200">
+        <a:solidFill>
+          <a:schemeClr val="tx1"/>
+        </a:solidFill>
+        <a:latin typeface="+mn-lt"/>
+        <a:ea typeface="+mn-ea"/>
+        <a:cs typeface="+mn-cs"/>
+      </a:defRPr>
+    </a:lvl9pPr>
+  </p:notesStyle>
+</p:notesMaster>
+</file>
+
+<file path=ppt/notesSlides/notesSlide1.xml><?xml version="1.0" encoding="utf-8"?>
+<p:notes xmlns:a="http://schemas.openxmlformats.org/drawingml/2006/main" xmlns:r="http://schemas.openxmlformats.org/officeDocument/2006/relationships" xmlns:p="http://schemas.openxmlformats.org/presentationml/2006/main">
+  <p:cSld>
+    <p:spTree>
+      <p:nvGrpSpPr>
+        <p:cNvPr id="1" name=""/>
+        <p:cNvGrpSpPr/>
+        <p:nvPr/>
+      </p:nvGrpSpPr>
+      <p:grpSpPr>
+        <a:xfrm>
+          <a:off x="0" y="0"/>
+          <a:ext cx="0" cy="0"/>
+          <a:chOff x="0" y="0"/>
+          <a:chExt cx="0" cy="0"/>
+        </a:xfrm>
+      </p:grpSpPr>
+      <p:sp>
+        <p:nvSpPr>
+          <p:cNvPr id="2" name="Slide Image Placeholder 1"/>
+          <p:cNvSpPr>
+            <a:spLocks noGrp="1" noRot="1" noChangeAspect="1"/>
+          </p:cNvSpPr>
+          <p:nvPr>
+            <p:ph type="sldImg"/>
+          </p:nvPr>
+        </p:nvSpPr>
+        <p:spPr/>
+      </p:sp>
+      <p:sp>
+        <p:nvSpPr>
+          <p:cNvPr id="3" name="Notes Placeholder 2"/>
+          <p:cNvSpPr>
+            <a:spLocks noGrp="1"/>
+          </p:cNvSpPr>
+          <p:nvPr>
+            <p:ph type="body" idx="1"/>
+          </p:nvPr>
+        </p:nvSpPr>
+        <p:spPr/>
+        <p:txBody>
+          <a:bodyPr/>
+          <a:lstStyle/>
+          <a:p>
+            <a:pPr algn="l"/>
+            <a:r>
+              <a:rPr lang="en-US" b="0" i="0" dirty="0">
+                <a:solidFill>
+                  <a:srgbClr val="1F2328"/>
+                </a:solidFill>
+                <a:effectLst/>
+                <a:latin typeface="-apple-system"/>
+              </a:rPr>
+              <a:t>GitHub Actions is a continuous integration and continuous delivery (CI/CD) platform that allows you to automate your build, test, and deployment pipeline. </a:t>
+            </a:r>
+          </a:p>
+          <a:p>
+            <a:pPr algn="l"/>
+            <a:endParaRPr lang="en-US" b="0" i="0" dirty="0">
+              <a:solidFill>
+                <a:srgbClr val="1F2328"/>
+              </a:solidFill>
+              <a:effectLst/>
+              <a:latin typeface="-apple-system"/>
+            </a:endParaRPr>
+          </a:p>
+          <a:p>
+            <a:pPr algn="l"/>
+            <a:r>
+              <a:rPr lang="en-US" b="0" i="0" dirty="0">
+                <a:solidFill>
+                  <a:srgbClr val="1F2328"/>
+                </a:solidFill>
+                <a:effectLst/>
+                <a:latin typeface="-apple-system"/>
+              </a:rPr>
+              <a:t>You can create workflows that build and test every pull request to your repository, or deploy merged pull requests to production.</a:t>
+            </a:r>
+          </a:p>
+          <a:p>
+            <a:pPr algn="l"/>
+            <a:endParaRPr lang="en-US" b="0" i="0" dirty="0">
+              <a:solidFill>
+                <a:srgbClr val="1F2328"/>
+              </a:solidFill>
+              <a:effectLst/>
+              <a:latin typeface="-apple-system"/>
+            </a:endParaRPr>
+          </a:p>
+          <a:p>
+            <a:pPr algn="l"/>
+            <a:r>
+              <a:rPr lang="en-US" b="0" i="0" dirty="0">
+                <a:solidFill>
+                  <a:srgbClr val="1F2328"/>
+                </a:solidFill>
+                <a:effectLst/>
+                <a:latin typeface="-apple-system"/>
+              </a:rPr>
+              <a:t>GitHub Actions goes beyond just DevOps and lets you run workflows when other events happen in your repository. For example, you can run a workflow to automatically add the appropriate labels whenever someone creates a new issue in your repository.</a:t>
+            </a:r>
+          </a:p>
+          <a:p>
+            <a:pPr algn="l"/>
+            <a:r>
+              <a:rPr lang="en-US" b="0" i="0" dirty="0">
+                <a:solidFill>
+                  <a:srgbClr val="1F2328"/>
+                </a:solidFill>
+                <a:effectLst/>
+                <a:latin typeface="-apple-system"/>
+              </a:rPr>
+              <a:t>GitHub provides Linux, Windows, and macOS virtual machines to run your workflows, or you can host your own self-hosted runners in your own data center or cloud infrastructure.</a:t>
+            </a:r>
+          </a:p>
+          <a:p>
+            <a:endParaRPr lang="en-US" dirty="0"/>
+          </a:p>
+        </p:txBody>
+      </p:sp>
+      <p:sp>
+        <p:nvSpPr>
+          <p:cNvPr id="4" name="Slide Number Placeholder 3"/>
+          <p:cNvSpPr>
+            <a:spLocks noGrp="1"/>
+          </p:cNvSpPr>
+          <p:nvPr>
+            <p:ph type="sldNum" sz="quarter" idx="5"/>
+          </p:nvPr>
+        </p:nvSpPr>
+        <p:spPr/>
+        <p:txBody>
+          <a:bodyPr/>
+          <a:lstStyle/>
+          <a:p>
+            <a:fld id="{B8415318-9559-4C74-BDAD-E20CD3078992}" type="slidenum">
+              <a:rPr lang="en-US" smtClean="0"/>
+              <a:t>2</a:t>
+            </a:fld>
+            <a:endParaRPr lang="en-US"/>
+          </a:p>
+        </p:txBody>
+      </p:sp>
+    </p:spTree>
+    <p:extLst>
+      <p:ext uri="{BB962C8B-B14F-4D97-AF65-F5344CB8AC3E}">
+        <p14:creationId xmlns:p14="http://schemas.microsoft.com/office/powerpoint/2010/main" val="2557031826"/>
+      </p:ext>
+    </p:extLst>
+  </p:cSld>
+  <p:clrMapOvr>
+    <a:masterClrMapping/>
+  </p:clrMapOvr>
+</p:notes>
+</file>
+
+<file path=ppt/notesSlides/notesSlide2.xml><?xml version="1.0" encoding="utf-8"?>
+<p:notes xmlns:a="http://schemas.openxmlformats.org/drawingml/2006/main" xmlns:r="http://schemas.openxmlformats.org/officeDocument/2006/relationships" xmlns:p="http://schemas.openxmlformats.org/presentationml/2006/main">
+  <p:cSld>
+    <p:spTree>
+      <p:nvGrpSpPr>
+        <p:cNvPr id="1" name=""/>
+        <p:cNvGrpSpPr/>
+        <p:nvPr/>
+      </p:nvGrpSpPr>
+      <p:grpSpPr>
+        <a:xfrm>
+          <a:off x="0" y="0"/>
+          <a:ext cx="0" cy="0"/>
+          <a:chOff x="0" y="0"/>
+          <a:chExt cx="0" cy="0"/>
+        </a:xfrm>
+      </p:grpSpPr>
+      <p:sp>
+        <p:nvSpPr>
+          <p:cNvPr id="2" name="Slide Image Placeholder 1"/>
+          <p:cNvSpPr>
+            <a:spLocks noGrp="1" noRot="1" noChangeAspect="1"/>
+          </p:cNvSpPr>
+          <p:nvPr>
+            <p:ph type="sldImg"/>
+          </p:nvPr>
+        </p:nvSpPr>
+        <p:spPr/>
+      </p:sp>
+      <p:sp>
+        <p:nvSpPr>
+          <p:cNvPr id="3" name="Notes Placeholder 2"/>
+          <p:cNvSpPr>
+            <a:spLocks noGrp="1"/>
+          </p:cNvSpPr>
+          <p:nvPr>
+            <p:ph type="body" idx="1"/>
+          </p:nvPr>
+        </p:nvSpPr>
+        <p:spPr/>
+        <p:txBody>
+          <a:bodyPr/>
+          <a:lstStyle/>
+          <a:p>
+            <a:r>
+              <a:rPr lang="en-US" dirty="0"/>
+              <a:t>You can run a workflow on any </a:t>
+            </a:r>
+            <a:r>
+              <a:rPr lang="en-US" dirty="0" err="1"/>
+              <a:t>github</a:t>
+            </a:r>
+            <a:r>
+              <a:rPr lang="en-US" dirty="0"/>
+              <a:t> event</a:t>
+            </a:r>
+          </a:p>
+          <a:p>
+            <a:pPr marL="171450" indent="-171450">
+              <a:buFontTx/>
+              <a:buChar char="-"/>
+            </a:pPr>
+            <a:r>
+              <a:rPr lang="en-US" dirty="0"/>
+              <a:t>Issue creation</a:t>
+            </a:r>
+          </a:p>
+          <a:p>
+            <a:pPr marL="171450" indent="-171450">
+              <a:buFontTx/>
+              <a:buChar char="-"/>
+            </a:pPr>
+            <a:r>
+              <a:rPr lang="en-US" dirty="0"/>
+              <a:t>Push</a:t>
+            </a:r>
+          </a:p>
+          <a:p>
+            <a:pPr marL="171450" indent="-171450">
+              <a:buFontTx/>
+              <a:buChar char="-"/>
+            </a:pPr>
+            <a:r>
+              <a:rPr lang="en-US" dirty="0"/>
+              <a:t>New release</a:t>
+            </a:r>
+          </a:p>
+          <a:p>
+            <a:pPr marL="171450" indent="-171450">
+              <a:buFontTx/>
+              <a:buChar char="-"/>
+            </a:pPr>
+            <a:r>
+              <a:rPr lang="en-US" dirty="0"/>
+              <a:t>Etc..</a:t>
+            </a:r>
+          </a:p>
+          <a:p>
+            <a:pPr marL="171450" indent="-171450">
+              <a:buFontTx/>
+              <a:buChar char="-"/>
+            </a:pPr>
+            <a:endParaRPr lang="en-US" dirty="0"/>
+          </a:p>
+          <a:p>
+            <a:pPr marL="171450" indent="-171450">
+              <a:buFontTx/>
+              <a:buChar char="-"/>
+            </a:pPr>
+            <a:r>
+              <a:rPr lang="en-US" dirty="0"/>
+              <a:t>Any Language</a:t>
+            </a:r>
+          </a:p>
+          <a:p>
+            <a:pPr marL="171450" indent="-171450">
+              <a:buFontTx/>
+              <a:buChar char="-"/>
+            </a:pPr>
+            <a:endParaRPr lang="en-US" dirty="0"/>
+          </a:p>
+          <a:p>
+            <a:endParaRPr lang="en-US" dirty="0"/>
+          </a:p>
+        </p:txBody>
+      </p:sp>
+      <p:sp>
+        <p:nvSpPr>
+          <p:cNvPr id="4" name="Slide Number Placeholder 3"/>
+          <p:cNvSpPr>
+            <a:spLocks noGrp="1"/>
+          </p:cNvSpPr>
+          <p:nvPr>
+            <p:ph type="sldNum" sz="quarter" idx="5"/>
+          </p:nvPr>
+        </p:nvSpPr>
+        <p:spPr/>
+        <p:txBody>
+          <a:bodyPr/>
+          <a:lstStyle/>
+          <a:p>
+            <a:fld id="{B8415318-9559-4C74-BDAD-E20CD3078992}" type="slidenum">
+              <a:rPr lang="en-US" smtClean="0"/>
+              <a:t>3</a:t>
+            </a:fld>
+            <a:endParaRPr lang="en-US"/>
+          </a:p>
+        </p:txBody>
+      </p:sp>
+    </p:spTree>
+    <p:extLst>
+      <p:ext uri="{BB962C8B-B14F-4D97-AF65-F5344CB8AC3E}">
+        <p14:creationId xmlns:p14="http://schemas.microsoft.com/office/powerpoint/2010/main" val="3794871240"/>
+      </p:ext>
+    </p:extLst>
+  </p:cSld>
+  <p:clrMapOvr>
+    <a:masterClrMapping/>
+  </p:clrMapOvr>
+</p:notes>
+</file>
+
+<file path=ppt/notesSlides/notesSlide3.xml><?xml version="1.0" encoding="utf-8"?>
+<p:notes xmlns:a="http://schemas.openxmlformats.org/drawingml/2006/main" xmlns:r="http://schemas.openxmlformats.org/officeDocument/2006/relationships" xmlns:p="http://schemas.openxmlformats.org/presentationml/2006/main">
+  <p:cSld>
+    <p:spTree>
+      <p:nvGrpSpPr>
+        <p:cNvPr id="1" name=""/>
+        <p:cNvGrpSpPr/>
+        <p:nvPr/>
+      </p:nvGrpSpPr>
+      <p:grpSpPr>
+        <a:xfrm>
+          <a:off x="0" y="0"/>
+          <a:ext cx="0" cy="0"/>
+          <a:chOff x="0" y="0"/>
+          <a:chExt cx="0" cy="0"/>
+        </a:xfrm>
+      </p:grpSpPr>
+      <p:sp>
+        <p:nvSpPr>
+          <p:cNvPr id="2" name="Slide Image Placeholder 1"/>
+          <p:cNvSpPr>
+            <a:spLocks noGrp="1" noRot="1" noChangeAspect="1"/>
+          </p:cNvSpPr>
+          <p:nvPr>
+            <p:ph type="sldImg"/>
+          </p:nvPr>
+        </p:nvSpPr>
+        <p:spPr/>
+      </p:sp>
+      <p:sp>
+        <p:nvSpPr>
+          <p:cNvPr id="3" name="Notes Placeholder 2"/>
+          <p:cNvSpPr>
+            <a:spLocks noGrp="1"/>
+          </p:cNvSpPr>
+          <p:nvPr>
+            <p:ph type="body" idx="1"/>
+          </p:nvPr>
+        </p:nvSpPr>
+        <p:spPr/>
+        <p:txBody>
+          <a:bodyPr/>
+          <a:lstStyle/>
+          <a:p>
+            <a:r>
+              <a:rPr lang="en-US" dirty="0"/>
+              <a:t>It is already installed!</a:t>
+            </a:r>
+          </a:p>
+          <a:p>
+            <a:endParaRPr lang="en-US" dirty="0"/>
+          </a:p>
+          <a:p>
+            <a:r>
+              <a:rPr lang="en-US" dirty="0"/>
+              <a:t>Click the Actions…</a:t>
+            </a:r>
+          </a:p>
+          <a:p>
+            <a:endParaRPr lang="en-US" dirty="0"/>
+          </a:p>
+          <a:p>
+            <a:r>
+              <a:rPr lang="en-US" dirty="0"/>
+              <a:t>Show this on a repo….</a:t>
+            </a:r>
+          </a:p>
+          <a:p>
+            <a:endParaRPr lang="en-US" dirty="0"/>
+          </a:p>
+          <a:p>
+            <a:endParaRPr lang="en-US" dirty="0"/>
+          </a:p>
+        </p:txBody>
+      </p:sp>
+      <p:sp>
+        <p:nvSpPr>
+          <p:cNvPr id="4" name="Slide Number Placeholder 3"/>
+          <p:cNvSpPr>
+            <a:spLocks noGrp="1"/>
+          </p:cNvSpPr>
+          <p:nvPr>
+            <p:ph type="sldNum" sz="quarter" idx="5"/>
+          </p:nvPr>
+        </p:nvSpPr>
+        <p:spPr/>
+        <p:txBody>
+          <a:bodyPr/>
+          <a:lstStyle/>
+          <a:p>
+            <a:fld id="{B8415318-9559-4C74-BDAD-E20CD3078992}" type="slidenum">
+              <a:rPr lang="en-US" smtClean="0"/>
+              <a:t>4</a:t>
+            </a:fld>
+            <a:endParaRPr lang="en-US"/>
+          </a:p>
+        </p:txBody>
+      </p:sp>
+    </p:spTree>
+    <p:extLst>
+      <p:ext uri="{BB962C8B-B14F-4D97-AF65-F5344CB8AC3E}">
+        <p14:creationId xmlns:p14="http://schemas.microsoft.com/office/powerpoint/2010/main" val="446011803"/>
+      </p:ext>
+    </p:extLst>
+  </p:cSld>
+  <p:clrMapOvr>
+    <a:masterClrMapping/>
+  </p:clrMapOvr>
+</p:notes>
 </file>
 
 <file path=ppt/slideLayouts/slideLayout1.xml><?xml version="1.0" encoding="utf-8"?>
@@ -484,7 +4049,7 @@
           <a:p>
             <a:fld id="{3CADBD16-5BFB-4D9F-9646-C75D1B53BBB6}" type="datetimeFigureOut">
               <a:rPr lang="en-US" smtClean="0"/>
-              <a:t>5/6/2023</a:t>
+              <a:t>5/9/2023</a:t>
             </a:fld>
             <a:endParaRPr lang="en-US"/>
           </a:p>
@@ -725,7 +4290,7 @@
           <a:p>
             <a:fld id="{3CADBD16-5BFB-4D9F-9646-C75D1B53BBB6}" type="datetimeFigureOut">
               <a:rPr lang="en-US" smtClean="0"/>
-              <a:t>5/6/2023</a:t>
+              <a:t>5/9/2023</a:t>
             </a:fld>
             <a:endParaRPr lang="en-US"/>
           </a:p>
@@ -933,7 +4498,7 @@
           <a:p>
             <a:fld id="{3CADBD16-5BFB-4D9F-9646-C75D1B53BBB6}" type="datetimeFigureOut">
               <a:rPr lang="en-US" smtClean="0"/>
-              <a:t>5/6/2023</a:t>
+              <a:t>5/9/2023</a:t>
             </a:fld>
             <a:endParaRPr lang="en-US"/>
           </a:p>
@@ -1131,7 +4696,7 @@
           <a:p>
             <a:fld id="{3CADBD16-5BFB-4D9F-9646-C75D1B53BBB6}" type="datetimeFigureOut">
               <a:rPr lang="en-US" smtClean="0"/>
-              <a:t>5/6/2023</a:t>
+              <a:t>5/9/2023</a:t>
             </a:fld>
             <a:endParaRPr lang="en-US"/>
           </a:p>
@@ -1408,7 +4973,7 @@
           <a:p>
             <a:fld id="{3CADBD16-5BFB-4D9F-9646-C75D1B53BBB6}" type="datetimeFigureOut">
               <a:rPr lang="en-US" smtClean="0"/>
-              <a:t>5/6/2023</a:t>
+              <a:t>5/9/2023</a:t>
             </a:fld>
             <a:endParaRPr lang="en-US"/>
           </a:p>
@@ -1673,7 +5238,7 @@
           <a:p>
             <a:fld id="{3CADBD16-5BFB-4D9F-9646-C75D1B53BBB6}" type="datetimeFigureOut">
               <a:rPr lang="en-US" smtClean="0"/>
-              <a:t>5/6/2023</a:t>
+              <a:t>5/9/2023</a:t>
             </a:fld>
             <a:endParaRPr lang="en-US"/>
           </a:p>
@@ -2089,7 +5654,7 @@
           <a:p>
             <a:fld id="{3CADBD16-5BFB-4D9F-9646-C75D1B53BBB6}" type="datetimeFigureOut">
               <a:rPr lang="en-US" smtClean="0"/>
-              <a:t>5/6/2023</a:t>
+              <a:t>5/9/2023</a:t>
             </a:fld>
             <a:endParaRPr lang="en-US"/>
           </a:p>
@@ -2239,7 +5804,7 @@
           <a:p>
             <a:fld id="{3CADBD16-5BFB-4D9F-9646-C75D1B53BBB6}" type="datetimeFigureOut">
               <a:rPr lang="en-US" smtClean="0"/>
-              <a:t>5/6/2023</a:t>
+              <a:t>5/9/2023</a:t>
             </a:fld>
             <a:endParaRPr lang="en-US"/>
           </a:p>
@@ -2352,7 +5917,7 @@
           <a:p>
             <a:fld id="{3CADBD16-5BFB-4D9F-9646-C75D1B53BBB6}" type="datetimeFigureOut">
               <a:rPr lang="en-US" smtClean="0"/>
-              <a:t>5/6/2023</a:t>
+              <a:t>5/9/2023</a:t>
             </a:fld>
             <a:endParaRPr lang="en-US"/>
           </a:p>
@@ -2668,7 +6233,7 @@
           <a:p>
             <a:fld id="{3CADBD16-5BFB-4D9F-9646-C75D1B53BBB6}" type="datetimeFigureOut">
               <a:rPr lang="en-US" smtClean="0"/>
-              <a:t>5/6/2023</a:t>
+              <a:t>5/9/2023</a:t>
             </a:fld>
             <a:endParaRPr lang="en-US"/>
           </a:p>
@@ -2919,7 +6484,7 @@
           <a:p>
             <a:fld id="{3CADBD16-5BFB-4D9F-9646-C75D1B53BBB6}" type="datetimeFigureOut">
               <a:rPr lang="en-US" smtClean="0"/>
-              <a:t>5/6/2023</a:t>
+              <a:t>5/9/2023</a:t>
             </a:fld>
             <a:endParaRPr lang="en-US"/>
           </a:p>
@@ -3428,7 +6993,7 @@
             <a:fld id="{3CADBD16-5BFB-4D9F-9646-C75D1B53BBB6}" type="datetimeFigureOut">
               <a:rPr lang="en-US" smtClean="0"/>
               <a:pPr/>
-              <a:t>5/6/2023</a:t>
+              <a:t>5/9/2023</a:t>
             </a:fld>
             <a:endParaRPr lang="en-US" dirty="0"/>
           </a:p>
@@ -3852,10 +7417,10 @@
       </p:grpSpPr>
       <p:sp useBgFill="1">
         <p:nvSpPr>
-          <p:cNvPr id="35" name="Rectangle 34">
-            <a:extLst>
-              <a:ext uri="{FF2B5EF4-FFF2-40B4-BE49-F238E27FC236}">
-                <a16:creationId xmlns:a16="http://schemas.microsoft.com/office/drawing/2014/main" id="{6D1F4DC3-EDAB-401A-BD21-33D25AB5FD4B}"/>
+          <p:cNvPr id="55" name="Rectangle 48">
+            <a:extLst>
+              <a:ext uri="{FF2B5EF4-FFF2-40B4-BE49-F238E27FC236}">
+                <a16:creationId xmlns:a16="http://schemas.microsoft.com/office/drawing/2014/main" id="{C3B0A228-9EA3-4009-A82E-9402BBC726A0}"/>
               </a:ext>
               <a:ext uri="{C183D7F6-B498-43B3-948B-1728B52AA6E4}">
                 <adec:decorative xmlns:adec="http://schemas.microsoft.com/office/drawing/2017/decorative" val="1"/>
@@ -3926,6 +7491,78 @@
           </a:p>
         </p:txBody>
       </p:sp>
+      <p:sp>
+        <p:nvSpPr>
+          <p:cNvPr id="2" name="Title 1">
+            <a:extLst>
+              <a:ext uri="{FF2B5EF4-FFF2-40B4-BE49-F238E27FC236}">
+                <a16:creationId xmlns:a16="http://schemas.microsoft.com/office/drawing/2014/main" id="{581860CC-17F0-0903-F4A8-DC8061CEC54D}"/>
+              </a:ext>
+            </a:extLst>
+          </p:cNvPr>
+          <p:cNvSpPr>
+            <a:spLocks noGrp="1"/>
+          </p:cNvSpPr>
+          <p:nvPr>
+            <p:ph type="ctrTitle"/>
+          </p:nvPr>
+        </p:nvSpPr>
+        <p:spPr>
+          <a:xfrm>
+            <a:off x="1143001" y="1181101"/>
+            <a:ext cx="4953000" cy="2481974"/>
+          </a:xfrm>
+        </p:spPr>
+        <p:txBody>
+          <a:bodyPr>
+            <a:normAutofit/>
+          </a:bodyPr>
+          <a:lstStyle/>
+          <a:p>
+            <a:pPr>
+              <a:lnSpc>
+                <a:spcPct val="90000"/>
+              </a:lnSpc>
+            </a:pPr>
+            <a:r>
+              <a:rPr lang="en-US" sz="4100"/>
+              <a:t>Getting Started with GitHub Actions</a:t>
+            </a:r>
+          </a:p>
+        </p:txBody>
+      </p:sp>
+      <p:sp>
+        <p:nvSpPr>
+          <p:cNvPr id="3" name="Subtitle 2">
+            <a:extLst>
+              <a:ext uri="{FF2B5EF4-FFF2-40B4-BE49-F238E27FC236}">
+                <a16:creationId xmlns:a16="http://schemas.microsoft.com/office/drawing/2014/main" id="{64E78011-366F-5481-85AC-329EED43DEB3}"/>
+              </a:ext>
+            </a:extLst>
+          </p:cNvPr>
+          <p:cNvSpPr>
+            <a:spLocks noGrp="1"/>
+          </p:cNvSpPr>
+          <p:nvPr>
+            <p:ph type="subTitle" idx="1"/>
+          </p:nvPr>
+        </p:nvSpPr>
+        <p:spPr>
+          <a:xfrm>
+            <a:off x="1143001" y="4360719"/>
+            <a:ext cx="2679356" cy="1465118"/>
+          </a:xfrm>
+        </p:spPr>
+        <p:txBody>
+          <a:bodyPr anchor="b">
+            <a:normAutofit/>
+          </a:bodyPr>
+          <a:lstStyle/>
+          <a:p>
+            <a:endParaRPr lang="en-US"/>
+          </a:p>
+        </p:txBody>
+      </p:sp>
       <p:pic>
         <p:nvPicPr>
           <p:cNvPr id="29" name="Picture 3" descr="Background pattern, scatter chart&#10;&#10;Description automatically generated">
@@ -3942,13 +7579,1648 @@
         </p:nvPicPr>
         <p:blipFill rotWithShape="1">
           <a:blip r:embed="rId2"/>
-          <a:srcRect t="5828" b="9903"/>
+          <a:srcRect l="4148" r="7291" b="-1"/>
           <a:stretch/>
         </p:blipFill>
         <p:spPr>
           <a:xfrm>
-            <a:off x="-1" y="10"/>
-            <a:ext cx="12192002" cy="6857989"/>
+            <a:off x="3093268" y="10"/>
+            <a:ext cx="9098732" cy="6857990"/>
+          </a:xfrm>
+          <a:custGeom>
+            <a:avLst/>
+            <a:gdLst/>
+            <a:ahLst/>
+            <a:cxnLst/>
+            <a:rect l="l" t="t" r="r" b="b"/>
+            <a:pathLst>
+              <a:path w="9098732" h="6858000">
+                <a:moveTo>
+                  <a:pt x="6010592" y="0"/>
+                </a:moveTo>
+                <a:lnTo>
+                  <a:pt x="8235629" y="4"/>
+                </a:lnTo>
+                <a:cubicBezTo>
+                  <a:pt x="8235629" y="3"/>
+                  <a:pt x="8235630" y="3"/>
+                  <a:pt x="8235630" y="2"/>
+                </a:cubicBezTo>
+                <a:lnTo>
+                  <a:pt x="9098732" y="0"/>
+                </a:lnTo>
+                <a:lnTo>
+                  <a:pt x="9098732" y="6858000"/>
+                </a:lnTo>
+                <a:lnTo>
+                  <a:pt x="0" y="6858000"/>
+                </a:lnTo>
+                <a:lnTo>
+                  <a:pt x="6010589" y="4"/>
+                </a:lnTo>
+                <a:cubicBezTo>
+                  <a:pt x="6010589" y="3"/>
+                  <a:pt x="6010590" y="3"/>
+                  <a:pt x="6010590" y="2"/>
+                </a:cubicBezTo>
+                <a:close/>
+              </a:path>
+            </a:pathLst>
+          </a:custGeom>
+        </p:spPr>
+      </p:pic>
+      <p:sp>
+        <p:nvSpPr>
+          <p:cNvPr id="56" name="Freeform: Shape 50">
+            <a:extLst>
+              <a:ext uri="{FF2B5EF4-FFF2-40B4-BE49-F238E27FC236}">
+                <a16:creationId xmlns:a16="http://schemas.microsoft.com/office/drawing/2014/main" id="{02E0C409-730D-455F-AA8F-0646ABDB1B42}"/>
+              </a:ext>
+              <a:ext uri="{C183D7F6-B498-43B3-948B-1728B52AA6E4}">
+                <adec:decorative xmlns:adec="http://schemas.microsoft.com/office/drawing/2017/decorative" val="1"/>
+              </a:ext>
+            </a:extLst>
+          </p:cNvPr>
+          <p:cNvSpPr>
+            <a:spLocks noGrp="1" noRot="1" noChangeAspect="1" noMove="1" noResize="1" noEditPoints="1" noAdjustHandles="1" noChangeArrowheads="1" noChangeShapeType="1" noTextEdit="1"/>
+          </p:cNvSpPr>
+          <p:nvPr>
+            <p:extLst>
+              <p:ext uri="{386F3935-93C4-4BCD-93E2-E3B085C9AB24}">
+                <p16:designElem xmlns:p16="http://schemas.microsoft.com/office/powerpoint/2015/main" val="1"/>
+              </p:ext>
+            </p:extLst>
+          </p:nvPr>
+        </p:nvSpPr>
+        <p:spPr>
+          <a:xfrm>
+            <a:off x="3088973" y="0"/>
+            <a:ext cx="8239927" cy="6858000"/>
+          </a:xfrm>
+          <a:custGeom>
+            <a:avLst/>
+            <a:gdLst>
+              <a:gd name="connsiteX0" fmla="*/ 6010593 w 8239927"/>
+              <a:gd name="connsiteY0" fmla="*/ 0 h 6858000"/>
+              <a:gd name="connsiteX1" fmla="*/ 8239927 w 8239927"/>
+              <a:gd name="connsiteY1" fmla="*/ 0 h 6858000"/>
+              <a:gd name="connsiteX2" fmla="*/ 2229335 w 8239927"/>
+              <a:gd name="connsiteY2" fmla="*/ 6858000 h 6858000"/>
+              <a:gd name="connsiteX3" fmla="*/ 0 w 8239927"/>
+              <a:gd name="connsiteY3" fmla="*/ 6858000 h 6858000"/>
+            </a:gdLst>
+            <a:ahLst/>
+            <a:cxnLst>
+              <a:cxn ang="0">
+                <a:pos x="connsiteX0" y="connsiteY0"/>
+              </a:cxn>
+              <a:cxn ang="0">
+                <a:pos x="connsiteX1" y="connsiteY1"/>
+              </a:cxn>
+              <a:cxn ang="0">
+                <a:pos x="connsiteX2" y="connsiteY2"/>
+              </a:cxn>
+              <a:cxn ang="0">
+                <a:pos x="connsiteX3" y="connsiteY3"/>
+              </a:cxn>
+            </a:cxnLst>
+            <a:rect l="l" t="t" r="r" b="b"/>
+            <a:pathLst>
+              <a:path w="8239927" h="6858000">
+                <a:moveTo>
+                  <a:pt x="6010593" y="0"/>
+                </a:moveTo>
+                <a:lnTo>
+                  <a:pt x="8239927" y="0"/>
+                </a:lnTo>
+                <a:lnTo>
+                  <a:pt x="2229335" y="6858000"/>
+                </a:lnTo>
+                <a:lnTo>
+                  <a:pt x="0" y="6858000"/>
+                </a:lnTo>
+                <a:close/>
+              </a:path>
+            </a:pathLst>
+          </a:custGeom>
+          <a:solidFill>
+            <a:schemeClr val="bg2">
+              <a:alpha val="60000"/>
+            </a:schemeClr>
+          </a:solidFill>
+          <a:ln w="12700" cap="flat" cmpd="sng" algn="ctr">
+            <a:noFill/>
+            <a:prstDash val="solid"/>
+            <a:miter lim="800000"/>
+          </a:ln>
+          <a:effectLst/>
+        </p:spPr>
+        <p:style>
+          <a:lnRef idx="2">
+            <a:schemeClr val="accent1">
+              <a:shade val="50000"/>
+            </a:schemeClr>
+          </a:lnRef>
+          <a:fillRef idx="1">
+            <a:schemeClr val="accent1"/>
+          </a:fillRef>
+          <a:effectRef idx="0">
+            <a:schemeClr val="accent1"/>
+          </a:effectRef>
+          <a:fontRef idx="minor">
+            <a:schemeClr val="lt1"/>
+          </a:fontRef>
+        </p:style>
+        <p:txBody>
+          <a:bodyPr rtlCol="0" anchor="ctr"/>
+          <a:lstStyle/>
+          <a:p>
+            <a:pPr algn="ctr"/>
+            <a:endParaRPr lang="en-US"/>
+          </a:p>
+        </p:txBody>
+      </p:sp>
+    </p:spTree>
+    <p:extLst>
+      <p:ext uri="{BB962C8B-B14F-4D97-AF65-F5344CB8AC3E}">
+        <p14:creationId xmlns:p14="http://schemas.microsoft.com/office/powerpoint/2010/main" val="2757586524"/>
+      </p:ext>
+    </p:extLst>
+  </p:cSld>
+  <p:clrMapOvr>
+    <a:masterClrMapping/>
+  </p:clrMapOvr>
+  <p:timing>
+    <p:tnLst>
+      <p:par>
+        <p:cTn id="1" dur="indefinite" restart="never" nodeType="tmRoot">
+          <p:childTnLst>
+            <p:seq concurrent="1" nextAc="seek">
+              <p:cTn id="2" dur="indefinite" nodeType="mainSeq">
+                <p:childTnLst>
+                  <p:par>
+                    <p:cTn id="3" fill="hold">
+                      <p:stCondLst>
+                        <p:cond delay="indefinite"/>
+                        <p:cond evt="onBegin" delay="0">
+                          <p:tn val="2"/>
+                        </p:cond>
+                      </p:stCondLst>
+                      <p:childTnLst>
+                        <p:par>
+                          <p:cTn id="4" fill="hold">
+                            <p:stCondLst>
+                              <p:cond delay="0"/>
+                            </p:stCondLst>
+                            <p:childTnLst>
+                              <p:par>
+                                <p:cTn id="5" presetID="10" presetClass="entr" presetSubtype="0" fill="hold" grpId="0" nodeType="withEffect">
+                                  <p:stCondLst>
+                                    <p:cond delay="1000"/>
+                                  </p:stCondLst>
+                                  <p:iterate>
+                                    <p:tmPct val="10000"/>
+                                  </p:iterate>
+                                  <p:childTnLst>
+                                    <p:set>
+                                      <p:cBhvr>
+                                        <p:cTn id="6" dur="1" fill="hold">
+                                          <p:stCondLst>
+                                            <p:cond delay="0"/>
+                                          </p:stCondLst>
+                                        </p:cTn>
+                                        <p:tgtEl>
+                                          <p:spTgt spid="2"/>
+                                        </p:tgtEl>
+                                        <p:attrNameLst>
+                                          <p:attrName>style.visibility</p:attrName>
+                                        </p:attrNameLst>
+                                      </p:cBhvr>
+                                      <p:to>
+                                        <p:strVal val="visible"/>
+                                      </p:to>
+                                    </p:set>
+                                    <p:animEffect transition="in" filter="fade">
+                                      <p:cBhvr>
+                                        <p:cTn id="7" dur="700"/>
+                                        <p:tgtEl>
+                                          <p:spTgt spid="2"/>
+                                        </p:tgtEl>
+                                      </p:cBhvr>
+                                    </p:animEffect>
+                                  </p:childTnLst>
+                                </p:cTn>
+                              </p:par>
+                            </p:childTnLst>
+                          </p:cTn>
+                        </p:par>
+                      </p:childTnLst>
+                    </p:cTn>
+                  </p:par>
+                </p:childTnLst>
+              </p:cTn>
+              <p:prevCondLst>
+                <p:cond evt="onPrev" delay="0">
+                  <p:tgtEl>
+                    <p:sldTgt/>
+                  </p:tgtEl>
+                </p:cond>
+              </p:prevCondLst>
+              <p:nextCondLst>
+                <p:cond evt="onNext" delay="0">
+                  <p:tgtEl>
+                    <p:sldTgt/>
+                  </p:tgtEl>
+                </p:cond>
+              </p:nextCondLst>
+            </p:seq>
+          </p:childTnLst>
+        </p:cTn>
+      </p:par>
+    </p:tnLst>
+    <p:bldLst>
+      <p:bldP spid="2" grpId="0"/>
+    </p:bldLst>
+  </p:timing>
+</p:sld>
+</file>
+
+<file path=ppt/slides/slide10.xml><?xml version="1.0" encoding="utf-8"?>
+<p:sld xmlns:a="http://schemas.openxmlformats.org/drawingml/2006/main" xmlns:r="http://schemas.openxmlformats.org/officeDocument/2006/relationships" xmlns:p="http://schemas.openxmlformats.org/presentationml/2006/main">
+  <p:cSld>
+    <p:spTree>
+      <p:nvGrpSpPr>
+        <p:cNvPr id="1" name=""/>
+        <p:cNvGrpSpPr/>
+        <p:nvPr/>
+      </p:nvGrpSpPr>
+      <p:grpSpPr>
+        <a:xfrm>
+          <a:off x="0" y="0"/>
+          <a:ext cx="0" cy="0"/>
+          <a:chOff x="0" y="0"/>
+          <a:chExt cx="0" cy="0"/>
+        </a:xfrm>
+      </p:grpSpPr>
+      <p:sp>
+        <p:nvSpPr>
+          <p:cNvPr id="2" name="Title 1">
+            <a:extLst>
+              <a:ext uri="{FF2B5EF4-FFF2-40B4-BE49-F238E27FC236}">
+                <a16:creationId xmlns:a16="http://schemas.microsoft.com/office/drawing/2014/main" id="{553E13A8-D00F-18B7-8130-5BBDE9CD098E}"/>
+              </a:ext>
+            </a:extLst>
+          </p:cNvPr>
+          <p:cNvSpPr>
+            <a:spLocks noGrp="1"/>
+          </p:cNvSpPr>
+          <p:nvPr>
+            <p:ph type="title"/>
+          </p:nvPr>
+        </p:nvSpPr>
+        <p:spPr/>
+        <p:txBody>
+          <a:bodyPr>
+            <a:normAutofit/>
+          </a:bodyPr>
+          <a:lstStyle/>
+          <a:p>
+            <a:r>
+              <a:rPr lang="en-US" b="0" i="0" dirty="0">
+                <a:solidFill>
+                  <a:srgbClr val="374151"/>
+                </a:solidFill>
+                <a:effectLst/>
+                <a:latin typeface="Söhne"/>
+              </a:rPr>
+              <a:t>B. Triggering workflows automatically</a:t>
+            </a:r>
+            <a:br>
+              <a:rPr lang="en-US" b="0" i="0" dirty="0">
+                <a:solidFill>
+                  <a:srgbClr val="374151"/>
+                </a:solidFill>
+                <a:effectLst/>
+                <a:latin typeface="Söhne"/>
+              </a:rPr>
+            </a:br>
+            <a:endParaRPr lang="en-US" dirty="0"/>
+          </a:p>
+        </p:txBody>
+      </p:sp>
+      <p:sp>
+        <p:nvSpPr>
+          <p:cNvPr id="3" name="Content Placeholder 2">
+            <a:extLst>
+              <a:ext uri="{FF2B5EF4-FFF2-40B4-BE49-F238E27FC236}">
+                <a16:creationId xmlns:a16="http://schemas.microsoft.com/office/drawing/2014/main" id="{A004B485-F917-4B4B-C8A8-E7C3D86F4C93}"/>
+              </a:ext>
+            </a:extLst>
+          </p:cNvPr>
+          <p:cNvSpPr>
+            <a:spLocks noGrp="1"/>
+          </p:cNvSpPr>
+          <p:nvPr>
+            <p:ph idx="1"/>
+          </p:nvPr>
+        </p:nvSpPr>
+        <p:spPr/>
+        <p:txBody>
+          <a:bodyPr/>
+          <a:lstStyle/>
+          <a:p>
+            <a:endParaRPr lang="en-US"/>
+          </a:p>
+        </p:txBody>
+      </p:sp>
+    </p:spTree>
+    <p:extLst>
+      <p:ext uri="{BB962C8B-B14F-4D97-AF65-F5344CB8AC3E}">
+        <p14:creationId xmlns:p14="http://schemas.microsoft.com/office/powerpoint/2010/main" val="4061049267"/>
+      </p:ext>
+    </p:extLst>
+  </p:cSld>
+  <p:clrMapOvr>
+    <a:masterClrMapping/>
+  </p:clrMapOvr>
+</p:sld>
+</file>
+
+<file path=ppt/slides/slide11.xml><?xml version="1.0" encoding="utf-8"?>
+<p:sld xmlns:a="http://schemas.openxmlformats.org/drawingml/2006/main" xmlns:r="http://schemas.openxmlformats.org/officeDocument/2006/relationships" xmlns:p="http://schemas.openxmlformats.org/presentationml/2006/main">
+  <p:cSld>
+    <p:spTree>
+      <p:nvGrpSpPr>
+        <p:cNvPr id="1" name=""/>
+        <p:cNvGrpSpPr/>
+        <p:nvPr/>
+      </p:nvGrpSpPr>
+      <p:grpSpPr>
+        <a:xfrm>
+          <a:off x="0" y="0"/>
+          <a:ext cx="0" cy="0"/>
+          <a:chOff x="0" y="0"/>
+          <a:chExt cx="0" cy="0"/>
+        </a:xfrm>
+      </p:grpSpPr>
+      <p:sp>
+        <p:nvSpPr>
+          <p:cNvPr id="2" name="Title 1">
+            <a:extLst>
+              <a:ext uri="{FF2B5EF4-FFF2-40B4-BE49-F238E27FC236}">
+                <a16:creationId xmlns:a16="http://schemas.microsoft.com/office/drawing/2014/main" id="{64723E9D-93C4-142C-5491-CA85C125C082}"/>
+              </a:ext>
+            </a:extLst>
+          </p:cNvPr>
+          <p:cNvSpPr>
+            <a:spLocks noGrp="1"/>
+          </p:cNvSpPr>
+          <p:nvPr>
+            <p:ph type="title"/>
+          </p:nvPr>
+        </p:nvSpPr>
+        <p:spPr/>
+        <p:txBody>
+          <a:bodyPr/>
+          <a:lstStyle/>
+          <a:p>
+            <a:r>
+              <a:rPr lang="en-US" b="0" i="0" dirty="0">
+                <a:solidFill>
+                  <a:srgbClr val="374151"/>
+                </a:solidFill>
+                <a:effectLst/>
+                <a:latin typeface="Söhne"/>
+              </a:rPr>
+              <a:t>C. Running workflows locally</a:t>
+            </a:r>
+            <a:endParaRPr lang="en-US" dirty="0"/>
+          </a:p>
+        </p:txBody>
+      </p:sp>
+      <p:sp>
+        <p:nvSpPr>
+          <p:cNvPr id="3" name="Content Placeholder 2">
+            <a:extLst>
+              <a:ext uri="{FF2B5EF4-FFF2-40B4-BE49-F238E27FC236}">
+                <a16:creationId xmlns:a16="http://schemas.microsoft.com/office/drawing/2014/main" id="{AE3A3F16-4D15-8482-9BAA-4F7F2CCAC98C}"/>
+              </a:ext>
+            </a:extLst>
+          </p:cNvPr>
+          <p:cNvSpPr>
+            <a:spLocks noGrp="1"/>
+          </p:cNvSpPr>
+          <p:nvPr>
+            <p:ph idx="1"/>
+          </p:nvPr>
+        </p:nvSpPr>
+        <p:spPr/>
+        <p:txBody>
+          <a:bodyPr/>
+          <a:lstStyle/>
+          <a:p>
+            <a:endParaRPr lang="en-US"/>
+          </a:p>
+        </p:txBody>
+      </p:sp>
+    </p:spTree>
+    <p:extLst>
+      <p:ext uri="{BB962C8B-B14F-4D97-AF65-F5344CB8AC3E}">
+        <p14:creationId xmlns:p14="http://schemas.microsoft.com/office/powerpoint/2010/main" val="1019749731"/>
+      </p:ext>
+    </p:extLst>
+  </p:cSld>
+  <p:clrMapOvr>
+    <a:masterClrMapping/>
+  </p:clrMapOvr>
+</p:sld>
+</file>
+
+<file path=ppt/slides/slide12.xml><?xml version="1.0" encoding="utf-8"?>
+<p:sld xmlns:a="http://schemas.openxmlformats.org/drawingml/2006/main" xmlns:r="http://schemas.openxmlformats.org/officeDocument/2006/relationships" xmlns:p="http://schemas.openxmlformats.org/presentationml/2006/main">
+  <p:cSld>
+    <p:spTree>
+      <p:nvGrpSpPr>
+        <p:cNvPr id="1" name=""/>
+        <p:cNvGrpSpPr/>
+        <p:nvPr/>
+      </p:nvGrpSpPr>
+      <p:grpSpPr>
+        <a:xfrm>
+          <a:off x="0" y="0"/>
+          <a:ext cx="0" cy="0"/>
+          <a:chOff x="0" y="0"/>
+          <a:chExt cx="0" cy="0"/>
+        </a:xfrm>
+      </p:grpSpPr>
+      <p:sp>
+        <p:nvSpPr>
+          <p:cNvPr id="2" name="Title 1">
+            <a:extLst>
+              <a:ext uri="{FF2B5EF4-FFF2-40B4-BE49-F238E27FC236}">
+                <a16:creationId xmlns:a16="http://schemas.microsoft.com/office/drawing/2014/main" id="{CF88086E-B515-7286-E9B9-C0D9363613D5}"/>
+              </a:ext>
+            </a:extLst>
+          </p:cNvPr>
+          <p:cNvSpPr>
+            <a:spLocks noGrp="1"/>
+          </p:cNvSpPr>
+          <p:nvPr>
+            <p:ph type="title"/>
+          </p:nvPr>
+        </p:nvSpPr>
+        <p:spPr/>
+        <p:txBody>
+          <a:bodyPr/>
+          <a:lstStyle/>
+          <a:p>
+            <a:r>
+              <a:rPr lang="en-US" b="0" i="0" dirty="0">
+                <a:solidFill>
+                  <a:srgbClr val="374151"/>
+                </a:solidFill>
+                <a:effectLst/>
+                <a:latin typeface="Söhne"/>
+              </a:rPr>
+              <a:t>D. Viewing workflow results</a:t>
+            </a:r>
+            <a:endParaRPr lang="en-US" dirty="0"/>
+          </a:p>
+        </p:txBody>
+      </p:sp>
+      <p:sp>
+        <p:nvSpPr>
+          <p:cNvPr id="3" name="Content Placeholder 2">
+            <a:extLst>
+              <a:ext uri="{FF2B5EF4-FFF2-40B4-BE49-F238E27FC236}">
+                <a16:creationId xmlns:a16="http://schemas.microsoft.com/office/drawing/2014/main" id="{B1B0658D-EE97-190B-14DC-A9FF74904B89}"/>
+              </a:ext>
+            </a:extLst>
+          </p:cNvPr>
+          <p:cNvSpPr>
+            <a:spLocks noGrp="1"/>
+          </p:cNvSpPr>
+          <p:nvPr>
+            <p:ph idx="1"/>
+          </p:nvPr>
+        </p:nvSpPr>
+        <p:spPr/>
+        <p:txBody>
+          <a:bodyPr/>
+          <a:lstStyle/>
+          <a:p>
+            <a:endParaRPr lang="en-US"/>
+          </a:p>
+        </p:txBody>
+      </p:sp>
+    </p:spTree>
+    <p:extLst>
+      <p:ext uri="{BB962C8B-B14F-4D97-AF65-F5344CB8AC3E}">
+        <p14:creationId xmlns:p14="http://schemas.microsoft.com/office/powerpoint/2010/main" val="4086119069"/>
+      </p:ext>
+    </p:extLst>
+  </p:cSld>
+  <p:clrMapOvr>
+    <a:masterClrMapping/>
+  </p:clrMapOvr>
+</p:sld>
+</file>
+
+<file path=ppt/slides/slide13.xml><?xml version="1.0" encoding="utf-8"?>
+<p:sld xmlns:a="http://schemas.openxmlformats.org/drawingml/2006/main" xmlns:r="http://schemas.openxmlformats.org/officeDocument/2006/relationships" xmlns:p="http://schemas.openxmlformats.org/presentationml/2006/main">
+  <p:cSld>
+    <p:spTree>
+      <p:nvGrpSpPr>
+        <p:cNvPr id="1" name=""/>
+        <p:cNvGrpSpPr/>
+        <p:nvPr/>
+      </p:nvGrpSpPr>
+      <p:grpSpPr>
+        <a:xfrm>
+          <a:off x="0" y="0"/>
+          <a:ext cx="0" cy="0"/>
+          <a:chOff x="0" y="0"/>
+          <a:chExt cx="0" cy="0"/>
+        </a:xfrm>
+      </p:grpSpPr>
+      <p:sp>
+        <p:nvSpPr>
+          <p:cNvPr id="2" name="Title 1">
+            <a:extLst>
+              <a:ext uri="{FF2B5EF4-FFF2-40B4-BE49-F238E27FC236}">
+                <a16:creationId xmlns:a16="http://schemas.microsoft.com/office/drawing/2014/main" id="{E271EF7E-2A2B-8376-54CB-AFB871DF12E3}"/>
+              </a:ext>
+            </a:extLst>
+          </p:cNvPr>
+          <p:cNvSpPr>
+            <a:spLocks noGrp="1"/>
+          </p:cNvSpPr>
+          <p:nvPr>
+            <p:ph type="title"/>
+          </p:nvPr>
+        </p:nvSpPr>
+        <p:spPr/>
+        <p:txBody>
+          <a:bodyPr>
+            <a:normAutofit/>
+          </a:bodyPr>
+          <a:lstStyle/>
+          <a:p>
+            <a:r>
+              <a:rPr lang="en-US" b="0" i="0" dirty="0">
+                <a:solidFill>
+                  <a:srgbClr val="374151"/>
+                </a:solidFill>
+                <a:effectLst/>
+                <a:latin typeface="Söhne"/>
+              </a:rPr>
+              <a:t>IV. Customizing GitHub Actions workflows A. Using actions from the GitHub Marketplace</a:t>
+            </a:r>
+            <a:endParaRPr lang="en-US" dirty="0"/>
+          </a:p>
+        </p:txBody>
+      </p:sp>
+      <p:sp>
+        <p:nvSpPr>
+          <p:cNvPr id="3" name="Content Placeholder 2">
+            <a:extLst>
+              <a:ext uri="{FF2B5EF4-FFF2-40B4-BE49-F238E27FC236}">
+                <a16:creationId xmlns:a16="http://schemas.microsoft.com/office/drawing/2014/main" id="{D3C9722D-8EBA-80DE-1818-9743C5819BAE}"/>
+              </a:ext>
+            </a:extLst>
+          </p:cNvPr>
+          <p:cNvSpPr>
+            <a:spLocks noGrp="1"/>
+          </p:cNvSpPr>
+          <p:nvPr>
+            <p:ph idx="1"/>
+          </p:nvPr>
+        </p:nvSpPr>
+        <p:spPr/>
+        <p:txBody>
+          <a:bodyPr/>
+          <a:lstStyle/>
+          <a:p>
+            <a:endParaRPr lang="en-US"/>
+          </a:p>
+        </p:txBody>
+      </p:sp>
+    </p:spTree>
+    <p:extLst>
+      <p:ext uri="{BB962C8B-B14F-4D97-AF65-F5344CB8AC3E}">
+        <p14:creationId xmlns:p14="http://schemas.microsoft.com/office/powerpoint/2010/main" val="89828297"/>
+      </p:ext>
+    </p:extLst>
+  </p:cSld>
+  <p:clrMapOvr>
+    <a:masterClrMapping/>
+  </p:clrMapOvr>
+</p:sld>
+</file>
+
+<file path=ppt/slides/slide14.xml><?xml version="1.0" encoding="utf-8"?>
+<p:sld xmlns:a="http://schemas.openxmlformats.org/drawingml/2006/main" xmlns:r="http://schemas.openxmlformats.org/officeDocument/2006/relationships" xmlns:p="http://schemas.openxmlformats.org/presentationml/2006/main">
+  <p:cSld>
+    <p:spTree>
+      <p:nvGrpSpPr>
+        <p:cNvPr id="1" name=""/>
+        <p:cNvGrpSpPr/>
+        <p:nvPr/>
+      </p:nvGrpSpPr>
+      <p:grpSpPr>
+        <a:xfrm>
+          <a:off x="0" y="0"/>
+          <a:ext cx="0" cy="0"/>
+          <a:chOff x="0" y="0"/>
+          <a:chExt cx="0" cy="0"/>
+        </a:xfrm>
+      </p:grpSpPr>
+      <p:sp>
+        <p:nvSpPr>
+          <p:cNvPr id="2" name="Title 1">
+            <a:extLst>
+              <a:ext uri="{FF2B5EF4-FFF2-40B4-BE49-F238E27FC236}">
+                <a16:creationId xmlns:a16="http://schemas.microsoft.com/office/drawing/2014/main" id="{2656425F-7864-31D1-3385-E0CED44370C7}"/>
+              </a:ext>
+            </a:extLst>
+          </p:cNvPr>
+          <p:cNvSpPr>
+            <a:spLocks noGrp="1"/>
+          </p:cNvSpPr>
+          <p:nvPr>
+            <p:ph type="title"/>
+          </p:nvPr>
+        </p:nvSpPr>
+        <p:spPr/>
+        <p:txBody>
+          <a:bodyPr>
+            <a:normAutofit/>
+          </a:bodyPr>
+          <a:lstStyle/>
+          <a:p>
+            <a:r>
+              <a:rPr lang="en-US" b="0" i="0" dirty="0">
+                <a:solidFill>
+                  <a:srgbClr val="374151"/>
+                </a:solidFill>
+                <a:effectLst/>
+                <a:latin typeface="Söhne"/>
+              </a:rPr>
+              <a:t>B. Creating custom actions</a:t>
+            </a:r>
+            <a:br>
+              <a:rPr lang="en-US" b="0" i="0" dirty="0">
+                <a:solidFill>
+                  <a:srgbClr val="374151"/>
+                </a:solidFill>
+                <a:effectLst/>
+                <a:latin typeface="Söhne"/>
+              </a:rPr>
+            </a:br>
+            <a:endParaRPr lang="en-US" dirty="0"/>
+          </a:p>
+        </p:txBody>
+      </p:sp>
+      <p:sp>
+        <p:nvSpPr>
+          <p:cNvPr id="3" name="Content Placeholder 2">
+            <a:extLst>
+              <a:ext uri="{FF2B5EF4-FFF2-40B4-BE49-F238E27FC236}">
+                <a16:creationId xmlns:a16="http://schemas.microsoft.com/office/drawing/2014/main" id="{EEEBA608-08BB-0703-7F15-399192A03B64}"/>
+              </a:ext>
+            </a:extLst>
+          </p:cNvPr>
+          <p:cNvSpPr>
+            <a:spLocks noGrp="1"/>
+          </p:cNvSpPr>
+          <p:nvPr>
+            <p:ph idx="1"/>
+          </p:nvPr>
+        </p:nvSpPr>
+        <p:spPr/>
+        <p:txBody>
+          <a:bodyPr/>
+          <a:lstStyle/>
+          <a:p>
+            <a:endParaRPr lang="en-US"/>
+          </a:p>
+        </p:txBody>
+      </p:sp>
+    </p:spTree>
+    <p:extLst>
+      <p:ext uri="{BB962C8B-B14F-4D97-AF65-F5344CB8AC3E}">
+        <p14:creationId xmlns:p14="http://schemas.microsoft.com/office/powerpoint/2010/main" val="4210812375"/>
+      </p:ext>
+    </p:extLst>
+  </p:cSld>
+  <p:clrMapOvr>
+    <a:masterClrMapping/>
+  </p:clrMapOvr>
+</p:sld>
+</file>
+
+<file path=ppt/slides/slide15.xml><?xml version="1.0" encoding="utf-8"?>
+<p:sld xmlns:a="http://schemas.openxmlformats.org/drawingml/2006/main" xmlns:r="http://schemas.openxmlformats.org/officeDocument/2006/relationships" xmlns:p="http://schemas.openxmlformats.org/presentationml/2006/main">
+  <p:cSld>
+    <p:spTree>
+      <p:nvGrpSpPr>
+        <p:cNvPr id="1" name=""/>
+        <p:cNvGrpSpPr/>
+        <p:nvPr/>
+      </p:nvGrpSpPr>
+      <p:grpSpPr>
+        <a:xfrm>
+          <a:off x="0" y="0"/>
+          <a:ext cx="0" cy="0"/>
+          <a:chOff x="0" y="0"/>
+          <a:chExt cx="0" cy="0"/>
+        </a:xfrm>
+      </p:grpSpPr>
+      <p:sp>
+        <p:nvSpPr>
+          <p:cNvPr id="2" name="Title 1">
+            <a:extLst>
+              <a:ext uri="{FF2B5EF4-FFF2-40B4-BE49-F238E27FC236}">
+                <a16:creationId xmlns:a16="http://schemas.microsoft.com/office/drawing/2014/main" id="{66478796-F367-10D9-DCFA-8A878789B5DA}"/>
+              </a:ext>
+            </a:extLst>
+          </p:cNvPr>
+          <p:cNvSpPr>
+            <a:spLocks noGrp="1"/>
+          </p:cNvSpPr>
+          <p:nvPr>
+            <p:ph type="title"/>
+          </p:nvPr>
+        </p:nvSpPr>
+        <p:spPr/>
+        <p:txBody>
+          <a:bodyPr/>
+          <a:lstStyle/>
+          <a:p>
+            <a:r>
+              <a:rPr lang="en-US" b="0" i="0" dirty="0">
+                <a:solidFill>
+                  <a:srgbClr val="374151"/>
+                </a:solidFill>
+                <a:effectLst/>
+                <a:latin typeface="Söhne"/>
+              </a:rPr>
+              <a:t>C. Sharing workflows with other repositories</a:t>
+            </a:r>
+            <a:endParaRPr lang="en-US" dirty="0"/>
+          </a:p>
+        </p:txBody>
+      </p:sp>
+      <p:sp>
+        <p:nvSpPr>
+          <p:cNvPr id="3" name="Content Placeholder 2">
+            <a:extLst>
+              <a:ext uri="{FF2B5EF4-FFF2-40B4-BE49-F238E27FC236}">
+                <a16:creationId xmlns:a16="http://schemas.microsoft.com/office/drawing/2014/main" id="{CD2BA280-4419-5963-65FF-B8C64678180C}"/>
+              </a:ext>
+            </a:extLst>
+          </p:cNvPr>
+          <p:cNvSpPr>
+            <a:spLocks noGrp="1"/>
+          </p:cNvSpPr>
+          <p:nvPr>
+            <p:ph idx="1"/>
+          </p:nvPr>
+        </p:nvSpPr>
+        <p:spPr/>
+        <p:txBody>
+          <a:bodyPr/>
+          <a:lstStyle/>
+          <a:p>
+            <a:endParaRPr lang="en-US"/>
+          </a:p>
+        </p:txBody>
+      </p:sp>
+    </p:spTree>
+    <p:extLst>
+      <p:ext uri="{BB962C8B-B14F-4D97-AF65-F5344CB8AC3E}">
+        <p14:creationId xmlns:p14="http://schemas.microsoft.com/office/powerpoint/2010/main" val="4133545569"/>
+      </p:ext>
+    </p:extLst>
+  </p:cSld>
+  <p:clrMapOvr>
+    <a:masterClrMapping/>
+  </p:clrMapOvr>
+</p:sld>
+</file>
+
+<file path=ppt/slides/slide16.xml><?xml version="1.0" encoding="utf-8"?>
+<p:sld xmlns:a="http://schemas.openxmlformats.org/drawingml/2006/main" xmlns:r="http://schemas.openxmlformats.org/officeDocument/2006/relationships" xmlns:p="http://schemas.openxmlformats.org/presentationml/2006/main">
+  <p:cSld>
+    <p:spTree>
+      <p:nvGrpSpPr>
+        <p:cNvPr id="1" name=""/>
+        <p:cNvGrpSpPr/>
+        <p:nvPr/>
+      </p:nvGrpSpPr>
+      <p:grpSpPr>
+        <a:xfrm>
+          <a:off x="0" y="0"/>
+          <a:ext cx="0" cy="0"/>
+          <a:chOff x="0" y="0"/>
+          <a:chExt cx="0" cy="0"/>
+        </a:xfrm>
+      </p:grpSpPr>
+      <p:sp>
+        <p:nvSpPr>
+          <p:cNvPr id="2" name="Title 1">
+            <a:extLst>
+              <a:ext uri="{FF2B5EF4-FFF2-40B4-BE49-F238E27FC236}">
+                <a16:creationId xmlns:a16="http://schemas.microsoft.com/office/drawing/2014/main" id="{A0429577-352F-4953-5101-04B0C941393E}"/>
+              </a:ext>
+            </a:extLst>
+          </p:cNvPr>
+          <p:cNvSpPr>
+            <a:spLocks noGrp="1"/>
+          </p:cNvSpPr>
+          <p:nvPr>
+            <p:ph type="title"/>
+          </p:nvPr>
+        </p:nvSpPr>
+        <p:spPr/>
+        <p:txBody>
+          <a:bodyPr>
+            <a:normAutofit/>
+          </a:bodyPr>
+          <a:lstStyle/>
+          <a:p>
+            <a:r>
+              <a:rPr lang="en-US" b="0" i="0" dirty="0">
+                <a:solidFill>
+                  <a:srgbClr val="374151"/>
+                </a:solidFill>
+                <a:effectLst/>
+                <a:latin typeface="Söhne"/>
+              </a:rPr>
+              <a:t>V. Best practices for using GitHub Actions A. Organizing workflows</a:t>
+            </a:r>
+            <a:endParaRPr lang="en-US" dirty="0"/>
+          </a:p>
+        </p:txBody>
+      </p:sp>
+      <p:sp>
+        <p:nvSpPr>
+          <p:cNvPr id="3" name="Content Placeholder 2">
+            <a:extLst>
+              <a:ext uri="{FF2B5EF4-FFF2-40B4-BE49-F238E27FC236}">
+                <a16:creationId xmlns:a16="http://schemas.microsoft.com/office/drawing/2014/main" id="{E23F5E76-9E7F-FEE1-112F-BE3075685B4B}"/>
+              </a:ext>
+            </a:extLst>
+          </p:cNvPr>
+          <p:cNvSpPr>
+            <a:spLocks noGrp="1"/>
+          </p:cNvSpPr>
+          <p:nvPr>
+            <p:ph idx="1"/>
+          </p:nvPr>
+        </p:nvSpPr>
+        <p:spPr/>
+        <p:txBody>
+          <a:bodyPr/>
+          <a:lstStyle/>
+          <a:p>
+            <a:endParaRPr lang="en-US"/>
+          </a:p>
+        </p:txBody>
+      </p:sp>
+    </p:spTree>
+    <p:extLst>
+      <p:ext uri="{BB962C8B-B14F-4D97-AF65-F5344CB8AC3E}">
+        <p14:creationId xmlns:p14="http://schemas.microsoft.com/office/powerpoint/2010/main" val="544893345"/>
+      </p:ext>
+    </p:extLst>
+  </p:cSld>
+  <p:clrMapOvr>
+    <a:masterClrMapping/>
+  </p:clrMapOvr>
+</p:sld>
+</file>
+
+<file path=ppt/slides/slide17.xml><?xml version="1.0" encoding="utf-8"?>
+<p:sld xmlns:a="http://schemas.openxmlformats.org/drawingml/2006/main" xmlns:r="http://schemas.openxmlformats.org/officeDocument/2006/relationships" xmlns:p="http://schemas.openxmlformats.org/presentationml/2006/main">
+  <p:cSld>
+    <p:spTree>
+      <p:nvGrpSpPr>
+        <p:cNvPr id="1" name=""/>
+        <p:cNvGrpSpPr/>
+        <p:nvPr/>
+      </p:nvGrpSpPr>
+      <p:grpSpPr>
+        <a:xfrm>
+          <a:off x="0" y="0"/>
+          <a:ext cx="0" cy="0"/>
+          <a:chOff x="0" y="0"/>
+          <a:chExt cx="0" cy="0"/>
+        </a:xfrm>
+      </p:grpSpPr>
+      <p:sp>
+        <p:nvSpPr>
+          <p:cNvPr id="2" name="Title 1">
+            <a:extLst>
+              <a:ext uri="{FF2B5EF4-FFF2-40B4-BE49-F238E27FC236}">
+                <a16:creationId xmlns:a16="http://schemas.microsoft.com/office/drawing/2014/main" id="{B8DA0793-FC22-F1D7-D985-90296CE04750}"/>
+              </a:ext>
+            </a:extLst>
+          </p:cNvPr>
+          <p:cNvSpPr>
+            <a:spLocks noGrp="1"/>
+          </p:cNvSpPr>
+          <p:nvPr>
+            <p:ph type="title"/>
+          </p:nvPr>
+        </p:nvSpPr>
+        <p:spPr/>
+        <p:txBody>
+          <a:bodyPr>
+            <a:normAutofit/>
+          </a:bodyPr>
+          <a:lstStyle/>
+          <a:p>
+            <a:r>
+              <a:rPr lang="en-US" b="0" i="0" dirty="0">
+                <a:solidFill>
+                  <a:srgbClr val="374151"/>
+                </a:solidFill>
+                <a:effectLst/>
+                <a:latin typeface="Söhne"/>
+              </a:rPr>
+              <a:t>B. Securing workflows</a:t>
+            </a:r>
+            <a:br>
+              <a:rPr lang="en-US" b="0" i="0" dirty="0">
+                <a:solidFill>
+                  <a:srgbClr val="374151"/>
+                </a:solidFill>
+                <a:effectLst/>
+                <a:latin typeface="Söhne"/>
+              </a:rPr>
+            </a:br>
+            <a:endParaRPr lang="en-US" dirty="0"/>
+          </a:p>
+        </p:txBody>
+      </p:sp>
+      <p:sp>
+        <p:nvSpPr>
+          <p:cNvPr id="3" name="Content Placeholder 2">
+            <a:extLst>
+              <a:ext uri="{FF2B5EF4-FFF2-40B4-BE49-F238E27FC236}">
+                <a16:creationId xmlns:a16="http://schemas.microsoft.com/office/drawing/2014/main" id="{C376AEA1-442B-8E8D-C5CE-2AFFAE5437D3}"/>
+              </a:ext>
+            </a:extLst>
+          </p:cNvPr>
+          <p:cNvSpPr>
+            <a:spLocks noGrp="1"/>
+          </p:cNvSpPr>
+          <p:nvPr>
+            <p:ph idx="1"/>
+          </p:nvPr>
+        </p:nvSpPr>
+        <p:spPr/>
+        <p:txBody>
+          <a:bodyPr/>
+          <a:lstStyle/>
+          <a:p>
+            <a:endParaRPr lang="en-US"/>
+          </a:p>
+        </p:txBody>
+      </p:sp>
+    </p:spTree>
+    <p:extLst>
+      <p:ext uri="{BB962C8B-B14F-4D97-AF65-F5344CB8AC3E}">
+        <p14:creationId xmlns:p14="http://schemas.microsoft.com/office/powerpoint/2010/main" val="3832965227"/>
+      </p:ext>
+    </p:extLst>
+  </p:cSld>
+  <p:clrMapOvr>
+    <a:masterClrMapping/>
+  </p:clrMapOvr>
+</p:sld>
+</file>
+
+<file path=ppt/slides/slide18.xml><?xml version="1.0" encoding="utf-8"?>
+<p:sld xmlns:a="http://schemas.openxmlformats.org/drawingml/2006/main" xmlns:r="http://schemas.openxmlformats.org/officeDocument/2006/relationships" xmlns:p="http://schemas.openxmlformats.org/presentationml/2006/main">
+  <p:cSld>
+    <p:spTree>
+      <p:nvGrpSpPr>
+        <p:cNvPr id="1" name=""/>
+        <p:cNvGrpSpPr/>
+        <p:nvPr/>
+      </p:nvGrpSpPr>
+      <p:grpSpPr>
+        <a:xfrm>
+          <a:off x="0" y="0"/>
+          <a:ext cx="0" cy="0"/>
+          <a:chOff x="0" y="0"/>
+          <a:chExt cx="0" cy="0"/>
+        </a:xfrm>
+      </p:grpSpPr>
+      <p:sp>
+        <p:nvSpPr>
+          <p:cNvPr id="2" name="Title 1">
+            <a:extLst>
+              <a:ext uri="{FF2B5EF4-FFF2-40B4-BE49-F238E27FC236}">
+                <a16:creationId xmlns:a16="http://schemas.microsoft.com/office/drawing/2014/main" id="{C20B8F48-D522-B0B2-881E-A75931E3FC1A}"/>
+              </a:ext>
+            </a:extLst>
+          </p:cNvPr>
+          <p:cNvSpPr>
+            <a:spLocks noGrp="1"/>
+          </p:cNvSpPr>
+          <p:nvPr>
+            <p:ph type="title"/>
+          </p:nvPr>
+        </p:nvSpPr>
+        <p:spPr/>
+        <p:txBody>
+          <a:bodyPr/>
+          <a:lstStyle/>
+          <a:p>
+            <a:r>
+              <a:rPr lang="en-US" b="0" i="0" dirty="0">
+                <a:solidFill>
+                  <a:srgbClr val="374151"/>
+                </a:solidFill>
+                <a:effectLst/>
+                <a:latin typeface="Söhne"/>
+              </a:rPr>
+              <a:t>C. Testing workflows</a:t>
+            </a:r>
+            <a:endParaRPr lang="en-US" dirty="0"/>
+          </a:p>
+        </p:txBody>
+      </p:sp>
+      <p:sp>
+        <p:nvSpPr>
+          <p:cNvPr id="3" name="Content Placeholder 2">
+            <a:extLst>
+              <a:ext uri="{FF2B5EF4-FFF2-40B4-BE49-F238E27FC236}">
+                <a16:creationId xmlns:a16="http://schemas.microsoft.com/office/drawing/2014/main" id="{E5387224-FE70-8434-A8C9-0378A4AB19CA}"/>
+              </a:ext>
+            </a:extLst>
+          </p:cNvPr>
+          <p:cNvSpPr>
+            <a:spLocks noGrp="1"/>
+          </p:cNvSpPr>
+          <p:nvPr>
+            <p:ph idx="1"/>
+          </p:nvPr>
+        </p:nvSpPr>
+        <p:spPr/>
+        <p:txBody>
+          <a:bodyPr/>
+          <a:lstStyle/>
+          <a:p>
+            <a:endParaRPr lang="en-US"/>
+          </a:p>
+        </p:txBody>
+      </p:sp>
+    </p:spTree>
+    <p:extLst>
+      <p:ext uri="{BB962C8B-B14F-4D97-AF65-F5344CB8AC3E}">
+        <p14:creationId xmlns:p14="http://schemas.microsoft.com/office/powerpoint/2010/main" val="374111286"/>
+      </p:ext>
+    </p:extLst>
+  </p:cSld>
+  <p:clrMapOvr>
+    <a:masterClrMapping/>
+  </p:clrMapOvr>
+</p:sld>
+</file>
+
+<file path=ppt/slides/slide19.xml><?xml version="1.0" encoding="utf-8"?>
+<p:sld xmlns:a="http://schemas.openxmlformats.org/drawingml/2006/main" xmlns:r="http://schemas.openxmlformats.org/officeDocument/2006/relationships" xmlns:p="http://schemas.openxmlformats.org/presentationml/2006/main">
+  <p:cSld>
+    <p:spTree>
+      <p:nvGrpSpPr>
+        <p:cNvPr id="1" name=""/>
+        <p:cNvGrpSpPr/>
+        <p:nvPr/>
+      </p:nvGrpSpPr>
+      <p:grpSpPr>
+        <a:xfrm>
+          <a:off x="0" y="0"/>
+          <a:ext cx="0" cy="0"/>
+          <a:chOff x="0" y="0"/>
+          <a:chExt cx="0" cy="0"/>
+        </a:xfrm>
+      </p:grpSpPr>
+      <p:sp>
+        <p:nvSpPr>
+          <p:cNvPr id="2" name="Title 1">
+            <a:extLst>
+              <a:ext uri="{FF2B5EF4-FFF2-40B4-BE49-F238E27FC236}">
+                <a16:creationId xmlns:a16="http://schemas.microsoft.com/office/drawing/2014/main" id="{8A33D24D-87EA-A7BB-82F3-B14B287B8CCD}"/>
+              </a:ext>
+            </a:extLst>
+          </p:cNvPr>
+          <p:cNvSpPr>
+            <a:spLocks noGrp="1"/>
+          </p:cNvSpPr>
+          <p:nvPr>
+            <p:ph type="title"/>
+          </p:nvPr>
+        </p:nvSpPr>
+        <p:spPr/>
+        <p:txBody>
+          <a:bodyPr/>
+          <a:lstStyle/>
+          <a:p>
+            <a:r>
+              <a:rPr lang="en-US" b="0" i="0" dirty="0">
+                <a:solidFill>
+                  <a:srgbClr val="374151"/>
+                </a:solidFill>
+                <a:effectLst/>
+                <a:latin typeface="Söhne"/>
+              </a:rPr>
+              <a:t>D. Reviewing workflow changes</a:t>
+            </a:r>
+            <a:endParaRPr lang="en-US" dirty="0"/>
+          </a:p>
+        </p:txBody>
+      </p:sp>
+      <p:sp>
+        <p:nvSpPr>
+          <p:cNvPr id="3" name="Content Placeholder 2">
+            <a:extLst>
+              <a:ext uri="{FF2B5EF4-FFF2-40B4-BE49-F238E27FC236}">
+                <a16:creationId xmlns:a16="http://schemas.microsoft.com/office/drawing/2014/main" id="{172B9BE4-1D4C-6C08-4563-FE3955F7B00B}"/>
+              </a:ext>
+            </a:extLst>
+          </p:cNvPr>
+          <p:cNvSpPr>
+            <a:spLocks noGrp="1"/>
+          </p:cNvSpPr>
+          <p:nvPr>
+            <p:ph idx="1"/>
+          </p:nvPr>
+        </p:nvSpPr>
+        <p:spPr/>
+        <p:txBody>
+          <a:bodyPr/>
+          <a:lstStyle/>
+          <a:p>
+            <a:endParaRPr lang="en-US"/>
+          </a:p>
+        </p:txBody>
+      </p:sp>
+      <p:sp>
+        <p:nvSpPr>
+          <p:cNvPr id="5" name="TextBox 4">
+            <a:extLst>
+              <a:ext uri="{FF2B5EF4-FFF2-40B4-BE49-F238E27FC236}">
+                <a16:creationId xmlns:a16="http://schemas.microsoft.com/office/drawing/2014/main" id="{0D09AA70-14E5-22AD-8925-3EE3E57A797D}"/>
+              </a:ext>
+            </a:extLst>
+          </p:cNvPr>
+          <p:cNvSpPr txBox="1"/>
+          <p:nvPr/>
+        </p:nvSpPr>
+        <p:spPr>
+          <a:xfrm>
+            <a:off x="3048856" y="3246902"/>
+            <a:ext cx="6097712" cy="369332"/>
+          </a:xfrm>
+          <a:prstGeom prst="rect">
+            <a:avLst/>
+          </a:prstGeom>
+          <a:noFill/>
+        </p:spPr>
+        <p:txBody>
+          <a:bodyPr wrap="square">
+            <a:spAutoFit/>
+          </a:bodyPr>
+          <a:lstStyle/>
+          <a:p>
+            <a:r>
+              <a:rPr lang="en-US" b="0" i="0" dirty="0">
+                <a:solidFill>
+                  <a:srgbClr val="374151"/>
+                </a:solidFill>
+                <a:effectLst/>
+                <a:latin typeface="Söhne"/>
+              </a:rPr>
+              <a:t>D. Reviewing workflow changes</a:t>
+            </a:r>
+            <a:endParaRPr lang="en-US" dirty="0"/>
+          </a:p>
+        </p:txBody>
+      </p:sp>
+    </p:spTree>
+    <p:extLst>
+      <p:ext uri="{BB962C8B-B14F-4D97-AF65-F5344CB8AC3E}">
+        <p14:creationId xmlns:p14="http://schemas.microsoft.com/office/powerpoint/2010/main" val="658796248"/>
+      </p:ext>
+    </p:extLst>
+  </p:cSld>
+  <p:clrMapOvr>
+    <a:masterClrMapping/>
+  </p:clrMapOvr>
+</p:sld>
+</file>
+
+<file path=ppt/slides/slide2.xml><?xml version="1.0" encoding="utf-8"?>
+<p:sld xmlns:a="http://schemas.openxmlformats.org/drawingml/2006/main" xmlns:r="http://schemas.openxmlformats.org/officeDocument/2006/relationships" xmlns:p="http://schemas.openxmlformats.org/presentationml/2006/main">
+  <p:cSld>
+    <p:bg>
+      <p:bgPr>
+        <a:solidFill>
+          <a:schemeClr val="bg1"/>
+        </a:solidFill>
+        <a:effectLst/>
+      </p:bgPr>
+    </p:bg>
+    <p:spTree>
+      <p:nvGrpSpPr>
+        <p:cNvPr id="1" name=""/>
+        <p:cNvGrpSpPr/>
+        <p:nvPr/>
+      </p:nvGrpSpPr>
+      <p:grpSpPr>
+        <a:xfrm>
+          <a:off x="0" y="0"/>
+          <a:ext cx="0" cy="0"/>
+          <a:chOff x="0" y="0"/>
+          <a:chExt cx="0" cy="0"/>
+        </a:xfrm>
+      </p:grpSpPr>
+      <p:sp useBgFill="1">
+        <p:nvSpPr>
+          <p:cNvPr id="12" name="Rectangle 11">
+            <a:extLst>
+              <a:ext uri="{FF2B5EF4-FFF2-40B4-BE49-F238E27FC236}">
+                <a16:creationId xmlns:a16="http://schemas.microsoft.com/office/drawing/2014/main" id="{AB20E7A4-EC2C-47C8-BE55-65771E3F2EDA}"/>
+              </a:ext>
+              <a:ext uri="{C183D7F6-B498-43B3-948B-1728B52AA6E4}">
+                <adec:decorative xmlns:adec="http://schemas.microsoft.com/office/drawing/2017/decorative" val="1"/>
+              </a:ext>
+            </a:extLst>
+          </p:cNvPr>
+          <p:cNvSpPr>
+            <a:spLocks noGrp="1" noRot="1" noChangeAspect="1" noMove="1" noResize="1" noEditPoints="1" noAdjustHandles="1" noChangeArrowheads="1" noChangeShapeType="1" noTextEdit="1"/>
+          </p:cNvSpPr>
+          <p:nvPr>
+            <p:extLst>
+              <p:ext uri="{386F3935-93C4-4BCD-93E2-E3B085C9AB24}">
+                <p16:designElem xmlns:p16="http://schemas.microsoft.com/office/powerpoint/2015/main" val="1"/>
+              </p:ext>
+            </p:extLst>
+          </p:nvPr>
+        </p:nvSpPr>
+        <p:spPr>
+          <a:xfrm>
+            <a:off x="0" y="0"/>
+            <a:ext cx="12192000" cy="6858000"/>
+          </a:xfrm>
+          <a:prstGeom prst="rect">
+            <a:avLst/>
+          </a:prstGeom>
+          <a:ln w="12700" cap="flat" cmpd="sng" algn="ctr">
+            <a:noFill/>
+            <a:prstDash val="solid"/>
+            <a:miter lim="800000"/>
+          </a:ln>
+          <a:effectLst/>
+          <a:extLst>
+            <a:ext uri="{91240B29-F687-4F45-9708-019B960494DF}">
+              <a14:hiddenLine xmlns:a14="http://schemas.microsoft.com/office/drawing/2010/main" w="12700" cap="flat" cmpd="sng" algn="ctr">
+                <a:solidFill>
+                  <a:schemeClr val="accent1">
+                    <a:shade val="50000"/>
+                  </a:schemeClr>
+                </a:solidFill>
+                <a:prstDash val="solid"/>
+                <a:miter lim="800000"/>
+              </a14:hiddenLine>
+            </a:ext>
+          </a:extLst>
+        </p:spPr>
+        <p:style>
+          <a:lnRef idx="2">
+            <a:schemeClr val="accent1">
+              <a:shade val="50000"/>
+            </a:schemeClr>
+          </a:lnRef>
+          <a:fillRef idx="1">
+            <a:schemeClr val="accent1"/>
+          </a:fillRef>
+          <a:effectRef idx="0">
+            <a:schemeClr val="accent1"/>
+          </a:effectRef>
+          <a:fontRef idx="minor">
+            <a:schemeClr val="lt1"/>
+          </a:fontRef>
+        </p:style>
+        <p:txBody>
+          <a:bodyPr rtlCol="0" anchor="ctr"/>
+          <a:lstStyle/>
+          <a:p>
+            <a:pPr algn="ctr"/>
+            <a:endParaRPr lang="en-US"/>
+          </a:p>
+        </p:txBody>
+      </p:sp>
+      <p:sp>
+        <p:nvSpPr>
+          <p:cNvPr id="14" name="Freeform: Shape 13">
+            <a:extLst>
+              <a:ext uri="{FF2B5EF4-FFF2-40B4-BE49-F238E27FC236}">
+                <a16:creationId xmlns:a16="http://schemas.microsoft.com/office/drawing/2014/main" id="{1CF23DDA-0D09-4FE5-AE88-EBBE5E02467C}"/>
+              </a:ext>
+              <a:ext uri="{C183D7F6-B498-43B3-948B-1728B52AA6E4}">
+                <adec:decorative xmlns:adec="http://schemas.microsoft.com/office/drawing/2017/decorative" val="1"/>
+              </a:ext>
+            </a:extLst>
+          </p:cNvPr>
+          <p:cNvSpPr>
+            <a:spLocks noGrp="1" noRot="1" noChangeAspect="1" noMove="1" noResize="1" noEditPoints="1" noAdjustHandles="1" noChangeArrowheads="1" noChangeShapeType="1" noTextEdit="1"/>
+          </p:cNvSpPr>
+          <p:nvPr>
+            <p:extLst>
+              <p:ext uri="{386F3935-93C4-4BCD-93E2-E3B085C9AB24}">
+                <p16:designElem xmlns:p16="http://schemas.microsoft.com/office/powerpoint/2015/main" val="1"/>
+              </p:ext>
+            </p:extLst>
+          </p:nvPr>
+        </p:nvSpPr>
+        <p:spPr>
+          <a:xfrm rot="10800000">
+            <a:off x="0" y="0"/>
+            <a:ext cx="6885325" cy="6858000"/>
+          </a:xfrm>
+          <a:custGeom>
+            <a:avLst/>
+            <a:gdLst>
+              <a:gd name="connsiteX0" fmla="*/ 4456883 w 6885325"/>
+              <a:gd name="connsiteY0" fmla="*/ 6858000 h 6858000"/>
+              <a:gd name="connsiteX1" fmla="*/ 0 w 6885325"/>
+              <a:gd name="connsiteY1" fmla="*/ 6858000 h 6858000"/>
+              <a:gd name="connsiteX2" fmla="*/ 6010592 w 6885325"/>
+              <a:gd name="connsiteY2" fmla="*/ 0 h 6858000"/>
+              <a:gd name="connsiteX3" fmla="*/ 6885325 w 6885325"/>
+              <a:gd name="connsiteY3" fmla="*/ 0 h 6858000"/>
+              <a:gd name="connsiteX4" fmla="*/ 6885325 w 6885325"/>
+              <a:gd name="connsiteY4" fmla="*/ 1545581 h 6858000"/>
+              <a:gd name="connsiteX5" fmla="*/ 6885324 w 6885325"/>
+              <a:gd name="connsiteY5" fmla="*/ 1545582 h 6858000"/>
+              <a:gd name="connsiteX6" fmla="*/ 6885324 w 6885325"/>
+              <a:gd name="connsiteY6" fmla="*/ 4070877 h 6858000"/>
+              <a:gd name="connsiteX7" fmla="*/ 6885325 w 6885325"/>
+              <a:gd name="connsiteY7" fmla="*/ 4070876 h 6858000"/>
+              <a:gd name="connsiteX8" fmla="*/ 6885325 w 6885325"/>
+              <a:gd name="connsiteY8" fmla="*/ 6857999 h 6858000"/>
+              <a:gd name="connsiteX9" fmla="*/ 4456884 w 6885325"/>
+              <a:gd name="connsiteY9" fmla="*/ 6857999 h 6858000"/>
+              <a:gd name="connsiteX0" fmla="*/ 4456884 w 6885325"/>
+              <a:gd name="connsiteY0" fmla="*/ 6857999 h 6858000"/>
+              <a:gd name="connsiteX1" fmla="*/ 0 w 6885325"/>
+              <a:gd name="connsiteY1" fmla="*/ 6858000 h 6858000"/>
+              <a:gd name="connsiteX2" fmla="*/ 6010592 w 6885325"/>
+              <a:gd name="connsiteY2" fmla="*/ 0 h 6858000"/>
+              <a:gd name="connsiteX3" fmla="*/ 6885325 w 6885325"/>
+              <a:gd name="connsiteY3" fmla="*/ 0 h 6858000"/>
+              <a:gd name="connsiteX4" fmla="*/ 6885325 w 6885325"/>
+              <a:gd name="connsiteY4" fmla="*/ 1545581 h 6858000"/>
+              <a:gd name="connsiteX5" fmla="*/ 6885324 w 6885325"/>
+              <a:gd name="connsiteY5" fmla="*/ 1545582 h 6858000"/>
+              <a:gd name="connsiteX6" fmla="*/ 6885324 w 6885325"/>
+              <a:gd name="connsiteY6" fmla="*/ 4070877 h 6858000"/>
+              <a:gd name="connsiteX7" fmla="*/ 6885325 w 6885325"/>
+              <a:gd name="connsiteY7" fmla="*/ 4070876 h 6858000"/>
+              <a:gd name="connsiteX8" fmla="*/ 6885325 w 6885325"/>
+              <a:gd name="connsiteY8" fmla="*/ 6857999 h 6858000"/>
+              <a:gd name="connsiteX9" fmla="*/ 4456884 w 6885325"/>
+              <a:gd name="connsiteY9" fmla="*/ 6857999 h 6858000"/>
+              <a:gd name="connsiteX0" fmla="*/ 6885325 w 6885325"/>
+              <a:gd name="connsiteY0" fmla="*/ 6857999 h 6858000"/>
+              <a:gd name="connsiteX1" fmla="*/ 0 w 6885325"/>
+              <a:gd name="connsiteY1" fmla="*/ 6858000 h 6858000"/>
+              <a:gd name="connsiteX2" fmla="*/ 6010592 w 6885325"/>
+              <a:gd name="connsiteY2" fmla="*/ 0 h 6858000"/>
+              <a:gd name="connsiteX3" fmla="*/ 6885325 w 6885325"/>
+              <a:gd name="connsiteY3" fmla="*/ 0 h 6858000"/>
+              <a:gd name="connsiteX4" fmla="*/ 6885325 w 6885325"/>
+              <a:gd name="connsiteY4" fmla="*/ 1545581 h 6858000"/>
+              <a:gd name="connsiteX5" fmla="*/ 6885324 w 6885325"/>
+              <a:gd name="connsiteY5" fmla="*/ 1545582 h 6858000"/>
+              <a:gd name="connsiteX6" fmla="*/ 6885324 w 6885325"/>
+              <a:gd name="connsiteY6" fmla="*/ 4070877 h 6858000"/>
+              <a:gd name="connsiteX7" fmla="*/ 6885325 w 6885325"/>
+              <a:gd name="connsiteY7" fmla="*/ 4070876 h 6858000"/>
+              <a:gd name="connsiteX8" fmla="*/ 6885325 w 6885325"/>
+              <a:gd name="connsiteY8" fmla="*/ 6857999 h 6858000"/>
+              <a:gd name="connsiteX0" fmla="*/ 6885325 w 6885325"/>
+              <a:gd name="connsiteY0" fmla="*/ 6857999 h 6858000"/>
+              <a:gd name="connsiteX1" fmla="*/ 0 w 6885325"/>
+              <a:gd name="connsiteY1" fmla="*/ 6858000 h 6858000"/>
+              <a:gd name="connsiteX2" fmla="*/ 6010592 w 6885325"/>
+              <a:gd name="connsiteY2" fmla="*/ 0 h 6858000"/>
+              <a:gd name="connsiteX3" fmla="*/ 6885325 w 6885325"/>
+              <a:gd name="connsiteY3" fmla="*/ 0 h 6858000"/>
+              <a:gd name="connsiteX4" fmla="*/ 6885325 w 6885325"/>
+              <a:gd name="connsiteY4" fmla="*/ 1545581 h 6858000"/>
+              <a:gd name="connsiteX5" fmla="*/ 6885324 w 6885325"/>
+              <a:gd name="connsiteY5" fmla="*/ 1545582 h 6858000"/>
+              <a:gd name="connsiteX6" fmla="*/ 6885324 w 6885325"/>
+              <a:gd name="connsiteY6" fmla="*/ 4070877 h 6858000"/>
+              <a:gd name="connsiteX7" fmla="*/ 6885325 w 6885325"/>
+              <a:gd name="connsiteY7" fmla="*/ 6857999 h 6858000"/>
+              <a:gd name="connsiteX0" fmla="*/ 6885325 w 6885325"/>
+              <a:gd name="connsiteY0" fmla="*/ 6857999 h 6858000"/>
+              <a:gd name="connsiteX1" fmla="*/ 0 w 6885325"/>
+              <a:gd name="connsiteY1" fmla="*/ 6858000 h 6858000"/>
+              <a:gd name="connsiteX2" fmla="*/ 6010592 w 6885325"/>
+              <a:gd name="connsiteY2" fmla="*/ 0 h 6858000"/>
+              <a:gd name="connsiteX3" fmla="*/ 6885325 w 6885325"/>
+              <a:gd name="connsiteY3" fmla="*/ 0 h 6858000"/>
+              <a:gd name="connsiteX4" fmla="*/ 6885325 w 6885325"/>
+              <a:gd name="connsiteY4" fmla="*/ 1545581 h 6858000"/>
+              <a:gd name="connsiteX5" fmla="*/ 6885324 w 6885325"/>
+              <a:gd name="connsiteY5" fmla="*/ 1545582 h 6858000"/>
+              <a:gd name="connsiteX6" fmla="*/ 6885325 w 6885325"/>
+              <a:gd name="connsiteY6" fmla="*/ 6857999 h 6858000"/>
+              <a:gd name="connsiteX0" fmla="*/ 6885325 w 6885325"/>
+              <a:gd name="connsiteY0" fmla="*/ 6857999 h 6858000"/>
+              <a:gd name="connsiteX1" fmla="*/ 0 w 6885325"/>
+              <a:gd name="connsiteY1" fmla="*/ 6858000 h 6858000"/>
+              <a:gd name="connsiteX2" fmla="*/ 6010592 w 6885325"/>
+              <a:gd name="connsiteY2" fmla="*/ 0 h 6858000"/>
+              <a:gd name="connsiteX3" fmla="*/ 6885325 w 6885325"/>
+              <a:gd name="connsiteY3" fmla="*/ 0 h 6858000"/>
+              <a:gd name="connsiteX4" fmla="*/ 6885325 w 6885325"/>
+              <a:gd name="connsiteY4" fmla="*/ 1545581 h 6858000"/>
+              <a:gd name="connsiteX5" fmla="*/ 6885325 w 6885325"/>
+              <a:gd name="connsiteY5" fmla="*/ 6857999 h 6858000"/>
+              <a:gd name="connsiteX0" fmla="*/ 6885325 w 6885325"/>
+              <a:gd name="connsiteY0" fmla="*/ 6857999 h 6858000"/>
+              <a:gd name="connsiteX1" fmla="*/ 0 w 6885325"/>
+              <a:gd name="connsiteY1" fmla="*/ 6858000 h 6858000"/>
+              <a:gd name="connsiteX2" fmla="*/ 6010592 w 6885325"/>
+              <a:gd name="connsiteY2" fmla="*/ 0 h 6858000"/>
+              <a:gd name="connsiteX3" fmla="*/ 6885325 w 6885325"/>
+              <a:gd name="connsiteY3" fmla="*/ 0 h 6858000"/>
+              <a:gd name="connsiteX4" fmla="*/ 6885325 w 6885325"/>
+              <a:gd name="connsiteY4" fmla="*/ 6857999 h 6858000"/>
+            </a:gdLst>
+            <a:ahLst/>
+            <a:cxnLst>
+              <a:cxn ang="0">
+                <a:pos x="connsiteX0" y="connsiteY0"/>
+              </a:cxn>
+              <a:cxn ang="0">
+                <a:pos x="connsiteX1" y="connsiteY1"/>
+              </a:cxn>
+              <a:cxn ang="0">
+                <a:pos x="connsiteX2" y="connsiteY2"/>
+              </a:cxn>
+              <a:cxn ang="0">
+                <a:pos x="connsiteX3" y="connsiteY3"/>
+              </a:cxn>
+              <a:cxn ang="0">
+                <a:pos x="connsiteX4" y="connsiteY4"/>
+              </a:cxn>
+            </a:cxnLst>
+            <a:rect l="l" t="t" r="r" b="b"/>
+            <a:pathLst>
+              <a:path w="6885325" h="6858000">
+                <a:moveTo>
+                  <a:pt x="6885325" y="6857999"/>
+                </a:moveTo>
+                <a:lnTo>
+                  <a:pt x="0" y="6858000"/>
+                </a:lnTo>
+                <a:lnTo>
+                  <a:pt x="6010592" y="0"/>
+                </a:lnTo>
+                <a:lnTo>
+                  <a:pt x="6885325" y="0"/>
+                </a:lnTo>
+                <a:lnTo>
+                  <a:pt x="6885325" y="6857999"/>
+                </a:lnTo>
+                <a:close/>
+              </a:path>
+            </a:pathLst>
+          </a:custGeom>
+          <a:solidFill>
+            <a:schemeClr val="bg2"/>
+          </a:solidFill>
+          <a:ln w="12700" cap="flat" cmpd="sng" algn="ctr">
+            <a:noFill/>
+            <a:prstDash val="solid"/>
+            <a:miter lim="800000"/>
+          </a:ln>
+          <a:effectLst/>
+        </p:spPr>
+        <p:style>
+          <a:lnRef idx="2">
+            <a:schemeClr val="accent1">
+              <a:shade val="50000"/>
+            </a:schemeClr>
+          </a:lnRef>
+          <a:fillRef idx="1">
+            <a:schemeClr val="accent1"/>
+          </a:fillRef>
+          <a:effectRef idx="0">
+            <a:schemeClr val="accent1"/>
+          </a:effectRef>
+          <a:fontRef idx="minor">
+            <a:schemeClr val="lt1"/>
+          </a:fontRef>
+        </p:style>
+        <p:txBody>
+          <a:bodyPr wrap="square" rtlCol="0" anchor="ctr">
+            <a:noAutofit/>
+          </a:bodyPr>
+          <a:lstStyle/>
+          <a:p>
+            <a:pPr algn="ctr"/>
+            <a:endParaRPr lang="en-US"/>
+          </a:p>
+        </p:txBody>
+      </p:sp>
+      <p:sp>
+        <p:nvSpPr>
+          <p:cNvPr id="2" name="Title 1">
+            <a:extLst>
+              <a:ext uri="{FF2B5EF4-FFF2-40B4-BE49-F238E27FC236}">
+                <a16:creationId xmlns:a16="http://schemas.microsoft.com/office/drawing/2014/main" id="{8FD82175-DAFD-125F-6EA1-18D831F4293C}"/>
+              </a:ext>
+            </a:extLst>
+          </p:cNvPr>
+          <p:cNvSpPr>
+            <a:spLocks noGrp="1"/>
+          </p:cNvSpPr>
+          <p:nvPr>
+            <p:ph type="title"/>
+          </p:nvPr>
+        </p:nvSpPr>
+        <p:spPr>
+          <a:xfrm>
+            <a:off x="1143001" y="1181100"/>
+            <a:ext cx="3894412" cy="1916773"/>
+          </a:xfrm>
+        </p:spPr>
+        <p:txBody>
+          <a:bodyPr anchor="t">
+            <a:normAutofit/>
+          </a:bodyPr>
+          <a:lstStyle/>
+          <a:p>
+            <a:pPr>
+              <a:lnSpc>
+                <a:spcPct val="90000"/>
+              </a:lnSpc>
+            </a:pPr>
+            <a:r>
+              <a:rPr lang="en-US"/>
+              <a:t>What exactly is GitHub Actions</a:t>
+            </a:r>
+            <a:br>
+              <a:rPr lang="en-US"/>
+            </a:br>
+            <a:endParaRPr lang="en-US"/>
+          </a:p>
+        </p:txBody>
+      </p:sp>
+      <p:pic>
+        <p:nvPicPr>
+          <p:cNvPr id="7" name="Graphic 6" descr="Checkmark">
+            <a:extLst>
+              <a:ext uri="{FF2B5EF4-FFF2-40B4-BE49-F238E27FC236}">
+                <a16:creationId xmlns:a16="http://schemas.microsoft.com/office/drawing/2014/main" id="{0E02D414-E3CF-5BB0-7886-678DFEE3C653}"/>
+              </a:ext>
+            </a:extLst>
+          </p:cNvPr>
+          <p:cNvPicPr>
+            <a:picLocks noChangeAspect="1"/>
+          </p:cNvPicPr>
+          <p:nvPr/>
+        </p:nvPicPr>
+        <p:blipFill>
+          <a:blip r:embed="rId3">
+            <a:extLst>
+              <a:ext uri="{28A0092B-C50C-407E-A947-70E740481C1C}">
+                <a14:useLocalDpi xmlns:a14="http://schemas.microsoft.com/office/drawing/2010/main" val="0"/>
+              </a:ext>
+              <a:ext uri="{96DAC541-7B7A-43D3-8B79-37D633B846F1}">
+                <asvg:svgBlip xmlns:asvg="http://schemas.microsoft.com/office/drawing/2016/SVG/main" r:embed="rId4"/>
+              </a:ext>
+            </a:extLst>
+          </a:blip>
+          <a:stretch>
+            <a:fillRect/>
+          </a:stretch>
+        </p:blipFill>
+        <p:spPr>
+          <a:xfrm>
+            <a:off x="7667328" y="1271654"/>
+            <a:ext cx="1810342" cy="1810342"/>
           </a:xfrm>
           <a:prstGeom prst="rect">
             <a:avLst/>
@@ -3957,19 +9229,66 @@
       </p:pic>
       <p:sp>
         <p:nvSpPr>
-          <p:cNvPr id="37" name="Freeform: Shape 36">
-            <a:extLst>
-              <a:ext uri="{FF2B5EF4-FFF2-40B4-BE49-F238E27FC236}">
-                <a16:creationId xmlns:a16="http://schemas.microsoft.com/office/drawing/2014/main" id="{7059D4DD-D247-47C8-B574-B36CB222C1B3}"/>
+          <p:cNvPr id="4" name="Content Placeholder 3">
+            <a:extLst>
+              <a:ext uri="{FF2B5EF4-FFF2-40B4-BE49-F238E27FC236}">
+                <a16:creationId xmlns:a16="http://schemas.microsoft.com/office/drawing/2014/main" id="{B7B376C4-E115-1DBA-1972-6BE1013C4117}"/>
+              </a:ext>
+            </a:extLst>
+          </p:cNvPr>
+          <p:cNvSpPr>
+            <a:spLocks noGrp="1"/>
+          </p:cNvSpPr>
+          <p:nvPr>
+            <p:ph idx="1"/>
+          </p:nvPr>
+        </p:nvSpPr>
+        <p:spPr>
+          <a:xfrm>
+            <a:off x="5453548" y="3362266"/>
+            <a:ext cx="5595452" cy="2352733"/>
+          </a:xfrm>
+        </p:spPr>
+        <p:txBody>
+          <a:bodyPr anchor="b">
+            <a:normAutofit/>
+          </a:bodyPr>
+          <a:lstStyle/>
+          <a:p>
+            <a:r>
+              <a:rPr lang="en-US" dirty="0"/>
+              <a:t>Ci/CD Platform</a:t>
+            </a:r>
+          </a:p>
+          <a:p>
+            <a:r>
+              <a:rPr lang="en-US" dirty="0"/>
+              <a:t>Can be triggered on Events in your Repositories</a:t>
+            </a:r>
+          </a:p>
+          <a:p>
+            <a:r>
+              <a:rPr lang="en-US" dirty="0"/>
+              <a:t>Hosted and non-hosted Agents/Runners</a:t>
+            </a:r>
+          </a:p>
+        </p:txBody>
+      </p:sp>
+      <p:cxnSp>
+        <p:nvCxnSpPr>
+          <p:cNvPr id="16" name="Straight Connector 15">
+            <a:extLst>
+              <a:ext uri="{FF2B5EF4-FFF2-40B4-BE49-F238E27FC236}">
+                <a16:creationId xmlns:a16="http://schemas.microsoft.com/office/drawing/2014/main" id="{1766FD2F-248A-4AA1-8078-E26D6E690BB9}"/>
               </a:ext>
               <a:ext uri="{C183D7F6-B498-43B3-948B-1728B52AA6E4}">
                 <adec:decorative xmlns:adec="http://schemas.microsoft.com/office/drawing/2017/decorative" val="1"/>
               </a:ext>
             </a:extLst>
           </p:cNvPr>
-          <p:cNvSpPr>
-            <a:spLocks noGrp="1" noRot="1" noChangeAspect="1" noMove="1" noResize="1" noEditPoints="1" noAdjustHandles="1" noChangeArrowheads="1" noChangeShapeType="1" noTextEdit="1"/>
-          </p:cNvSpPr>
+          <p:cNvCxnSpPr>
+            <a:cxnSpLocks noGrp="1" noRot="1" noChangeAspect="1" noMove="1" noResize="1" noEditPoints="1" noAdjustHandles="1" noChangeArrowheads="1" noChangeShapeType="1"/>
+          </p:cNvCxnSpPr>
           <p:nvPr>
             <p:extLst>
               <p:ext uri="{386F3935-93C4-4BCD-93E2-E3B085C9AB24}">
@@ -3977,47 +9296,539 @@
               </p:ext>
             </p:extLst>
           </p:nvPr>
-        </p:nvSpPr>
+        </p:nvCxnSpPr>
         <p:spPr>
-          <a:xfrm rot="16200000" flipH="1" flipV="1">
-            <a:off x="1127553" y="-1127553"/>
-            <a:ext cx="6858000" cy="9113106"/>
+          <a:xfrm>
+            <a:off x="1233837" y="6172200"/>
+            <a:ext cx="9760638" cy="0"/>
+          </a:xfrm>
+          <a:prstGeom prst="line">
+            <a:avLst/>
+          </a:prstGeom>
+          <a:ln w="12700">
+            <a:solidFill>
+              <a:schemeClr val="tx1"/>
+            </a:solidFill>
+          </a:ln>
+        </p:spPr>
+        <p:style>
+          <a:lnRef idx="1">
+            <a:schemeClr val="accent1"/>
+          </a:lnRef>
+          <a:fillRef idx="0">
+            <a:schemeClr val="accent1"/>
+          </a:fillRef>
+          <a:effectRef idx="0">
+            <a:schemeClr val="accent1"/>
+          </a:effectRef>
+          <a:fontRef idx="minor">
+            <a:schemeClr val="tx1"/>
+          </a:fontRef>
+        </p:style>
+      </p:cxnSp>
+    </p:spTree>
+    <p:extLst>
+      <p:ext uri="{BB962C8B-B14F-4D97-AF65-F5344CB8AC3E}">
+        <p14:creationId xmlns:p14="http://schemas.microsoft.com/office/powerpoint/2010/main" val="2235108412"/>
+      </p:ext>
+    </p:extLst>
+  </p:cSld>
+  <p:clrMapOvr>
+    <a:masterClrMapping/>
+  </p:clrMapOvr>
+</p:sld>
+</file>
+
+<file path=ppt/slides/slide20.xml><?xml version="1.0" encoding="utf-8"?>
+<p:sld xmlns:a="http://schemas.openxmlformats.org/drawingml/2006/main" xmlns:r="http://schemas.openxmlformats.org/officeDocument/2006/relationships" xmlns:p="http://schemas.openxmlformats.org/presentationml/2006/main">
+  <p:cSld>
+    <p:spTree>
+      <p:nvGrpSpPr>
+        <p:cNvPr id="1" name=""/>
+        <p:cNvGrpSpPr/>
+        <p:nvPr/>
+      </p:nvGrpSpPr>
+      <p:grpSpPr>
+        <a:xfrm>
+          <a:off x="0" y="0"/>
+          <a:ext cx="0" cy="0"/>
+          <a:chOff x="0" y="0"/>
+          <a:chExt cx="0" cy="0"/>
+        </a:xfrm>
+      </p:grpSpPr>
+      <p:sp>
+        <p:nvSpPr>
+          <p:cNvPr id="2" name="Title 1">
+            <a:extLst>
+              <a:ext uri="{FF2B5EF4-FFF2-40B4-BE49-F238E27FC236}">
+                <a16:creationId xmlns:a16="http://schemas.microsoft.com/office/drawing/2014/main" id="{FA0F677B-A874-0C8D-5E90-31795C7D4579}"/>
+              </a:ext>
+            </a:extLst>
+          </p:cNvPr>
+          <p:cNvSpPr>
+            <a:spLocks noGrp="1"/>
+          </p:cNvSpPr>
+          <p:nvPr>
+            <p:ph type="title"/>
+          </p:nvPr>
+        </p:nvSpPr>
+        <p:spPr/>
+        <p:txBody>
+          <a:bodyPr>
+            <a:normAutofit/>
+          </a:bodyPr>
+          <a:lstStyle/>
+          <a:p>
+            <a:r>
+              <a:rPr lang="en-US" b="0" i="0" dirty="0">
+                <a:solidFill>
+                  <a:srgbClr val="374151"/>
+                </a:solidFill>
+                <a:effectLst/>
+                <a:latin typeface="Söhne"/>
+              </a:rPr>
+              <a:t>VI. Conclusion A. Recap of key takeaways</a:t>
+            </a:r>
+            <a:br>
+              <a:rPr lang="en-US" b="0" i="0" dirty="0">
+                <a:solidFill>
+                  <a:srgbClr val="374151"/>
+                </a:solidFill>
+                <a:effectLst/>
+                <a:latin typeface="Söhne"/>
+              </a:rPr>
+            </a:br>
+            <a:endParaRPr lang="en-US" dirty="0"/>
+          </a:p>
+        </p:txBody>
+      </p:sp>
+      <p:sp>
+        <p:nvSpPr>
+          <p:cNvPr id="3" name="Content Placeholder 2">
+            <a:extLst>
+              <a:ext uri="{FF2B5EF4-FFF2-40B4-BE49-F238E27FC236}">
+                <a16:creationId xmlns:a16="http://schemas.microsoft.com/office/drawing/2014/main" id="{1E5BE794-45D7-6D92-3888-2904A7A86220}"/>
+              </a:ext>
+            </a:extLst>
+          </p:cNvPr>
+          <p:cNvSpPr>
+            <a:spLocks noGrp="1"/>
+          </p:cNvSpPr>
+          <p:nvPr>
+            <p:ph idx="1"/>
+          </p:nvPr>
+        </p:nvSpPr>
+        <p:spPr/>
+        <p:txBody>
+          <a:bodyPr/>
+          <a:lstStyle/>
+          <a:p>
+            <a:endParaRPr lang="en-US"/>
+          </a:p>
+        </p:txBody>
+      </p:sp>
+      <p:sp>
+        <p:nvSpPr>
+          <p:cNvPr id="5" name="TextBox 4">
+            <a:extLst>
+              <a:ext uri="{FF2B5EF4-FFF2-40B4-BE49-F238E27FC236}">
+                <a16:creationId xmlns:a16="http://schemas.microsoft.com/office/drawing/2014/main" id="{26274D53-1A07-67A9-24EA-A3C2CC361275}"/>
+              </a:ext>
+            </a:extLst>
+          </p:cNvPr>
+          <p:cNvSpPr txBox="1"/>
+          <p:nvPr/>
+        </p:nvSpPr>
+        <p:spPr>
+          <a:xfrm>
+            <a:off x="3048856" y="3108403"/>
+            <a:ext cx="6097712" cy="646331"/>
+          </a:xfrm>
+          <a:prstGeom prst="rect">
+            <a:avLst/>
+          </a:prstGeom>
+          <a:noFill/>
+        </p:spPr>
+        <p:txBody>
+          <a:bodyPr wrap="square">
+            <a:spAutoFit/>
+          </a:bodyPr>
+          <a:lstStyle/>
+          <a:p>
+            <a:r>
+              <a:rPr lang="en-US" b="0" i="0" dirty="0">
+                <a:solidFill>
+                  <a:srgbClr val="374151"/>
+                </a:solidFill>
+                <a:effectLst/>
+                <a:latin typeface="Söhne"/>
+              </a:rPr>
+              <a:t>B. Future improvements to GitHub Actions C. Additional resources and references</a:t>
+            </a:r>
+            <a:endParaRPr lang="en-US" dirty="0"/>
+          </a:p>
+        </p:txBody>
+      </p:sp>
+    </p:spTree>
+    <p:extLst>
+      <p:ext uri="{BB962C8B-B14F-4D97-AF65-F5344CB8AC3E}">
+        <p14:creationId xmlns:p14="http://schemas.microsoft.com/office/powerpoint/2010/main" val="2024606021"/>
+      </p:ext>
+    </p:extLst>
+  </p:cSld>
+  <p:clrMapOvr>
+    <a:masterClrMapping/>
+  </p:clrMapOvr>
+</p:sld>
+</file>
+
+<file path=ppt/slides/slide21.xml><?xml version="1.0" encoding="utf-8"?>
+<p:sld xmlns:a="http://schemas.openxmlformats.org/drawingml/2006/main" xmlns:r="http://schemas.openxmlformats.org/officeDocument/2006/relationships" xmlns:p="http://schemas.openxmlformats.org/presentationml/2006/main">
+  <p:cSld>
+    <p:spTree>
+      <p:nvGrpSpPr>
+        <p:cNvPr id="1" name=""/>
+        <p:cNvGrpSpPr/>
+        <p:nvPr/>
+      </p:nvGrpSpPr>
+      <p:grpSpPr>
+        <a:xfrm>
+          <a:off x="0" y="0"/>
+          <a:ext cx="0" cy="0"/>
+          <a:chOff x="0" y="0"/>
+          <a:chExt cx="0" cy="0"/>
+        </a:xfrm>
+      </p:grpSpPr>
+      <p:sp>
+        <p:nvSpPr>
+          <p:cNvPr id="2" name="Title 1">
+            <a:extLst>
+              <a:ext uri="{FF2B5EF4-FFF2-40B4-BE49-F238E27FC236}">
+                <a16:creationId xmlns:a16="http://schemas.microsoft.com/office/drawing/2014/main" id="{9B67E82B-4090-096A-B90C-69EE98146A07}"/>
+              </a:ext>
+            </a:extLst>
+          </p:cNvPr>
+          <p:cNvSpPr>
+            <a:spLocks noGrp="1"/>
+          </p:cNvSpPr>
+          <p:nvPr>
+            <p:ph type="title"/>
+          </p:nvPr>
+        </p:nvSpPr>
+        <p:spPr/>
+        <p:txBody>
+          <a:bodyPr/>
+          <a:lstStyle/>
+          <a:p>
+            <a:r>
+              <a:rPr lang="en-US" b="0" i="0" dirty="0">
+                <a:solidFill>
+                  <a:srgbClr val="374151"/>
+                </a:solidFill>
+                <a:effectLst/>
+                <a:latin typeface="Söhne"/>
+              </a:rPr>
+              <a:t>B. Future improvements to GitHub Actions</a:t>
+            </a:r>
+            <a:endParaRPr lang="en-US" dirty="0"/>
+          </a:p>
+        </p:txBody>
+      </p:sp>
+      <p:sp>
+        <p:nvSpPr>
+          <p:cNvPr id="3" name="Content Placeholder 2">
+            <a:extLst>
+              <a:ext uri="{FF2B5EF4-FFF2-40B4-BE49-F238E27FC236}">
+                <a16:creationId xmlns:a16="http://schemas.microsoft.com/office/drawing/2014/main" id="{8BB6B1F0-F837-214F-44CE-2839D4384B85}"/>
+              </a:ext>
+            </a:extLst>
+          </p:cNvPr>
+          <p:cNvSpPr>
+            <a:spLocks noGrp="1"/>
+          </p:cNvSpPr>
+          <p:nvPr>
+            <p:ph idx="1"/>
+          </p:nvPr>
+        </p:nvSpPr>
+        <p:spPr/>
+        <p:txBody>
+          <a:bodyPr/>
+          <a:lstStyle/>
+          <a:p>
+            <a:endParaRPr lang="en-US"/>
+          </a:p>
+        </p:txBody>
+      </p:sp>
+    </p:spTree>
+    <p:extLst>
+      <p:ext uri="{BB962C8B-B14F-4D97-AF65-F5344CB8AC3E}">
+        <p14:creationId xmlns:p14="http://schemas.microsoft.com/office/powerpoint/2010/main" val="1243268020"/>
+      </p:ext>
+    </p:extLst>
+  </p:cSld>
+  <p:clrMapOvr>
+    <a:masterClrMapping/>
+  </p:clrMapOvr>
+</p:sld>
+</file>
+
+<file path=ppt/slides/slide22.xml><?xml version="1.0" encoding="utf-8"?>
+<p:sld xmlns:a="http://schemas.openxmlformats.org/drawingml/2006/main" xmlns:r="http://schemas.openxmlformats.org/officeDocument/2006/relationships" xmlns:p="http://schemas.openxmlformats.org/presentationml/2006/main">
+  <p:cSld>
+    <p:bg>
+      <p:bgPr>
+        <a:solidFill>
+          <a:schemeClr val="bg1"/>
+        </a:solidFill>
+        <a:effectLst/>
+      </p:bgPr>
+    </p:bg>
+    <p:spTree>
+      <p:nvGrpSpPr>
+        <p:cNvPr id="1" name=""/>
+        <p:cNvGrpSpPr/>
+        <p:nvPr/>
+      </p:nvGrpSpPr>
+      <p:grpSpPr>
+        <a:xfrm>
+          <a:off x="0" y="0"/>
+          <a:ext cx="0" cy="0"/>
+          <a:chOff x="0" y="0"/>
+          <a:chExt cx="0" cy="0"/>
+        </a:xfrm>
+      </p:grpSpPr>
+      <p:sp useBgFill="1">
+        <p:nvSpPr>
+          <p:cNvPr id="30" name="Rectangle 29">
+            <a:extLst>
+              <a:ext uri="{FF2B5EF4-FFF2-40B4-BE49-F238E27FC236}">
+                <a16:creationId xmlns:a16="http://schemas.microsoft.com/office/drawing/2014/main" id="{54F20867-41B0-484D-9DA7-0FC742D31A4D}"/>
+              </a:ext>
+              <a:ext uri="{C183D7F6-B498-43B3-948B-1728B52AA6E4}">
+                <adec:decorative xmlns:adec="http://schemas.microsoft.com/office/drawing/2017/decorative" val="1"/>
+              </a:ext>
+            </a:extLst>
+          </p:cNvPr>
+          <p:cNvSpPr>
+            <a:spLocks noGrp="1" noRot="1" noChangeAspect="1" noMove="1" noResize="1" noEditPoints="1" noAdjustHandles="1" noChangeArrowheads="1" noChangeShapeType="1" noTextEdit="1"/>
+          </p:cNvSpPr>
+          <p:nvPr>
+            <p:extLst>
+              <p:ext uri="{386F3935-93C4-4BCD-93E2-E3B085C9AB24}">
+                <p16:designElem xmlns:p16="http://schemas.microsoft.com/office/powerpoint/2015/main" val="1"/>
+              </p:ext>
+            </p:extLst>
+          </p:nvPr>
+        </p:nvSpPr>
+        <p:spPr>
+          <a:xfrm>
+            <a:off x="0" y="0"/>
+            <a:ext cx="12192000" cy="6858000"/>
+          </a:xfrm>
+          <a:prstGeom prst="rect">
+            <a:avLst/>
+          </a:prstGeom>
+          <a:ln w="12700" cap="flat" cmpd="sng" algn="ctr">
+            <a:noFill/>
+            <a:prstDash val="solid"/>
+            <a:miter lim="800000"/>
+          </a:ln>
+          <a:effectLst/>
+          <a:extLst>
+            <a:ext uri="{91240B29-F687-4F45-9708-019B960494DF}">
+              <a14:hiddenLine xmlns:a14="http://schemas.microsoft.com/office/drawing/2010/main" w="12700" cap="flat" cmpd="sng" algn="ctr">
+                <a:solidFill>
+                  <a:schemeClr val="accent1">
+                    <a:shade val="50000"/>
+                  </a:schemeClr>
+                </a:solidFill>
+                <a:prstDash val="solid"/>
+                <a:miter lim="800000"/>
+              </a14:hiddenLine>
+            </a:ext>
+          </a:extLst>
+        </p:spPr>
+        <p:style>
+          <a:lnRef idx="2">
+            <a:schemeClr val="accent1">
+              <a:shade val="50000"/>
+            </a:schemeClr>
+          </a:lnRef>
+          <a:fillRef idx="1">
+            <a:schemeClr val="accent1"/>
+          </a:fillRef>
+          <a:effectRef idx="0">
+            <a:schemeClr val="accent1"/>
+          </a:effectRef>
+          <a:fontRef idx="minor">
+            <a:schemeClr val="lt1"/>
+          </a:fontRef>
+        </p:style>
+        <p:txBody>
+          <a:bodyPr rtlCol="0" anchor="ctr"/>
+          <a:lstStyle/>
+          <a:p>
+            <a:pPr algn="ctr"/>
+            <a:endParaRPr lang="en-US"/>
+          </a:p>
+        </p:txBody>
+      </p:sp>
+      <p:sp>
+        <p:nvSpPr>
+          <p:cNvPr id="32" name="Freeform: Shape 31">
+            <a:extLst>
+              <a:ext uri="{FF2B5EF4-FFF2-40B4-BE49-F238E27FC236}">
+                <a16:creationId xmlns:a16="http://schemas.microsoft.com/office/drawing/2014/main" id="{2712B839-088B-4F97-96A4-6FAA8E3D1D63}"/>
+              </a:ext>
+              <a:ext uri="{C183D7F6-B498-43B3-948B-1728B52AA6E4}">
+                <adec:decorative xmlns:adec="http://schemas.microsoft.com/office/drawing/2017/decorative" val="1"/>
+              </a:ext>
+            </a:extLst>
+          </p:cNvPr>
+          <p:cNvSpPr>
+            <a:spLocks noGrp="1" noRot="1" noChangeAspect="1" noMove="1" noResize="1" noEditPoints="1" noAdjustHandles="1" noChangeArrowheads="1" noChangeShapeType="1" noTextEdit="1"/>
+          </p:cNvSpPr>
+          <p:nvPr>
+            <p:extLst>
+              <p:ext uri="{386F3935-93C4-4BCD-93E2-E3B085C9AB24}">
+                <p16:designElem xmlns:p16="http://schemas.microsoft.com/office/powerpoint/2015/main" val="1"/>
+              </p:ext>
+            </p:extLst>
+          </p:nvPr>
+        </p:nvSpPr>
+        <p:spPr>
+          <a:xfrm>
+            <a:off x="3073870" y="-2"/>
+            <a:ext cx="8239927" cy="6858000"/>
           </a:xfrm>
           <a:custGeom>
             <a:avLst/>
             <a:gdLst>
-              <a:gd name="connsiteX0" fmla="*/ 0 w 6858000"/>
-              <a:gd name="connsiteY0" fmla="*/ 7143270 h 9113106"/>
-              <a:gd name="connsiteX1" fmla="*/ 0 w 6858000"/>
-              <a:gd name="connsiteY1" fmla="*/ 6878623 h 9113106"/>
-              <a:gd name="connsiteX2" fmla="*/ 1 w 6858000"/>
-              <a:gd name="connsiteY2" fmla="*/ 6878623 h 9113106"/>
-              <a:gd name="connsiteX3" fmla="*/ 0 w 6858000"/>
-              <a:gd name="connsiteY3" fmla="*/ 4319945 h 9113106"/>
-              <a:gd name="connsiteX4" fmla="*/ 1 w 6858000"/>
-              <a:gd name="connsiteY4" fmla="*/ 4319945 h 9113106"/>
-              <a:gd name="connsiteX5" fmla="*/ 1 w 6858000"/>
-              <a:gd name="connsiteY5" fmla="*/ 13542 h 9113106"/>
-              <a:gd name="connsiteX6" fmla="*/ 0 w 6858000"/>
-              <a:gd name="connsiteY6" fmla="*/ 13540 h 9113106"/>
-              <a:gd name="connsiteX7" fmla="*/ 0 w 6858000"/>
-              <a:gd name="connsiteY7" fmla="*/ 0 h 9113106"/>
-              <a:gd name="connsiteX8" fmla="*/ 6858000 w 6858000"/>
-              <a:gd name="connsiteY8" fmla="*/ 6010591 h 9113106"/>
-              <a:gd name="connsiteX9" fmla="*/ 6858000 w 6858000"/>
-              <a:gd name="connsiteY9" fmla="*/ 3794798 h 9113106"/>
-              <a:gd name="connsiteX10" fmla="*/ 6858000 w 6858000"/>
-              <a:gd name="connsiteY10" fmla="*/ 3794798 h 9113106"/>
-              <a:gd name="connsiteX11" fmla="*/ 6858000 w 6858000"/>
-              <a:gd name="connsiteY11" fmla="*/ 3837120 h 9113106"/>
-              <a:gd name="connsiteX12" fmla="*/ 6858000 w 6858000"/>
-              <a:gd name="connsiteY12" fmla="*/ 6838049 h 9113106"/>
-              <a:gd name="connsiteX13" fmla="*/ 6858000 w 6858000"/>
-              <a:gd name="connsiteY13" fmla="*/ 9113106 h 9113106"/>
-              <a:gd name="connsiteX14" fmla="*/ 1 w 6858000"/>
-              <a:gd name="connsiteY14" fmla="*/ 9113106 h 9113106"/>
-              <a:gd name="connsiteX15" fmla="*/ 1 w 6858000"/>
-              <a:gd name="connsiteY15" fmla="*/ 7143270 h 9113106"/>
+              <a:gd name="connsiteX0" fmla="*/ 6010593 w 8239927"/>
+              <a:gd name="connsiteY0" fmla="*/ 0 h 6858000"/>
+              <a:gd name="connsiteX1" fmla="*/ 8239927 w 8239927"/>
+              <a:gd name="connsiteY1" fmla="*/ 0 h 6858000"/>
+              <a:gd name="connsiteX2" fmla="*/ 2229335 w 8239927"/>
+              <a:gd name="connsiteY2" fmla="*/ 6858000 h 6858000"/>
+              <a:gd name="connsiteX3" fmla="*/ 0 w 8239927"/>
+              <a:gd name="connsiteY3" fmla="*/ 6858000 h 6858000"/>
+            </a:gdLst>
+            <a:ahLst/>
+            <a:cxnLst>
+              <a:cxn ang="0">
+                <a:pos x="connsiteX0" y="connsiteY0"/>
+              </a:cxn>
+              <a:cxn ang="0">
+                <a:pos x="connsiteX1" y="connsiteY1"/>
+              </a:cxn>
+              <a:cxn ang="0">
+                <a:pos x="connsiteX2" y="connsiteY2"/>
+              </a:cxn>
+              <a:cxn ang="0">
+                <a:pos x="connsiteX3" y="connsiteY3"/>
+              </a:cxn>
+            </a:cxnLst>
+            <a:rect l="l" t="t" r="r" b="b"/>
+            <a:pathLst>
+              <a:path w="8239927" h="6858000">
+                <a:moveTo>
+                  <a:pt x="6010593" y="0"/>
+                </a:moveTo>
+                <a:lnTo>
+                  <a:pt x="8239927" y="0"/>
+                </a:lnTo>
+                <a:lnTo>
+                  <a:pt x="2229335" y="6858000"/>
+                </a:lnTo>
+                <a:lnTo>
+                  <a:pt x="0" y="6858000"/>
+                </a:lnTo>
+                <a:close/>
+              </a:path>
+            </a:pathLst>
+          </a:custGeom>
+          <a:solidFill>
+            <a:schemeClr val="bg2"/>
+          </a:solidFill>
+          <a:ln w="12700" cap="flat" cmpd="sng" algn="ctr">
+            <a:noFill/>
+            <a:prstDash val="solid"/>
+            <a:miter lim="800000"/>
+          </a:ln>
+          <a:effectLst/>
+        </p:spPr>
+        <p:style>
+          <a:lnRef idx="2">
+            <a:schemeClr val="accent1">
+              <a:shade val="50000"/>
+            </a:schemeClr>
+          </a:lnRef>
+          <a:fillRef idx="1">
+            <a:schemeClr val="accent1"/>
+          </a:fillRef>
+          <a:effectRef idx="0">
+            <a:schemeClr val="accent1"/>
+          </a:effectRef>
+          <a:fontRef idx="minor">
+            <a:schemeClr val="lt1"/>
+          </a:fontRef>
+        </p:style>
+        <p:txBody>
+          <a:bodyPr rtlCol="0" anchor="ctr"/>
+          <a:lstStyle/>
+          <a:p>
+            <a:pPr algn="ctr"/>
+            <a:endParaRPr lang="en-US"/>
+          </a:p>
+        </p:txBody>
+      </p:sp>
+      <p:sp>
+        <p:nvSpPr>
+          <p:cNvPr id="34" name="Freeform: Shape 33">
+            <a:extLst>
+              <a:ext uri="{FF2B5EF4-FFF2-40B4-BE49-F238E27FC236}">
+                <a16:creationId xmlns:a16="http://schemas.microsoft.com/office/drawing/2014/main" id="{789BAF08-0AD0-4642-9767-4D53853C5976}"/>
+              </a:ext>
+              <a:ext uri="{C183D7F6-B498-43B3-948B-1728B52AA6E4}">
+                <adec:decorative xmlns:adec="http://schemas.microsoft.com/office/drawing/2017/decorative" val="1"/>
+              </a:ext>
+            </a:extLst>
+          </p:cNvPr>
+          <p:cNvSpPr>
+            <a:spLocks noGrp="1" noRot="1" noChangeAspect="1" noMove="1" noResize="1" noEditPoints="1" noAdjustHandles="1" noChangeArrowheads="1" noChangeShapeType="1" noTextEdit="1"/>
+          </p:cNvSpPr>
+          <p:nvPr>
+            <p:extLst>
+              <p:ext uri="{386F3935-93C4-4BCD-93E2-E3B085C9AB24}">
+                <p16:designElem xmlns:p16="http://schemas.microsoft.com/office/powerpoint/2015/main" val="1"/>
+              </p:ext>
+            </p:extLst>
+          </p:nvPr>
+        </p:nvSpPr>
+        <p:spPr>
+          <a:xfrm>
+            <a:off x="5299527" y="0"/>
+            <a:ext cx="6899617" cy="6858000"/>
+          </a:xfrm>
+          <a:custGeom>
+            <a:avLst/>
+            <a:gdLst>
+              <a:gd name="connsiteX0" fmla="*/ 6010592 w 6899617"/>
+              <a:gd name="connsiteY0" fmla="*/ 0 h 6858000"/>
+              <a:gd name="connsiteX1" fmla="*/ 6036517 w 6899617"/>
+              <a:gd name="connsiteY1" fmla="*/ 0 h 6858000"/>
+              <a:gd name="connsiteX2" fmla="*/ 6899617 w 6899617"/>
+              <a:gd name="connsiteY2" fmla="*/ 0 h 6858000"/>
+              <a:gd name="connsiteX3" fmla="*/ 6899617 w 6899617"/>
+              <a:gd name="connsiteY3" fmla="*/ 1529274 h 6858000"/>
+              <a:gd name="connsiteX4" fmla="*/ 6899617 w 6899617"/>
+              <a:gd name="connsiteY4" fmla="*/ 6858000 h 6858000"/>
+              <a:gd name="connsiteX5" fmla="*/ 2229334 w 6899617"/>
+              <a:gd name="connsiteY5" fmla="*/ 6858000 h 6858000"/>
+              <a:gd name="connsiteX6" fmla="*/ 25925 w 6899617"/>
+              <a:gd name="connsiteY6" fmla="*/ 6858000 h 6858000"/>
+              <a:gd name="connsiteX7" fmla="*/ 0 w 6899617"/>
+              <a:gd name="connsiteY7" fmla="*/ 6858000 h 6858000"/>
             </a:gdLst>
             <a:ahLst/>
             <a:cxnLst>
@@ -4045,94 +9856,47 @@
               <a:cxn ang="0">
                 <a:pos x="connsiteX7" y="connsiteY7"/>
               </a:cxn>
-              <a:cxn ang="0">
-                <a:pos x="connsiteX8" y="connsiteY8"/>
-              </a:cxn>
-              <a:cxn ang="0">
-                <a:pos x="connsiteX9" y="connsiteY9"/>
-              </a:cxn>
-              <a:cxn ang="0">
-                <a:pos x="connsiteX10" y="connsiteY10"/>
-              </a:cxn>
-              <a:cxn ang="0">
-                <a:pos x="connsiteX11" y="connsiteY11"/>
-              </a:cxn>
-              <a:cxn ang="0">
-                <a:pos x="connsiteX12" y="connsiteY12"/>
-              </a:cxn>
-              <a:cxn ang="0">
-                <a:pos x="connsiteX13" y="connsiteY13"/>
-              </a:cxn>
-              <a:cxn ang="0">
-                <a:pos x="connsiteX14" y="connsiteY14"/>
-              </a:cxn>
-              <a:cxn ang="0">
-                <a:pos x="connsiteX15" y="connsiteY15"/>
-              </a:cxn>
             </a:cxnLst>
             <a:rect l="l" t="t" r="r" b="b"/>
             <a:pathLst>
-              <a:path w="6858000" h="9113106">
+              <a:path w="6899617" h="6858000">
                 <a:moveTo>
-                  <a:pt x="0" y="7143270"/>
+                  <a:pt x="6010592" y="0"/>
                 </a:moveTo>
                 <a:lnTo>
-                  <a:pt x="0" y="6878623"/>
+                  <a:pt x="6036517" y="0"/>
                 </a:lnTo>
                 <a:lnTo>
-                  <a:pt x="1" y="6878623"/>
+                  <a:pt x="6899617" y="0"/>
                 </a:lnTo>
                 <a:lnTo>
-                  <a:pt x="0" y="4319945"/>
+                  <a:pt x="6899617" y="1529274"/>
                 </a:lnTo>
                 <a:lnTo>
-                  <a:pt x="1" y="4319945"/>
+                  <a:pt x="6899617" y="6858000"/>
                 </a:lnTo>
                 <a:lnTo>
-                  <a:pt x="1" y="13542"/>
+                  <a:pt x="2229334" y="6858000"/>
                 </a:lnTo>
                 <a:lnTo>
-                  <a:pt x="0" y="13540"/>
+                  <a:pt x="25925" y="6858000"/>
                 </a:lnTo>
                 <a:lnTo>
-                  <a:pt x="0" y="0"/>
-                </a:lnTo>
-                <a:lnTo>
-                  <a:pt x="6858000" y="6010591"/>
-                </a:lnTo>
-                <a:lnTo>
-                  <a:pt x="6858000" y="3794798"/>
-                </a:lnTo>
-                <a:lnTo>
-                  <a:pt x="6858000" y="3794798"/>
-                </a:lnTo>
-                <a:lnTo>
-                  <a:pt x="6858000" y="3837120"/>
-                </a:lnTo>
-                <a:lnTo>
-                  <a:pt x="6858000" y="6838049"/>
-                </a:lnTo>
-                <a:lnTo>
-                  <a:pt x="6858000" y="9113106"/>
-                </a:lnTo>
-                <a:lnTo>
-                  <a:pt x="1" y="9113106"/>
-                </a:lnTo>
-                <a:lnTo>
-                  <a:pt x="1" y="7143270"/>
+                  <a:pt x="0" y="6858000"/>
                 </a:lnTo>
                 <a:close/>
               </a:path>
             </a:pathLst>
           </a:custGeom>
           <a:solidFill>
-            <a:srgbClr val="000000">
-              <a:alpha val="60000"/>
-            </a:srgbClr>
+            <a:srgbClr val="FFFFFF"/>
           </a:solidFill>
-          <a:ln>
+          <a:ln w="12700" cap="flat" cmpd="sng" algn="ctr">
             <a:noFill/>
+            <a:prstDash val="solid"/>
+            <a:miter lim="800000"/>
           </a:ln>
+          <a:effectLst/>
         </p:spPr>
         <p:style>
           <a:lnRef idx="2">
@@ -4166,7 +9930,7 @@
           <p:cNvPr id="2" name="Title 1">
             <a:extLst>
               <a:ext uri="{FF2B5EF4-FFF2-40B4-BE49-F238E27FC236}">
-                <a16:creationId xmlns:a16="http://schemas.microsoft.com/office/drawing/2014/main" id="{581860CC-17F0-0903-F4A8-DC8061CEC54D}"/>
+                <a16:creationId xmlns:a16="http://schemas.microsoft.com/office/drawing/2014/main" id="{7EDA817F-EE0E-6D37-BB43-37F415C8C170}"/>
               </a:ext>
             </a:extLst>
           </p:cNvPr>
@@ -4174,17 +9938,17 @@
             <a:spLocks noGrp="1"/>
           </p:cNvSpPr>
           <p:nvPr>
-            <p:ph type="ctrTitle"/>
+            <p:ph type="title"/>
           </p:nvPr>
         </p:nvSpPr>
         <p:spPr>
           <a:xfrm>
-            <a:off x="1143001" y="1181101"/>
-            <a:ext cx="4953000" cy="2832404"/>
+            <a:off x="1142999" y="872937"/>
+            <a:ext cx="5946290" cy="1360898"/>
           </a:xfrm>
         </p:spPr>
         <p:txBody>
-          <a:bodyPr anchor="t">
+          <a:bodyPr vert="horz" lIns="91440" tIns="45720" rIns="91440" bIns="45720" rtlCol="0">
             <a:normAutofit/>
           </a:bodyPr>
           <a:lstStyle/>
@@ -4195,22 +9959,21 @@
               </a:lnSpc>
             </a:pPr>
             <a:r>
-              <a:rPr lang="en-US">
-                <a:solidFill>
-                  <a:srgbClr val="FFFFFF"/>
-                </a:solidFill>
+              <a:rPr lang="en-US" sz="3100" b="0" i="0" cap="all" spc="300">
+                <a:effectLst/>
               </a:rPr>
-              <a:t>Getting Started with GitHub Actions</a:t>
+              <a:t>Additional resources and references</a:t>
             </a:r>
-          </a:p>
-        </p:txBody>
-      </p:sp>
-      <p:sp>
-        <p:nvSpPr>
-          <p:cNvPr id="3" name="Subtitle 2">
-            <a:extLst>
-              <a:ext uri="{FF2B5EF4-FFF2-40B4-BE49-F238E27FC236}">
-                <a16:creationId xmlns:a16="http://schemas.microsoft.com/office/drawing/2014/main" id="{64E78011-366F-5481-85AC-329EED43DEB3}"/>
+            <a:endParaRPr lang="en-US" sz="3100" cap="all" spc="300"/>
+          </a:p>
+        </p:txBody>
+      </p:sp>
+      <p:sp>
+        <p:nvSpPr>
+          <p:cNvPr id="3" name="Content Placeholder 2">
+            <a:extLst>
+              <a:ext uri="{FF2B5EF4-FFF2-40B4-BE49-F238E27FC236}">
+                <a16:creationId xmlns:a16="http://schemas.microsoft.com/office/drawing/2014/main" id="{126C2C7C-56DA-3D11-1F21-4980036DA941}"/>
               </a:ext>
             </a:extLst>
           </p:cNvPr>
@@ -4218,33 +9981,71 @@
             <a:spLocks noGrp="1"/>
           </p:cNvSpPr>
           <p:nvPr>
-            <p:ph type="subTitle" idx="1"/>
+            <p:ph idx="1"/>
           </p:nvPr>
         </p:nvSpPr>
         <p:spPr>
           <a:xfrm>
-            <a:off x="1143002" y="4535293"/>
-            <a:ext cx="2561794" cy="1291887"/>
+            <a:off x="1143000" y="2332028"/>
+            <a:ext cx="3729867" cy="3840172"/>
           </a:xfrm>
         </p:spPr>
         <p:txBody>
-          <a:bodyPr anchor="b">
+          <a:bodyPr vert="horz" lIns="91440" tIns="45720" rIns="91440" bIns="45720" rtlCol="0">
             <a:normAutofit/>
           </a:bodyPr>
           <a:lstStyle/>
           <a:p>
-            <a:endParaRPr lang="en-US">
-              <a:solidFill>
-                <a:srgbClr val="FFFFFF"/>
-              </a:solidFill>
-            </a:endParaRPr>
-          </a:p>
-        </p:txBody>
-      </p:sp>
+            <a:pPr marL="0" indent="0">
+              <a:buNone/>
+            </a:pPr>
+            <a:r>
+              <a:rPr lang="en-US"/>
+              <a:t>Documentation: </a:t>
+            </a:r>
+            <a:r>
+              <a:rPr lang="en-US">
+                <a:hlinkClick r:id="rId2"/>
+              </a:rPr>
+              <a:t>GitHub Actions Documentation - GitHub Docs</a:t>
+            </a:r>
+            <a:endParaRPr lang="en-US"/>
+          </a:p>
+        </p:txBody>
+      </p:sp>
+      <p:pic>
+        <p:nvPicPr>
+          <p:cNvPr id="25" name="Picture 4" descr="Different coloured organisers">
+            <a:extLst>
+              <a:ext uri="{FF2B5EF4-FFF2-40B4-BE49-F238E27FC236}">
+                <a16:creationId xmlns:a16="http://schemas.microsoft.com/office/drawing/2014/main" id="{16CDFA12-E91A-A340-2120-5F263D3A90E3}"/>
+              </a:ext>
+            </a:extLst>
+          </p:cNvPr>
+          <p:cNvPicPr>
+            <a:picLocks noChangeAspect="1"/>
+          </p:cNvPicPr>
+          <p:nvPr/>
+        </p:nvPicPr>
+        <p:blipFill rotWithShape="1">
+          <a:blip r:embed="rId3"/>
+          <a:srcRect l="19734" r="19628" b="1"/>
+          <a:stretch/>
+        </p:blipFill>
+        <p:spPr>
+          <a:xfrm>
+            <a:off x="8731045" y="3226832"/>
+            <a:ext cx="2817487" cy="2811045"/>
+          </a:xfrm>
+          <a:prstGeom prst="rect">
+            <a:avLst/>
+          </a:prstGeom>
+        </p:spPr>
+      </p:pic>
     </p:spTree>
     <p:extLst>
       <p:ext uri="{BB962C8B-B14F-4D97-AF65-F5344CB8AC3E}">
-        <p14:creationId xmlns:p14="http://schemas.microsoft.com/office/powerpoint/2010/main" val="2757586524"/>
+        <p14:creationId xmlns:p14="http://schemas.microsoft.com/office/powerpoint/2010/main" val="1974983092"/>
       </p:ext>
     </p:extLst>
   </p:cSld>
@@ -4254,9 +10055,17 @@
 </p:sld>
 </file>
 
-<file path=ppt/slides/slide10.xml><?xml version="1.0" encoding="utf-8"?>
+<file path=ppt/slides/slide3.xml><?xml version="1.0" encoding="utf-8"?>
 <p:sld xmlns:a="http://schemas.openxmlformats.org/drawingml/2006/main" xmlns:r="http://schemas.openxmlformats.org/officeDocument/2006/relationships" xmlns:p="http://schemas.openxmlformats.org/presentationml/2006/main">
   <p:cSld>
+    <p:bg>
+      <p:bgPr>
+        <a:solidFill>
+          <a:schemeClr val="bg1"/>
+        </a:solidFill>
+        <a:effectLst/>
+      </p:bgPr>
+    </p:bg>
     <p:spTree>
       <p:nvGrpSpPr>
         <p:cNvPr id="1" name=""/>
@@ -4271,12 +10080,88 @@
           <a:chExt cx="0" cy="0"/>
         </a:xfrm>
       </p:grpSpPr>
+      <p:sp useBgFill="1">
+        <p:nvSpPr>
+          <p:cNvPr id="13" name="Rectangle 8">
+            <a:extLst>
+              <a:ext uri="{FF2B5EF4-FFF2-40B4-BE49-F238E27FC236}">
+                <a16:creationId xmlns:a16="http://schemas.microsoft.com/office/drawing/2014/main" id="{AB20E7A4-EC2C-47C8-BE55-65771E3F2EDA}"/>
+              </a:ext>
+              <a:ext uri="{C183D7F6-B498-43B3-948B-1728B52AA6E4}">
+                <adec:decorative xmlns:adec="http://schemas.microsoft.com/office/drawing/2017/decorative" val="1"/>
+              </a:ext>
+            </a:extLst>
+          </p:cNvPr>
+          <p:cNvSpPr>
+            <a:spLocks noGrp="1" noRot="1" noChangeAspect="1" noMove="1" noResize="1" noEditPoints="1" noAdjustHandles="1" noChangeArrowheads="1" noChangeShapeType="1" noTextEdit="1"/>
+          </p:cNvSpPr>
+          <p:nvPr>
+            <p:extLst>
+              <p:ext uri="{386F3935-93C4-4BCD-93E2-E3B085C9AB24}">
+                <p16:designElem xmlns:p16="http://schemas.microsoft.com/office/powerpoint/2015/main" val="1"/>
+              </p:ext>
+            </p:extLst>
+          </p:nvPr>
+        </p:nvSpPr>
+        <p:spPr>
+          <a:xfrm>
+            <a:off x="0" y="0"/>
+            <a:ext cx="12192000" cy="6858000"/>
+          </a:xfrm>
+          <a:prstGeom prst="rect">
+            <a:avLst/>
+          </a:prstGeom>
+          <a:ln w="12700" cap="flat" cmpd="sng" algn="ctr">
+            <a:noFill/>
+            <a:prstDash val="solid"/>
+            <a:miter lim="800000"/>
+          </a:ln>
+          <a:effectLst/>
+          <a:extLst>
+            <a:ext uri="{91240B29-F687-4F45-9708-019B960494DF}">
+              <a14:hiddenLine xmlns:a14="http://schemas.microsoft.com/office/drawing/2010/main" w="12700" cap="flat" cmpd="sng" algn="ctr">
+                <a:solidFill>
+                  <a:schemeClr val="accent1">
+                    <a:shade val="50000"/>
+                  </a:schemeClr>
+                </a:solidFill>
+                <a:prstDash val="solid"/>
+                <a:miter lim="800000"/>
+              </a14:hiddenLine>
+            </a:ext>
+          </a:extLst>
+        </p:spPr>
+        <p:style>
+          <a:lnRef idx="2">
+            <a:schemeClr val="accent1">
+              <a:shade val="50000"/>
+            </a:schemeClr>
+          </a:lnRef>
+          <a:fillRef idx="1">
+            <a:schemeClr val="accent1"/>
+          </a:fillRef>
+          <a:effectRef idx="0">
+            <a:schemeClr val="accent1"/>
+          </a:effectRef>
+          <a:fontRef idx="minor">
+            <a:schemeClr val="lt1"/>
+          </a:fontRef>
+        </p:style>
+        <p:txBody>
+          <a:bodyPr rtlCol="0" anchor="ctr"/>
+          <a:lstStyle/>
+          <a:p>
+            <a:pPr algn="ctr"/>
+            <a:endParaRPr lang="en-US"/>
+          </a:p>
+        </p:txBody>
+      </p:sp>
       <p:sp>
         <p:nvSpPr>
           <p:cNvPr id="2" name="Title 1">
             <a:extLst>
               <a:ext uri="{FF2B5EF4-FFF2-40B4-BE49-F238E27FC236}">
-                <a16:creationId xmlns:a16="http://schemas.microsoft.com/office/drawing/2014/main" id="{96CD9417-4563-CF61-CBBA-320028757685}"/>
+                <a16:creationId xmlns:a16="http://schemas.microsoft.com/office/drawing/2014/main" id="{31A8945E-D433-2726-0149-4802FF786025}"/>
               </a:ext>
             </a:extLst>
           </p:cNvPr>
@@ -4287,54 +10172,116 @@
             <p:ph type="title"/>
           </p:nvPr>
         </p:nvSpPr>
-        <p:spPr/>
-        <p:txBody>
-          <a:bodyPr/>
+        <p:spPr>
+          <a:xfrm>
+            <a:off x="1143000" y="1181100"/>
+            <a:ext cx="3894413" cy="2514828"/>
+          </a:xfrm>
+        </p:spPr>
+        <p:txBody>
+          <a:bodyPr anchor="t">
+            <a:normAutofit/>
+          </a:bodyPr>
           <a:lstStyle/>
           <a:p>
             <a:r>
-              <a:rPr lang="en-US" b="0" i="0" dirty="0">
-                <a:solidFill>
-                  <a:srgbClr val="374151"/>
-                </a:solidFill>
+              <a:rPr lang="en-US" b="0" i="0">
                 <a:effectLst/>
                 <a:latin typeface="Söhne"/>
               </a:rPr>
-              <a:t>F. Adding workflow steps</a:t>
+              <a:t>Advantages of using GitHub Actions</a:t>
             </a:r>
             <a:endParaRPr lang="en-US" dirty="0"/>
           </a:p>
         </p:txBody>
       </p:sp>
-      <p:sp>
-        <p:nvSpPr>
-          <p:cNvPr id="3" name="Content Placeholder 2">
-            <a:extLst>
-              <a:ext uri="{FF2B5EF4-FFF2-40B4-BE49-F238E27FC236}">
-                <a16:creationId xmlns:a16="http://schemas.microsoft.com/office/drawing/2014/main" id="{77F04A91-7CFA-3EDC-0CB2-A037A73DF9C6}"/>
-              </a:ext>
-            </a:extLst>
-          </p:cNvPr>
-          <p:cNvSpPr>
-            <a:spLocks noGrp="1"/>
-          </p:cNvSpPr>
+      <p:cxnSp>
+        <p:nvCxnSpPr>
+          <p:cNvPr id="14" name="Straight Connector 10">
+            <a:extLst>
+              <a:ext uri="{FF2B5EF4-FFF2-40B4-BE49-F238E27FC236}">
+                <a16:creationId xmlns:a16="http://schemas.microsoft.com/office/drawing/2014/main" id="{1766FD2F-248A-4AA1-8078-E26D6E690BB9}"/>
+              </a:ext>
+              <a:ext uri="{C183D7F6-B498-43B3-948B-1728B52AA6E4}">
+                <adec:decorative xmlns:adec="http://schemas.microsoft.com/office/drawing/2017/decorative" val="1"/>
+              </a:ext>
+            </a:extLst>
+          </p:cNvPr>
+          <p:cNvCxnSpPr>
+            <a:cxnSpLocks noGrp="1" noRot="1" noChangeAspect="1" noMove="1" noResize="1" noEditPoints="1" noAdjustHandles="1" noChangeArrowheads="1" noChangeShapeType="1"/>
+          </p:cNvCxnSpPr>
+          <p:nvPr>
+            <p:extLst>
+              <p:ext uri="{386F3935-93C4-4BCD-93E2-E3B085C9AB24}">
+                <p16:designElem xmlns:p16="http://schemas.microsoft.com/office/powerpoint/2015/main" val="1"/>
+              </p:ext>
+            </p:extLst>
+          </p:nvPr>
+        </p:nvCxnSpPr>
+        <p:spPr>
+          <a:xfrm>
+            <a:off x="1233837" y="6172200"/>
+            <a:ext cx="9760638" cy="0"/>
+          </a:xfrm>
+          <a:prstGeom prst="line">
+            <a:avLst/>
+          </a:prstGeom>
+          <a:ln w="12700">
+            <a:solidFill>
+              <a:schemeClr val="tx1"/>
+            </a:solidFill>
+          </a:ln>
+        </p:spPr>
+        <p:style>
+          <a:lnRef idx="1">
+            <a:schemeClr val="accent1"/>
+          </a:lnRef>
+          <a:fillRef idx="0">
+            <a:schemeClr val="accent1"/>
+          </a:fillRef>
+          <a:effectRef idx="0">
+            <a:schemeClr val="accent1"/>
+          </a:effectRef>
+          <a:fontRef idx="minor">
+            <a:schemeClr val="tx1"/>
+          </a:fontRef>
+        </p:style>
+      </p:cxnSp>
+      <p:graphicFrame>
+        <p:nvGraphicFramePr>
+          <p:cNvPr id="15" name="Content Placeholder 2">
+            <a:extLst>
+              <a:ext uri="{FF2B5EF4-FFF2-40B4-BE49-F238E27FC236}">
+                <a16:creationId xmlns:a16="http://schemas.microsoft.com/office/drawing/2014/main" id="{F28164AE-CDB0-D742-F1ED-A7B2512DFB73}"/>
+              </a:ext>
+            </a:extLst>
+          </p:cNvPr>
+          <p:cNvGraphicFramePr>
+            <a:graphicFrameLocks noGrp="1"/>
+          </p:cNvGraphicFramePr>
           <p:nvPr>
             <p:ph idx="1"/>
-          </p:nvPr>
-        </p:nvSpPr>
-        <p:spPr/>
-        <p:txBody>
-          <a:bodyPr/>
-          <a:lstStyle/>
-          <a:p>
-            <a:endParaRPr lang="en-US"/>
-          </a:p>
-        </p:txBody>
-      </p:sp>
+            <p:extLst>
+              <p:ext uri="{D42A27DB-BD31-4B8C-83A1-F6EECF244321}">
+                <p14:modId xmlns:p14="http://schemas.microsoft.com/office/powerpoint/2010/main" val="182923080"/>
+              </p:ext>
+            </p:extLst>
+          </p:nvPr>
+        </p:nvGraphicFramePr>
+        <p:xfrm>
+          <a:off x="5650663" y="1023909"/>
+          <a:ext cx="5398337" cy="4829345"/>
+        </p:xfrm>
+        <a:graphic>
+          <a:graphicData uri="http://schemas.openxmlformats.org/drawingml/2006/diagram">
+            <dgm:relIds xmlns:dgm="http://schemas.openxmlformats.org/drawingml/2006/diagram" xmlns:r="http://schemas.openxmlformats.org/officeDocument/2006/relationships" r:dm="rId3" r:lo="rId4" r:qs="rId5" r:cs="rId6"/>
+          </a:graphicData>
+        </a:graphic>
+      </p:graphicFrame>
     </p:spTree>
     <p:extLst>
       <p:ext uri="{BB962C8B-B14F-4D97-AF65-F5344CB8AC3E}">
-        <p14:creationId xmlns:p14="http://schemas.microsoft.com/office/powerpoint/2010/main" val="4016695534"/>
+        <p14:creationId xmlns:p14="http://schemas.microsoft.com/office/powerpoint/2010/main" val="2397704679"/>
       </p:ext>
     </p:extLst>
   </p:cSld>
@@ -4344,845 +10291,7 @@
 </p:sld>
 </file>
 
-<file path=ppt/slides/slide11.xml><?xml version="1.0" encoding="utf-8"?>
-<p:sld xmlns:a="http://schemas.openxmlformats.org/drawingml/2006/main" xmlns:r="http://schemas.openxmlformats.org/officeDocument/2006/relationships" xmlns:p="http://schemas.openxmlformats.org/presentationml/2006/main">
-  <p:cSld>
-    <p:spTree>
-      <p:nvGrpSpPr>
-        <p:cNvPr id="1" name=""/>
-        <p:cNvGrpSpPr/>
-        <p:nvPr/>
-      </p:nvGrpSpPr>
-      <p:grpSpPr>
-        <a:xfrm>
-          <a:off x="0" y="0"/>
-          <a:ext cx="0" cy="0"/>
-          <a:chOff x="0" y="0"/>
-          <a:chExt cx="0" cy="0"/>
-        </a:xfrm>
-      </p:grpSpPr>
-      <p:sp>
-        <p:nvSpPr>
-          <p:cNvPr id="2" name="Title 1">
-            <a:extLst>
-              <a:ext uri="{FF2B5EF4-FFF2-40B4-BE49-F238E27FC236}">
-                <a16:creationId xmlns:a16="http://schemas.microsoft.com/office/drawing/2014/main" id="{6878C9FA-30AE-4B4E-826C-FC63EAD1A36A}"/>
-              </a:ext>
-            </a:extLst>
-          </p:cNvPr>
-          <p:cNvSpPr>
-            <a:spLocks noGrp="1"/>
-          </p:cNvSpPr>
-          <p:nvPr>
-            <p:ph type="title"/>
-          </p:nvPr>
-        </p:nvSpPr>
-        <p:spPr/>
-        <p:txBody>
-          <a:bodyPr/>
-          <a:lstStyle/>
-          <a:p>
-            <a:r>
-              <a:rPr lang="en-US" b="0" i="0" dirty="0">
-                <a:solidFill>
-                  <a:srgbClr val="374151"/>
-                </a:solidFill>
-                <a:effectLst/>
-                <a:latin typeface="Söhne"/>
-              </a:rPr>
-              <a:t>G. Workflow syntax</a:t>
-            </a:r>
-            <a:endParaRPr lang="en-US" dirty="0"/>
-          </a:p>
-        </p:txBody>
-      </p:sp>
-      <p:sp>
-        <p:nvSpPr>
-          <p:cNvPr id="3" name="Content Placeholder 2">
-            <a:extLst>
-              <a:ext uri="{FF2B5EF4-FFF2-40B4-BE49-F238E27FC236}">
-                <a16:creationId xmlns:a16="http://schemas.microsoft.com/office/drawing/2014/main" id="{CDBDF93D-85D9-A569-1EB8-E82F7401B423}"/>
-              </a:ext>
-            </a:extLst>
-          </p:cNvPr>
-          <p:cNvSpPr>
-            <a:spLocks noGrp="1"/>
-          </p:cNvSpPr>
-          <p:nvPr>
-            <p:ph idx="1"/>
-          </p:nvPr>
-        </p:nvSpPr>
-        <p:spPr/>
-        <p:txBody>
-          <a:bodyPr/>
-          <a:lstStyle/>
-          <a:p>
-            <a:endParaRPr lang="en-US"/>
-          </a:p>
-        </p:txBody>
-      </p:sp>
-    </p:spTree>
-    <p:extLst>
-      <p:ext uri="{BB962C8B-B14F-4D97-AF65-F5344CB8AC3E}">
-        <p14:creationId xmlns:p14="http://schemas.microsoft.com/office/powerpoint/2010/main" val="1771306589"/>
-      </p:ext>
-    </p:extLst>
-  </p:cSld>
-  <p:clrMapOvr>
-    <a:masterClrMapping/>
-  </p:clrMapOvr>
-</p:sld>
-</file>
-
-<file path=ppt/slides/slide12.xml><?xml version="1.0" encoding="utf-8"?>
-<p:sld xmlns:a="http://schemas.openxmlformats.org/drawingml/2006/main" xmlns:r="http://schemas.openxmlformats.org/officeDocument/2006/relationships" xmlns:p="http://schemas.openxmlformats.org/presentationml/2006/main">
-  <p:cSld>
-    <p:spTree>
-      <p:nvGrpSpPr>
-        <p:cNvPr id="1" name=""/>
-        <p:cNvGrpSpPr/>
-        <p:nvPr/>
-      </p:nvGrpSpPr>
-      <p:grpSpPr>
-        <a:xfrm>
-          <a:off x="0" y="0"/>
-          <a:ext cx="0" cy="0"/>
-          <a:chOff x="0" y="0"/>
-          <a:chExt cx="0" cy="0"/>
-        </a:xfrm>
-      </p:grpSpPr>
-      <p:sp>
-        <p:nvSpPr>
-          <p:cNvPr id="2" name="Title 1">
-            <a:extLst>
-              <a:ext uri="{FF2B5EF4-FFF2-40B4-BE49-F238E27FC236}">
-                <a16:creationId xmlns:a16="http://schemas.microsoft.com/office/drawing/2014/main" id="{16D214DD-F7C7-C073-75D1-F1B388CDA60B}"/>
-              </a:ext>
-            </a:extLst>
-          </p:cNvPr>
-          <p:cNvSpPr>
-            <a:spLocks noGrp="1"/>
-          </p:cNvSpPr>
-          <p:nvPr>
-            <p:ph type="title"/>
-          </p:nvPr>
-        </p:nvSpPr>
-        <p:spPr/>
-        <p:txBody>
-          <a:bodyPr>
-            <a:normAutofit/>
-          </a:bodyPr>
-          <a:lstStyle/>
-          <a:p>
-            <a:r>
-              <a:rPr lang="en-US" b="0" i="0" dirty="0">
-                <a:solidFill>
-                  <a:srgbClr val="374151"/>
-                </a:solidFill>
-                <a:effectLst/>
-                <a:latin typeface="Söhne"/>
-              </a:rPr>
-              <a:t>III. Running GitHub Actions workflows A. Triggering workflows manually</a:t>
-            </a:r>
-            <a:endParaRPr lang="en-US" dirty="0"/>
-          </a:p>
-        </p:txBody>
-      </p:sp>
-      <p:sp>
-        <p:nvSpPr>
-          <p:cNvPr id="3" name="Content Placeholder 2">
-            <a:extLst>
-              <a:ext uri="{FF2B5EF4-FFF2-40B4-BE49-F238E27FC236}">
-                <a16:creationId xmlns:a16="http://schemas.microsoft.com/office/drawing/2014/main" id="{1412E492-0532-8A2B-E094-8A81DB0FBFC2}"/>
-              </a:ext>
-            </a:extLst>
-          </p:cNvPr>
-          <p:cNvSpPr>
-            <a:spLocks noGrp="1"/>
-          </p:cNvSpPr>
-          <p:nvPr>
-            <p:ph idx="1"/>
-          </p:nvPr>
-        </p:nvSpPr>
-        <p:spPr/>
-        <p:txBody>
-          <a:bodyPr/>
-          <a:lstStyle/>
-          <a:p>
-            <a:endParaRPr lang="en-US"/>
-          </a:p>
-        </p:txBody>
-      </p:sp>
-    </p:spTree>
-    <p:extLst>
-      <p:ext uri="{BB962C8B-B14F-4D97-AF65-F5344CB8AC3E}">
-        <p14:creationId xmlns:p14="http://schemas.microsoft.com/office/powerpoint/2010/main" val="2419761565"/>
-      </p:ext>
-    </p:extLst>
-  </p:cSld>
-  <p:clrMapOvr>
-    <a:masterClrMapping/>
-  </p:clrMapOvr>
-</p:sld>
-</file>
-
-<file path=ppt/slides/slide13.xml><?xml version="1.0" encoding="utf-8"?>
-<p:sld xmlns:a="http://schemas.openxmlformats.org/drawingml/2006/main" xmlns:r="http://schemas.openxmlformats.org/officeDocument/2006/relationships" xmlns:p="http://schemas.openxmlformats.org/presentationml/2006/main">
-  <p:cSld>
-    <p:spTree>
-      <p:nvGrpSpPr>
-        <p:cNvPr id="1" name=""/>
-        <p:cNvGrpSpPr/>
-        <p:nvPr/>
-      </p:nvGrpSpPr>
-      <p:grpSpPr>
-        <a:xfrm>
-          <a:off x="0" y="0"/>
-          <a:ext cx="0" cy="0"/>
-          <a:chOff x="0" y="0"/>
-          <a:chExt cx="0" cy="0"/>
-        </a:xfrm>
-      </p:grpSpPr>
-      <p:sp>
-        <p:nvSpPr>
-          <p:cNvPr id="2" name="Title 1">
-            <a:extLst>
-              <a:ext uri="{FF2B5EF4-FFF2-40B4-BE49-F238E27FC236}">
-                <a16:creationId xmlns:a16="http://schemas.microsoft.com/office/drawing/2014/main" id="{553E13A8-D00F-18B7-8130-5BBDE9CD098E}"/>
-              </a:ext>
-            </a:extLst>
-          </p:cNvPr>
-          <p:cNvSpPr>
-            <a:spLocks noGrp="1"/>
-          </p:cNvSpPr>
-          <p:nvPr>
-            <p:ph type="title"/>
-          </p:nvPr>
-        </p:nvSpPr>
-        <p:spPr/>
-        <p:txBody>
-          <a:bodyPr>
-            <a:normAutofit/>
-          </a:bodyPr>
-          <a:lstStyle/>
-          <a:p>
-            <a:r>
-              <a:rPr lang="en-US" b="0" i="0" dirty="0">
-                <a:solidFill>
-                  <a:srgbClr val="374151"/>
-                </a:solidFill>
-                <a:effectLst/>
-                <a:latin typeface="Söhne"/>
-              </a:rPr>
-              <a:t>B. Triggering workflows automatically</a:t>
-            </a:r>
-            <a:br>
-              <a:rPr lang="en-US" b="0" i="0" dirty="0">
-                <a:solidFill>
-                  <a:srgbClr val="374151"/>
-                </a:solidFill>
-                <a:effectLst/>
-                <a:latin typeface="Söhne"/>
-              </a:rPr>
-            </a:br>
-            <a:endParaRPr lang="en-US" dirty="0"/>
-          </a:p>
-        </p:txBody>
-      </p:sp>
-      <p:sp>
-        <p:nvSpPr>
-          <p:cNvPr id="3" name="Content Placeholder 2">
-            <a:extLst>
-              <a:ext uri="{FF2B5EF4-FFF2-40B4-BE49-F238E27FC236}">
-                <a16:creationId xmlns:a16="http://schemas.microsoft.com/office/drawing/2014/main" id="{A004B485-F917-4B4B-C8A8-E7C3D86F4C93}"/>
-              </a:ext>
-            </a:extLst>
-          </p:cNvPr>
-          <p:cNvSpPr>
-            <a:spLocks noGrp="1"/>
-          </p:cNvSpPr>
-          <p:nvPr>
-            <p:ph idx="1"/>
-          </p:nvPr>
-        </p:nvSpPr>
-        <p:spPr/>
-        <p:txBody>
-          <a:bodyPr/>
-          <a:lstStyle/>
-          <a:p>
-            <a:endParaRPr lang="en-US"/>
-          </a:p>
-        </p:txBody>
-      </p:sp>
-    </p:spTree>
-    <p:extLst>
-      <p:ext uri="{BB962C8B-B14F-4D97-AF65-F5344CB8AC3E}">
-        <p14:creationId xmlns:p14="http://schemas.microsoft.com/office/powerpoint/2010/main" val="4061049267"/>
-      </p:ext>
-    </p:extLst>
-  </p:cSld>
-  <p:clrMapOvr>
-    <a:masterClrMapping/>
-  </p:clrMapOvr>
-</p:sld>
-</file>
-
-<file path=ppt/slides/slide14.xml><?xml version="1.0" encoding="utf-8"?>
-<p:sld xmlns:a="http://schemas.openxmlformats.org/drawingml/2006/main" xmlns:r="http://schemas.openxmlformats.org/officeDocument/2006/relationships" xmlns:p="http://schemas.openxmlformats.org/presentationml/2006/main">
-  <p:cSld>
-    <p:spTree>
-      <p:nvGrpSpPr>
-        <p:cNvPr id="1" name=""/>
-        <p:cNvGrpSpPr/>
-        <p:nvPr/>
-      </p:nvGrpSpPr>
-      <p:grpSpPr>
-        <a:xfrm>
-          <a:off x="0" y="0"/>
-          <a:ext cx="0" cy="0"/>
-          <a:chOff x="0" y="0"/>
-          <a:chExt cx="0" cy="0"/>
-        </a:xfrm>
-      </p:grpSpPr>
-      <p:sp>
-        <p:nvSpPr>
-          <p:cNvPr id="2" name="Title 1">
-            <a:extLst>
-              <a:ext uri="{FF2B5EF4-FFF2-40B4-BE49-F238E27FC236}">
-                <a16:creationId xmlns:a16="http://schemas.microsoft.com/office/drawing/2014/main" id="{64723E9D-93C4-142C-5491-CA85C125C082}"/>
-              </a:ext>
-            </a:extLst>
-          </p:cNvPr>
-          <p:cNvSpPr>
-            <a:spLocks noGrp="1"/>
-          </p:cNvSpPr>
-          <p:nvPr>
-            <p:ph type="title"/>
-          </p:nvPr>
-        </p:nvSpPr>
-        <p:spPr/>
-        <p:txBody>
-          <a:bodyPr/>
-          <a:lstStyle/>
-          <a:p>
-            <a:r>
-              <a:rPr lang="en-US" b="0" i="0" dirty="0">
-                <a:solidFill>
-                  <a:srgbClr val="374151"/>
-                </a:solidFill>
-                <a:effectLst/>
-                <a:latin typeface="Söhne"/>
-              </a:rPr>
-              <a:t>C. Running workflows locally</a:t>
-            </a:r>
-            <a:endParaRPr lang="en-US" dirty="0"/>
-          </a:p>
-        </p:txBody>
-      </p:sp>
-      <p:sp>
-        <p:nvSpPr>
-          <p:cNvPr id="3" name="Content Placeholder 2">
-            <a:extLst>
-              <a:ext uri="{FF2B5EF4-FFF2-40B4-BE49-F238E27FC236}">
-                <a16:creationId xmlns:a16="http://schemas.microsoft.com/office/drawing/2014/main" id="{AE3A3F16-4D15-8482-9BAA-4F7F2CCAC98C}"/>
-              </a:ext>
-            </a:extLst>
-          </p:cNvPr>
-          <p:cNvSpPr>
-            <a:spLocks noGrp="1"/>
-          </p:cNvSpPr>
-          <p:nvPr>
-            <p:ph idx="1"/>
-          </p:nvPr>
-        </p:nvSpPr>
-        <p:spPr/>
-        <p:txBody>
-          <a:bodyPr/>
-          <a:lstStyle/>
-          <a:p>
-            <a:endParaRPr lang="en-US"/>
-          </a:p>
-        </p:txBody>
-      </p:sp>
-    </p:spTree>
-    <p:extLst>
-      <p:ext uri="{BB962C8B-B14F-4D97-AF65-F5344CB8AC3E}">
-        <p14:creationId xmlns:p14="http://schemas.microsoft.com/office/powerpoint/2010/main" val="1019749731"/>
-      </p:ext>
-    </p:extLst>
-  </p:cSld>
-  <p:clrMapOvr>
-    <a:masterClrMapping/>
-  </p:clrMapOvr>
-</p:sld>
-</file>
-
-<file path=ppt/slides/slide15.xml><?xml version="1.0" encoding="utf-8"?>
-<p:sld xmlns:a="http://schemas.openxmlformats.org/drawingml/2006/main" xmlns:r="http://schemas.openxmlformats.org/officeDocument/2006/relationships" xmlns:p="http://schemas.openxmlformats.org/presentationml/2006/main">
-  <p:cSld>
-    <p:spTree>
-      <p:nvGrpSpPr>
-        <p:cNvPr id="1" name=""/>
-        <p:cNvGrpSpPr/>
-        <p:nvPr/>
-      </p:nvGrpSpPr>
-      <p:grpSpPr>
-        <a:xfrm>
-          <a:off x="0" y="0"/>
-          <a:ext cx="0" cy="0"/>
-          <a:chOff x="0" y="0"/>
-          <a:chExt cx="0" cy="0"/>
-        </a:xfrm>
-      </p:grpSpPr>
-      <p:sp>
-        <p:nvSpPr>
-          <p:cNvPr id="2" name="Title 1">
-            <a:extLst>
-              <a:ext uri="{FF2B5EF4-FFF2-40B4-BE49-F238E27FC236}">
-                <a16:creationId xmlns:a16="http://schemas.microsoft.com/office/drawing/2014/main" id="{CF88086E-B515-7286-E9B9-C0D9363613D5}"/>
-              </a:ext>
-            </a:extLst>
-          </p:cNvPr>
-          <p:cNvSpPr>
-            <a:spLocks noGrp="1"/>
-          </p:cNvSpPr>
-          <p:nvPr>
-            <p:ph type="title"/>
-          </p:nvPr>
-        </p:nvSpPr>
-        <p:spPr/>
-        <p:txBody>
-          <a:bodyPr/>
-          <a:lstStyle/>
-          <a:p>
-            <a:r>
-              <a:rPr lang="en-US" b="0" i="0" dirty="0">
-                <a:solidFill>
-                  <a:srgbClr val="374151"/>
-                </a:solidFill>
-                <a:effectLst/>
-                <a:latin typeface="Söhne"/>
-              </a:rPr>
-              <a:t>D. Viewing workflow results</a:t>
-            </a:r>
-            <a:endParaRPr lang="en-US" dirty="0"/>
-          </a:p>
-        </p:txBody>
-      </p:sp>
-      <p:sp>
-        <p:nvSpPr>
-          <p:cNvPr id="3" name="Content Placeholder 2">
-            <a:extLst>
-              <a:ext uri="{FF2B5EF4-FFF2-40B4-BE49-F238E27FC236}">
-                <a16:creationId xmlns:a16="http://schemas.microsoft.com/office/drawing/2014/main" id="{B1B0658D-EE97-190B-14DC-A9FF74904B89}"/>
-              </a:ext>
-            </a:extLst>
-          </p:cNvPr>
-          <p:cNvSpPr>
-            <a:spLocks noGrp="1"/>
-          </p:cNvSpPr>
-          <p:nvPr>
-            <p:ph idx="1"/>
-          </p:nvPr>
-        </p:nvSpPr>
-        <p:spPr/>
-        <p:txBody>
-          <a:bodyPr/>
-          <a:lstStyle/>
-          <a:p>
-            <a:endParaRPr lang="en-US"/>
-          </a:p>
-        </p:txBody>
-      </p:sp>
-    </p:spTree>
-    <p:extLst>
-      <p:ext uri="{BB962C8B-B14F-4D97-AF65-F5344CB8AC3E}">
-        <p14:creationId xmlns:p14="http://schemas.microsoft.com/office/powerpoint/2010/main" val="4086119069"/>
-      </p:ext>
-    </p:extLst>
-  </p:cSld>
-  <p:clrMapOvr>
-    <a:masterClrMapping/>
-  </p:clrMapOvr>
-</p:sld>
-</file>
-
-<file path=ppt/slides/slide16.xml><?xml version="1.0" encoding="utf-8"?>
-<p:sld xmlns:a="http://schemas.openxmlformats.org/drawingml/2006/main" xmlns:r="http://schemas.openxmlformats.org/officeDocument/2006/relationships" xmlns:p="http://schemas.openxmlformats.org/presentationml/2006/main">
-  <p:cSld>
-    <p:spTree>
-      <p:nvGrpSpPr>
-        <p:cNvPr id="1" name=""/>
-        <p:cNvGrpSpPr/>
-        <p:nvPr/>
-      </p:nvGrpSpPr>
-      <p:grpSpPr>
-        <a:xfrm>
-          <a:off x="0" y="0"/>
-          <a:ext cx="0" cy="0"/>
-          <a:chOff x="0" y="0"/>
-          <a:chExt cx="0" cy="0"/>
-        </a:xfrm>
-      </p:grpSpPr>
-      <p:sp>
-        <p:nvSpPr>
-          <p:cNvPr id="2" name="Title 1">
-            <a:extLst>
-              <a:ext uri="{FF2B5EF4-FFF2-40B4-BE49-F238E27FC236}">
-                <a16:creationId xmlns:a16="http://schemas.microsoft.com/office/drawing/2014/main" id="{E271EF7E-2A2B-8376-54CB-AFB871DF12E3}"/>
-              </a:ext>
-            </a:extLst>
-          </p:cNvPr>
-          <p:cNvSpPr>
-            <a:spLocks noGrp="1"/>
-          </p:cNvSpPr>
-          <p:nvPr>
-            <p:ph type="title"/>
-          </p:nvPr>
-        </p:nvSpPr>
-        <p:spPr/>
-        <p:txBody>
-          <a:bodyPr>
-            <a:normAutofit/>
-          </a:bodyPr>
-          <a:lstStyle/>
-          <a:p>
-            <a:r>
-              <a:rPr lang="en-US" b="0" i="0" dirty="0">
-                <a:solidFill>
-                  <a:srgbClr val="374151"/>
-                </a:solidFill>
-                <a:effectLst/>
-                <a:latin typeface="Söhne"/>
-              </a:rPr>
-              <a:t>IV. Customizing GitHub Actions workflows A. Using actions from the GitHub Marketplace</a:t>
-            </a:r>
-            <a:endParaRPr lang="en-US" dirty="0"/>
-          </a:p>
-        </p:txBody>
-      </p:sp>
-      <p:sp>
-        <p:nvSpPr>
-          <p:cNvPr id="3" name="Content Placeholder 2">
-            <a:extLst>
-              <a:ext uri="{FF2B5EF4-FFF2-40B4-BE49-F238E27FC236}">
-                <a16:creationId xmlns:a16="http://schemas.microsoft.com/office/drawing/2014/main" id="{D3C9722D-8EBA-80DE-1818-9743C5819BAE}"/>
-              </a:ext>
-            </a:extLst>
-          </p:cNvPr>
-          <p:cNvSpPr>
-            <a:spLocks noGrp="1"/>
-          </p:cNvSpPr>
-          <p:nvPr>
-            <p:ph idx="1"/>
-          </p:nvPr>
-        </p:nvSpPr>
-        <p:spPr/>
-        <p:txBody>
-          <a:bodyPr/>
-          <a:lstStyle/>
-          <a:p>
-            <a:endParaRPr lang="en-US"/>
-          </a:p>
-        </p:txBody>
-      </p:sp>
-    </p:spTree>
-    <p:extLst>
-      <p:ext uri="{BB962C8B-B14F-4D97-AF65-F5344CB8AC3E}">
-        <p14:creationId xmlns:p14="http://schemas.microsoft.com/office/powerpoint/2010/main" val="89828297"/>
-      </p:ext>
-    </p:extLst>
-  </p:cSld>
-  <p:clrMapOvr>
-    <a:masterClrMapping/>
-  </p:clrMapOvr>
-</p:sld>
-</file>
-
-<file path=ppt/slides/slide17.xml><?xml version="1.0" encoding="utf-8"?>
-<p:sld xmlns:a="http://schemas.openxmlformats.org/drawingml/2006/main" xmlns:r="http://schemas.openxmlformats.org/officeDocument/2006/relationships" xmlns:p="http://schemas.openxmlformats.org/presentationml/2006/main">
-  <p:cSld>
-    <p:spTree>
-      <p:nvGrpSpPr>
-        <p:cNvPr id="1" name=""/>
-        <p:cNvGrpSpPr/>
-        <p:nvPr/>
-      </p:nvGrpSpPr>
-      <p:grpSpPr>
-        <a:xfrm>
-          <a:off x="0" y="0"/>
-          <a:ext cx="0" cy="0"/>
-          <a:chOff x="0" y="0"/>
-          <a:chExt cx="0" cy="0"/>
-        </a:xfrm>
-      </p:grpSpPr>
-      <p:sp>
-        <p:nvSpPr>
-          <p:cNvPr id="2" name="Title 1">
-            <a:extLst>
-              <a:ext uri="{FF2B5EF4-FFF2-40B4-BE49-F238E27FC236}">
-                <a16:creationId xmlns:a16="http://schemas.microsoft.com/office/drawing/2014/main" id="{2656425F-7864-31D1-3385-E0CED44370C7}"/>
-              </a:ext>
-            </a:extLst>
-          </p:cNvPr>
-          <p:cNvSpPr>
-            <a:spLocks noGrp="1"/>
-          </p:cNvSpPr>
-          <p:nvPr>
-            <p:ph type="title"/>
-          </p:nvPr>
-        </p:nvSpPr>
-        <p:spPr/>
-        <p:txBody>
-          <a:bodyPr>
-            <a:normAutofit/>
-          </a:bodyPr>
-          <a:lstStyle/>
-          <a:p>
-            <a:r>
-              <a:rPr lang="en-US" b="0" i="0" dirty="0">
-                <a:solidFill>
-                  <a:srgbClr val="374151"/>
-                </a:solidFill>
-                <a:effectLst/>
-                <a:latin typeface="Söhne"/>
-              </a:rPr>
-              <a:t>B. Creating custom actions</a:t>
-            </a:r>
-            <a:br>
-              <a:rPr lang="en-US" b="0" i="0" dirty="0">
-                <a:solidFill>
-                  <a:srgbClr val="374151"/>
-                </a:solidFill>
-                <a:effectLst/>
-                <a:latin typeface="Söhne"/>
-              </a:rPr>
-            </a:br>
-            <a:endParaRPr lang="en-US" dirty="0"/>
-          </a:p>
-        </p:txBody>
-      </p:sp>
-      <p:sp>
-        <p:nvSpPr>
-          <p:cNvPr id="3" name="Content Placeholder 2">
-            <a:extLst>
-              <a:ext uri="{FF2B5EF4-FFF2-40B4-BE49-F238E27FC236}">
-                <a16:creationId xmlns:a16="http://schemas.microsoft.com/office/drawing/2014/main" id="{EEEBA608-08BB-0703-7F15-399192A03B64}"/>
-              </a:ext>
-            </a:extLst>
-          </p:cNvPr>
-          <p:cNvSpPr>
-            <a:spLocks noGrp="1"/>
-          </p:cNvSpPr>
-          <p:nvPr>
-            <p:ph idx="1"/>
-          </p:nvPr>
-        </p:nvSpPr>
-        <p:spPr/>
-        <p:txBody>
-          <a:bodyPr/>
-          <a:lstStyle/>
-          <a:p>
-            <a:endParaRPr lang="en-US"/>
-          </a:p>
-        </p:txBody>
-      </p:sp>
-    </p:spTree>
-    <p:extLst>
-      <p:ext uri="{BB962C8B-B14F-4D97-AF65-F5344CB8AC3E}">
-        <p14:creationId xmlns:p14="http://schemas.microsoft.com/office/powerpoint/2010/main" val="4210812375"/>
-      </p:ext>
-    </p:extLst>
-  </p:cSld>
-  <p:clrMapOvr>
-    <a:masterClrMapping/>
-  </p:clrMapOvr>
-</p:sld>
-</file>
-
-<file path=ppt/slides/slide18.xml><?xml version="1.0" encoding="utf-8"?>
-<p:sld xmlns:a="http://schemas.openxmlformats.org/drawingml/2006/main" xmlns:r="http://schemas.openxmlformats.org/officeDocument/2006/relationships" xmlns:p="http://schemas.openxmlformats.org/presentationml/2006/main">
-  <p:cSld>
-    <p:spTree>
-      <p:nvGrpSpPr>
-        <p:cNvPr id="1" name=""/>
-        <p:cNvGrpSpPr/>
-        <p:nvPr/>
-      </p:nvGrpSpPr>
-      <p:grpSpPr>
-        <a:xfrm>
-          <a:off x="0" y="0"/>
-          <a:ext cx="0" cy="0"/>
-          <a:chOff x="0" y="0"/>
-          <a:chExt cx="0" cy="0"/>
-        </a:xfrm>
-      </p:grpSpPr>
-      <p:sp>
-        <p:nvSpPr>
-          <p:cNvPr id="2" name="Title 1">
-            <a:extLst>
-              <a:ext uri="{FF2B5EF4-FFF2-40B4-BE49-F238E27FC236}">
-                <a16:creationId xmlns:a16="http://schemas.microsoft.com/office/drawing/2014/main" id="{66478796-F367-10D9-DCFA-8A878789B5DA}"/>
-              </a:ext>
-            </a:extLst>
-          </p:cNvPr>
-          <p:cNvSpPr>
-            <a:spLocks noGrp="1"/>
-          </p:cNvSpPr>
-          <p:nvPr>
-            <p:ph type="title"/>
-          </p:nvPr>
-        </p:nvSpPr>
-        <p:spPr/>
-        <p:txBody>
-          <a:bodyPr/>
-          <a:lstStyle/>
-          <a:p>
-            <a:r>
-              <a:rPr lang="en-US" b="0" i="0" dirty="0">
-                <a:solidFill>
-                  <a:srgbClr val="374151"/>
-                </a:solidFill>
-                <a:effectLst/>
-                <a:latin typeface="Söhne"/>
-              </a:rPr>
-              <a:t>C. Sharing workflows with other repositories</a:t>
-            </a:r>
-            <a:endParaRPr lang="en-US" dirty="0"/>
-          </a:p>
-        </p:txBody>
-      </p:sp>
-      <p:sp>
-        <p:nvSpPr>
-          <p:cNvPr id="3" name="Content Placeholder 2">
-            <a:extLst>
-              <a:ext uri="{FF2B5EF4-FFF2-40B4-BE49-F238E27FC236}">
-                <a16:creationId xmlns:a16="http://schemas.microsoft.com/office/drawing/2014/main" id="{CD2BA280-4419-5963-65FF-B8C64678180C}"/>
-              </a:ext>
-            </a:extLst>
-          </p:cNvPr>
-          <p:cNvSpPr>
-            <a:spLocks noGrp="1"/>
-          </p:cNvSpPr>
-          <p:nvPr>
-            <p:ph idx="1"/>
-          </p:nvPr>
-        </p:nvSpPr>
-        <p:spPr/>
-        <p:txBody>
-          <a:bodyPr/>
-          <a:lstStyle/>
-          <a:p>
-            <a:endParaRPr lang="en-US"/>
-          </a:p>
-        </p:txBody>
-      </p:sp>
-    </p:spTree>
-    <p:extLst>
-      <p:ext uri="{BB962C8B-B14F-4D97-AF65-F5344CB8AC3E}">
-        <p14:creationId xmlns:p14="http://schemas.microsoft.com/office/powerpoint/2010/main" val="4133545569"/>
-      </p:ext>
-    </p:extLst>
-  </p:cSld>
-  <p:clrMapOvr>
-    <a:masterClrMapping/>
-  </p:clrMapOvr>
-</p:sld>
-</file>
-
-<file path=ppt/slides/slide19.xml><?xml version="1.0" encoding="utf-8"?>
-<p:sld xmlns:a="http://schemas.openxmlformats.org/drawingml/2006/main" xmlns:r="http://schemas.openxmlformats.org/officeDocument/2006/relationships" xmlns:p="http://schemas.openxmlformats.org/presentationml/2006/main">
-  <p:cSld>
-    <p:spTree>
-      <p:nvGrpSpPr>
-        <p:cNvPr id="1" name=""/>
-        <p:cNvGrpSpPr/>
-        <p:nvPr/>
-      </p:nvGrpSpPr>
-      <p:grpSpPr>
-        <a:xfrm>
-          <a:off x="0" y="0"/>
-          <a:ext cx="0" cy="0"/>
-          <a:chOff x="0" y="0"/>
-          <a:chExt cx="0" cy="0"/>
-        </a:xfrm>
-      </p:grpSpPr>
-      <p:sp>
-        <p:nvSpPr>
-          <p:cNvPr id="2" name="Title 1">
-            <a:extLst>
-              <a:ext uri="{FF2B5EF4-FFF2-40B4-BE49-F238E27FC236}">
-                <a16:creationId xmlns:a16="http://schemas.microsoft.com/office/drawing/2014/main" id="{A0429577-352F-4953-5101-04B0C941393E}"/>
-              </a:ext>
-            </a:extLst>
-          </p:cNvPr>
-          <p:cNvSpPr>
-            <a:spLocks noGrp="1"/>
-          </p:cNvSpPr>
-          <p:nvPr>
-            <p:ph type="title"/>
-          </p:nvPr>
-        </p:nvSpPr>
-        <p:spPr/>
-        <p:txBody>
-          <a:bodyPr>
-            <a:normAutofit/>
-          </a:bodyPr>
-          <a:lstStyle/>
-          <a:p>
-            <a:r>
-              <a:rPr lang="en-US" b="0" i="0" dirty="0">
-                <a:solidFill>
-                  <a:srgbClr val="374151"/>
-                </a:solidFill>
-                <a:effectLst/>
-                <a:latin typeface="Söhne"/>
-              </a:rPr>
-              <a:t>V. Best practices for using GitHub Actions A. Organizing workflows</a:t>
-            </a:r>
-            <a:endParaRPr lang="en-US" dirty="0"/>
-          </a:p>
-        </p:txBody>
-      </p:sp>
-      <p:sp>
-        <p:nvSpPr>
-          <p:cNvPr id="3" name="Content Placeholder 2">
-            <a:extLst>
-              <a:ext uri="{FF2B5EF4-FFF2-40B4-BE49-F238E27FC236}">
-                <a16:creationId xmlns:a16="http://schemas.microsoft.com/office/drawing/2014/main" id="{E23F5E76-9E7F-FEE1-112F-BE3075685B4B}"/>
-              </a:ext>
-            </a:extLst>
-          </p:cNvPr>
-          <p:cNvSpPr>
-            <a:spLocks noGrp="1"/>
-          </p:cNvSpPr>
-          <p:nvPr>
-            <p:ph idx="1"/>
-          </p:nvPr>
-        </p:nvSpPr>
-        <p:spPr/>
-        <p:txBody>
-          <a:bodyPr/>
-          <a:lstStyle/>
-          <a:p>
-            <a:endParaRPr lang="en-US"/>
-          </a:p>
-        </p:txBody>
-      </p:sp>
-    </p:spTree>
-    <p:extLst>
-      <p:ext uri="{BB962C8B-B14F-4D97-AF65-F5344CB8AC3E}">
-        <p14:creationId xmlns:p14="http://schemas.microsoft.com/office/powerpoint/2010/main" val="544893345"/>
-      </p:ext>
-    </p:extLst>
-  </p:cSld>
-  <p:clrMapOvr>
-    <a:masterClrMapping/>
-  </p:clrMapOvr>
-</p:sld>
-</file>
-
-<file path=ppt/slides/slide2.xml><?xml version="1.0" encoding="utf-8"?>
+<file path=ppt/slides/slide4.xml><?xml version="1.0" encoding="utf-8"?>
 <p:sld xmlns:a="http://schemas.openxmlformats.org/drawingml/2006/main" xmlns:r="http://schemas.openxmlformats.org/officeDocument/2006/relationships" xmlns:p="http://schemas.openxmlformats.org/presentationml/2006/main">
   <p:cSld>
     <p:bg>
@@ -5364,7 +10473,7 @@
           <p:cNvPr id="14" name="Rectangle 13">
             <a:extLst>
               <a:ext uri="{FF2B5EF4-FFF2-40B4-BE49-F238E27FC236}">
-                <a16:creationId xmlns:a16="http://schemas.microsoft.com/office/drawing/2014/main" id="{C3B0A228-9EA3-4009-A82E-9402BBC726A0}"/>
+                <a16:creationId xmlns:a16="http://schemas.microsoft.com/office/drawing/2014/main" id="{4DE524F2-C7AF-4466-BA99-09C19DE0D819}"/>
               </a:ext>
               <a:ext uri="{C183D7F6-B498-43B3-948B-1728B52AA6E4}">
                 <adec:decorative xmlns:adec="http://schemas.microsoft.com/office/drawing/2017/decorative" val="1"/>
@@ -5435,12 +10544,43 @@
           </a:p>
         </p:txBody>
       </p:sp>
+      <p:pic>
+        <p:nvPicPr>
+          <p:cNvPr id="5" name="Content Placeholder 4">
+            <a:extLst>
+              <a:ext uri="{FF2B5EF4-FFF2-40B4-BE49-F238E27FC236}">
+                <a16:creationId xmlns:a16="http://schemas.microsoft.com/office/drawing/2014/main" id="{FBCA2731-9F5C-AB5A-5D91-9AA2F555E3C0}"/>
+              </a:ext>
+            </a:extLst>
+          </p:cNvPr>
+          <p:cNvPicPr>
+            <a:picLocks noGrp="1" noChangeAspect="1"/>
+          </p:cNvPicPr>
+          <p:nvPr>
+            <p:ph idx="1"/>
+          </p:nvPr>
+        </p:nvPicPr>
+        <p:blipFill rotWithShape="1">
+          <a:blip r:embed="rId3"/>
+          <a:srcRect r="12889" b="1"/>
+          <a:stretch/>
+        </p:blipFill>
+        <p:spPr>
+          <a:xfrm>
+            <a:off x="-2" y="-2"/>
+            <a:ext cx="12192002" cy="6858001"/>
+          </a:xfrm>
+          <a:prstGeom prst="rect">
+            <a:avLst/>
+          </a:prstGeom>
+        </p:spPr>
+      </p:pic>
       <p:sp>
         <p:nvSpPr>
           <p:cNvPr id="16" name="Freeform: Shape 15">
             <a:extLst>
               <a:ext uri="{FF2B5EF4-FFF2-40B4-BE49-F238E27FC236}">
-                <a16:creationId xmlns:a16="http://schemas.microsoft.com/office/drawing/2014/main" id="{3376605B-B311-4691-9B2A-1684D1F5FEEF}"/>
+                <a16:creationId xmlns:a16="http://schemas.microsoft.com/office/drawing/2014/main" id="{F391DB8F-CD1E-4B48-81D6-9781BA3F4CF1}"/>
               </a:ext>
               <a:ext uri="{C183D7F6-B498-43B3-948B-1728B52AA6E4}">
                 <adec:decorative xmlns:adec="http://schemas.microsoft.com/office/drawing/2017/decorative" val="1"/>
@@ -5459,45 +10599,149 @@
           </p:nvPr>
         </p:nvSpPr>
         <p:spPr>
-          <a:xfrm rot="16200000" flipH="1" flipV="1">
-            <a:off x="1127553" y="-1127553"/>
-            <a:ext cx="6858000" cy="9113106"/>
+          <a:xfrm>
+            <a:off x="3093268" y="-1"/>
+            <a:ext cx="9098732" cy="6858000"/>
           </a:xfrm>
           <a:custGeom>
             <a:avLst/>
             <a:gdLst>
-              <a:gd name="connsiteX0" fmla="*/ 0 w 6858000"/>
-              <a:gd name="connsiteY0" fmla="*/ 7143270 h 9113106"/>
-              <a:gd name="connsiteX1" fmla="*/ 0 w 6858000"/>
-              <a:gd name="connsiteY1" fmla="*/ 6878623 h 9113106"/>
-              <a:gd name="connsiteX2" fmla="*/ 1 w 6858000"/>
-              <a:gd name="connsiteY2" fmla="*/ 6878623 h 9113106"/>
-              <a:gd name="connsiteX3" fmla="*/ 0 w 6858000"/>
-              <a:gd name="connsiteY3" fmla="*/ 4319945 h 9113106"/>
-              <a:gd name="connsiteX4" fmla="*/ 1 w 6858000"/>
-              <a:gd name="connsiteY4" fmla="*/ 4319945 h 9113106"/>
-              <a:gd name="connsiteX5" fmla="*/ 1 w 6858000"/>
-              <a:gd name="connsiteY5" fmla="*/ 13542 h 9113106"/>
-              <a:gd name="connsiteX6" fmla="*/ 0 w 6858000"/>
-              <a:gd name="connsiteY6" fmla="*/ 13540 h 9113106"/>
-              <a:gd name="connsiteX7" fmla="*/ 0 w 6858000"/>
-              <a:gd name="connsiteY7" fmla="*/ 0 h 9113106"/>
-              <a:gd name="connsiteX8" fmla="*/ 6858000 w 6858000"/>
-              <a:gd name="connsiteY8" fmla="*/ 6010591 h 9113106"/>
-              <a:gd name="connsiteX9" fmla="*/ 6858000 w 6858000"/>
-              <a:gd name="connsiteY9" fmla="*/ 3794798 h 9113106"/>
-              <a:gd name="connsiteX10" fmla="*/ 6858000 w 6858000"/>
-              <a:gd name="connsiteY10" fmla="*/ 3794798 h 9113106"/>
-              <a:gd name="connsiteX11" fmla="*/ 6858000 w 6858000"/>
-              <a:gd name="connsiteY11" fmla="*/ 3837120 h 9113106"/>
-              <a:gd name="connsiteX12" fmla="*/ 6858000 w 6858000"/>
-              <a:gd name="connsiteY12" fmla="*/ 6838049 h 9113106"/>
-              <a:gd name="connsiteX13" fmla="*/ 6858000 w 6858000"/>
-              <a:gd name="connsiteY13" fmla="*/ 9113106 h 9113106"/>
-              <a:gd name="connsiteX14" fmla="*/ 1 w 6858000"/>
-              <a:gd name="connsiteY14" fmla="*/ 9113106 h 9113106"/>
-              <a:gd name="connsiteX15" fmla="*/ 1 w 6858000"/>
-              <a:gd name="connsiteY15" fmla="*/ 7143270 h 9113106"/>
+              <a:gd name="connsiteX0" fmla="*/ 6010592 w 9098732"/>
+              <a:gd name="connsiteY0" fmla="*/ 0 h 6858000"/>
+              <a:gd name="connsiteX1" fmla="*/ 6873692 w 9098732"/>
+              <a:gd name="connsiteY1" fmla="*/ 0 h 6858000"/>
+              <a:gd name="connsiteX2" fmla="*/ 6873692 w 9098732"/>
+              <a:gd name="connsiteY2" fmla="*/ 1553955 h 6858000"/>
+              <a:gd name="connsiteX3" fmla="*/ 8235629 w 9098732"/>
+              <a:gd name="connsiteY3" fmla="*/ 4 h 6858000"/>
+              <a:gd name="connsiteX4" fmla="*/ 8235630 w 9098732"/>
+              <a:gd name="connsiteY4" fmla="*/ 2 h 6858000"/>
+              <a:gd name="connsiteX5" fmla="*/ 8235632 w 9098732"/>
+              <a:gd name="connsiteY5" fmla="*/ 0 h 6858000"/>
+              <a:gd name="connsiteX6" fmla="*/ 9098732 w 9098732"/>
+              <a:gd name="connsiteY6" fmla="*/ 0 h 6858000"/>
+              <a:gd name="connsiteX7" fmla="*/ 9098732 w 9098732"/>
+              <a:gd name="connsiteY7" fmla="*/ 6858000 h 6858000"/>
+              <a:gd name="connsiteX8" fmla="*/ 6873692 w 9098732"/>
+              <a:gd name="connsiteY8" fmla="*/ 6858000 h 6858000"/>
+              <a:gd name="connsiteX9" fmla="*/ 2225040 w 9098732"/>
+              <a:gd name="connsiteY9" fmla="*/ 6858000 h 6858000"/>
+              <a:gd name="connsiteX10" fmla="*/ 0 w 9098732"/>
+              <a:gd name="connsiteY10" fmla="*/ 6858000 h 6858000"/>
+              <a:gd name="connsiteX11" fmla="*/ 6010589 w 9098732"/>
+              <a:gd name="connsiteY11" fmla="*/ 4 h 6858000"/>
+              <a:gd name="connsiteX12" fmla="*/ 6010590 w 9098732"/>
+              <a:gd name="connsiteY12" fmla="*/ 2 h 6858000"/>
+              <a:gd name="connsiteX0" fmla="*/ 6010592 w 9098732"/>
+              <a:gd name="connsiteY0" fmla="*/ 0 h 6858000"/>
+              <a:gd name="connsiteX1" fmla="*/ 6873692 w 9098732"/>
+              <a:gd name="connsiteY1" fmla="*/ 0 h 6858000"/>
+              <a:gd name="connsiteX2" fmla="*/ 8235629 w 9098732"/>
+              <a:gd name="connsiteY2" fmla="*/ 4 h 6858000"/>
+              <a:gd name="connsiteX3" fmla="*/ 8235630 w 9098732"/>
+              <a:gd name="connsiteY3" fmla="*/ 2 h 6858000"/>
+              <a:gd name="connsiteX4" fmla="*/ 8235632 w 9098732"/>
+              <a:gd name="connsiteY4" fmla="*/ 0 h 6858000"/>
+              <a:gd name="connsiteX5" fmla="*/ 9098732 w 9098732"/>
+              <a:gd name="connsiteY5" fmla="*/ 0 h 6858000"/>
+              <a:gd name="connsiteX6" fmla="*/ 9098732 w 9098732"/>
+              <a:gd name="connsiteY6" fmla="*/ 6858000 h 6858000"/>
+              <a:gd name="connsiteX7" fmla="*/ 6873692 w 9098732"/>
+              <a:gd name="connsiteY7" fmla="*/ 6858000 h 6858000"/>
+              <a:gd name="connsiteX8" fmla="*/ 2225040 w 9098732"/>
+              <a:gd name="connsiteY8" fmla="*/ 6858000 h 6858000"/>
+              <a:gd name="connsiteX9" fmla="*/ 0 w 9098732"/>
+              <a:gd name="connsiteY9" fmla="*/ 6858000 h 6858000"/>
+              <a:gd name="connsiteX10" fmla="*/ 6010589 w 9098732"/>
+              <a:gd name="connsiteY10" fmla="*/ 4 h 6858000"/>
+              <a:gd name="connsiteX11" fmla="*/ 6010590 w 9098732"/>
+              <a:gd name="connsiteY11" fmla="*/ 2 h 6858000"/>
+              <a:gd name="connsiteX12" fmla="*/ 6010592 w 9098732"/>
+              <a:gd name="connsiteY12" fmla="*/ 0 h 6858000"/>
+              <a:gd name="connsiteX0" fmla="*/ 6010592 w 9098732"/>
+              <a:gd name="connsiteY0" fmla="*/ 0 h 6858000"/>
+              <a:gd name="connsiteX1" fmla="*/ 8235629 w 9098732"/>
+              <a:gd name="connsiteY1" fmla="*/ 4 h 6858000"/>
+              <a:gd name="connsiteX2" fmla="*/ 8235630 w 9098732"/>
+              <a:gd name="connsiteY2" fmla="*/ 2 h 6858000"/>
+              <a:gd name="connsiteX3" fmla="*/ 8235632 w 9098732"/>
+              <a:gd name="connsiteY3" fmla="*/ 0 h 6858000"/>
+              <a:gd name="connsiteX4" fmla="*/ 9098732 w 9098732"/>
+              <a:gd name="connsiteY4" fmla="*/ 0 h 6858000"/>
+              <a:gd name="connsiteX5" fmla="*/ 9098732 w 9098732"/>
+              <a:gd name="connsiteY5" fmla="*/ 6858000 h 6858000"/>
+              <a:gd name="connsiteX6" fmla="*/ 6873692 w 9098732"/>
+              <a:gd name="connsiteY6" fmla="*/ 6858000 h 6858000"/>
+              <a:gd name="connsiteX7" fmla="*/ 2225040 w 9098732"/>
+              <a:gd name="connsiteY7" fmla="*/ 6858000 h 6858000"/>
+              <a:gd name="connsiteX8" fmla="*/ 0 w 9098732"/>
+              <a:gd name="connsiteY8" fmla="*/ 6858000 h 6858000"/>
+              <a:gd name="connsiteX9" fmla="*/ 6010589 w 9098732"/>
+              <a:gd name="connsiteY9" fmla="*/ 4 h 6858000"/>
+              <a:gd name="connsiteX10" fmla="*/ 6010590 w 9098732"/>
+              <a:gd name="connsiteY10" fmla="*/ 2 h 6858000"/>
+              <a:gd name="connsiteX11" fmla="*/ 6010592 w 9098732"/>
+              <a:gd name="connsiteY11" fmla="*/ 0 h 6858000"/>
+              <a:gd name="connsiteX0" fmla="*/ 6010592 w 9098732"/>
+              <a:gd name="connsiteY0" fmla="*/ 0 h 6858000"/>
+              <a:gd name="connsiteX1" fmla="*/ 8235629 w 9098732"/>
+              <a:gd name="connsiteY1" fmla="*/ 4 h 6858000"/>
+              <a:gd name="connsiteX2" fmla="*/ 8235630 w 9098732"/>
+              <a:gd name="connsiteY2" fmla="*/ 2 h 6858000"/>
+              <a:gd name="connsiteX3" fmla="*/ 9098732 w 9098732"/>
+              <a:gd name="connsiteY3" fmla="*/ 0 h 6858000"/>
+              <a:gd name="connsiteX4" fmla="*/ 9098732 w 9098732"/>
+              <a:gd name="connsiteY4" fmla="*/ 6858000 h 6858000"/>
+              <a:gd name="connsiteX5" fmla="*/ 6873692 w 9098732"/>
+              <a:gd name="connsiteY5" fmla="*/ 6858000 h 6858000"/>
+              <a:gd name="connsiteX6" fmla="*/ 2225040 w 9098732"/>
+              <a:gd name="connsiteY6" fmla="*/ 6858000 h 6858000"/>
+              <a:gd name="connsiteX7" fmla="*/ 0 w 9098732"/>
+              <a:gd name="connsiteY7" fmla="*/ 6858000 h 6858000"/>
+              <a:gd name="connsiteX8" fmla="*/ 6010589 w 9098732"/>
+              <a:gd name="connsiteY8" fmla="*/ 4 h 6858000"/>
+              <a:gd name="connsiteX9" fmla="*/ 6010590 w 9098732"/>
+              <a:gd name="connsiteY9" fmla="*/ 2 h 6858000"/>
+              <a:gd name="connsiteX10" fmla="*/ 6010592 w 9098732"/>
+              <a:gd name="connsiteY10" fmla="*/ 0 h 6858000"/>
+              <a:gd name="connsiteX0" fmla="*/ 6010592 w 9098732"/>
+              <a:gd name="connsiteY0" fmla="*/ 0 h 6858000"/>
+              <a:gd name="connsiteX1" fmla="*/ 8235629 w 9098732"/>
+              <a:gd name="connsiteY1" fmla="*/ 4 h 6858000"/>
+              <a:gd name="connsiteX2" fmla="*/ 8235630 w 9098732"/>
+              <a:gd name="connsiteY2" fmla="*/ 2 h 6858000"/>
+              <a:gd name="connsiteX3" fmla="*/ 9098732 w 9098732"/>
+              <a:gd name="connsiteY3" fmla="*/ 0 h 6858000"/>
+              <a:gd name="connsiteX4" fmla="*/ 9098732 w 9098732"/>
+              <a:gd name="connsiteY4" fmla="*/ 6858000 h 6858000"/>
+              <a:gd name="connsiteX5" fmla="*/ 2225040 w 9098732"/>
+              <a:gd name="connsiteY5" fmla="*/ 6858000 h 6858000"/>
+              <a:gd name="connsiteX6" fmla="*/ 0 w 9098732"/>
+              <a:gd name="connsiteY6" fmla="*/ 6858000 h 6858000"/>
+              <a:gd name="connsiteX7" fmla="*/ 6010589 w 9098732"/>
+              <a:gd name="connsiteY7" fmla="*/ 4 h 6858000"/>
+              <a:gd name="connsiteX8" fmla="*/ 6010590 w 9098732"/>
+              <a:gd name="connsiteY8" fmla="*/ 2 h 6858000"/>
+              <a:gd name="connsiteX9" fmla="*/ 6010592 w 9098732"/>
+              <a:gd name="connsiteY9" fmla="*/ 0 h 6858000"/>
+              <a:gd name="connsiteX0" fmla="*/ 6010592 w 9098732"/>
+              <a:gd name="connsiteY0" fmla="*/ 0 h 6858000"/>
+              <a:gd name="connsiteX1" fmla="*/ 8235629 w 9098732"/>
+              <a:gd name="connsiteY1" fmla="*/ 4 h 6858000"/>
+              <a:gd name="connsiteX2" fmla="*/ 8235630 w 9098732"/>
+              <a:gd name="connsiteY2" fmla="*/ 2 h 6858000"/>
+              <a:gd name="connsiteX3" fmla="*/ 9098732 w 9098732"/>
+              <a:gd name="connsiteY3" fmla="*/ 0 h 6858000"/>
+              <a:gd name="connsiteX4" fmla="*/ 9098732 w 9098732"/>
+              <a:gd name="connsiteY4" fmla="*/ 6858000 h 6858000"/>
+              <a:gd name="connsiteX5" fmla="*/ 0 w 9098732"/>
+              <a:gd name="connsiteY5" fmla="*/ 6858000 h 6858000"/>
+              <a:gd name="connsiteX6" fmla="*/ 6010589 w 9098732"/>
+              <a:gd name="connsiteY6" fmla="*/ 4 h 6858000"/>
+              <a:gd name="connsiteX7" fmla="*/ 6010590 w 9098732"/>
+              <a:gd name="connsiteY7" fmla="*/ 2 h 6858000"/>
+              <a:gd name="connsiteX8" fmla="*/ 6010592 w 9098732"/>
+              <a:gd name="connsiteY8" fmla="*/ 0 h 6858000"/>
             </a:gdLst>
             <a:ahLst/>
             <a:cxnLst>
@@ -5528,226 +10772,49 @@
               <a:cxn ang="0">
                 <a:pos x="connsiteX8" y="connsiteY8"/>
               </a:cxn>
-              <a:cxn ang="0">
-                <a:pos x="connsiteX9" y="connsiteY9"/>
-              </a:cxn>
-              <a:cxn ang="0">
-                <a:pos x="connsiteX10" y="connsiteY10"/>
-              </a:cxn>
-              <a:cxn ang="0">
-                <a:pos x="connsiteX11" y="connsiteY11"/>
-              </a:cxn>
-              <a:cxn ang="0">
-                <a:pos x="connsiteX12" y="connsiteY12"/>
-              </a:cxn>
-              <a:cxn ang="0">
-                <a:pos x="connsiteX13" y="connsiteY13"/>
-              </a:cxn>
-              <a:cxn ang="0">
-                <a:pos x="connsiteX14" y="connsiteY14"/>
-              </a:cxn>
-              <a:cxn ang="0">
-                <a:pos x="connsiteX15" y="connsiteY15"/>
-              </a:cxn>
             </a:cxnLst>
             <a:rect l="l" t="t" r="r" b="b"/>
             <a:pathLst>
-              <a:path w="6858000" h="9113106">
+              <a:path w="9098732" h="6858000">
                 <a:moveTo>
-                  <a:pt x="0" y="7143270"/>
+                  <a:pt x="6010592" y="0"/>
                 </a:moveTo>
                 <a:lnTo>
-                  <a:pt x="0" y="6878623"/>
+                  <a:pt x="8235629" y="4"/>
+                </a:lnTo>
+                <a:cubicBezTo>
+                  <a:pt x="8235629" y="3"/>
+                  <a:pt x="8235630" y="3"/>
+                  <a:pt x="8235630" y="2"/>
+                </a:cubicBezTo>
+                <a:lnTo>
+                  <a:pt x="9098732" y="0"/>
                 </a:lnTo>
                 <a:lnTo>
-                  <a:pt x="1" y="6878623"/>
+                  <a:pt x="9098732" y="6858000"/>
                 </a:lnTo>
                 <a:lnTo>
-                  <a:pt x="0" y="4319945"/>
+                  <a:pt x="0" y="6858000"/>
                 </a:lnTo>
                 <a:lnTo>
-                  <a:pt x="1" y="4319945"/>
+                  <a:pt x="6010589" y="4"/>
                 </a:lnTo>
+                <a:cubicBezTo>
+                  <a:pt x="6010589" y="3"/>
+                  <a:pt x="6010590" y="3"/>
+                  <a:pt x="6010590" y="2"/>
+                </a:cubicBezTo>
                 <a:lnTo>
-                  <a:pt x="1" y="13542"/>
-                </a:lnTo>
-                <a:lnTo>
-                  <a:pt x="0" y="13540"/>
-                </a:lnTo>
-                <a:lnTo>
-                  <a:pt x="0" y="0"/>
-                </a:lnTo>
-                <a:lnTo>
-                  <a:pt x="6858000" y="6010591"/>
-                </a:lnTo>
-                <a:lnTo>
-                  <a:pt x="6858000" y="3794798"/>
-                </a:lnTo>
-                <a:lnTo>
-                  <a:pt x="6858000" y="3794798"/>
-                </a:lnTo>
-                <a:lnTo>
-                  <a:pt x="6858000" y="3837120"/>
-                </a:lnTo>
-                <a:lnTo>
-                  <a:pt x="6858000" y="6838049"/>
-                </a:lnTo>
-                <a:lnTo>
-                  <a:pt x="6858000" y="9113106"/>
-                </a:lnTo>
-                <a:lnTo>
-                  <a:pt x="1" y="9113106"/>
-                </a:lnTo>
-                <a:lnTo>
-                  <a:pt x="1" y="7143270"/>
+                  <a:pt x="6010592" y="0"/>
                 </a:lnTo>
                 <a:close/>
               </a:path>
             </a:pathLst>
           </a:custGeom>
           <a:solidFill>
-            <a:schemeClr val="bg2"/>
-          </a:solidFill>
-          <a:ln>
-            <a:noFill/>
-          </a:ln>
-        </p:spPr>
-        <p:style>
-          <a:lnRef idx="2">
-            <a:schemeClr val="accent1">
-              <a:shade val="50000"/>
-            </a:schemeClr>
-          </a:lnRef>
-          <a:fillRef idx="1">
-            <a:schemeClr val="accent1"/>
-          </a:fillRef>
-          <a:effectRef idx="0">
-            <a:schemeClr val="accent1"/>
-          </a:effectRef>
-          <a:fontRef idx="minor">
-            <a:schemeClr val="lt1"/>
-          </a:fontRef>
-        </p:style>
-        <p:txBody>
-          <a:bodyPr wrap="square" rtlCol="0" anchor="ctr">
-            <a:noAutofit/>
-          </a:bodyPr>
-          <a:lstStyle/>
-          <a:p>
-            <a:pPr algn="ctr"/>
-            <a:endParaRPr lang="en-US"/>
-          </a:p>
-        </p:txBody>
-      </p:sp>
-      <p:sp>
-        <p:nvSpPr>
-          <p:cNvPr id="18" name="Freeform: Shape 17">
-            <a:extLst>
-              <a:ext uri="{FF2B5EF4-FFF2-40B4-BE49-F238E27FC236}">
-                <a16:creationId xmlns:a16="http://schemas.microsoft.com/office/drawing/2014/main" id="{50C40FC6-F06C-437F-A877-019DFC43FCFC}"/>
-              </a:ext>
-              <a:ext uri="{C183D7F6-B498-43B3-948B-1728B52AA6E4}">
-                <adec:decorative xmlns:adec="http://schemas.microsoft.com/office/drawing/2017/decorative" val="1"/>
-              </a:ext>
-            </a:extLst>
-          </p:cNvPr>
-          <p:cNvSpPr>
-            <a:spLocks noGrp="1" noRot="1" noChangeAspect="1" noMove="1" noResize="1" noEditPoints="1" noAdjustHandles="1" noChangeArrowheads="1" noChangeShapeType="1" noTextEdit="1"/>
-          </p:cNvSpPr>
-          <p:nvPr>
-            <p:extLst>
-              <p:ext uri="{386F3935-93C4-4BCD-93E2-E3B085C9AB24}">
-                <p16:designElem xmlns:p16="http://schemas.microsoft.com/office/powerpoint/2015/main" val="1"/>
-              </p:ext>
-            </p:extLst>
-          </p:nvPr>
-        </p:nvSpPr>
-        <p:spPr>
-          <a:xfrm>
-            <a:off x="2234482" y="0"/>
-            <a:ext cx="9957519" cy="6858000"/>
-          </a:xfrm>
-          <a:custGeom>
-            <a:avLst/>
-            <a:gdLst>
-              <a:gd name="connsiteX0" fmla="*/ 6878624 w 9957519"/>
-              <a:gd name="connsiteY0" fmla="*/ 0 h 6858000"/>
-              <a:gd name="connsiteX1" fmla="*/ 9957519 w 9957519"/>
-              <a:gd name="connsiteY1" fmla="*/ 0 h 6858000"/>
-              <a:gd name="connsiteX2" fmla="*/ 9957519 w 9957519"/>
-              <a:gd name="connsiteY2" fmla="*/ 1557082 h 6858000"/>
-              <a:gd name="connsiteX3" fmla="*/ 5311608 w 9957519"/>
-              <a:gd name="connsiteY3" fmla="*/ 6858000 h 6858000"/>
-              <a:gd name="connsiteX4" fmla="*/ 868032 w 9957519"/>
-              <a:gd name="connsiteY4" fmla="*/ 6858000 h 6858000"/>
-              <a:gd name="connsiteX5" fmla="*/ 0 w 9957519"/>
-              <a:gd name="connsiteY5" fmla="*/ 0 h 6858000"/>
-              <a:gd name="connsiteX6" fmla="*/ 6878624 w 9957519"/>
-              <a:gd name="connsiteY6" fmla="*/ 0 h 6858000"/>
-              <a:gd name="connsiteX7" fmla="*/ 0 w 9957519"/>
-              <a:gd name="connsiteY7" fmla="*/ 1 h 6858000"/>
-            </a:gdLst>
-            <a:ahLst/>
-            <a:cxnLst>
-              <a:cxn ang="0">
-                <a:pos x="connsiteX0" y="connsiteY0"/>
-              </a:cxn>
-              <a:cxn ang="0">
-                <a:pos x="connsiteX1" y="connsiteY1"/>
-              </a:cxn>
-              <a:cxn ang="0">
-                <a:pos x="connsiteX2" y="connsiteY2"/>
-              </a:cxn>
-              <a:cxn ang="0">
-                <a:pos x="connsiteX3" y="connsiteY3"/>
-              </a:cxn>
-              <a:cxn ang="0">
-                <a:pos x="connsiteX4" y="connsiteY4"/>
-              </a:cxn>
-              <a:cxn ang="0">
-                <a:pos x="connsiteX5" y="connsiteY5"/>
-              </a:cxn>
-              <a:cxn ang="0">
-                <a:pos x="connsiteX6" y="connsiteY6"/>
-              </a:cxn>
-              <a:cxn ang="0">
-                <a:pos x="connsiteX7" y="connsiteY7"/>
-              </a:cxn>
-            </a:cxnLst>
-            <a:rect l="l" t="t" r="r" b="b"/>
-            <a:pathLst>
-              <a:path w="9957519" h="6858000">
-                <a:moveTo>
-                  <a:pt x="6878624" y="0"/>
-                </a:moveTo>
-                <a:lnTo>
-                  <a:pt x="9957519" y="0"/>
-                </a:lnTo>
-                <a:lnTo>
-                  <a:pt x="9957519" y="1557082"/>
-                </a:lnTo>
-                <a:lnTo>
-                  <a:pt x="5311608" y="6858000"/>
-                </a:lnTo>
-                <a:lnTo>
-                  <a:pt x="868032" y="6858000"/>
-                </a:lnTo>
-                <a:close/>
-                <a:moveTo>
-                  <a:pt x="0" y="0"/>
-                </a:moveTo>
-                <a:lnTo>
-                  <a:pt x="6878624" y="0"/>
-                </a:lnTo>
-                <a:lnTo>
-                  <a:pt x="0" y="1"/>
-                </a:lnTo>
-                <a:close/>
-              </a:path>
-            </a:pathLst>
-          </a:custGeom>
-          <a:solidFill>
-            <a:srgbClr val="FFFFFF"/>
+            <a:srgbClr val="000000">
+              <a:alpha val="60000"/>
+            </a:srgbClr>
           </a:solidFill>
           <a:ln w="12700" cap="flat" cmpd="sng" algn="ctr">
             <a:noFill/>
@@ -5788,7 +10855,7 @@
           <p:cNvPr id="2" name="Title 1">
             <a:extLst>
               <a:ext uri="{FF2B5EF4-FFF2-40B4-BE49-F238E27FC236}">
-                <a16:creationId xmlns:a16="http://schemas.microsoft.com/office/drawing/2014/main" id="{8FD82175-DAFD-125F-6EA1-18D831F4293C}"/>
+                <a16:creationId xmlns:a16="http://schemas.microsoft.com/office/drawing/2014/main" id="{43F198E8-F711-CF3D-0D42-F11D76B7D880}"/>
               </a:ext>
             </a:extLst>
           </p:cNvPr>
@@ -5801,905 +10868,42 @@
         </p:nvSpPr>
         <p:spPr>
           <a:xfrm>
-            <a:off x="1143000" y="1181101"/>
-            <a:ext cx="5202381" cy="1998517"/>
+            <a:off x="6096000" y="3044414"/>
+            <a:ext cx="4953000" cy="2670579"/>
           </a:xfrm>
         </p:spPr>
         <p:txBody>
-          <a:bodyPr vert="horz" lIns="91440" tIns="45720" rIns="91440" bIns="45720" rtlCol="0" anchor="t">
+          <a:bodyPr vert="horz" lIns="91440" tIns="45720" rIns="91440" bIns="45720" rtlCol="0" anchor="b">
             <a:normAutofit/>
           </a:bodyPr>
           <a:lstStyle/>
           <a:p>
-            <a:pPr>
+            <a:pPr algn="r">
               <a:lnSpc>
                 <a:spcPct val="90000"/>
               </a:lnSpc>
             </a:pPr>
             <a:r>
-              <a:rPr lang="en-US" sz="3400" b="0" i="0" cap="all" spc="300" dirty="0">
+              <a:rPr lang="en-US" sz="4400" b="0" i="0" cap="all" spc="300">
+                <a:solidFill>
+                  <a:srgbClr val="FFFFFF"/>
+                </a:solidFill>
                 <a:effectLst/>
               </a:rPr>
-              <a:t>Definition of GitHub Actions</a:t>
+              <a:t>Setting up a GitHub Actions workflow</a:t>
             </a:r>
-            <a:br>
-              <a:rPr lang="en-US" sz="3400" b="0" i="0" cap="all" spc="300" dirty="0">
-                <a:effectLst/>
-              </a:rPr>
-            </a:br>
-            <a:endParaRPr lang="en-US" sz="3400" cap="all" spc="300" dirty="0"/>
-          </a:p>
-        </p:txBody>
-      </p:sp>
-      <p:pic>
-        <p:nvPicPr>
-          <p:cNvPr id="7" name="Graphic 6" descr="Checkmark">
-            <a:extLst>
-              <a:ext uri="{FF2B5EF4-FFF2-40B4-BE49-F238E27FC236}">
-                <a16:creationId xmlns:a16="http://schemas.microsoft.com/office/drawing/2014/main" id="{0E02D414-E3CF-5BB0-7886-678DFEE3C653}"/>
-              </a:ext>
-            </a:extLst>
-          </p:cNvPr>
-          <p:cNvPicPr>
-            <a:picLocks noChangeAspect="1"/>
-          </p:cNvPicPr>
-          <p:nvPr/>
-        </p:nvPicPr>
-        <p:blipFill>
-          <a:blip r:embed="rId2">
-            <a:extLst>
-              <a:ext uri="{28A0092B-C50C-407E-A947-70E740481C1C}">
-                <a14:useLocalDpi xmlns:a14="http://schemas.microsoft.com/office/drawing/2010/main" val="0"/>
-              </a:ext>
-              <a:ext uri="{96DAC541-7B7A-43D3-8B79-37D633B846F1}">
-                <asvg:svgBlip xmlns:asvg="http://schemas.microsoft.com/office/drawing/2016/SVG/main" r:embed="rId3"/>
-              </a:ext>
-            </a:extLst>
-          </a:blip>
-          <a:stretch>
-            <a:fillRect/>
-          </a:stretch>
-        </p:blipFill>
-        <p:spPr>
-          <a:xfrm>
-            <a:off x="7408054" y="2754999"/>
-            <a:ext cx="1640019" cy="1640019"/>
-          </a:xfrm>
-          <a:prstGeom prst="rect">
-            <a:avLst/>
-          </a:prstGeom>
-        </p:spPr>
-      </p:pic>
+            <a:endParaRPr lang="en-US" sz="4400" cap="all" spc="300">
+              <a:solidFill>
+                <a:srgbClr val="FFFFFF"/>
+              </a:solidFill>
+            </a:endParaRPr>
+          </a:p>
+        </p:txBody>
+      </p:sp>
     </p:spTree>
     <p:extLst>
       <p:ext uri="{BB962C8B-B14F-4D97-AF65-F5344CB8AC3E}">
-        <p14:creationId xmlns:p14="http://schemas.microsoft.com/office/powerpoint/2010/main" val="2235108412"/>
-      </p:ext>
-    </p:extLst>
-  </p:cSld>
-  <p:clrMapOvr>
-    <a:masterClrMapping/>
-  </p:clrMapOvr>
-</p:sld>
-</file>
-
-<file path=ppt/slides/slide20.xml><?xml version="1.0" encoding="utf-8"?>
-<p:sld xmlns:a="http://schemas.openxmlformats.org/drawingml/2006/main" xmlns:r="http://schemas.openxmlformats.org/officeDocument/2006/relationships" xmlns:p="http://schemas.openxmlformats.org/presentationml/2006/main">
-  <p:cSld>
-    <p:spTree>
-      <p:nvGrpSpPr>
-        <p:cNvPr id="1" name=""/>
-        <p:cNvGrpSpPr/>
-        <p:nvPr/>
-      </p:nvGrpSpPr>
-      <p:grpSpPr>
-        <a:xfrm>
-          <a:off x="0" y="0"/>
-          <a:ext cx="0" cy="0"/>
-          <a:chOff x="0" y="0"/>
-          <a:chExt cx="0" cy="0"/>
-        </a:xfrm>
-      </p:grpSpPr>
-      <p:sp>
-        <p:nvSpPr>
-          <p:cNvPr id="2" name="Title 1">
-            <a:extLst>
-              <a:ext uri="{FF2B5EF4-FFF2-40B4-BE49-F238E27FC236}">
-                <a16:creationId xmlns:a16="http://schemas.microsoft.com/office/drawing/2014/main" id="{B8DA0793-FC22-F1D7-D985-90296CE04750}"/>
-              </a:ext>
-            </a:extLst>
-          </p:cNvPr>
-          <p:cNvSpPr>
-            <a:spLocks noGrp="1"/>
-          </p:cNvSpPr>
-          <p:nvPr>
-            <p:ph type="title"/>
-          </p:nvPr>
-        </p:nvSpPr>
-        <p:spPr/>
-        <p:txBody>
-          <a:bodyPr>
-            <a:normAutofit/>
-          </a:bodyPr>
-          <a:lstStyle/>
-          <a:p>
-            <a:r>
-              <a:rPr lang="en-US" b="0" i="0" dirty="0">
-                <a:solidFill>
-                  <a:srgbClr val="374151"/>
-                </a:solidFill>
-                <a:effectLst/>
-                <a:latin typeface="Söhne"/>
-              </a:rPr>
-              <a:t>B. Securing workflows</a:t>
-            </a:r>
-            <a:br>
-              <a:rPr lang="en-US" b="0" i="0" dirty="0">
-                <a:solidFill>
-                  <a:srgbClr val="374151"/>
-                </a:solidFill>
-                <a:effectLst/>
-                <a:latin typeface="Söhne"/>
-              </a:rPr>
-            </a:br>
-            <a:endParaRPr lang="en-US" dirty="0"/>
-          </a:p>
-        </p:txBody>
-      </p:sp>
-      <p:sp>
-        <p:nvSpPr>
-          <p:cNvPr id="3" name="Content Placeholder 2">
-            <a:extLst>
-              <a:ext uri="{FF2B5EF4-FFF2-40B4-BE49-F238E27FC236}">
-                <a16:creationId xmlns:a16="http://schemas.microsoft.com/office/drawing/2014/main" id="{C376AEA1-442B-8E8D-C5CE-2AFFAE5437D3}"/>
-              </a:ext>
-            </a:extLst>
-          </p:cNvPr>
-          <p:cNvSpPr>
-            <a:spLocks noGrp="1"/>
-          </p:cNvSpPr>
-          <p:nvPr>
-            <p:ph idx="1"/>
-          </p:nvPr>
-        </p:nvSpPr>
-        <p:spPr/>
-        <p:txBody>
-          <a:bodyPr/>
-          <a:lstStyle/>
-          <a:p>
-            <a:endParaRPr lang="en-US"/>
-          </a:p>
-        </p:txBody>
-      </p:sp>
-    </p:spTree>
-    <p:extLst>
-      <p:ext uri="{BB962C8B-B14F-4D97-AF65-F5344CB8AC3E}">
-        <p14:creationId xmlns:p14="http://schemas.microsoft.com/office/powerpoint/2010/main" val="3832965227"/>
-      </p:ext>
-    </p:extLst>
-  </p:cSld>
-  <p:clrMapOvr>
-    <a:masterClrMapping/>
-  </p:clrMapOvr>
-</p:sld>
-</file>
-
-<file path=ppt/slides/slide21.xml><?xml version="1.0" encoding="utf-8"?>
-<p:sld xmlns:a="http://schemas.openxmlformats.org/drawingml/2006/main" xmlns:r="http://schemas.openxmlformats.org/officeDocument/2006/relationships" xmlns:p="http://schemas.openxmlformats.org/presentationml/2006/main">
-  <p:cSld>
-    <p:spTree>
-      <p:nvGrpSpPr>
-        <p:cNvPr id="1" name=""/>
-        <p:cNvGrpSpPr/>
-        <p:nvPr/>
-      </p:nvGrpSpPr>
-      <p:grpSpPr>
-        <a:xfrm>
-          <a:off x="0" y="0"/>
-          <a:ext cx="0" cy="0"/>
-          <a:chOff x="0" y="0"/>
-          <a:chExt cx="0" cy="0"/>
-        </a:xfrm>
-      </p:grpSpPr>
-      <p:sp>
-        <p:nvSpPr>
-          <p:cNvPr id="2" name="Title 1">
-            <a:extLst>
-              <a:ext uri="{FF2B5EF4-FFF2-40B4-BE49-F238E27FC236}">
-                <a16:creationId xmlns:a16="http://schemas.microsoft.com/office/drawing/2014/main" id="{C20B8F48-D522-B0B2-881E-A75931E3FC1A}"/>
-              </a:ext>
-            </a:extLst>
-          </p:cNvPr>
-          <p:cNvSpPr>
-            <a:spLocks noGrp="1"/>
-          </p:cNvSpPr>
-          <p:nvPr>
-            <p:ph type="title"/>
-          </p:nvPr>
-        </p:nvSpPr>
-        <p:spPr/>
-        <p:txBody>
-          <a:bodyPr/>
-          <a:lstStyle/>
-          <a:p>
-            <a:r>
-              <a:rPr lang="en-US" b="0" i="0" dirty="0">
-                <a:solidFill>
-                  <a:srgbClr val="374151"/>
-                </a:solidFill>
-                <a:effectLst/>
-                <a:latin typeface="Söhne"/>
-              </a:rPr>
-              <a:t>C. Testing workflows</a:t>
-            </a:r>
-            <a:endParaRPr lang="en-US" dirty="0"/>
-          </a:p>
-        </p:txBody>
-      </p:sp>
-      <p:sp>
-        <p:nvSpPr>
-          <p:cNvPr id="3" name="Content Placeholder 2">
-            <a:extLst>
-              <a:ext uri="{FF2B5EF4-FFF2-40B4-BE49-F238E27FC236}">
-                <a16:creationId xmlns:a16="http://schemas.microsoft.com/office/drawing/2014/main" id="{E5387224-FE70-8434-A8C9-0378A4AB19CA}"/>
-              </a:ext>
-            </a:extLst>
-          </p:cNvPr>
-          <p:cNvSpPr>
-            <a:spLocks noGrp="1"/>
-          </p:cNvSpPr>
-          <p:nvPr>
-            <p:ph idx="1"/>
-          </p:nvPr>
-        </p:nvSpPr>
-        <p:spPr/>
-        <p:txBody>
-          <a:bodyPr/>
-          <a:lstStyle/>
-          <a:p>
-            <a:endParaRPr lang="en-US"/>
-          </a:p>
-        </p:txBody>
-      </p:sp>
-    </p:spTree>
-    <p:extLst>
-      <p:ext uri="{BB962C8B-B14F-4D97-AF65-F5344CB8AC3E}">
-        <p14:creationId xmlns:p14="http://schemas.microsoft.com/office/powerpoint/2010/main" val="374111286"/>
-      </p:ext>
-    </p:extLst>
-  </p:cSld>
-  <p:clrMapOvr>
-    <a:masterClrMapping/>
-  </p:clrMapOvr>
-</p:sld>
-</file>
-
-<file path=ppt/slides/slide22.xml><?xml version="1.0" encoding="utf-8"?>
-<p:sld xmlns:a="http://schemas.openxmlformats.org/drawingml/2006/main" xmlns:r="http://schemas.openxmlformats.org/officeDocument/2006/relationships" xmlns:p="http://schemas.openxmlformats.org/presentationml/2006/main">
-  <p:cSld>
-    <p:spTree>
-      <p:nvGrpSpPr>
-        <p:cNvPr id="1" name=""/>
-        <p:cNvGrpSpPr/>
-        <p:nvPr/>
-      </p:nvGrpSpPr>
-      <p:grpSpPr>
-        <a:xfrm>
-          <a:off x="0" y="0"/>
-          <a:ext cx="0" cy="0"/>
-          <a:chOff x="0" y="0"/>
-          <a:chExt cx="0" cy="0"/>
-        </a:xfrm>
-      </p:grpSpPr>
-      <p:sp>
-        <p:nvSpPr>
-          <p:cNvPr id="2" name="Title 1">
-            <a:extLst>
-              <a:ext uri="{FF2B5EF4-FFF2-40B4-BE49-F238E27FC236}">
-                <a16:creationId xmlns:a16="http://schemas.microsoft.com/office/drawing/2014/main" id="{8A33D24D-87EA-A7BB-82F3-B14B287B8CCD}"/>
-              </a:ext>
-            </a:extLst>
-          </p:cNvPr>
-          <p:cNvSpPr>
-            <a:spLocks noGrp="1"/>
-          </p:cNvSpPr>
-          <p:nvPr>
-            <p:ph type="title"/>
-          </p:nvPr>
-        </p:nvSpPr>
-        <p:spPr/>
-        <p:txBody>
-          <a:bodyPr/>
-          <a:lstStyle/>
-          <a:p>
-            <a:r>
-              <a:rPr lang="en-US" b="0" i="0" dirty="0">
-                <a:solidFill>
-                  <a:srgbClr val="374151"/>
-                </a:solidFill>
-                <a:effectLst/>
-                <a:latin typeface="Söhne"/>
-              </a:rPr>
-              <a:t>D. Reviewing workflow changes</a:t>
-            </a:r>
-            <a:endParaRPr lang="en-US" dirty="0"/>
-          </a:p>
-        </p:txBody>
-      </p:sp>
-      <p:sp>
-        <p:nvSpPr>
-          <p:cNvPr id="3" name="Content Placeholder 2">
-            <a:extLst>
-              <a:ext uri="{FF2B5EF4-FFF2-40B4-BE49-F238E27FC236}">
-                <a16:creationId xmlns:a16="http://schemas.microsoft.com/office/drawing/2014/main" id="{172B9BE4-1D4C-6C08-4563-FE3955F7B00B}"/>
-              </a:ext>
-            </a:extLst>
-          </p:cNvPr>
-          <p:cNvSpPr>
-            <a:spLocks noGrp="1"/>
-          </p:cNvSpPr>
-          <p:nvPr>
-            <p:ph idx="1"/>
-          </p:nvPr>
-        </p:nvSpPr>
-        <p:spPr/>
-        <p:txBody>
-          <a:bodyPr/>
-          <a:lstStyle/>
-          <a:p>
-            <a:endParaRPr lang="en-US"/>
-          </a:p>
-        </p:txBody>
-      </p:sp>
-      <p:sp>
-        <p:nvSpPr>
-          <p:cNvPr id="5" name="TextBox 4">
-            <a:extLst>
-              <a:ext uri="{FF2B5EF4-FFF2-40B4-BE49-F238E27FC236}">
-                <a16:creationId xmlns:a16="http://schemas.microsoft.com/office/drawing/2014/main" id="{0D09AA70-14E5-22AD-8925-3EE3E57A797D}"/>
-              </a:ext>
-            </a:extLst>
-          </p:cNvPr>
-          <p:cNvSpPr txBox="1"/>
-          <p:nvPr/>
-        </p:nvSpPr>
-        <p:spPr>
-          <a:xfrm>
-            <a:off x="3048856" y="3246902"/>
-            <a:ext cx="6097712" cy="369332"/>
-          </a:xfrm>
-          <a:prstGeom prst="rect">
-            <a:avLst/>
-          </a:prstGeom>
-          <a:noFill/>
-        </p:spPr>
-        <p:txBody>
-          <a:bodyPr wrap="square">
-            <a:spAutoFit/>
-          </a:bodyPr>
-          <a:lstStyle/>
-          <a:p>
-            <a:r>
-              <a:rPr lang="en-US" b="0" i="0" dirty="0">
-                <a:solidFill>
-                  <a:srgbClr val="374151"/>
-                </a:solidFill>
-                <a:effectLst/>
-                <a:latin typeface="Söhne"/>
-              </a:rPr>
-              <a:t>D. Reviewing workflow changes</a:t>
-            </a:r>
-            <a:endParaRPr lang="en-US" dirty="0"/>
-          </a:p>
-        </p:txBody>
-      </p:sp>
-    </p:spTree>
-    <p:extLst>
-      <p:ext uri="{BB962C8B-B14F-4D97-AF65-F5344CB8AC3E}">
-        <p14:creationId xmlns:p14="http://schemas.microsoft.com/office/powerpoint/2010/main" val="658796248"/>
-      </p:ext>
-    </p:extLst>
-  </p:cSld>
-  <p:clrMapOvr>
-    <a:masterClrMapping/>
-  </p:clrMapOvr>
-</p:sld>
-</file>
-
-<file path=ppt/slides/slide23.xml><?xml version="1.0" encoding="utf-8"?>
-<p:sld xmlns:a="http://schemas.openxmlformats.org/drawingml/2006/main" xmlns:r="http://schemas.openxmlformats.org/officeDocument/2006/relationships" xmlns:p="http://schemas.openxmlformats.org/presentationml/2006/main">
-  <p:cSld>
-    <p:spTree>
-      <p:nvGrpSpPr>
-        <p:cNvPr id="1" name=""/>
-        <p:cNvGrpSpPr/>
-        <p:nvPr/>
-      </p:nvGrpSpPr>
-      <p:grpSpPr>
-        <a:xfrm>
-          <a:off x="0" y="0"/>
-          <a:ext cx="0" cy="0"/>
-          <a:chOff x="0" y="0"/>
-          <a:chExt cx="0" cy="0"/>
-        </a:xfrm>
-      </p:grpSpPr>
-      <p:sp>
-        <p:nvSpPr>
-          <p:cNvPr id="2" name="Title 1">
-            <a:extLst>
-              <a:ext uri="{FF2B5EF4-FFF2-40B4-BE49-F238E27FC236}">
-                <a16:creationId xmlns:a16="http://schemas.microsoft.com/office/drawing/2014/main" id="{FA0F677B-A874-0C8D-5E90-31795C7D4579}"/>
-              </a:ext>
-            </a:extLst>
-          </p:cNvPr>
-          <p:cNvSpPr>
-            <a:spLocks noGrp="1"/>
-          </p:cNvSpPr>
-          <p:nvPr>
-            <p:ph type="title"/>
-          </p:nvPr>
-        </p:nvSpPr>
-        <p:spPr/>
-        <p:txBody>
-          <a:bodyPr>
-            <a:normAutofit/>
-          </a:bodyPr>
-          <a:lstStyle/>
-          <a:p>
-            <a:r>
-              <a:rPr lang="en-US" b="0" i="0" dirty="0">
-                <a:solidFill>
-                  <a:srgbClr val="374151"/>
-                </a:solidFill>
-                <a:effectLst/>
-                <a:latin typeface="Söhne"/>
-              </a:rPr>
-              <a:t>VI. Conclusion A. Recap of key takeaways</a:t>
-            </a:r>
-            <a:br>
-              <a:rPr lang="en-US" b="0" i="0" dirty="0">
-                <a:solidFill>
-                  <a:srgbClr val="374151"/>
-                </a:solidFill>
-                <a:effectLst/>
-                <a:latin typeface="Söhne"/>
-              </a:rPr>
-            </a:br>
-            <a:endParaRPr lang="en-US" dirty="0"/>
-          </a:p>
-        </p:txBody>
-      </p:sp>
-      <p:sp>
-        <p:nvSpPr>
-          <p:cNvPr id="3" name="Content Placeholder 2">
-            <a:extLst>
-              <a:ext uri="{FF2B5EF4-FFF2-40B4-BE49-F238E27FC236}">
-                <a16:creationId xmlns:a16="http://schemas.microsoft.com/office/drawing/2014/main" id="{1E5BE794-45D7-6D92-3888-2904A7A86220}"/>
-              </a:ext>
-            </a:extLst>
-          </p:cNvPr>
-          <p:cNvSpPr>
-            <a:spLocks noGrp="1"/>
-          </p:cNvSpPr>
-          <p:nvPr>
-            <p:ph idx="1"/>
-          </p:nvPr>
-        </p:nvSpPr>
-        <p:spPr/>
-        <p:txBody>
-          <a:bodyPr/>
-          <a:lstStyle/>
-          <a:p>
-            <a:endParaRPr lang="en-US"/>
-          </a:p>
-        </p:txBody>
-      </p:sp>
-      <p:sp>
-        <p:nvSpPr>
-          <p:cNvPr id="5" name="TextBox 4">
-            <a:extLst>
-              <a:ext uri="{FF2B5EF4-FFF2-40B4-BE49-F238E27FC236}">
-                <a16:creationId xmlns:a16="http://schemas.microsoft.com/office/drawing/2014/main" id="{26274D53-1A07-67A9-24EA-A3C2CC361275}"/>
-              </a:ext>
-            </a:extLst>
-          </p:cNvPr>
-          <p:cNvSpPr txBox="1"/>
-          <p:nvPr/>
-        </p:nvSpPr>
-        <p:spPr>
-          <a:xfrm>
-            <a:off x="3048856" y="3108403"/>
-            <a:ext cx="6097712" cy="646331"/>
-          </a:xfrm>
-          <a:prstGeom prst="rect">
-            <a:avLst/>
-          </a:prstGeom>
-          <a:noFill/>
-        </p:spPr>
-        <p:txBody>
-          <a:bodyPr wrap="square">
-            <a:spAutoFit/>
-          </a:bodyPr>
-          <a:lstStyle/>
-          <a:p>
-            <a:r>
-              <a:rPr lang="en-US" b="0" i="0" dirty="0">
-                <a:solidFill>
-                  <a:srgbClr val="374151"/>
-                </a:solidFill>
-                <a:effectLst/>
-                <a:latin typeface="Söhne"/>
-              </a:rPr>
-              <a:t>B. Future improvements to GitHub Actions C. Additional resources and references</a:t>
-            </a:r>
-            <a:endParaRPr lang="en-US" dirty="0"/>
-          </a:p>
-        </p:txBody>
-      </p:sp>
-    </p:spTree>
-    <p:extLst>
-      <p:ext uri="{BB962C8B-B14F-4D97-AF65-F5344CB8AC3E}">
-        <p14:creationId xmlns:p14="http://schemas.microsoft.com/office/powerpoint/2010/main" val="2024606021"/>
-      </p:ext>
-    </p:extLst>
-  </p:cSld>
-  <p:clrMapOvr>
-    <a:masterClrMapping/>
-  </p:clrMapOvr>
-</p:sld>
-</file>
-
-<file path=ppt/slides/slide24.xml><?xml version="1.0" encoding="utf-8"?>
-<p:sld xmlns:a="http://schemas.openxmlformats.org/drawingml/2006/main" xmlns:r="http://schemas.openxmlformats.org/officeDocument/2006/relationships" xmlns:p="http://schemas.openxmlformats.org/presentationml/2006/main">
-  <p:cSld>
-    <p:spTree>
-      <p:nvGrpSpPr>
-        <p:cNvPr id="1" name=""/>
-        <p:cNvGrpSpPr/>
-        <p:nvPr/>
-      </p:nvGrpSpPr>
-      <p:grpSpPr>
-        <a:xfrm>
-          <a:off x="0" y="0"/>
-          <a:ext cx="0" cy="0"/>
-          <a:chOff x="0" y="0"/>
-          <a:chExt cx="0" cy="0"/>
-        </a:xfrm>
-      </p:grpSpPr>
-      <p:sp>
-        <p:nvSpPr>
-          <p:cNvPr id="2" name="Title 1">
-            <a:extLst>
-              <a:ext uri="{FF2B5EF4-FFF2-40B4-BE49-F238E27FC236}">
-                <a16:creationId xmlns:a16="http://schemas.microsoft.com/office/drawing/2014/main" id="{9B67E82B-4090-096A-B90C-69EE98146A07}"/>
-              </a:ext>
-            </a:extLst>
-          </p:cNvPr>
-          <p:cNvSpPr>
-            <a:spLocks noGrp="1"/>
-          </p:cNvSpPr>
-          <p:nvPr>
-            <p:ph type="title"/>
-          </p:nvPr>
-        </p:nvSpPr>
-        <p:spPr/>
-        <p:txBody>
-          <a:bodyPr/>
-          <a:lstStyle/>
-          <a:p>
-            <a:r>
-              <a:rPr lang="en-US" b="0" i="0" dirty="0">
-                <a:solidFill>
-                  <a:srgbClr val="374151"/>
-                </a:solidFill>
-                <a:effectLst/>
-                <a:latin typeface="Söhne"/>
-              </a:rPr>
-              <a:t>B. Future improvements to GitHub Actions</a:t>
-            </a:r>
-            <a:endParaRPr lang="en-US" dirty="0"/>
-          </a:p>
-        </p:txBody>
-      </p:sp>
-      <p:sp>
-        <p:nvSpPr>
-          <p:cNvPr id="3" name="Content Placeholder 2">
-            <a:extLst>
-              <a:ext uri="{FF2B5EF4-FFF2-40B4-BE49-F238E27FC236}">
-                <a16:creationId xmlns:a16="http://schemas.microsoft.com/office/drawing/2014/main" id="{8BB6B1F0-F837-214F-44CE-2839D4384B85}"/>
-              </a:ext>
-            </a:extLst>
-          </p:cNvPr>
-          <p:cNvSpPr>
-            <a:spLocks noGrp="1"/>
-          </p:cNvSpPr>
-          <p:nvPr>
-            <p:ph idx="1"/>
-          </p:nvPr>
-        </p:nvSpPr>
-        <p:spPr/>
-        <p:txBody>
-          <a:bodyPr/>
-          <a:lstStyle/>
-          <a:p>
-            <a:endParaRPr lang="en-US"/>
-          </a:p>
-        </p:txBody>
-      </p:sp>
-    </p:spTree>
-    <p:extLst>
-      <p:ext uri="{BB962C8B-B14F-4D97-AF65-F5344CB8AC3E}">
-        <p14:creationId xmlns:p14="http://schemas.microsoft.com/office/powerpoint/2010/main" val="1243268020"/>
-      </p:ext>
-    </p:extLst>
-  </p:cSld>
-  <p:clrMapOvr>
-    <a:masterClrMapping/>
-  </p:clrMapOvr>
-</p:sld>
-</file>
-
-<file path=ppt/slides/slide25.xml><?xml version="1.0" encoding="utf-8"?>
-<p:sld xmlns:a="http://schemas.openxmlformats.org/drawingml/2006/main" xmlns:r="http://schemas.openxmlformats.org/officeDocument/2006/relationships" xmlns:p="http://schemas.openxmlformats.org/presentationml/2006/main">
-  <p:cSld>
-    <p:spTree>
-      <p:nvGrpSpPr>
-        <p:cNvPr id="1" name=""/>
-        <p:cNvGrpSpPr/>
-        <p:nvPr/>
-      </p:nvGrpSpPr>
-      <p:grpSpPr>
-        <a:xfrm>
-          <a:off x="0" y="0"/>
-          <a:ext cx="0" cy="0"/>
-          <a:chOff x="0" y="0"/>
-          <a:chExt cx="0" cy="0"/>
-        </a:xfrm>
-      </p:grpSpPr>
-      <p:sp>
-        <p:nvSpPr>
-          <p:cNvPr id="2" name="Title 1">
-            <a:extLst>
-              <a:ext uri="{FF2B5EF4-FFF2-40B4-BE49-F238E27FC236}">
-                <a16:creationId xmlns:a16="http://schemas.microsoft.com/office/drawing/2014/main" id="{7EDA817F-EE0E-6D37-BB43-37F415C8C170}"/>
-              </a:ext>
-            </a:extLst>
-          </p:cNvPr>
-          <p:cNvSpPr>
-            <a:spLocks noGrp="1"/>
-          </p:cNvSpPr>
-          <p:nvPr>
-            <p:ph type="title"/>
-          </p:nvPr>
-        </p:nvSpPr>
-        <p:spPr/>
-        <p:txBody>
-          <a:bodyPr/>
-          <a:lstStyle/>
-          <a:p>
-            <a:r>
-              <a:rPr lang="en-US" b="0" i="0" dirty="0">
-                <a:solidFill>
-                  <a:srgbClr val="374151"/>
-                </a:solidFill>
-                <a:effectLst/>
-                <a:latin typeface="Söhne"/>
-              </a:rPr>
-              <a:t>C. Additional resources and references</a:t>
-            </a:r>
-            <a:endParaRPr lang="en-US" dirty="0"/>
-          </a:p>
-        </p:txBody>
-      </p:sp>
-      <p:sp>
-        <p:nvSpPr>
-          <p:cNvPr id="3" name="Content Placeholder 2">
-            <a:extLst>
-              <a:ext uri="{FF2B5EF4-FFF2-40B4-BE49-F238E27FC236}">
-                <a16:creationId xmlns:a16="http://schemas.microsoft.com/office/drawing/2014/main" id="{126C2C7C-56DA-3D11-1F21-4980036DA941}"/>
-              </a:ext>
-            </a:extLst>
-          </p:cNvPr>
-          <p:cNvSpPr>
-            <a:spLocks noGrp="1"/>
-          </p:cNvSpPr>
-          <p:nvPr>
-            <p:ph idx="1"/>
-          </p:nvPr>
-        </p:nvSpPr>
-        <p:spPr/>
-        <p:txBody>
-          <a:bodyPr/>
-          <a:lstStyle/>
-          <a:p>
-            <a:endParaRPr lang="en-US" dirty="0"/>
-          </a:p>
-        </p:txBody>
-      </p:sp>
-    </p:spTree>
-    <p:extLst>
-      <p:ext uri="{BB962C8B-B14F-4D97-AF65-F5344CB8AC3E}">
-        <p14:creationId xmlns:p14="http://schemas.microsoft.com/office/powerpoint/2010/main" val="1974983092"/>
-      </p:ext>
-    </p:extLst>
-  </p:cSld>
-  <p:clrMapOvr>
-    <a:masterClrMapping/>
-  </p:clrMapOvr>
-</p:sld>
-</file>
-
-<file path=ppt/slides/slide3.xml><?xml version="1.0" encoding="utf-8"?>
-<p:sld xmlns:a="http://schemas.openxmlformats.org/drawingml/2006/main" xmlns:r="http://schemas.openxmlformats.org/officeDocument/2006/relationships" xmlns:p="http://schemas.openxmlformats.org/presentationml/2006/main">
-  <p:cSld>
-    <p:spTree>
-      <p:nvGrpSpPr>
-        <p:cNvPr id="1" name=""/>
-        <p:cNvGrpSpPr/>
-        <p:nvPr/>
-      </p:nvGrpSpPr>
-      <p:grpSpPr>
-        <a:xfrm>
-          <a:off x="0" y="0"/>
-          <a:ext cx="0" cy="0"/>
-          <a:chOff x="0" y="0"/>
-          <a:chExt cx="0" cy="0"/>
-        </a:xfrm>
-      </p:grpSpPr>
-      <p:sp>
-        <p:nvSpPr>
-          <p:cNvPr id="2" name="Title 1">
-            <a:extLst>
-              <a:ext uri="{FF2B5EF4-FFF2-40B4-BE49-F238E27FC236}">
-                <a16:creationId xmlns:a16="http://schemas.microsoft.com/office/drawing/2014/main" id="{31A8945E-D433-2726-0149-4802FF786025}"/>
-              </a:ext>
-            </a:extLst>
-          </p:cNvPr>
-          <p:cNvSpPr>
-            <a:spLocks noGrp="1"/>
-          </p:cNvSpPr>
-          <p:nvPr>
-            <p:ph type="title"/>
-          </p:nvPr>
-        </p:nvSpPr>
-        <p:spPr/>
-        <p:txBody>
-          <a:bodyPr/>
-          <a:lstStyle/>
-          <a:p>
-            <a:r>
-              <a:rPr lang="en-US" b="0" i="0" dirty="0">
-                <a:solidFill>
-                  <a:srgbClr val="374151"/>
-                </a:solidFill>
-                <a:effectLst/>
-                <a:latin typeface="Söhne"/>
-              </a:rPr>
-              <a:t>B. Advantages of using GitHub Actions</a:t>
-            </a:r>
-            <a:endParaRPr lang="en-US" dirty="0"/>
-          </a:p>
-        </p:txBody>
-      </p:sp>
-      <p:sp>
-        <p:nvSpPr>
-          <p:cNvPr id="3" name="Content Placeholder 2">
-            <a:extLst>
-              <a:ext uri="{FF2B5EF4-FFF2-40B4-BE49-F238E27FC236}">
-                <a16:creationId xmlns:a16="http://schemas.microsoft.com/office/drawing/2014/main" id="{BCF72ACC-47FA-1B0A-0F89-8EE8BE4D4172}"/>
-              </a:ext>
-            </a:extLst>
-          </p:cNvPr>
-          <p:cNvSpPr>
-            <a:spLocks noGrp="1"/>
-          </p:cNvSpPr>
-          <p:nvPr>
-            <p:ph idx="1"/>
-          </p:nvPr>
-        </p:nvSpPr>
-        <p:spPr/>
-        <p:txBody>
-          <a:bodyPr/>
-          <a:lstStyle/>
-          <a:p>
-            <a:endParaRPr lang="en-US"/>
-          </a:p>
-        </p:txBody>
-      </p:sp>
-    </p:spTree>
-    <p:extLst>
-      <p:ext uri="{BB962C8B-B14F-4D97-AF65-F5344CB8AC3E}">
-        <p14:creationId xmlns:p14="http://schemas.microsoft.com/office/powerpoint/2010/main" val="2397704679"/>
-      </p:ext>
-    </p:extLst>
-  </p:cSld>
-  <p:clrMapOvr>
-    <a:masterClrMapping/>
-  </p:clrMapOvr>
-</p:sld>
-</file>
-
-<file path=ppt/slides/slide4.xml><?xml version="1.0" encoding="utf-8"?>
-<p:sld xmlns:a="http://schemas.openxmlformats.org/drawingml/2006/main" xmlns:r="http://schemas.openxmlformats.org/officeDocument/2006/relationships" xmlns:p="http://schemas.openxmlformats.org/presentationml/2006/main">
-  <p:cSld>
-    <p:spTree>
-      <p:nvGrpSpPr>
-        <p:cNvPr id="1" name=""/>
-        <p:cNvGrpSpPr/>
-        <p:nvPr/>
-      </p:nvGrpSpPr>
-      <p:grpSpPr>
-        <a:xfrm>
-          <a:off x="0" y="0"/>
-          <a:ext cx="0" cy="0"/>
-          <a:chOff x="0" y="0"/>
-          <a:chExt cx="0" cy="0"/>
-        </a:xfrm>
-      </p:grpSpPr>
-      <p:sp>
-        <p:nvSpPr>
-          <p:cNvPr id="2" name="Title 1">
-            <a:extLst>
-              <a:ext uri="{FF2B5EF4-FFF2-40B4-BE49-F238E27FC236}">
-                <a16:creationId xmlns:a16="http://schemas.microsoft.com/office/drawing/2014/main" id="{EAED473A-E8F1-2259-6C60-4F6F0F72C630}"/>
-              </a:ext>
-            </a:extLst>
-          </p:cNvPr>
-          <p:cNvSpPr>
-            <a:spLocks noGrp="1"/>
-          </p:cNvSpPr>
-          <p:nvPr>
-            <p:ph type="title"/>
-          </p:nvPr>
-        </p:nvSpPr>
-        <p:spPr/>
-        <p:txBody>
-          <a:bodyPr/>
-          <a:lstStyle/>
-          <a:p>
-            <a:r>
-              <a:rPr lang="en-US" b="0" i="0" dirty="0">
-                <a:solidFill>
-                  <a:srgbClr val="374151"/>
-                </a:solidFill>
-                <a:effectLst/>
-                <a:latin typeface="Söhne"/>
-              </a:rPr>
-              <a:t>C. Purpose of the presentation</a:t>
-            </a:r>
-            <a:endParaRPr lang="en-US" dirty="0"/>
-          </a:p>
-        </p:txBody>
-      </p:sp>
-      <p:sp>
-        <p:nvSpPr>
-          <p:cNvPr id="3" name="Content Placeholder 2">
-            <a:extLst>
-              <a:ext uri="{FF2B5EF4-FFF2-40B4-BE49-F238E27FC236}">
-                <a16:creationId xmlns:a16="http://schemas.microsoft.com/office/drawing/2014/main" id="{44DF6968-90D6-3D64-09C2-A782EFE754B9}"/>
-              </a:ext>
-            </a:extLst>
-          </p:cNvPr>
-          <p:cNvSpPr>
-            <a:spLocks noGrp="1"/>
-          </p:cNvSpPr>
-          <p:nvPr>
-            <p:ph idx="1"/>
-          </p:nvPr>
-        </p:nvSpPr>
-        <p:spPr/>
-        <p:txBody>
-          <a:bodyPr/>
-          <a:lstStyle/>
-          <a:p>
-            <a:endParaRPr lang="en-US" dirty="0"/>
-          </a:p>
-        </p:txBody>
-      </p:sp>
-    </p:spTree>
-    <p:extLst>
-      <p:ext uri="{BB962C8B-B14F-4D97-AF65-F5344CB8AC3E}">
-        <p14:creationId xmlns:p14="http://schemas.microsoft.com/office/powerpoint/2010/main" val="1289422698"/>
+        <p14:creationId xmlns:p14="http://schemas.microsoft.com/office/powerpoint/2010/main" val="3355493529"/>
       </p:ext>
     </p:extLst>
   </p:cSld>
@@ -6731,7 +10935,7 @@
           <p:cNvPr id="2" name="Title 1">
             <a:extLst>
               <a:ext uri="{FF2B5EF4-FFF2-40B4-BE49-F238E27FC236}">
-                <a16:creationId xmlns:a16="http://schemas.microsoft.com/office/drawing/2014/main" id="{43F198E8-F711-CF3D-0D42-F11D76B7D880}"/>
+                <a16:creationId xmlns:a16="http://schemas.microsoft.com/office/drawing/2014/main" id="{C94FC33C-9A2A-DAA5-DC31-029FA4FCF83E}"/>
               </a:ext>
             </a:extLst>
           </p:cNvPr>
@@ -6757,8 +10961,17 @@
                 <a:effectLst/>
                 <a:latin typeface="Söhne"/>
               </a:rPr>
-              <a:t>II. Setting up a GitHub Actions workflow A. Creating a repository</a:t>
+              <a:t>D. Adding workflow events</a:t>
             </a:r>
+            <a:br>
+              <a:rPr lang="en-US" b="0" i="0" dirty="0">
+                <a:solidFill>
+                  <a:srgbClr val="374151"/>
+                </a:solidFill>
+                <a:effectLst/>
+                <a:latin typeface="Söhne"/>
+              </a:rPr>
+            </a:br>
             <a:endParaRPr lang="en-US" dirty="0"/>
           </a:p>
         </p:txBody>
@@ -6768,7 +10981,7 @@
           <p:cNvPr id="3" name="Content Placeholder 2">
             <a:extLst>
               <a:ext uri="{FF2B5EF4-FFF2-40B4-BE49-F238E27FC236}">
-                <a16:creationId xmlns:a16="http://schemas.microsoft.com/office/drawing/2014/main" id="{D97B1D3E-0716-A4C0-88C1-07116090979A}"/>
+                <a16:creationId xmlns:a16="http://schemas.microsoft.com/office/drawing/2014/main" id="{ADD5DC12-DC2C-D76A-55F7-8B144974624D}"/>
               </a:ext>
             </a:extLst>
           </p:cNvPr>
@@ -6791,7 +11004,7 @@
     </p:spTree>
     <p:extLst>
       <p:ext uri="{BB962C8B-B14F-4D97-AF65-F5344CB8AC3E}">
-        <p14:creationId xmlns:p14="http://schemas.microsoft.com/office/powerpoint/2010/main" val="3355493529"/>
+        <p14:creationId xmlns:p14="http://schemas.microsoft.com/office/powerpoint/2010/main" val="1602303146"/>
       </p:ext>
     </p:extLst>
   </p:cSld>
@@ -6823,7 +11036,7 @@
           <p:cNvPr id="2" name="Title 1">
             <a:extLst>
               <a:ext uri="{FF2B5EF4-FFF2-40B4-BE49-F238E27FC236}">
-                <a16:creationId xmlns:a16="http://schemas.microsoft.com/office/drawing/2014/main" id="{B183B803-3256-5674-C51A-090B1BD817F9}"/>
+                <a16:creationId xmlns:a16="http://schemas.microsoft.com/office/drawing/2014/main" id="{4221A4BA-EFBA-542A-413E-CAB2781259FE}"/>
               </a:ext>
             </a:extLst>
           </p:cNvPr>
@@ -6836,9 +11049,7 @@
         </p:nvSpPr>
         <p:spPr/>
         <p:txBody>
-          <a:bodyPr>
-            <a:normAutofit/>
-          </a:bodyPr>
+          <a:bodyPr/>
           <a:lstStyle/>
           <a:p>
             <a:r>
@@ -6849,7 +11060,7 @@
                 <a:effectLst/>
                 <a:latin typeface="Söhne"/>
               </a:rPr>
-              <a:t>B. Enabling Actions</a:t>
+              <a:t>E. Adding workflow jobs</a:t>
             </a:r>
             <a:endParaRPr lang="en-US" dirty="0"/>
           </a:p>
@@ -6860,7 +11071,7 @@
           <p:cNvPr id="3" name="Content Placeholder 2">
             <a:extLst>
               <a:ext uri="{FF2B5EF4-FFF2-40B4-BE49-F238E27FC236}">
-                <a16:creationId xmlns:a16="http://schemas.microsoft.com/office/drawing/2014/main" id="{5A9844C7-3731-FF21-44EB-0D632E5DD5A7}"/>
+                <a16:creationId xmlns:a16="http://schemas.microsoft.com/office/drawing/2014/main" id="{8AD68730-40BE-BB6E-F662-353325191254}"/>
               </a:ext>
             </a:extLst>
           </p:cNvPr>
@@ -6883,7 +11094,7 @@
     </p:spTree>
     <p:extLst>
       <p:ext uri="{BB962C8B-B14F-4D97-AF65-F5344CB8AC3E}">
-        <p14:creationId xmlns:p14="http://schemas.microsoft.com/office/powerpoint/2010/main" val="1155617248"/>
+        <p14:creationId xmlns:p14="http://schemas.microsoft.com/office/powerpoint/2010/main" val="16051024"/>
       </p:ext>
     </p:extLst>
   </p:cSld>
@@ -6915,7 +11126,7 @@
           <p:cNvPr id="2" name="Title 1">
             <a:extLst>
               <a:ext uri="{FF2B5EF4-FFF2-40B4-BE49-F238E27FC236}">
-                <a16:creationId xmlns:a16="http://schemas.microsoft.com/office/drawing/2014/main" id="{F1536FB9-5338-0C35-9A45-4FF7717FCD7A}"/>
+                <a16:creationId xmlns:a16="http://schemas.microsoft.com/office/drawing/2014/main" id="{96CD9417-4563-CF61-CBBA-320028757685}"/>
               </a:ext>
             </a:extLst>
           </p:cNvPr>
@@ -6928,9 +11139,7 @@
         </p:nvSpPr>
         <p:spPr/>
         <p:txBody>
-          <a:bodyPr>
-            <a:normAutofit/>
-          </a:bodyPr>
+          <a:bodyPr/>
           <a:lstStyle/>
           <a:p>
             <a:r>
@@ -6941,7 +11150,7 @@
                 <a:effectLst/>
                 <a:latin typeface="Söhne"/>
               </a:rPr>
-              <a:t>C. Creating a new workflow file</a:t>
+              <a:t>F. Adding workflow steps</a:t>
             </a:r>
             <a:endParaRPr lang="en-US" dirty="0"/>
           </a:p>
@@ -6952,7 +11161,7 @@
           <p:cNvPr id="3" name="Content Placeholder 2">
             <a:extLst>
               <a:ext uri="{FF2B5EF4-FFF2-40B4-BE49-F238E27FC236}">
-                <a16:creationId xmlns:a16="http://schemas.microsoft.com/office/drawing/2014/main" id="{EE331773-DA89-6E8C-8130-B9C9A7BFE1CD}"/>
+                <a16:creationId xmlns:a16="http://schemas.microsoft.com/office/drawing/2014/main" id="{77F04A91-7CFA-3EDC-0CB2-A037A73DF9C6}"/>
               </a:ext>
             </a:extLst>
           </p:cNvPr>
@@ -6975,7 +11184,7 @@
     </p:spTree>
     <p:extLst>
       <p:ext uri="{BB962C8B-B14F-4D97-AF65-F5344CB8AC3E}">
-        <p14:creationId xmlns:p14="http://schemas.microsoft.com/office/powerpoint/2010/main" val="3910798870"/>
+        <p14:creationId xmlns:p14="http://schemas.microsoft.com/office/powerpoint/2010/main" val="4016695534"/>
       </p:ext>
     </p:extLst>
   </p:cSld>
@@ -7007,7 +11216,7 @@
           <p:cNvPr id="2" name="Title 1">
             <a:extLst>
               <a:ext uri="{FF2B5EF4-FFF2-40B4-BE49-F238E27FC236}">
-                <a16:creationId xmlns:a16="http://schemas.microsoft.com/office/drawing/2014/main" id="{C94FC33C-9A2A-DAA5-DC31-029FA4FCF83E}"/>
+                <a16:creationId xmlns:a16="http://schemas.microsoft.com/office/drawing/2014/main" id="{6878C9FA-30AE-4B4E-826C-FC63EAD1A36A}"/>
               </a:ext>
             </a:extLst>
           </p:cNvPr>
@@ -7020,9 +11229,7 @@
         </p:nvSpPr>
         <p:spPr/>
         <p:txBody>
-          <a:bodyPr>
-            <a:normAutofit/>
-          </a:bodyPr>
+          <a:bodyPr/>
           <a:lstStyle/>
           <a:p>
             <a:r>
@@ -7033,17 +11240,8 @@
                 <a:effectLst/>
                 <a:latin typeface="Söhne"/>
               </a:rPr>
-              <a:t>D. Adding workflow events</a:t>
+              <a:t>G. Workflow syntax</a:t>
             </a:r>
-            <a:br>
-              <a:rPr lang="en-US" b="0" i="0" dirty="0">
-                <a:solidFill>
-                  <a:srgbClr val="374151"/>
-                </a:solidFill>
-                <a:effectLst/>
-                <a:latin typeface="Söhne"/>
-              </a:rPr>
-            </a:br>
             <a:endParaRPr lang="en-US" dirty="0"/>
           </a:p>
         </p:txBody>
@@ -7053,7 +11251,7 @@
           <p:cNvPr id="3" name="Content Placeholder 2">
             <a:extLst>
               <a:ext uri="{FF2B5EF4-FFF2-40B4-BE49-F238E27FC236}">
-                <a16:creationId xmlns:a16="http://schemas.microsoft.com/office/drawing/2014/main" id="{ADD5DC12-DC2C-D76A-55F7-8B144974624D}"/>
+                <a16:creationId xmlns:a16="http://schemas.microsoft.com/office/drawing/2014/main" id="{CDBDF93D-85D9-A569-1EB8-E82F7401B423}"/>
               </a:ext>
             </a:extLst>
           </p:cNvPr>
@@ -7076,7 +11274,7 @@
     </p:spTree>
     <p:extLst>
       <p:ext uri="{BB962C8B-B14F-4D97-AF65-F5344CB8AC3E}">
-        <p14:creationId xmlns:p14="http://schemas.microsoft.com/office/powerpoint/2010/main" val="1602303146"/>
+        <p14:creationId xmlns:p14="http://schemas.microsoft.com/office/powerpoint/2010/main" val="1771306589"/>
       </p:ext>
     </p:extLst>
   </p:cSld>
@@ -7108,7 +11306,7 @@
           <p:cNvPr id="2" name="Title 1">
             <a:extLst>
               <a:ext uri="{FF2B5EF4-FFF2-40B4-BE49-F238E27FC236}">
-                <a16:creationId xmlns:a16="http://schemas.microsoft.com/office/drawing/2014/main" id="{4221A4BA-EFBA-542A-413E-CAB2781259FE}"/>
+                <a16:creationId xmlns:a16="http://schemas.microsoft.com/office/drawing/2014/main" id="{16D214DD-F7C7-C073-75D1-F1B388CDA60B}"/>
               </a:ext>
             </a:extLst>
           </p:cNvPr>
@@ -7121,7 +11319,9 @@
         </p:nvSpPr>
         <p:spPr/>
         <p:txBody>
-          <a:bodyPr/>
+          <a:bodyPr>
+            <a:normAutofit/>
+          </a:bodyPr>
           <a:lstStyle/>
           <a:p>
             <a:r>
@@ -7132,7 +11332,7 @@
                 <a:effectLst/>
                 <a:latin typeface="Söhne"/>
               </a:rPr>
-              <a:t>E. Adding workflow jobs</a:t>
+              <a:t>III. Running GitHub Actions workflows A. Triggering workflows manually</a:t>
             </a:r>
             <a:endParaRPr lang="en-US" dirty="0"/>
           </a:p>
@@ -7143,7 +11343,7 @@
           <p:cNvPr id="3" name="Content Placeholder 2">
             <a:extLst>
               <a:ext uri="{FF2B5EF4-FFF2-40B4-BE49-F238E27FC236}">
-                <a16:creationId xmlns:a16="http://schemas.microsoft.com/office/drawing/2014/main" id="{8AD68730-40BE-BB6E-F662-353325191254}"/>
+                <a16:creationId xmlns:a16="http://schemas.microsoft.com/office/drawing/2014/main" id="{1412E492-0532-8A2B-E094-8A81DB0FBFC2}"/>
               </a:ext>
             </a:extLst>
           </p:cNvPr>
@@ -7166,7 +11366,7 @@
     </p:spTree>
     <p:extLst>
       <p:ext uri="{BB962C8B-B14F-4D97-AF65-F5344CB8AC3E}">
-        <p14:creationId xmlns:p14="http://schemas.microsoft.com/office/powerpoint/2010/main" val="16051024"/>
+        <p14:creationId xmlns:p14="http://schemas.microsoft.com/office/powerpoint/2010/main" val="2419761565"/>
       </p:ext>
     </p:extLst>
   </p:cSld>
@@ -7375,4 +11575,299 @@
     </a:ext>
   </a:extLst>
 </a:theme>
+</file>
+
+<file path=ppt/theme/theme2.xml><?xml version="1.0" encoding="utf-8"?>
+<a:theme xmlns:a="http://schemas.openxmlformats.org/drawingml/2006/main" name="Office Theme">
+  <a:themeElements>
+    <a:clrScheme name="Office">
+      <a:dk1>
+        <a:sysClr val="windowText" lastClr="000000"/>
+      </a:dk1>
+      <a:lt1>
+        <a:sysClr val="window" lastClr="FFFFFF"/>
+      </a:lt1>
+      <a:dk2>
+        <a:srgbClr val="44546A"/>
+      </a:dk2>
+      <a:lt2>
+        <a:srgbClr val="E7E6E6"/>
+      </a:lt2>
+      <a:accent1>
+        <a:srgbClr val="4472C4"/>
+      </a:accent1>
+      <a:accent2>
+        <a:srgbClr val="ED7D31"/>
+      </a:accent2>
+      <a:accent3>
+        <a:srgbClr val="A5A5A5"/>
+      </a:accent3>
+      <a:accent4>
+        <a:srgbClr val="FFC000"/>
+      </a:accent4>
+      <a:accent5>
+        <a:srgbClr val="5B9BD5"/>
+      </a:accent5>
+      <a:accent6>
+        <a:srgbClr val="70AD47"/>
+      </a:accent6>
+      <a:hlink>
+        <a:srgbClr val="0563C1"/>
+      </a:hlink>
+      <a:folHlink>
+        <a:srgbClr val="954F72"/>
+      </a:folHlink>
+    </a:clrScheme>
+    <a:fontScheme name="Office">
+      <a:majorFont>
+        <a:latin typeface="Calibri Light" panose="020F0302020204030204"/>
+        <a:ea typeface=""/>
+        <a:cs typeface=""/>
+        <a:font script="Jpan" typeface="游ゴシック Light"/>
+        <a:font script="Hang" typeface="맑은 고딕"/>
+        <a:font script="Hans" typeface="等线 Light"/>
+        <a:font script="Hant" typeface="新細明體"/>
+        <a:font script="Arab" typeface="Times New Roman"/>
+        <a:font script="Hebr" typeface="Times New Roman"/>
+        <a:font script="Thai" typeface="Angsana New"/>
+        <a:font script="Ethi" typeface="Nyala"/>
+        <a:font script="Beng" typeface="Vrinda"/>
+        <a:font script="Gujr" typeface="Shruti"/>
+        <a:font script="Khmr" typeface="MoolBoran"/>
+        <a:font script="Knda" typeface="Tunga"/>
+        <a:font script="Guru" typeface="Raavi"/>
+        <a:font script="Cans" typeface="Euphemia"/>
+        <a:font script="Cher" typeface="Plantagenet Cherokee"/>
+        <a:font script="Yiii" typeface="Microsoft Yi Baiti"/>
+        <a:font script="Tibt" typeface="Microsoft Himalaya"/>
+        <a:font script="Thaa" typeface="MV Boli"/>
+        <a:font script="Deva" typeface="Mangal"/>
+        <a:font script="Telu" typeface="Gautami"/>
+        <a:font script="Taml" typeface="Latha"/>
+        <a:font script="Syrc" typeface="Estrangelo Edessa"/>
+        <a:font script="Orya" typeface="Kalinga"/>
+        <a:font script="Mlym" typeface="Kartika"/>
+        <a:font script="Laoo" typeface="DokChampa"/>
+        <a:font script="Sinh" typeface="Iskoola Pota"/>
+        <a:font script="Mong" typeface="Mongolian Baiti"/>
+        <a:font script="Viet" typeface="Times New Roman"/>
+        <a:font script="Uigh" typeface="Microsoft Uighur"/>
+        <a:font script="Geor" typeface="Sylfaen"/>
+        <a:font script="Armn" typeface="Arial"/>
+        <a:font script="Bugi" typeface="Leelawadee UI"/>
+        <a:font script="Bopo" typeface="Microsoft JhengHei"/>
+        <a:font script="Java" typeface="Javanese Text"/>
+        <a:font script="Lisu" typeface="Segoe UI"/>
+        <a:font script="Mymr" typeface="Myanmar Text"/>
+        <a:font script="Nkoo" typeface="Ebrima"/>
+        <a:font script="Olck" typeface="Nirmala UI"/>
+        <a:font script="Osma" typeface="Ebrima"/>
+        <a:font script="Phag" typeface="Phagspa"/>
+        <a:font script="Syrn" typeface="Estrangelo Edessa"/>
+        <a:font script="Syrj" typeface="Estrangelo Edessa"/>
+        <a:font script="Syre" typeface="Estrangelo Edessa"/>
+        <a:font script="Sora" typeface="Nirmala UI"/>
+        <a:font script="Tale" typeface="Microsoft Tai Le"/>
+        <a:font script="Talu" typeface="Microsoft New Tai Lue"/>
+        <a:font script="Tfng" typeface="Ebrima"/>
+      </a:majorFont>
+      <a:minorFont>
+        <a:latin typeface="Calibri" panose="020F0502020204030204"/>
+        <a:ea typeface=""/>
+        <a:cs typeface=""/>
+        <a:font script="Jpan" typeface="游ゴシック"/>
+        <a:font script="Hang" typeface="맑은 고딕"/>
+        <a:font script="Hans" typeface="等线"/>
+        <a:font script="Hant" typeface="新細明體"/>
+        <a:font script="Arab" typeface="Arial"/>
+        <a:font script="Hebr" typeface="Arial"/>
+        <a:font script="Thai" typeface="Cordia New"/>
+        <a:font script="Ethi" typeface="Nyala"/>
+        <a:font script="Beng" typeface="Vrinda"/>
+        <a:font script="Gujr" typeface="Shruti"/>
+        <a:font script="Khmr" typeface="DaunPenh"/>
+        <a:font script="Knda" typeface="Tunga"/>
+        <a:font script="Guru" typeface="Raavi"/>
+        <a:font script="Cans" typeface="Euphemia"/>
+        <a:font script="Cher" typeface="Plantagenet Cherokee"/>
+        <a:font script="Yiii" typeface="Microsoft Yi Baiti"/>
+        <a:font script="Tibt" typeface="Microsoft Himalaya"/>
+        <a:font script="Thaa" typeface="MV Boli"/>
+        <a:font script="Deva" typeface="Mangal"/>
+        <a:font script="Telu" typeface="Gautami"/>
+        <a:font script="Taml" typeface="Latha"/>
+        <a:font script="Syrc" typeface="Estrangelo Edessa"/>
+        <a:font script="Orya" typeface="Kalinga"/>
+        <a:font script="Mlym" typeface="Kartika"/>
+        <a:font script="Laoo" typeface="DokChampa"/>
+        <a:font script="Sinh" typeface="Iskoola Pota"/>
+        <a:font script="Mong" typeface="Mongolian Baiti"/>
+        <a:font script="Viet" typeface="Arial"/>
+        <a:font script="Uigh" typeface="Microsoft Uighur"/>
+        <a:font script="Geor" typeface="Sylfaen"/>
+        <a:font script="Armn" typeface="Arial"/>
+        <a:font script="Bugi" typeface="Leelawadee UI"/>
+        <a:font script="Bopo" typeface="Microsoft JhengHei"/>
+        <a:font script="Java" typeface="Javanese Text"/>
+        <a:font script="Lisu" typeface="Segoe UI"/>
+        <a:font script="Mymr" typeface="Myanmar Text"/>
+        <a:font script="Nkoo" typeface="Ebrima"/>
+        <a:font script="Olck" typeface="Nirmala UI"/>
+        <a:font script="Osma" typeface="Ebrima"/>
+        <a:font script="Phag" typeface="Phagspa"/>
+        <a:font script="Syrn" typeface="Estrangelo Edessa"/>
+        <a:font script="Syrj" typeface="Estrangelo Edessa"/>
+        <a:font script="Syre" typeface="Estrangelo Edessa"/>
+        <a:font script="Sora" typeface="Nirmala UI"/>
+        <a:font script="Tale" typeface="Microsoft Tai Le"/>
+        <a:font script="Talu" typeface="Microsoft New Tai Lue"/>
+        <a:font script="Tfng" typeface="Ebrima"/>
+      </a:minorFont>
+    </a:fontScheme>
+    <a:fmtScheme name="Office">
+      <a:fillStyleLst>
+        <a:solidFill>
+          <a:schemeClr val="phClr"/>
+        </a:solidFill>
+        <a:gradFill rotWithShape="1">
+          <a:gsLst>
+            <a:gs pos="0">
+              <a:schemeClr val="phClr">
+                <a:lumMod val="110000"/>
+                <a:satMod val="105000"/>
+                <a:tint val="67000"/>
+              </a:schemeClr>
+            </a:gs>
+            <a:gs pos="50000">
+              <a:schemeClr val="phClr">
+                <a:lumMod val="105000"/>
+                <a:satMod val="103000"/>
+                <a:tint val="73000"/>
+              </a:schemeClr>
+            </a:gs>
+            <a:gs pos="100000">
+              <a:schemeClr val="phClr">
+                <a:lumMod val="105000"/>
+                <a:satMod val="109000"/>
+                <a:tint val="81000"/>
+              </a:schemeClr>
+            </a:gs>
+          </a:gsLst>
+          <a:lin ang="5400000" scaled="0"/>
+        </a:gradFill>
+        <a:gradFill rotWithShape="1">
+          <a:gsLst>
+            <a:gs pos="0">
+              <a:schemeClr val="phClr">
+                <a:satMod val="103000"/>
+                <a:lumMod val="102000"/>
+                <a:tint val="94000"/>
+              </a:schemeClr>
+            </a:gs>
+            <a:gs pos="50000">
+              <a:schemeClr val="phClr">
+                <a:satMod val="110000"/>
+                <a:lumMod val="100000"/>
+                <a:shade val="100000"/>
+              </a:schemeClr>
+            </a:gs>
+            <a:gs pos="100000">
+              <a:schemeClr val="phClr">
+                <a:lumMod val="99000"/>
+                <a:satMod val="120000"/>
+                <a:shade val="78000"/>
+              </a:schemeClr>
+            </a:gs>
+          </a:gsLst>
+          <a:lin ang="5400000" scaled="0"/>
+        </a:gradFill>
+      </a:fillStyleLst>
+      <a:lnStyleLst>
+        <a:ln w="6350" cap="flat" cmpd="sng" algn="ctr">
+          <a:solidFill>
+            <a:schemeClr val="phClr"/>
+          </a:solidFill>
+          <a:prstDash val="solid"/>
+          <a:miter lim="800000"/>
+        </a:ln>
+        <a:ln w="12700" cap="flat" cmpd="sng" algn="ctr">
+          <a:solidFill>
+            <a:schemeClr val="phClr"/>
+          </a:solidFill>
+          <a:prstDash val="solid"/>
+          <a:miter lim="800000"/>
+        </a:ln>
+        <a:ln w="19050" cap="flat" cmpd="sng" algn="ctr">
+          <a:solidFill>
+            <a:schemeClr val="phClr"/>
+          </a:solidFill>
+          <a:prstDash val="solid"/>
+          <a:miter lim="800000"/>
+        </a:ln>
+      </a:lnStyleLst>
+      <a:effectStyleLst>
+        <a:effectStyle>
+          <a:effectLst/>
+        </a:effectStyle>
+        <a:effectStyle>
+          <a:effectLst/>
+        </a:effectStyle>
+        <a:effectStyle>
+          <a:effectLst>
+            <a:outerShdw blurRad="57150" dist="19050" dir="5400000" algn="ctr" rotWithShape="0">
+              <a:srgbClr val="000000">
+                <a:alpha val="63000"/>
+              </a:srgbClr>
+            </a:outerShdw>
+          </a:effectLst>
+        </a:effectStyle>
+      </a:effectStyleLst>
+      <a:bgFillStyleLst>
+        <a:solidFill>
+          <a:schemeClr val="phClr"/>
+        </a:solidFill>
+        <a:solidFill>
+          <a:schemeClr val="phClr">
+            <a:tint val="95000"/>
+            <a:satMod val="170000"/>
+          </a:schemeClr>
+        </a:solidFill>
+        <a:gradFill rotWithShape="1">
+          <a:gsLst>
+            <a:gs pos="0">
+              <a:schemeClr val="phClr">
+                <a:tint val="93000"/>
+                <a:satMod val="150000"/>
+                <a:shade val="98000"/>
+                <a:lumMod val="102000"/>
+              </a:schemeClr>
+            </a:gs>
+            <a:gs pos="50000">
+              <a:schemeClr val="phClr">
+                <a:tint val="98000"/>
+                <a:satMod val="130000"/>
+                <a:shade val="90000"/>
+                <a:lumMod val="103000"/>
+              </a:schemeClr>
+            </a:gs>
+            <a:gs pos="100000">
+              <a:schemeClr val="phClr">
+                <a:shade val="63000"/>
+                <a:satMod val="120000"/>
+              </a:schemeClr>
+            </a:gs>
+          </a:gsLst>
+          <a:lin ang="5400000" scaled="0"/>
+        </a:gradFill>
+      </a:bgFillStyleLst>
+    </a:fmtScheme>
+  </a:themeElements>
+  <a:objectDefaults/>
+  <a:extraClrSchemeLst/>
+  <a:extLst>
+    <a:ext uri="{05A4C25C-085E-4340-85A3-A5531E510DB2}">
+      <thm15:themeFamily xmlns:thm15="http://schemas.microsoft.com/office/thememl/2012/main" name="Office Theme" id="{62F939B6-93AF-4DB8-9C6B-D6C7DFDC589F}" vid="{4A3C46E8-61CC-4603-A589-7422A47A8E4A}"/>
+    </a:ext>
+  </a:extLst>
+</a:theme>
 </file>
--- a/getting-started-with-github-actions.pptx
+++ b/getting-started-with-github-actions.pptx
@@ -6330,7 +6330,7 @@
           <a:p>
             <a:fld id="{483CF091-EDBF-4084-AB7D-074BB5D46B80}" type="datetimeFigureOut">
               <a:rPr lang="en-US" smtClean="0"/>
-              <a:t>5/14/2023</a:t>
+              <a:t>5/15/2023</a:t>
             </a:fld>
             <a:endParaRPr lang="en-US"/>
           </a:p>
@@ -6935,6 +6935,21 @@
               <a:t>https://docs.github.com/en/actions/creating-actions/about-custom-actions</a:t>
             </a:r>
           </a:p>
+          <a:p>
+            <a:endParaRPr lang="en-US" dirty="0"/>
+          </a:p>
+          <a:p>
+            <a:r>
+              <a:rPr lang="en-US" dirty="0"/>
+              <a:t>Actions are open source:</a:t>
+            </a:r>
+          </a:p>
+          <a:p>
+            <a:r>
+              <a:rPr lang="en-US" dirty="0"/>
+              <a:t>https://github.com/actions/checkout/tree/v3</a:t>
+            </a:r>
+          </a:p>
         </p:txBody>
       </p:sp>
       <p:sp>
@@ -7041,16 +7056,24 @@
             <a:endParaRPr lang="en-US" dirty="0"/>
           </a:p>
           <a:p>
-            <a:endParaRPr lang="en-US" dirty="0"/>
-          </a:p>
-          <a:p>
             <a:r>
               <a:rPr lang="en-US" dirty="0"/>
-              <a:t>Self-Hosted:</a:t>
-            </a:r>
-          </a:p>
-          <a:p>
-            <a:endParaRPr lang="en-US" dirty="0"/>
+              <a:t>Actions are </a:t>
+            </a:r>
+            <a:r>
+              <a:rPr lang="en-US" dirty="0" err="1"/>
+              <a:t>OpenSource</a:t>
+            </a:r>
+            <a:r>
+              <a:rPr lang="en-US" dirty="0"/>
+              <a:t>:  Show page….</a:t>
+            </a:r>
+          </a:p>
+          <a:p>
+            <a:r>
+              <a:rPr lang="en-US" dirty="0"/>
+              <a:t>https://github.com/actions/checkout/tree/v3</a:t>
+            </a:r>
           </a:p>
         </p:txBody>
       </p:sp>
@@ -7192,6 +7215,132 @@
 </p:notes>
 </file>
 
+<file path=ppt/notesSlides/notesSlide14.xml><?xml version="1.0" encoding="utf-8"?>
+<p:notes xmlns:a="http://schemas.openxmlformats.org/drawingml/2006/main" xmlns:r="http://schemas.openxmlformats.org/officeDocument/2006/relationships" xmlns:p="http://schemas.openxmlformats.org/presentationml/2006/main">
+  <p:cSld>
+    <p:spTree>
+      <p:nvGrpSpPr>
+        <p:cNvPr id="1" name=""/>
+        <p:cNvGrpSpPr/>
+        <p:nvPr/>
+      </p:nvGrpSpPr>
+      <p:grpSpPr>
+        <a:xfrm>
+          <a:off x="0" y="0"/>
+          <a:ext cx="0" cy="0"/>
+          <a:chOff x="0" y="0"/>
+          <a:chExt cx="0" cy="0"/>
+        </a:xfrm>
+      </p:grpSpPr>
+      <p:sp>
+        <p:nvSpPr>
+          <p:cNvPr id="2" name="Slide Image Placeholder 1"/>
+          <p:cNvSpPr>
+            <a:spLocks noGrp="1" noRot="1" noChangeAspect="1"/>
+          </p:cNvSpPr>
+          <p:nvPr>
+            <p:ph type="sldImg"/>
+          </p:nvPr>
+        </p:nvSpPr>
+        <p:spPr/>
+      </p:sp>
+      <p:sp>
+        <p:nvSpPr>
+          <p:cNvPr id="3" name="Notes Placeholder 2"/>
+          <p:cNvSpPr>
+            <a:spLocks noGrp="1"/>
+          </p:cNvSpPr>
+          <p:nvPr>
+            <p:ph type="body" idx="1"/>
+          </p:nvPr>
+        </p:nvSpPr>
+        <p:spPr/>
+        <p:txBody>
+          <a:bodyPr/>
+          <a:lstStyle/>
+          <a:p>
+            <a:r>
+              <a:rPr lang="en-US" dirty="0"/>
+              <a:t>Azure – Azure Key Vault</a:t>
+            </a:r>
+          </a:p>
+          <a:p>
+            <a:r>
+              <a:rPr lang="en-US" dirty="0"/>
+              <a:t>AWS – KMS – Key manager service</a:t>
+            </a:r>
+          </a:p>
+          <a:p>
+            <a:r>
+              <a:rPr lang="en-US" dirty="0"/>
+              <a:t>GitHub secrets </a:t>
+            </a:r>
+          </a:p>
+          <a:p>
+            <a:pPr marL="171450" indent="-171450">
+              <a:buFontTx/>
+              <a:buChar char="-"/>
+            </a:pPr>
+            <a:r>
+              <a:rPr lang="en-US" dirty="0"/>
+              <a:t>Per repo</a:t>
+            </a:r>
+          </a:p>
+          <a:p>
+            <a:pPr marL="171450" indent="-171450">
+              <a:buFontTx/>
+              <a:buChar char="-"/>
+            </a:pPr>
+            <a:r>
+              <a:rPr lang="en-US" dirty="0"/>
+              <a:t>Per org</a:t>
+            </a:r>
+          </a:p>
+          <a:p>
+            <a:pPr marL="171450" indent="-171450">
+              <a:buFontTx/>
+              <a:buChar char="-"/>
+            </a:pPr>
+            <a:endParaRPr lang="en-US" dirty="0"/>
+          </a:p>
+        </p:txBody>
+      </p:sp>
+      <p:sp>
+        <p:nvSpPr>
+          <p:cNvPr id="4" name="Slide Number Placeholder 3"/>
+          <p:cNvSpPr>
+            <a:spLocks noGrp="1"/>
+          </p:cNvSpPr>
+          <p:nvPr>
+            <p:ph type="sldNum" sz="quarter" idx="5"/>
+          </p:nvPr>
+        </p:nvSpPr>
+        <p:spPr/>
+        <p:txBody>
+          <a:bodyPr/>
+          <a:lstStyle/>
+          <a:p>
+            <a:fld id="{B8415318-9559-4C74-BDAD-E20CD3078992}" type="slidenum">
+              <a:rPr lang="en-US" smtClean="0"/>
+              <a:t>16</a:t>
+            </a:fld>
+            <a:endParaRPr lang="en-US"/>
+          </a:p>
+        </p:txBody>
+      </p:sp>
+    </p:spTree>
+    <p:extLst>
+      <p:ext uri="{BB962C8B-B14F-4D97-AF65-F5344CB8AC3E}">
+        <p14:creationId xmlns:p14="http://schemas.microsoft.com/office/powerpoint/2010/main" val="121553197"/>
+      </p:ext>
+    </p:extLst>
+  </p:cSld>
+  <p:clrMapOvr>
+    <a:masterClrMapping/>
+  </p:clrMapOvr>
+</p:notes>
+</file>
+
 <file path=ppt/notesSlides/notesSlide2.xml><?xml version="1.0" encoding="utf-8"?>
 <p:notes xmlns:a="http://schemas.openxmlformats.org/drawingml/2006/main" xmlns:r="http://schemas.openxmlformats.org/officeDocument/2006/relationships" xmlns:p="http://schemas.openxmlformats.org/presentationml/2006/main">
   <p:cSld>
@@ -7305,6 +7454,29 @@
                 <a:latin typeface="-apple-system"/>
               </a:rPr>
               <a:t>GitHub provides Linux, Windows, and macOS virtual machines to run your workflows, or you can host your own self-hosted runners in your own data center or cloud infrastructure.</a:t>
+            </a:r>
+          </a:p>
+          <a:p>
+            <a:pPr algn="l"/>
+            <a:endParaRPr lang="en-US" b="0" i="0" dirty="0">
+              <a:solidFill>
+                <a:srgbClr val="1F2328"/>
+              </a:solidFill>
+              <a:effectLst/>
+              <a:latin typeface="-apple-system"/>
+            </a:endParaRPr>
+          </a:p>
+          <a:p>
+            <a:pPr algn="l"/>
+            <a:r>
+              <a:rPr lang="en-US" b="0" i="0" dirty="0">
+                <a:solidFill>
+                  <a:srgbClr val="1F2328"/>
+                </a:solidFill>
+                <a:effectLst/>
+                <a:latin typeface="-apple-system"/>
+              </a:rPr>
+              <a:t>GitHub CLI all the things!</a:t>
             </a:r>
           </a:p>
           <a:p>
@@ -7687,45 +7859,9 @@
             </a:r>
           </a:p>
           <a:p>
-            <a:pPr marL="171450" indent="-171450" algn="l">
+            <a:pPr marL="0" indent="0" algn="l">
               <a:buFontTx/>
-              <a:buChar char="-"/>
-            </a:pPr>
-            <a:r>
-              <a:rPr lang="en-US" b="0" i="0" dirty="0">
-                <a:solidFill>
-                  <a:srgbClr val="1F2328"/>
-                </a:solidFill>
-                <a:effectLst/>
-                <a:latin typeface="-apple-system"/>
-              </a:rPr>
-              <a:t>Use the </a:t>
-            </a:r>
-            <a:r>
-              <a:rPr lang="en-US" b="0" i="0" dirty="0" err="1">
-                <a:solidFill>
-                  <a:srgbClr val="1F2328"/>
-                </a:solidFill>
-                <a:effectLst/>
-                <a:latin typeface="-apple-system"/>
-              </a:rPr>
-              <a:t>Github</a:t>
-            </a:r>
-            <a:r>
-              <a:rPr lang="en-US" b="0" i="0" dirty="0">
-                <a:solidFill>
-                  <a:srgbClr val="1F2328"/>
-                </a:solidFill>
-                <a:effectLst/>
-                <a:latin typeface="-apple-system"/>
-              </a:rPr>
-              <a:t> API to “schedule” a job by having something else post to the API</a:t>
-            </a:r>
-          </a:p>
-          <a:p>
-            <a:pPr marL="171450" indent="-171450" algn="l">
-              <a:buFontTx/>
-              <a:buChar char="-"/>
+              <a:buNone/>
             </a:pPr>
             <a:endParaRPr lang="en-US" b="0" i="0" dirty="0">
               <a:solidFill>
@@ -8293,11 +8429,8 @@
           <a:p>
             <a:r>
               <a:rPr lang="en-US" dirty="0"/>
-              <a:t>https://docs.github.com/en/rest/repos/repos?apiVersion=2022-11-28#create-a-repository-dispatch-event</a:t>
-            </a:r>
-          </a:p>
-          <a:p>
-            <a:endParaRPr lang="en-US" dirty="0"/>
+              <a:t>https://docs.github.com/en/actions/using-workflows/workflow-syntax-for-github-actions#onschedule</a:t>
+            </a:r>
           </a:p>
           <a:p>
             <a:r>
@@ -8306,6 +8439,9 @@
             </a:r>
           </a:p>
           <a:p>
+            <a:endParaRPr lang="en-US" dirty="0"/>
+          </a:p>
+          <a:p>
             <a:r>
               <a:rPr lang="en-US" dirty="0"/>
               <a:t>Add “</a:t>
@@ -8334,6 +8470,12 @@
               <a:rPr lang="en-US" dirty="0"/>
               <a:t>.</a:t>
             </a:r>
+          </a:p>
+          <a:p>
+            <a:endParaRPr lang="en-US" dirty="0"/>
+          </a:p>
+          <a:p>
+            <a:endParaRPr lang="en-US" dirty="0"/>
           </a:p>
         </p:txBody>
       </p:sp>
@@ -9073,7 +9215,7 @@
           <a:p>
             <a:fld id="{3CADBD16-5BFB-4D9F-9646-C75D1B53BBB6}" type="datetimeFigureOut">
               <a:rPr lang="en-US" smtClean="0"/>
-              <a:t>5/14/2023</a:t>
+              <a:t>5/15/2023</a:t>
             </a:fld>
             <a:endParaRPr lang="en-US"/>
           </a:p>
@@ -9314,7 +9456,7 @@
           <a:p>
             <a:fld id="{3CADBD16-5BFB-4D9F-9646-C75D1B53BBB6}" type="datetimeFigureOut">
               <a:rPr lang="en-US" smtClean="0"/>
-              <a:t>5/14/2023</a:t>
+              <a:t>5/15/2023</a:t>
             </a:fld>
             <a:endParaRPr lang="en-US"/>
           </a:p>
@@ -9522,7 +9664,7 @@
           <a:p>
             <a:fld id="{3CADBD16-5BFB-4D9F-9646-C75D1B53BBB6}" type="datetimeFigureOut">
               <a:rPr lang="en-US" smtClean="0"/>
-              <a:t>5/14/2023</a:t>
+              <a:t>5/15/2023</a:t>
             </a:fld>
             <a:endParaRPr lang="en-US"/>
           </a:p>
@@ -9720,7 +9862,7 @@
           <a:p>
             <a:fld id="{3CADBD16-5BFB-4D9F-9646-C75D1B53BBB6}" type="datetimeFigureOut">
               <a:rPr lang="en-US" smtClean="0"/>
-              <a:t>5/14/2023</a:t>
+              <a:t>5/15/2023</a:t>
             </a:fld>
             <a:endParaRPr lang="en-US"/>
           </a:p>
@@ -9997,7 +10139,7 @@
           <a:p>
             <a:fld id="{3CADBD16-5BFB-4D9F-9646-C75D1B53BBB6}" type="datetimeFigureOut">
               <a:rPr lang="en-US" smtClean="0"/>
-              <a:t>5/14/2023</a:t>
+              <a:t>5/15/2023</a:t>
             </a:fld>
             <a:endParaRPr lang="en-US"/>
           </a:p>
@@ -10262,7 +10404,7 @@
           <a:p>
             <a:fld id="{3CADBD16-5BFB-4D9F-9646-C75D1B53BBB6}" type="datetimeFigureOut">
               <a:rPr lang="en-US" smtClean="0"/>
-              <a:t>5/14/2023</a:t>
+              <a:t>5/15/2023</a:t>
             </a:fld>
             <a:endParaRPr lang="en-US"/>
           </a:p>
@@ -10678,7 +10820,7 @@
           <a:p>
             <a:fld id="{3CADBD16-5BFB-4D9F-9646-C75D1B53BBB6}" type="datetimeFigureOut">
               <a:rPr lang="en-US" smtClean="0"/>
-              <a:t>5/14/2023</a:t>
+              <a:t>5/15/2023</a:t>
             </a:fld>
             <a:endParaRPr lang="en-US"/>
           </a:p>
@@ -10828,7 +10970,7 @@
           <a:p>
             <a:fld id="{3CADBD16-5BFB-4D9F-9646-C75D1B53BBB6}" type="datetimeFigureOut">
               <a:rPr lang="en-US" smtClean="0"/>
-              <a:t>5/14/2023</a:t>
+              <a:t>5/15/2023</a:t>
             </a:fld>
             <a:endParaRPr lang="en-US"/>
           </a:p>
@@ -10941,7 +11083,7 @@
           <a:p>
             <a:fld id="{3CADBD16-5BFB-4D9F-9646-C75D1B53BBB6}" type="datetimeFigureOut">
               <a:rPr lang="en-US" smtClean="0"/>
-              <a:t>5/14/2023</a:t>
+              <a:t>5/15/2023</a:t>
             </a:fld>
             <a:endParaRPr lang="en-US"/>
           </a:p>
@@ -11257,7 +11399,7 @@
           <a:p>
             <a:fld id="{3CADBD16-5BFB-4D9F-9646-C75D1B53BBB6}" type="datetimeFigureOut">
               <a:rPr lang="en-US" smtClean="0"/>
-              <a:t>5/14/2023</a:t>
+              <a:t>5/15/2023</a:t>
             </a:fld>
             <a:endParaRPr lang="en-US"/>
           </a:p>
@@ -11508,7 +11650,7 @@
           <a:p>
             <a:fld id="{3CADBD16-5BFB-4D9F-9646-C75D1B53BBB6}" type="datetimeFigureOut">
               <a:rPr lang="en-US" smtClean="0"/>
-              <a:t>5/14/2023</a:t>
+              <a:t>5/15/2023</a:t>
             </a:fld>
             <a:endParaRPr lang="en-US"/>
           </a:p>
@@ -12017,7 +12159,7 @@
             <a:fld id="{3CADBD16-5BFB-4D9F-9646-C75D1B53BBB6}" type="datetimeFigureOut">
               <a:rPr lang="en-US" smtClean="0"/>
               <a:pPr/>
-              <a:t>5/14/2023</a:t>
+              <a:t>5/15/2023</a:t>
             </a:fld>
             <a:endParaRPr lang="en-US" dirty="0"/>
           </a:p>
@@ -12573,8 +12715,8 @@
         </p:nvSpPr>
         <p:spPr>
           <a:xfrm>
-            <a:off x="1143001" y="4360719"/>
-            <a:ext cx="2679356" cy="1465118"/>
+            <a:off x="444501" y="3537956"/>
+            <a:ext cx="4521200" cy="2037344"/>
           </a:xfrm>
         </p:spPr>
         <p:txBody>
@@ -12583,7 +12725,35 @@
           </a:bodyPr>
           <a:lstStyle/>
           <a:p>
-            <a:endParaRPr lang="en-US"/>
+            <a:pPr algn="l"/>
+            <a:r>
+              <a:rPr lang="en-US" sz="1800" dirty="0"/>
+              <a:t>Harold Pulcher		</a:t>
+            </a:r>
+          </a:p>
+          <a:p>
+            <a:pPr algn="l"/>
+            <a:r>
+              <a:rPr lang="en-US" sz="1800" dirty="0"/>
+              <a:t>harold.pulcher@improving.com</a:t>
+            </a:r>
+          </a:p>
+          <a:p>
+            <a:pPr algn="l"/>
+            <a:r>
+              <a:rPr lang="en-US" sz="1800" dirty="0"/>
+              <a:t>@haroldpulcher		</a:t>
+            </a:r>
+          </a:p>
+          <a:p>
+            <a:pPr algn="l"/>
+            <a:r>
+              <a:rPr lang="en-US" sz="1800" dirty="0"/>
+              <a:t>https://bit.ly/hobby-helps-profession</a:t>
+            </a:r>
+          </a:p>
+          <a:p>
+            <a:endParaRPr lang="en-US" dirty="0"/>
           </a:p>
         </p:txBody>
       </p:sp>
@@ -14259,10 +14429,10 @@
       </p:grpSpPr>
       <p:sp useBgFill="1">
         <p:nvSpPr>
-          <p:cNvPr id="8" name="Rectangle 7">
+          <p:cNvPr id="25" name="Rectangle 24">
             <a:extLst>
               <a:ext uri="{FF2B5EF4-FFF2-40B4-BE49-F238E27FC236}">
-                <a16:creationId xmlns:a16="http://schemas.microsoft.com/office/drawing/2014/main" id="{AB20E7A4-EC2C-47C8-BE55-65771E3F2EDA}"/>
+                <a16:creationId xmlns:a16="http://schemas.microsoft.com/office/drawing/2014/main" id="{685B57F6-59DE-4274-A37C-F47FE4E42EEF}"/>
               </a:ext>
               <a:ext uri="{C183D7F6-B498-43B3-948B-1728B52AA6E4}">
                 <adec:decorative xmlns:adec="http://schemas.microsoft.com/office/drawing/2017/decorative" val="1"/>
@@ -14333,12 +14503,78 @@
           </a:p>
         </p:txBody>
       </p:sp>
+      <p:pic>
+        <p:nvPicPr>
+          <p:cNvPr id="14" name="Picture 13" descr="Piles of paperwork">
+            <a:extLst>
+              <a:ext uri="{FF2B5EF4-FFF2-40B4-BE49-F238E27FC236}">
+                <a16:creationId xmlns:a16="http://schemas.microsoft.com/office/drawing/2014/main" id="{642AD618-66DF-C79B-0134-5031BD6ABA88}"/>
+              </a:ext>
+            </a:extLst>
+          </p:cNvPr>
+          <p:cNvPicPr>
+            <a:picLocks noChangeAspect="1"/>
+          </p:cNvPicPr>
+          <p:nvPr/>
+        </p:nvPicPr>
+        <p:blipFill rotWithShape="1">
+          <a:blip r:embed="rId3"/>
+          <a:srcRect l="495"/>
+          <a:stretch/>
+        </p:blipFill>
+        <p:spPr>
+          <a:xfrm>
+            <a:off x="3093268" y="10"/>
+            <a:ext cx="9098732" cy="6857990"/>
+          </a:xfrm>
+          <a:custGeom>
+            <a:avLst/>
+            <a:gdLst/>
+            <a:ahLst/>
+            <a:cxnLst/>
+            <a:rect l="l" t="t" r="r" b="b"/>
+            <a:pathLst>
+              <a:path w="9098732" h="6858000">
+                <a:moveTo>
+                  <a:pt x="6010592" y="0"/>
+                </a:moveTo>
+                <a:lnTo>
+                  <a:pt x="8235629" y="4"/>
+                </a:lnTo>
+                <a:cubicBezTo>
+                  <a:pt x="8235629" y="3"/>
+                  <a:pt x="8235630" y="3"/>
+                  <a:pt x="8235630" y="2"/>
+                </a:cubicBezTo>
+                <a:lnTo>
+                  <a:pt x="9098732" y="0"/>
+                </a:lnTo>
+                <a:lnTo>
+                  <a:pt x="9098732" y="6858000"/>
+                </a:lnTo>
+                <a:lnTo>
+                  <a:pt x="0" y="6858000"/>
+                </a:lnTo>
+                <a:lnTo>
+                  <a:pt x="6010589" y="4"/>
+                </a:lnTo>
+                <a:cubicBezTo>
+                  <a:pt x="6010589" y="3"/>
+                  <a:pt x="6010590" y="3"/>
+                  <a:pt x="6010590" y="2"/>
+                </a:cubicBezTo>
+                <a:close/>
+              </a:path>
+            </a:pathLst>
+          </a:custGeom>
+        </p:spPr>
+      </p:pic>
       <p:sp>
         <p:nvSpPr>
-          <p:cNvPr id="10" name="Freeform: Shape 9">
+          <p:cNvPr id="27" name="Freeform: Shape 26">
             <a:extLst>
               <a:ext uri="{FF2B5EF4-FFF2-40B4-BE49-F238E27FC236}">
-                <a16:creationId xmlns:a16="http://schemas.microsoft.com/office/drawing/2014/main" id="{798B7D97-1FE0-4BA9-801E-2CE19FD25C77}"/>
+                <a16:creationId xmlns:a16="http://schemas.microsoft.com/office/drawing/2014/main" id="{C8C63406-9171-4282-BAAB-2DDC6831F0E6}"/>
               </a:ext>
               <a:ext uri="{C183D7F6-B498-43B3-948B-1728B52AA6E4}">
                 <adec:decorative xmlns:adec="http://schemas.microsoft.com/office/drawing/2017/decorative" val="1"/>
@@ -14358,7 +14594,7 @@
         </p:nvSpPr>
         <p:spPr>
           <a:xfrm>
-            <a:off x="881660" y="0"/>
+            <a:off x="3090295" y="-2"/>
             <a:ext cx="8239927" cy="6858000"/>
           </a:xfrm>
           <a:custGeom>
@@ -14408,7 +14644,9 @@
             </a:pathLst>
           </a:custGeom>
           <a:solidFill>
-            <a:schemeClr val="bg2"/>
+            <a:schemeClr val="bg2">
+              <a:alpha val="60000"/>
+            </a:schemeClr>
           </a:solidFill>
           <a:ln w="12700" cap="flat" cmpd="sng" algn="ctr">
             <a:noFill/>
@@ -14460,25 +14698,25 @@
         </p:nvSpPr>
         <p:spPr>
           <a:xfrm>
-            <a:off x="1143000" y="1207441"/>
-            <a:ext cx="3824111" cy="1916773"/>
+            <a:off x="435996" y="301437"/>
+            <a:ext cx="5920740" cy="1360898"/>
           </a:xfrm>
         </p:spPr>
         <p:txBody>
-          <a:bodyPr anchor="t">
+          <a:bodyPr>
             <a:normAutofit/>
           </a:bodyPr>
           <a:lstStyle/>
           <a:p>
             <a:r>
-              <a:rPr lang="en-US" b="0" i="0">
+              <a:rPr lang="en-US" b="0" i="0" dirty="0">
                 <a:effectLst/>
                 <a:latin typeface="Söhne"/>
               </a:rPr>
               <a:t>Custom actions</a:t>
             </a:r>
             <a:br>
-              <a:rPr lang="en-US" b="0" i="0">
+              <a:rPr lang="en-US" b="0" i="0" dirty="0">
                 <a:effectLst/>
                 <a:latin typeface="Söhne"/>
               </a:rPr>
@@ -14505,153 +14743,110 @@
         </p:nvSpPr>
         <p:spPr>
           <a:xfrm>
-            <a:off x="6478384" y="2489201"/>
-            <a:ext cx="4570615" cy="3225798"/>
+            <a:off x="435996" y="1760529"/>
+            <a:ext cx="5308598" cy="3840171"/>
           </a:xfrm>
         </p:spPr>
         <p:txBody>
-          <a:bodyPr anchor="b">
+          <a:bodyPr>
             <a:normAutofit/>
           </a:bodyPr>
           <a:lstStyle/>
           <a:p>
-            <a:pPr algn="r">
+            <a:pPr>
               <a:lnSpc>
                 <a:spcPct val="110000"/>
               </a:lnSpc>
             </a:pPr>
             <a:r>
-              <a:rPr lang="en-US" sz="1400"/>
+              <a:rPr lang="en-US" sz="1700" dirty="0"/>
               <a:t>Docker container</a:t>
             </a:r>
           </a:p>
           <a:p>
-            <a:pPr algn="r">
+            <a:pPr>
               <a:lnSpc>
                 <a:spcPct val="110000"/>
               </a:lnSpc>
             </a:pPr>
             <a:r>
-              <a:rPr lang="en-US" sz="1400"/>
+              <a:rPr lang="en-US" sz="1700" dirty="0"/>
               <a:t>JavaScript</a:t>
             </a:r>
           </a:p>
           <a:p>
-            <a:pPr algn="r">
+            <a:pPr>
               <a:lnSpc>
                 <a:spcPct val="110000"/>
               </a:lnSpc>
             </a:pPr>
             <a:r>
-              <a:rPr lang="en-US" sz="1400"/>
+              <a:rPr lang="en-US" sz="1700" dirty="0"/>
               <a:t>Composite Actions</a:t>
             </a:r>
           </a:p>
           <a:p>
-            <a:pPr algn="r">
+            <a:pPr>
               <a:lnSpc>
                 <a:spcPct val="110000"/>
               </a:lnSpc>
             </a:pPr>
-            <a:endParaRPr lang="en-US" sz="1400"/>
-          </a:p>
-          <a:p>
-            <a:pPr algn="r">
+            <a:endParaRPr lang="en-US" sz="1700" dirty="0"/>
+          </a:p>
+          <a:p>
+            <a:pPr>
               <a:lnSpc>
                 <a:spcPct val="110000"/>
               </a:lnSpc>
             </a:pPr>
             <a:r>
-              <a:rPr lang="en-US" sz="1400"/>
+              <a:rPr lang="en-US" sz="1700" dirty="0"/>
               <a:t>Each requires an “</a:t>
             </a:r>
             <a:r>
-              <a:rPr lang="en-US" sz="1400" err="1"/>
+              <a:rPr lang="en-US" sz="1700" dirty="0" err="1"/>
               <a:t>action.yaml</a:t>
             </a:r>
             <a:r>
-              <a:rPr lang="en-US" sz="1400"/>
+              <a:rPr lang="en-US" sz="1700" dirty="0"/>
               <a:t>” file for all the inputs.</a:t>
             </a:r>
           </a:p>
           <a:p>
-            <a:pPr marL="0" indent="0" algn="r">
+            <a:pPr marL="0" indent="0">
               <a:lnSpc>
                 <a:spcPct val="110000"/>
               </a:lnSpc>
               <a:buNone/>
             </a:pPr>
-            <a:r>
-              <a:rPr lang="en-US" sz="1400"/>
-              <a:t>Documentation:</a:t>
-            </a:r>
-          </a:p>
-          <a:p>
-            <a:pPr marL="0" indent="0" algn="r">
+            <a:endParaRPr lang="en-US" sz="1700" dirty="0"/>
+          </a:p>
+          <a:p>
+            <a:pPr marL="0" indent="0">
               <a:lnSpc>
                 <a:spcPct val="110000"/>
               </a:lnSpc>
               <a:buNone/>
             </a:pPr>
             <a:r>
-              <a:rPr lang="en-US" sz="1400"/>
+              <a:rPr lang="en-US" sz="1700" dirty="0"/>
+              <a:t>Documentation:</a:t>
+            </a:r>
+          </a:p>
+          <a:p>
+            <a:pPr marL="0" indent="0">
+              <a:lnSpc>
+                <a:spcPct val="110000"/>
+              </a:lnSpc>
+              <a:buNone/>
+            </a:pPr>
+            <a:r>
+              <a:rPr lang="en-US" sz="1700" dirty="0"/>
               <a:t>https://docs.github.com/en/actions/creating-actions/about-custom-actions</a:t>
             </a:r>
           </a:p>
         </p:txBody>
       </p:sp>
-      <p:cxnSp>
-        <p:nvCxnSpPr>
-          <p:cNvPr id="12" name="Straight Connector 11">
-            <a:extLst>
-              <a:ext uri="{FF2B5EF4-FFF2-40B4-BE49-F238E27FC236}">
-                <a16:creationId xmlns:a16="http://schemas.microsoft.com/office/drawing/2014/main" id="{1766FD2F-248A-4AA1-8078-E26D6E690BB9}"/>
-              </a:ext>
-              <a:ext uri="{C183D7F6-B498-43B3-948B-1728B52AA6E4}">
-                <adec:decorative xmlns:adec="http://schemas.microsoft.com/office/drawing/2017/decorative" val="1"/>
-              </a:ext>
-            </a:extLst>
-          </p:cNvPr>
-          <p:cNvCxnSpPr>
-            <a:cxnSpLocks noGrp="1" noRot="1" noChangeAspect="1" noMove="1" noResize="1" noEditPoints="1" noAdjustHandles="1" noChangeArrowheads="1" noChangeShapeType="1"/>
-          </p:cNvCxnSpPr>
-          <p:nvPr>
-            <p:extLst>
-              <p:ext uri="{386F3935-93C4-4BCD-93E2-E3B085C9AB24}">
-                <p16:designElem xmlns:p16="http://schemas.microsoft.com/office/powerpoint/2015/main" val="1"/>
-              </p:ext>
-            </p:extLst>
-          </p:nvPr>
-        </p:nvCxnSpPr>
-        <p:spPr>
-          <a:xfrm>
-            <a:off x="1233837" y="6172200"/>
-            <a:ext cx="9760638" cy="0"/>
-          </a:xfrm>
-          <a:prstGeom prst="line">
-            <a:avLst/>
-          </a:prstGeom>
-          <a:ln w="12700">
-            <a:solidFill>
-              <a:schemeClr val="tx1"/>
-            </a:solidFill>
-          </a:ln>
-        </p:spPr>
-        <p:style>
-          <a:lnRef idx="1">
-            <a:schemeClr val="accent1"/>
-          </a:lnRef>
-          <a:fillRef idx="0">
-            <a:schemeClr val="accent1"/>
-          </a:fillRef>
-          <a:effectRef idx="0">
-            <a:schemeClr val="accent1"/>
-          </a:effectRef>
-          <a:fontRef idx="minor">
-            <a:schemeClr val="tx1"/>
-          </a:fontRef>
-        </p:style>
-      </p:cxnSp>
     </p:spTree>
     <p:extLst>
       <p:ext uri="{BB962C8B-B14F-4D97-AF65-F5344CB8AC3E}">
@@ -16947,13 +17142,13 @@
           <p:nvPr/>
         </p:nvPicPr>
         <p:blipFill>
-          <a:blip r:embed="rId2">
+          <a:blip r:embed="rId3">
             <a:extLst>
               <a:ext uri="{28A0092B-C50C-407E-A947-70E740481C1C}">
                 <a14:useLocalDpi xmlns:a14="http://schemas.microsoft.com/office/drawing/2010/main" val="0"/>
               </a:ext>
               <a:ext uri="{96DAC541-7B7A-43D3-8B79-37D633B846F1}">
-                <asvg:svgBlip xmlns:asvg="http://schemas.microsoft.com/office/drawing/2016/SVG/main" r:embed="rId3"/>
+                <asvg:svgBlip xmlns:asvg="http://schemas.microsoft.com/office/drawing/2016/SVG/main" r:embed="rId4"/>
               </a:ext>
             </a:extLst>
           </a:blip>
@@ -18158,6 +18353,12 @@
             <a:r>
               <a:rPr lang="en-US" dirty="0"/>
               <a:t>Hosted and non-hosted Agents/Runners</a:t>
+            </a:r>
+          </a:p>
+          <a:p>
+            <a:r>
+              <a:rPr lang="en-US" dirty="0"/>
+              <a:t>Workflow definitions live with the code</a:t>
             </a:r>
           </a:p>
         </p:txBody>

--- a/getting-started-with-github-actions.pptx
+++ b/getting-started-with-github-actions.pptx
@@ -6330,7 +6330,7 @@
           <a:p>
             <a:fld id="{483CF091-EDBF-4084-AB7D-074BB5D46B80}" type="datetimeFigureOut">
               <a:rPr lang="en-US" smtClean="0"/>
-              <a:t>5/15/2023</a:t>
+              <a:t>5/16/2023</a:t>
             </a:fld>
             <a:endParaRPr lang="en-US"/>
           </a:p>
@@ -6764,6 +6764,18 @@
           <a:p>
             <a:endParaRPr lang="en-US" dirty="0"/>
           </a:p>
+          <a:p>
+            <a:r>
+              <a:rPr lang="en-US" dirty="0"/>
+              <a:t>Just got back to the tab where you clicked… there should be fun stuff there.</a:t>
+            </a:r>
+          </a:p>
+          <a:p>
+            <a:r>
+              <a:rPr lang="en-US" dirty="0"/>
+              <a:t>URL-8: https://github.com/pulcher/TalkingHead/actions</a:t>
+            </a:r>
+          </a:p>
         </p:txBody>
       </p:sp>
       <p:sp>
@@ -6932,7 +6944,7 @@
           <a:p>
             <a:r>
               <a:rPr lang="en-US" dirty="0"/>
-              <a:t>https://docs.github.com/en/actions/creating-actions/about-custom-actions</a:t>
+              <a:t>URL-9: https://docs.github.com/en/actions/creating-actions/about-custom-actions</a:t>
             </a:r>
           </a:p>
           <a:p>
@@ -6947,7 +6959,7 @@
           <a:p>
             <a:r>
               <a:rPr lang="en-US" dirty="0"/>
-              <a:t>https://github.com/actions/checkout/tree/v3</a:t>
+              <a:t>URL-10: https://github.com/actions/checkout/tree/v3</a:t>
             </a:r>
           </a:p>
         </p:txBody>
@@ -7052,29 +7064,6 @@
               <a:t>https://docs.github.com/en/actions/using-github-hosted-runners/about-github-hosted-runners</a:t>
             </a:r>
           </a:p>
-          <a:p>
-            <a:endParaRPr lang="en-US" dirty="0"/>
-          </a:p>
-          <a:p>
-            <a:r>
-              <a:rPr lang="en-US" dirty="0"/>
-              <a:t>Actions are </a:t>
-            </a:r>
-            <a:r>
-              <a:rPr lang="en-US" dirty="0" err="1"/>
-              <a:t>OpenSource</a:t>
-            </a:r>
-            <a:r>
-              <a:rPr lang="en-US" dirty="0"/>
-              <a:t>:  Show page….</a:t>
-            </a:r>
-          </a:p>
-          <a:p>
-            <a:r>
-              <a:rPr lang="en-US" dirty="0"/>
-              <a:t>https://github.com/actions/checkout/tree/v3</a:t>
-            </a:r>
-          </a:p>
         </p:txBody>
       </p:sp>
       <p:sp>
@@ -7168,7 +7157,7 @@
           <a:p>
             <a:r>
               <a:rPr lang="en-US" dirty="0"/>
-              <a:t>https://docs.github.com/en/actions/hosting-your-own-runners/managing-self-hosted-runners/about-self-hosted-runners</a:t>
+              <a:t>URL-11: https://docs.github.com/en/actions/hosting-your-own-runners/managing-self-hosted-runners/about-self-hosted-runners</a:t>
             </a:r>
           </a:p>
           <a:p>
@@ -7341,6 +7330,90 @@
 </p:notes>
 </file>
 
+<file path=ppt/notesSlides/notesSlide15.xml><?xml version="1.0" encoding="utf-8"?>
+<p:notes xmlns:a="http://schemas.openxmlformats.org/drawingml/2006/main" xmlns:r="http://schemas.openxmlformats.org/officeDocument/2006/relationships" xmlns:p="http://schemas.openxmlformats.org/presentationml/2006/main">
+  <p:cSld>
+    <p:spTree>
+      <p:nvGrpSpPr>
+        <p:cNvPr id="1" name=""/>
+        <p:cNvGrpSpPr/>
+        <p:nvPr/>
+      </p:nvGrpSpPr>
+      <p:grpSpPr>
+        <a:xfrm>
+          <a:off x="0" y="0"/>
+          <a:ext cx="0" cy="0"/>
+          <a:chOff x="0" y="0"/>
+          <a:chExt cx="0" cy="0"/>
+        </a:xfrm>
+      </p:grpSpPr>
+      <p:sp>
+        <p:nvSpPr>
+          <p:cNvPr id="2" name="Slide Image Placeholder 1"/>
+          <p:cNvSpPr>
+            <a:spLocks noGrp="1" noRot="1" noChangeAspect="1"/>
+          </p:cNvSpPr>
+          <p:nvPr>
+            <p:ph type="sldImg"/>
+          </p:nvPr>
+        </p:nvSpPr>
+        <p:spPr/>
+      </p:sp>
+      <p:sp>
+        <p:nvSpPr>
+          <p:cNvPr id="3" name="Notes Placeholder 2"/>
+          <p:cNvSpPr>
+            <a:spLocks noGrp="1"/>
+          </p:cNvSpPr>
+          <p:nvPr>
+            <p:ph type="body" idx="1"/>
+          </p:nvPr>
+        </p:nvSpPr>
+        <p:spPr/>
+        <p:txBody>
+          <a:bodyPr/>
+          <a:lstStyle/>
+          <a:p>
+            <a:endParaRPr lang="en-US" dirty="0"/>
+          </a:p>
+        </p:txBody>
+      </p:sp>
+      <p:sp>
+        <p:nvSpPr>
+          <p:cNvPr id="4" name="Slide Number Placeholder 3"/>
+          <p:cNvSpPr>
+            <a:spLocks noGrp="1"/>
+          </p:cNvSpPr>
+          <p:nvPr>
+            <p:ph type="sldNum" sz="quarter" idx="5"/>
+          </p:nvPr>
+        </p:nvSpPr>
+        <p:spPr/>
+        <p:txBody>
+          <a:bodyPr/>
+          <a:lstStyle/>
+          <a:p>
+            <a:fld id="{B8415318-9559-4C74-BDAD-E20CD3078992}" type="slidenum">
+              <a:rPr lang="en-US" smtClean="0"/>
+              <a:t>17</a:t>
+            </a:fld>
+            <a:endParaRPr lang="en-US"/>
+          </a:p>
+        </p:txBody>
+      </p:sp>
+    </p:spTree>
+    <p:extLst>
+      <p:ext uri="{BB962C8B-B14F-4D97-AF65-F5344CB8AC3E}">
+        <p14:creationId xmlns:p14="http://schemas.microsoft.com/office/powerpoint/2010/main" val="2337778152"/>
+      </p:ext>
+    </p:extLst>
+  </p:cSld>
+  <p:clrMapOvr>
+    <a:masterClrMapping/>
+  </p:clrMapOvr>
+</p:notes>
+</file>
+
 <file path=ppt/notesSlides/notesSlide2.xml><?xml version="1.0" encoding="utf-8"?>
 <p:notes xmlns:a="http://schemas.openxmlformats.org/drawingml/2006/main" xmlns:r="http://schemas.openxmlformats.org/officeDocument/2006/relationships" xmlns:p="http://schemas.openxmlformats.org/presentationml/2006/main">
   <p:cSld>
@@ -8268,6 +8341,29 @@
             </a:r>
           </a:p>
           <a:p>
+            <a:pPr marL="0" marR="0" lvl="0" indent="0" algn="l" defTabSz="914400" rtl="0" eaLnBrk="1" fontAlgn="auto" latinLnBrk="0" hangingPunct="1">
+              <a:lnSpc>
+                <a:spcPct val="100000"/>
+              </a:lnSpc>
+              <a:spcBef>
+                <a:spcPts val="0"/>
+              </a:spcBef>
+              <a:spcAft>
+                <a:spcPts val="0"/>
+              </a:spcAft>
+              <a:buClrTx/>
+              <a:buSzTx/>
+              <a:buFontTx/>
+              <a:buNone/>
+              <a:tabLst/>
+              <a:defRPr/>
+            </a:pPr>
+            <a:r>
+              <a:rPr lang="en-US" dirty="0"/>
+              <a:t>URL-4: https://github.com/pulcher/BeerTracker</a:t>
+            </a:r>
+          </a:p>
+          <a:p>
             <a:endParaRPr lang="en-US" dirty="0"/>
           </a:p>
           <a:p>
@@ -8399,7 +8495,7 @@
           <a:p>
             <a:r>
               <a:rPr lang="en-US" dirty="0"/>
-              <a:t>https://docs.github.com/en/actions/using-workflows/workflow-syntax-for-github-actions#on</a:t>
+              <a:t>URL-1: https://docs.github.com/en/actions/using-workflows/workflow-syntax-for-github-actions#on</a:t>
             </a:r>
           </a:p>
           <a:p>
@@ -8414,7 +8510,7 @@
           <a:p>
             <a:r>
               <a:rPr lang="en-US" dirty="0"/>
-              <a:t>https://docs.github.com/en/rest/repos/repos?apiVersion=2022-11-28#create-a-repository-dispatch-event</a:t>
+              <a:t>URL-2: https://docs.github.com/en/rest/repos/repos?apiVersion=2022-11-28#create-a-repository-dispatch-event</a:t>
             </a:r>
           </a:p>
           <a:p>
@@ -8429,7 +8525,7 @@
           <a:p>
             <a:r>
               <a:rPr lang="en-US" dirty="0"/>
-              <a:t>https://docs.github.com/en/actions/using-workflows/workflow-syntax-for-github-actions#onschedule</a:t>
+              <a:t>URL-3: https://docs.github.com/en/actions/using-workflows/workflow-syntax-for-github-actions#onschedule</a:t>
             </a:r>
           </a:p>
           <a:p>
@@ -8472,10 +8568,70 @@
             </a:r>
           </a:p>
           <a:p>
+            <a:pPr marL="0" marR="0" lvl="0" indent="0" algn="l" defTabSz="914400" rtl="0" eaLnBrk="1" fontAlgn="auto" latinLnBrk="0" hangingPunct="1">
+              <a:lnSpc>
+                <a:spcPct val="100000"/>
+              </a:lnSpc>
+              <a:spcBef>
+                <a:spcPts val="0"/>
+              </a:spcBef>
+              <a:spcAft>
+                <a:spcPts val="0"/>
+              </a:spcAft>
+              <a:buClrTx/>
+              <a:buSzTx/>
+              <a:buFontTx/>
+              <a:buNone/>
+              <a:tabLst/>
+              <a:defRPr/>
+            </a:pPr>
+            <a:r>
+              <a:rPr lang="en-US" dirty="0"/>
+              <a:t>URL-8: Actions · https://github.com/pulcher/TalkingHead/actions</a:t>
+            </a:r>
+          </a:p>
+          <a:p>
+            <a:pPr marL="0" marR="0" lvl="0" indent="0" algn="l" defTabSz="914400" rtl="0" eaLnBrk="1" fontAlgn="auto" latinLnBrk="0" hangingPunct="1">
+              <a:lnSpc>
+                <a:spcPct val="100000"/>
+              </a:lnSpc>
+              <a:spcBef>
+                <a:spcPts val="0"/>
+              </a:spcBef>
+              <a:spcAft>
+                <a:spcPts val="0"/>
+              </a:spcAft>
+              <a:buClrTx/>
+              <a:buSzTx/>
+              <a:buFontTx/>
+              <a:buNone/>
+              <a:tabLst/>
+              <a:defRPr/>
+            </a:pPr>
             <a:endParaRPr lang="en-US" dirty="0"/>
           </a:p>
           <a:p>
-            <a:endParaRPr lang="en-US" dirty="0"/>
+            <a:pPr marL="0" marR="0" lvl="0" indent="0" algn="l" defTabSz="914400" rtl="0" eaLnBrk="1" fontAlgn="auto" latinLnBrk="0" hangingPunct="1">
+              <a:lnSpc>
+                <a:spcPct val="100000"/>
+              </a:lnSpc>
+              <a:spcBef>
+                <a:spcPts val="0"/>
+              </a:spcBef>
+              <a:spcAft>
+                <a:spcPts val="0"/>
+              </a:spcAft>
+              <a:buClrTx/>
+              <a:buSzTx/>
+              <a:buFontTx/>
+              <a:buNone/>
+              <a:tabLst/>
+              <a:defRPr/>
+            </a:pPr>
+            <a:r>
+              <a:rPr lang="en-US" dirty="0"/>
+              <a:t>Then after adding and clicking go, come back to the slide desk and go a couple of slides.</a:t>
+            </a:r>
           </a:p>
         </p:txBody>
       </p:sp>
@@ -8567,7 +8723,7 @@
           <a:p>
             <a:r>
               <a:rPr lang="en-US" dirty="0"/>
-              <a:t>https://docs.github.com/en/actions/using-jobs/using-jobs-in-a-workflow</a:t>
+              <a:t>URL-5: https://docs.github.com/en/actions/using-jobs/using-jobs-in-a-workflow</a:t>
             </a:r>
           </a:p>
           <a:p>
@@ -8727,7 +8883,7 @@
           <a:p>
             <a:r>
               <a:rPr lang="en-US" dirty="0"/>
-              <a:t>https://docs.github.com/en/actions/using-workflows/workflow-commands-for-github-actions</a:t>
+              <a:t>URL-6: https://docs.github.com/en/actions/using-workflows/workflow-commands-for-github-actions</a:t>
             </a:r>
           </a:p>
           <a:p>
@@ -8826,7 +8982,7 @@
           <a:p>
             <a:r>
               <a:rPr lang="en-US" dirty="0"/>
-              <a:t>https://docs.github.com/en/actions/examples/using-scripts-to-test-your-code-on-a-runner</a:t>
+              <a:t>URL-7: https://docs.github.com/en/actions/examples/using-scripts-to-test-your-code-on-a-runner</a:t>
             </a:r>
           </a:p>
         </p:txBody>
@@ -9215,7 +9371,7 @@
           <a:p>
             <a:fld id="{3CADBD16-5BFB-4D9F-9646-C75D1B53BBB6}" type="datetimeFigureOut">
               <a:rPr lang="en-US" smtClean="0"/>
-              <a:t>5/15/2023</a:t>
+              <a:t>5/16/2023</a:t>
             </a:fld>
             <a:endParaRPr lang="en-US"/>
           </a:p>
@@ -9456,7 +9612,7 @@
           <a:p>
             <a:fld id="{3CADBD16-5BFB-4D9F-9646-C75D1B53BBB6}" type="datetimeFigureOut">
               <a:rPr lang="en-US" smtClean="0"/>
-              <a:t>5/15/2023</a:t>
+              <a:t>5/16/2023</a:t>
             </a:fld>
             <a:endParaRPr lang="en-US"/>
           </a:p>
@@ -9664,7 +9820,7 @@
           <a:p>
             <a:fld id="{3CADBD16-5BFB-4D9F-9646-C75D1B53BBB6}" type="datetimeFigureOut">
               <a:rPr lang="en-US" smtClean="0"/>
-              <a:t>5/15/2023</a:t>
+              <a:t>5/16/2023</a:t>
             </a:fld>
             <a:endParaRPr lang="en-US"/>
           </a:p>
@@ -9862,7 +10018,7 @@
           <a:p>
             <a:fld id="{3CADBD16-5BFB-4D9F-9646-C75D1B53BBB6}" type="datetimeFigureOut">
               <a:rPr lang="en-US" smtClean="0"/>
-              <a:t>5/15/2023</a:t>
+              <a:t>5/16/2023</a:t>
             </a:fld>
             <a:endParaRPr lang="en-US"/>
           </a:p>
@@ -10139,7 +10295,7 @@
           <a:p>
             <a:fld id="{3CADBD16-5BFB-4D9F-9646-C75D1B53BBB6}" type="datetimeFigureOut">
               <a:rPr lang="en-US" smtClean="0"/>
-              <a:t>5/15/2023</a:t>
+              <a:t>5/16/2023</a:t>
             </a:fld>
             <a:endParaRPr lang="en-US"/>
           </a:p>
@@ -10404,7 +10560,7 @@
           <a:p>
             <a:fld id="{3CADBD16-5BFB-4D9F-9646-C75D1B53BBB6}" type="datetimeFigureOut">
               <a:rPr lang="en-US" smtClean="0"/>
-              <a:t>5/15/2023</a:t>
+              <a:t>5/16/2023</a:t>
             </a:fld>
             <a:endParaRPr lang="en-US"/>
           </a:p>
@@ -10820,7 +10976,7 @@
           <a:p>
             <a:fld id="{3CADBD16-5BFB-4D9F-9646-C75D1B53BBB6}" type="datetimeFigureOut">
               <a:rPr lang="en-US" smtClean="0"/>
-              <a:t>5/15/2023</a:t>
+              <a:t>5/16/2023</a:t>
             </a:fld>
             <a:endParaRPr lang="en-US"/>
           </a:p>
@@ -10970,7 +11126,7 @@
           <a:p>
             <a:fld id="{3CADBD16-5BFB-4D9F-9646-C75D1B53BBB6}" type="datetimeFigureOut">
               <a:rPr lang="en-US" smtClean="0"/>
-              <a:t>5/15/2023</a:t>
+              <a:t>5/16/2023</a:t>
             </a:fld>
             <a:endParaRPr lang="en-US"/>
           </a:p>
@@ -11083,7 +11239,7 @@
           <a:p>
             <a:fld id="{3CADBD16-5BFB-4D9F-9646-C75D1B53BBB6}" type="datetimeFigureOut">
               <a:rPr lang="en-US" smtClean="0"/>
-              <a:t>5/15/2023</a:t>
+              <a:t>5/16/2023</a:t>
             </a:fld>
             <a:endParaRPr lang="en-US"/>
           </a:p>
@@ -11399,7 +11555,7 @@
           <a:p>
             <a:fld id="{3CADBD16-5BFB-4D9F-9646-C75D1B53BBB6}" type="datetimeFigureOut">
               <a:rPr lang="en-US" smtClean="0"/>
-              <a:t>5/15/2023</a:t>
+              <a:t>5/16/2023</a:t>
             </a:fld>
             <a:endParaRPr lang="en-US"/>
           </a:p>
@@ -11650,7 +11806,7 @@
           <a:p>
             <a:fld id="{3CADBD16-5BFB-4D9F-9646-C75D1B53BBB6}" type="datetimeFigureOut">
               <a:rPr lang="en-US" smtClean="0"/>
-              <a:t>5/15/2023</a:t>
+              <a:t>5/16/2023</a:t>
             </a:fld>
             <a:endParaRPr lang="en-US"/>
           </a:p>
@@ -12159,7 +12315,7 @@
             <a:fld id="{3CADBD16-5BFB-4D9F-9646-C75D1B53BBB6}" type="datetimeFigureOut">
               <a:rPr lang="en-US" smtClean="0"/>
               <a:pPr/>
-              <a:t>5/15/2023</a:t>
+              <a:t>5/16/2023</a:t>
             </a:fld>
             <a:endParaRPr lang="en-US" dirty="0"/>
           </a:p>
@@ -12675,7 +12831,7 @@
         </p:nvSpPr>
         <p:spPr>
           <a:xfrm>
-            <a:off x="1143001" y="1181101"/>
+            <a:off x="947469" y="554248"/>
             <a:ext cx="4953000" cy="2481974"/>
           </a:xfrm>
         </p:spPr>
@@ -12691,7 +12847,7 @@
               </a:lnSpc>
             </a:pPr>
             <a:r>
-              <a:rPr lang="en-US" sz="4100"/>
+              <a:rPr lang="en-US" sz="4100" dirty="0"/>
               <a:t>Getting Started with GitHub Actions</a:t>
             </a:r>
           </a:p>
@@ -12715,7 +12871,7 @@
         </p:nvSpPr>
         <p:spPr>
           <a:xfrm>
-            <a:off x="444501" y="3537956"/>
+            <a:off x="279901" y="3135390"/>
             <a:ext cx="4521200" cy="2037344"/>
           </a:xfrm>
         </p:spPr>
@@ -12749,10 +12905,8 @@
             <a:pPr algn="l"/>
             <a:r>
               <a:rPr lang="en-US" sz="1800" dirty="0"/>
-              <a:t>https://bit.ly/hobby-helps-profession</a:t>
-            </a:r>
-          </a:p>
-          <a:p>
+              <a:t>https://bit.ly/github-actions-getting-started</a:t>
+            </a:r>
             <a:endParaRPr lang="en-US" dirty="0"/>
           </a:p>
         </p:txBody>
@@ -17612,7 +17766,7 @@
             </a:r>
             <a:r>
               <a:rPr lang="en-US" dirty="0">
-                <a:hlinkClick r:id="rId2"/>
+                <a:hlinkClick r:id="rId3"/>
               </a:rPr>
               <a:t>GitHub Actions Documentation - GitHub Docs</a:t>
             </a:r>
@@ -17647,7 +17801,7 @@
           <p:nvPr/>
         </p:nvPicPr>
         <p:blipFill rotWithShape="1">
-          <a:blip r:embed="rId3"/>
+          <a:blip r:embed="rId4"/>
           <a:srcRect l="19734" r="19628" b="1"/>
           <a:stretch/>
         </p:blipFill>
